--- a/SOLID MECHANICS/ENGINEERING MECHANICS SHORTNOTES/EM Revision.pptx
+++ b/SOLID MECHANICS/ENGINEERING MECHANICS SHORTNOTES/EM Revision.pptx
@@ -17,6 +17,9 @@
     <p:sldId id="265" r:id="rId11"/>
     <p:sldId id="266" r:id="rId12"/>
     <p:sldId id="267" r:id="rId13"/>
+    <p:sldId id="268" r:id="rId14"/>
+    <p:sldId id="269" r:id="rId15"/>
+    <p:sldId id="270" r:id="rId16"/>
   </p:sldIdLst>
   <p:sldSz cx="12192000" cy="6858000"/>
   <p:notesSz cx="6858000" cy="9144000"/>
@@ -5666,8 +5669,8 @@
           </a:p>
         </p:txBody>
       </p:sp>
-      <mc:AlternateContent xmlns:mc="http://schemas.openxmlformats.org/markup-compatibility/2006">
-        <mc:Choice xmlns:a14="http://schemas.microsoft.com/office/drawing/2010/main" Requires="a14">
+      <mc:AlternateContent xmlns:mc="http://schemas.openxmlformats.org/markup-compatibility/2006" xmlns:a14="http://schemas.microsoft.com/office/drawing/2010/main">
+        <mc:Choice Requires="a14">
           <p:sp>
             <p:nvSpPr>
               <p:cNvPr id="30" name="TextBox 29">
@@ -5696,6 +5699,7 @@
               </a:bodyPr>
               <a:lstStyle/>
               <a:p>
+                <a:pPr/>
                 <a14:m>
                   <m:oMathPara xmlns:m="http://schemas.openxmlformats.org/officeDocument/2006/math">
                     <m:oMathParaPr>
@@ -5717,7 +5721,7 @@
             </p:txBody>
           </p:sp>
         </mc:Choice>
-        <mc:Fallback>
+        <mc:Fallback xmlns="">
           <p:sp>
             <p:nvSpPr>
               <p:cNvPr id="30" name="TextBox 29">
@@ -6455,8 +6459,8 @@
           </a:p>
         </p:txBody>
       </p:sp>
-      <mc:AlternateContent xmlns:mc="http://schemas.openxmlformats.org/markup-compatibility/2006">
-        <mc:Choice xmlns:a14="http://schemas.microsoft.com/office/drawing/2010/main" Requires="a14">
+      <mc:AlternateContent xmlns:mc="http://schemas.openxmlformats.org/markup-compatibility/2006" xmlns:a14="http://schemas.microsoft.com/office/drawing/2010/main">
+        <mc:Choice Requires="a14">
           <p:sp>
             <p:nvSpPr>
               <p:cNvPr id="77" name="TextBox 76">
@@ -6485,6 +6489,7 @@
               </a:bodyPr>
               <a:lstStyle/>
               <a:p>
+                <a:pPr/>
                 <a14:m>
                   <m:oMathPara xmlns:m="http://schemas.openxmlformats.org/officeDocument/2006/math">
                     <m:oMathParaPr>
@@ -6506,7 +6511,7 @@
             </p:txBody>
           </p:sp>
         </mc:Choice>
-        <mc:Fallback>
+        <mc:Fallback xmlns="">
           <p:sp>
             <p:nvSpPr>
               <p:cNvPr id="77" name="TextBox 76">
@@ -6551,8 +6556,8 @@
           </p:sp>
         </mc:Fallback>
       </mc:AlternateContent>
-      <mc:AlternateContent xmlns:mc="http://schemas.openxmlformats.org/markup-compatibility/2006">
-        <mc:Choice xmlns:a14="http://schemas.microsoft.com/office/drawing/2010/main" Requires="a14">
+      <mc:AlternateContent xmlns:mc="http://schemas.openxmlformats.org/markup-compatibility/2006" xmlns:a14="http://schemas.microsoft.com/office/drawing/2010/main">
+        <mc:Choice Requires="a14">
           <p:sp>
             <p:nvSpPr>
               <p:cNvPr id="78" name="TextBox 77">
@@ -6637,7 +6642,7 @@
             </p:txBody>
           </p:sp>
         </mc:Choice>
-        <mc:Fallback>
+        <mc:Fallback xmlns="">
           <p:sp>
             <p:nvSpPr>
               <p:cNvPr id="78" name="TextBox 77">
@@ -6683,8 +6688,8 @@
           </p:sp>
         </mc:Fallback>
       </mc:AlternateContent>
-      <mc:AlternateContent xmlns:mc="http://schemas.openxmlformats.org/markup-compatibility/2006">
-        <mc:Choice xmlns:a14="http://schemas.microsoft.com/office/drawing/2010/main" Requires="a14">
+      <mc:AlternateContent xmlns:mc="http://schemas.openxmlformats.org/markup-compatibility/2006" xmlns:a14="http://schemas.microsoft.com/office/drawing/2010/main">
+        <mc:Choice Requires="a14">
           <p:sp>
             <p:nvSpPr>
               <p:cNvPr id="79" name="TextBox 78">
@@ -6768,7 +6773,7 @@
             </p:txBody>
           </p:sp>
         </mc:Choice>
-        <mc:Fallback>
+        <mc:Fallback xmlns="">
           <p:sp>
             <p:nvSpPr>
               <p:cNvPr id="79" name="TextBox 78">
@@ -7187,8 +7192,8 @@
           </a:p>
         </p:txBody>
       </p:sp>
-      <mc:AlternateContent xmlns:mc="http://schemas.openxmlformats.org/markup-compatibility/2006">
-        <mc:Choice xmlns:a14="http://schemas.microsoft.com/office/drawing/2010/main" Requires="a14">
+      <mc:AlternateContent xmlns:mc="http://schemas.openxmlformats.org/markup-compatibility/2006" xmlns:a14="http://schemas.microsoft.com/office/drawing/2010/main">
+        <mc:Choice Requires="a14">
           <p:sp>
             <p:nvSpPr>
               <p:cNvPr id="52" name="TextBox 51">
@@ -7217,6 +7222,7 @@
               </a:bodyPr>
               <a:lstStyle/>
               <a:p>
+                <a:pPr/>
                 <a14:m>
                   <m:oMathPara xmlns:m="http://schemas.openxmlformats.org/officeDocument/2006/math">
                     <m:oMathParaPr>
@@ -7238,7 +7244,7 @@
             </p:txBody>
           </p:sp>
         </mc:Choice>
-        <mc:Fallback>
+        <mc:Fallback xmlns="">
           <p:sp>
             <p:nvSpPr>
               <p:cNvPr id="52" name="TextBox 51">
@@ -7644,8 +7650,8 @@
           </a:fontRef>
         </p:style>
       </p:cxnSp>
-      <mc:AlternateContent xmlns:mc="http://schemas.openxmlformats.org/markup-compatibility/2006">
-        <mc:Choice xmlns:a14="http://schemas.microsoft.com/office/drawing/2010/main" Requires="a14">
+      <mc:AlternateContent xmlns:mc="http://schemas.openxmlformats.org/markup-compatibility/2006" xmlns:a14="http://schemas.microsoft.com/office/drawing/2010/main">
+        <mc:Choice Requires="a14">
           <p:sp>
             <p:nvSpPr>
               <p:cNvPr id="68" name="TextBox 67">
@@ -7713,7 +7719,7 @@
             </p:txBody>
           </p:sp>
         </mc:Choice>
-        <mc:Fallback>
+        <mc:Fallback xmlns="">
           <p:sp>
             <p:nvSpPr>
               <p:cNvPr id="68" name="TextBox 67">
@@ -7876,6 +7882,5445 @@
     <p:extLst>
       <p:ext uri="{BB962C8B-B14F-4D97-AF65-F5344CB8AC3E}">
         <p14:creationId xmlns:p14="http://schemas.microsoft.com/office/powerpoint/2010/main" val="89691583"/>
+      </p:ext>
+    </p:extLst>
+  </p:cSld>
+  <p:clrMapOvr>
+    <a:masterClrMapping/>
+  </p:clrMapOvr>
+</p:sld>
+</file>
+
+<file path=ppt/slides/slide13.xml><?xml version="1.0" encoding="utf-8"?>
+<p:sld xmlns:a="http://schemas.openxmlformats.org/drawingml/2006/main" xmlns:r="http://schemas.openxmlformats.org/officeDocument/2006/relationships" xmlns:p="http://schemas.openxmlformats.org/presentationml/2006/main">
+  <p:cSld>
+    <p:spTree>
+      <p:nvGrpSpPr>
+        <p:cNvPr id="1" name=""/>
+        <p:cNvGrpSpPr/>
+        <p:nvPr/>
+      </p:nvGrpSpPr>
+      <p:grpSpPr>
+        <a:xfrm>
+          <a:off x="0" y="0"/>
+          <a:ext cx="0" cy="0"/>
+          <a:chOff x="0" y="0"/>
+          <a:chExt cx="0" cy="0"/>
+        </a:xfrm>
+      </p:grpSpPr>
+      <p:sp>
+        <p:nvSpPr>
+          <p:cNvPr id="35" name="Callout: Line 34">
+            <a:extLst>
+              <a:ext uri="{FF2B5EF4-FFF2-40B4-BE49-F238E27FC236}">
+                <a16:creationId xmlns:a16="http://schemas.microsoft.com/office/drawing/2014/main" id="{307D38B3-A56F-44EB-86E8-761E5C44CC5A}"/>
+              </a:ext>
+            </a:extLst>
+          </p:cNvPr>
+          <p:cNvSpPr/>
+          <p:nvPr/>
+        </p:nvSpPr>
+        <p:spPr>
+          <a:xfrm flipH="1">
+            <a:off x="6329082" y="2458601"/>
+            <a:ext cx="403412" cy="228580"/>
+          </a:xfrm>
+          <a:prstGeom prst="borderCallout1">
+            <a:avLst>
+              <a:gd name="adj1" fmla="val 48480"/>
+              <a:gd name="adj2" fmla="val -1495"/>
+              <a:gd name="adj3" fmla="val 112500"/>
+              <a:gd name="adj4" fmla="val -38333"/>
+            </a:avLst>
+          </a:prstGeom>
+          <a:solidFill>
+            <a:schemeClr val="bg1">
+              <a:lumMod val="85000"/>
+            </a:schemeClr>
+          </a:solidFill>
+          <a:ln w="76200"/>
+        </p:spPr>
+        <p:style>
+          <a:lnRef idx="2">
+            <a:schemeClr val="dk1">
+              <a:shade val="50000"/>
+            </a:schemeClr>
+          </a:lnRef>
+          <a:fillRef idx="1">
+            <a:schemeClr val="dk1"/>
+          </a:fillRef>
+          <a:effectRef idx="0">
+            <a:schemeClr val="dk1"/>
+          </a:effectRef>
+          <a:fontRef idx="minor">
+            <a:schemeClr val="lt1"/>
+          </a:fontRef>
+        </p:style>
+        <p:txBody>
+          <a:bodyPr rtlCol="0" anchor="ctr"/>
+          <a:lstStyle/>
+          <a:p>
+            <a:pPr algn="ctr"/>
+            <a:endParaRPr lang="en-IN"/>
+          </a:p>
+        </p:txBody>
+      </p:sp>
+      <p:sp>
+        <p:nvSpPr>
+          <p:cNvPr id="12" name="Callout: Line 11">
+            <a:extLst>
+              <a:ext uri="{FF2B5EF4-FFF2-40B4-BE49-F238E27FC236}">
+                <a16:creationId xmlns:a16="http://schemas.microsoft.com/office/drawing/2014/main" id="{B76F4F05-868E-4A41-AA86-70FDA55B3429}"/>
+              </a:ext>
+            </a:extLst>
+          </p:cNvPr>
+          <p:cNvSpPr/>
+          <p:nvPr/>
+        </p:nvSpPr>
+        <p:spPr>
+          <a:xfrm>
+            <a:off x="9197787" y="2449636"/>
+            <a:ext cx="403412" cy="246510"/>
+          </a:xfrm>
+          <a:prstGeom prst="borderCallout1">
+            <a:avLst>
+              <a:gd name="adj1" fmla="val 48480"/>
+              <a:gd name="adj2" fmla="val -1495"/>
+              <a:gd name="adj3" fmla="val 112500"/>
+              <a:gd name="adj4" fmla="val -38333"/>
+            </a:avLst>
+          </a:prstGeom>
+          <a:solidFill>
+            <a:schemeClr val="bg1">
+              <a:lumMod val="85000"/>
+            </a:schemeClr>
+          </a:solidFill>
+          <a:ln w="76200"/>
+        </p:spPr>
+        <p:style>
+          <a:lnRef idx="2">
+            <a:schemeClr val="dk1">
+              <a:shade val="50000"/>
+            </a:schemeClr>
+          </a:lnRef>
+          <a:fillRef idx="1">
+            <a:schemeClr val="dk1"/>
+          </a:fillRef>
+          <a:effectRef idx="0">
+            <a:schemeClr val="dk1"/>
+          </a:effectRef>
+          <a:fontRef idx="minor">
+            <a:schemeClr val="lt1"/>
+          </a:fontRef>
+        </p:style>
+        <p:txBody>
+          <a:bodyPr rtlCol="0" anchor="ctr"/>
+          <a:lstStyle/>
+          <a:p>
+            <a:pPr algn="ctr"/>
+            <a:endParaRPr lang="en-IN"/>
+          </a:p>
+        </p:txBody>
+      </p:sp>
+      <p:sp>
+        <p:nvSpPr>
+          <p:cNvPr id="2" name="Rectangle 1">
+            <a:extLst>
+              <a:ext uri="{FF2B5EF4-FFF2-40B4-BE49-F238E27FC236}">
+                <a16:creationId xmlns:a16="http://schemas.microsoft.com/office/drawing/2014/main" id="{BC170F98-6319-498B-A46E-4E0FBDBB9144}"/>
+              </a:ext>
+            </a:extLst>
+          </p:cNvPr>
+          <p:cNvSpPr/>
+          <p:nvPr/>
+        </p:nvSpPr>
+        <p:spPr>
+          <a:xfrm>
+            <a:off x="6329082" y="3281083"/>
+            <a:ext cx="3272118" cy="1317812"/>
+          </a:xfrm>
+          <a:prstGeom prst="rect">
+            <a:avLst/>
+          </a:prstGeom>
+        </p:spPr>
+        <p:style>
+          <a:lnRef idx="1">
+            <a:schemeClr val="accent3"/>
+          </a:lnRef>
+          <a:fillRef idx="2">
+            <a:schemeClr val="accent3"/>
+          </a:fillRef>
+          <a:effectRef idx="1">
+            <a:schemeClr val="accent3"/>
+          </a:effectRef>
+          <a:fontRef idx="minor">
+            <a:schemeClr val="dk1"/>
+          </a:fontRef>
+        </p:style>
+        <p:txBody>
+          <a:bodyPr rtlCol="0" anchor="ctr"/>
+          <a:lstStyle/>
+          <a:p>
+            <a:pPr algn="ctr"/>
+            <a:endParaRPr lang="en-IN"/>
+          </a:p>
+        </p:txBody>
+      </p:sp>
+      <p:sp>
+        <p:nvSpPr>
+          <p:cNvPr id="4" name="Rectangle 3">
+            <a:extLst>
+              <a:ext uri="{FF2B5EF4-FFF2-40B4-BE49-F238E27FC236}">
+                <a16:creationId xmlns:a16="http://schemas.microsoft.com/office/drawing/2014/main" id="{A0C5A62D-AD5B-4A8C-8F23-20799CACB0DD}"/>
+              </a:ext>
+            </a:extLst>
+          </p:cNvPr>
+          <p:cNvSpPr/>
+          <p:nvPr/>
+        </p:nvSpPr>
+        <p:spPr>
+          <a:xfrm>
+            <a:off x="6844552" y="2268071"/>
+            <a:ext cx="2241177" cy="1013012"/>
+          </a:xfrm>
+          <a:prstGeom prst="rect">
+            <a:avLst/>
+          </a:prstGeom>
+        </p:spPr>
+        <p:style>
+          <a:lnRef idx="1">
+            <a:schemeClr val="accent3"/>
+          </a:lnRef>
+          <a:fillRef idx="2">
+            <a:schemeClr val="accent3"/>
+          </a:fillRef>
+          <a:effectRef idx="1">
+            <a:schemeClr val="accent3"/>
+          </a:effectRef>
+          <a:fontRef idx="minor">
+            <a:schemeClr val="dk1"/>
+          </a:fontRef>
+        </p:style>
+        <p:txBody>
+          <a:bodyPr rtlCol="0" anchor="ctr"/>
+          <a:lstStyle/>
+          <a:p>
+            <a:pPr algn="ctr"/>
+            <a:endParaRPr lang="en-IN"/>
+          </a:p>
+        </p:txBody>
+      </p:sp>
+      <p:sp>
+        <p:nvSpPr>
+          <p:cNvPr id="7" name="Rectangle 6">
+            <a:extLst>
+              <a:ext uri="{FF2B5EF4-FFF2-40B4-BE49-F238E27FC236}">
+                <a16:creationId xmlns:a16="http://schemas.microsoft.com/office/drawing/2014/main" id="{717169BF-A603-4063-BF92-8FE7ABFF0D47}"/>
+              </a:ext>
+            </a:extLst>
+          </p:cNvPr>
+          <p:cNvSpPr/>
+          <p:nvPr/>
+        </p:nvSpPr>
+        <p:spPr>
+          <a:xfrm>
+            <a:off x="6329082" y="4204447"/>
+            <a:ext cx="681318" cy="394448"/>
+          </a:xfrm>
+          <a:prstGeom prst="rect">
+            <a:avLst/>
+          </a:prstGeom>
+          <a:solidFill>
+            <a:srgbClr val="FF0000"/>
+          </a:solidFill>
+        </p:spPr>
+        <p:style>
+          <a:lnRef idx="2">
+            <a:schemeClr val="accent1">
+              <a:shade val="50000"/>
+            </a:schemeClr>
+          </a:lnRef>
+          <a:fillRef idx="1">
+            <a:schemeClr val="accent1"/>
+          </a:fillRef>
+          <a:effectRef idx="0">
+            <a:schemeClr val="accent1"/>
+          </a:effectRef>
+          <a:fontRef idx="minor">
+            <a:schemeClr val="lt1"/>
+          </a:fontRef>
+        </p:style>
+        <p:txBody>
+          <a:bodyPr rtlCol="0" anchor="ctr"/>
+          <a:lstStyle/>
+          <a:p>
+            <a:pPr algn="ctr"/>
+            <a:endParaRPr lang="en-IN"/>
+          </a:p>
+        </p:txBody>
+      </p:sp>
+      <p:sp>
+        <p:nvSpPr>
+          <p:cNvPr id="30" name="Rectangle 29">
+            <a:extLst>
+              <a:ext uri="{FF2B5EF4-FFF2-40B4-BE49-F238E27FC236}">
+                <a16:creationId xmlns:a16="http://schemas.microsoft.com/office/drawing/2014/main" id="{91BE6F30-869E-48F4-9300-E85E3F893964}"/>
+              </a:ext>
+            </a:extLst>
+          </p:cNvPr>
+          <p:cNvSpPr/>
+          <p:nvPr/>
+        </p:nvSpPr>
+        <p:spPr>
+          <a:xfrm>
+            <a:off x="8928847" y="4204447"/>
+            <a:ext cx="681318" cy="394448"/>
+          </a:xfrm>
+          <a:prstGeom prst="rect">
+            <a:avLst/>
+          </a:prstGeom>
+          <a:solidFill>
+            <a:srgbClr val="FF0000"/>
+          </a:solidFill>
+        </p:spPr>
+        <p:style>
+          <a:lnRef idx="2">
+            <a:schemeClr val="accent1">
+              <a:shade val="50000"/>
+            </a:schemeClr>
+          </a:lnRef>
+          <a:fillRef idx="1">
+            <a:schemeClr val="accent1"/>
+          </a:fillRef>
+          <a:effectRef idx="0">
+            <a:schemeClr val="accent1"/>
+          </a:effectRef>
+          <a:fontRef idx="minor">
+            <a:schemeClr val="lt1"/>
+          </a:fontRef>
+        </p:style>
+        <p:txBody>
+          <a:bodyPr rtlCol="0" anchor="ctr"/>
+          <a:lstStyle/>
+          <a:p>
+            <a:pPr algn="ctr"/>
+            <a:endParaRPr lang="en-IN"/>
+          </a:p>
+        </p:txBody>
+      </p:sp>
+      <p:sp>
+        <p:nvSpPr>
+          <p:cNvPr id="8" name="Rectangle 7">
+            <a:extLst>
+              <a:ext uri="{FF2B5EF4-FFF2-40B4-BE49-F238E27FC236}">
+                <a16:creationId xmlns:a16="http://schemas.microsoft.com/office/drawing/2014/main" id="{038D657A-9F6E-44C9-A2F4-896F2A30F939}"/>
+              </a:ext>
+            </a:extLst>
+          </p:cNvPr>
+          <p:cNvSpPr/>
+          <p:nvPr/>
+        </p:nvSpPr>
+        <p:spPr>
+          <a:xfrm>
+            <a:off x="6472516" y="4598894"/>
+            <a:ext cx="376518" cy="394449"/>
+          </a:xfrm>
+          <a:prstGeom prst="rect">
+            <a:avLst/>
+          </a:prstGeom>
+        </p:spPr>
+        <p:style>
+          <a:lnRef idx="2">
+            <a:schemeClr val="dk1">
+              <a:shade val="50000"/>
+            </a:schemeClr>
+          </a:lnRef>
+          <a:fillRef idx="1">
+            <a:schemeClr val="dk1"/>
+          </a:fillRef>
+          <a:effectRef idx="0">
+            <a:schemeClr val="dk1"/>
+          </a:effectRef>
+          <a:fontRef idx="minor">
+            <a:schemeClr val="lt1"/>
+          </a:fontRef>
+        </p:style>
+        <p:txBody>
+          <a:bodyPr rtlCol="0" anchor="ctr"/>
+          <a:lstStyle/>
+          <a:p>
+            <a:pPr algn="ctr"/>
+            <a:endParaRPr lang="en-IN"/>
+          </a:p>
+        </p:txBody>
+      </p:sp>
+      <p:sp>
+        <p:nvSpPr>
+          <p:cNvPr id="31" name="Rectangle 30">
+            <a:extLst>
+              <a:ext uri="{FF2B5EF4-FFF2-40B4-BE49-F238E27FC236}">
+                <a16:creationId xmlns:a16="http://schemas.microsoft.com/office/drawing/2014/main" id="{AD711FDA-01B5-4F27-82B7-9913FF54DA54}"/>
+              </a:ext>
+            </a:extLst>
+          </p:cNvPr>
+          <p:cNvSpPr/>
+          <p:nvPr/>
+        </p:nvSpPr>
+        <p:spPr>
+          <a:xfrm>
+            <a:off x="9081246" y="4598894"/>
+            <a:ext cx="376518" cy="394449"/>
+          </a:xfrm>
+          <a:prstGeom prst="rect">
+            <a:avLst/>
+          </a:prstGeom>
+        </p:spPr>
+        <p:style>
+          <a:lnRef idx="2">
+            <a:schemeClr val="dk1">
+              <a:shade val="50000"/>
+            </a:schemeClr>
+          </a:lnRef>
+          <a:fillRef idx="1">
+            <a:schemeClr val="dk1"/>
+          </a:fillRef>
+          <a:effectRef idx="0">
+            <a:schemeClr val="dk1"/>
+          </a:effectRef>
+          <a:fontRef idx="minor">
+            <a:schemeClr val="lt1"/>
+          </a:fontRef>
+        </p:style>
+        <p:txBody>
+          <a:bodyPr rtlCol="0" anchor="ctr"/>
+          <a:lstStyle/>
+          <a:p>
+            <a:pPr algn="ctr"/>
+            <a:endParaRPr lang="en-IN"/>
+          </a:p>
+        </p:txBody>
+      </p:sp>
+      <p:cxnSp>
+        <p:nvCxnSpPr>
+          <p:cNvPr id="11" name="Straight Connector 10">
+            <a:extLst>
+              <a:ext uri="{FF2B5EF4-FFF2-40B4-BE49-F238E27FC236}">
+                <a16:creationId xmlns:a16="http://schemas.microsoft.com/office/drawing/2014/main" id="{7FB63346-A0C2-472B-BB84-99A027803F69}"/>
+              </a:ext>
+            </a:extLst>
+          </p:cNvPr>
+          <p:cNvCxnSpPr/>
+          <p:nvPr/>
+        </p:nvCxnSpPr>
+        <p:spPr>
+          <a:xfrm>
+            <a:off x="2944905" y="4993343"/>
+            <a:ext cx="7799294" cy="0"/>
+          </a:xfrm>
+          <a:prstGeom prst="line">
+            <a:avLst/>
+          </a:prstGeom>
+        </p:spPr>
+        <p:style>
+          <a:lnRef idx="1">
+            <a:schemeClr val="accent1"/>
+          </a:lnRef>
+          <a:fillRef idx="0">
+            <a:schemeClr val="accent1"/>
+          </a:fillRef>
+          <a:effectRef idx="0">
+            <a:schemeClr val="accent1"/>
+          </a:effectRef>
+          <a:fontRef idx="minor">
+            <a:schemeClr val="tx1"/>
+          </a:fontRef>
+        </p:style>
+      </p:cxnSp>
+      <p:sp>
+        <p:nvSpPr>
+          <p:cNvPr id="14" name="Rectangle: Rounded Corners 13">
+            <a:extLst>
+              <a:ext uri="{FF2B5EF4-FFF2-40B4-BE49-F238E27FC236}">
+                <a16:creationId xmlns:a16="http://schemas.microsoft.com/office/drawing/2014/main" id="{AFF679EF-49DE-4C4B-8E8C-AE40ED657D34}"/>
+              </a:ext>
+            </a:extLst>
+          </p:cNvPr>
+          <p:cNvSpPr/>
+          <p:nvPr/>
+        </p:nvSpPr>
+        <p:spPr>
+          <a:xfrm>
+            <a:off x="7010399" y="2493336"/>
+            <a:ext cx="1918447" cy="611811"/>
+          </a:xfrm>
+          <a:prstGeom prst="roundRect">
+            <a:avLst/>
+          </a:prstGeom>
+          <a:solidFill>
+            <a:schemeClr val="bg2"/>
+          </a:solidFill>
+        </p:spPr>
+        <p:style>
+          <a:lnRef idx="1">
+            <a:schemeClr val="accent3"/>
+          </a:lnRef>
+          <a:fillRef idx="2">
+            <a:schemeClr val="accent3"/>
+          </a:fillRef>
+          <a:effectRef idx="1">
+            <a:schemeClr val="accent3"/>
+          </a:effectRef>
+          <a:fontRef idx="minor">
+            <a:schemeClr val="dk1"/>
+          </a:fontRef>
+        </p:style>
+        <p:txBody>
+          <a:bodyPr rtlCol="0" anchor="ctr"/>
+          <a:lstStyle/>
+          <a:p>
+            <a:pPr algn="ctr"/>
+            <a:endParaRPr lang="en-IN"/>
+          </a:p>
+        </p:txBody>
+      </p:sp>
+      <p:cxnSp>
+        <p:nvCxnSpPr>
+          <p:cNvPr id="17" name="Straight Arrow Connector 16">
+            <a:extLst>
+              <a:ext uri="{FF2B5EF4-FFF2-40B4-BE49-F238E27FC236}">
+                <a16:creationId xmlns:a16="http://schemas.microsoft.com/office/drawing/2014/main" id="{32C0447F-81E3-4AFB-A572-D9AF382FEF6E}"/>
+              </a:ext>
+            </a:extLst>
+          </p:cNvPr>
+          <p:cNvCxnSpPr>
+            <a:endCxn id="8" idx="2"/>
+          </p:cNvCxnSpPr>
+          <p:nvPr/>
+        </p:nvCxnSpPr>
+        <p:spPr>
+          <a:xfrm flipV="1">
+            <a:off x="6651812" y="4993343"/>
+            <a:ext cx="8963" cy="887504"/>
+          </a:xfrm>
+          <a:prstGeom prst="straightConnector1">
+            <a:avLst/>
+          </a:prstGeom>
+          <a:ln w="76200">
+            <a:tailEnd type="triangle"/>
+          </a:ln>
+        </p:spPr>
+        <p:style>
+          <a:lnRef idx="1">
+            <a:schemeClr val="accent2"/>
+          </a:lnRef>
+          <a:fillRef idx="0">
+            <a:schemeClr val="accent2"/>
+          </a:fillRef>
+          <a:effectRef idx="0">
+            <a:schemeClr val="accent2"/>
+          </a:effectRef>
+          <a:fontRef idx="minor">
+            <a:schemeClr val="tx1"/>
+          </a:fontRef>
+        </p:style>
+      </p:cxnSp>
+      <p:cxnSp>
+        <p:nvCxnSpPr>
+          <p:cNvPr id="39" name="Straight Arrow Connector 38">
+            <a:extLst>
+              <a:ext uri="{FF2B5EF4-FFF2-40B4-BE49-F238E27FC236}">
+                <a16:creationId xmlns:a16="http://schemas.microsoft.com/office/drawing/2014/main" id="{65B60F0A-608D-4F52-B078-B9B7FE8FB2DD}"/>
+              </a:ext>
+            </a:extLst>
+          </p:cNvPr>
+          <p:cNvCxnSpPr/>
+          <p:nvPr/>
+        </p:nvCxnSpPr>
+        <p:spPr>
+          <a:xfrm flipV="1">
+            <a:off x="9269505" y="4993343"/>
+            <a:ext cx="8963" cy="887504"/>
+          </a:xfrm>
+          <a:prstGeom prst="straightConnector1">
+            <a:avLst/>
+          </a:prstGeom>
+          <a:ln w="76200">
+            <a:tailEnd type="triangle"/>
+          </a:ln>
+        </p:spPr>
+        <p:style>
+          <a:lnRef idx="1">
+            <a:schemeClr val="accent2"/>
+          </a:lnRef>
+          <a:fillRef idx="0">
+            <a:schemeClr val="accent2"/>
+          </a:fillRef>
+          <a:effectRef idx="0">
+            <a:schemeClr val="accent2"/>
+          </a:effectRef>
+          <a:fontRef idx="minor">
+            <a:schemeClr val="tx1"/>
+          </a:fontRef>
+        </p:style>
+      </p:cxnSp>
+      <p:cxnSp>
+        <p:nvCxnSpPr>
+          <p:cNvPr id="19" name="Straight Connector 18">
+            <a:extLst>
+              <a:ext uri="{FF2B5EF4-FFF2-40B4-BE49-F238E27FC236}">
+                <a16:creationId xmlns:a16="http://schemas.microsoft.com/office/drawing/2014/main" id="{7046D27C-1708-4AF9-AF04-ABC40069649B}"/>
+              </a:ext>
+            </a:extLst>
+          </p:cNvPr>
+          <p:cNvCxnSpPr/>
+          <p:nvPr/>
+        </p:nvCxnSpPr>
+        <p:spPr>
+          <a:xfrm>
+            <a:off x="7965140" y="1873624"/>
+            <a:ext cx="0" cy="3469341"/>
+          </a:xfrm>
+          <a:prstGeom prst="line">
+            <a:avLst/>
+          </a:prstGeom>
+          <a:ln w="57150">
+            <a:prstDash val="sysDash"/>
+          </a:ln>
+        </p:spPr>
+        <p:style>
+          <a:lnRef idx="1">
+            <a:schemeClr val="dk1"/>
+          </a:lnRef>
+          <a:fillRef idx="0">
+            <a:schemeClr val="dk1"/>
+          </a:fillRef>
+          <a:effectRef idx="0">
+            <a:schemeClr val="dk1"/>
+          </a:effectRef>
+          <a:fontRef idx="minor">
+            <a:schemeClr val="tx1"/>
+          </a:fontRef>
+        </p:style>
+      </p:cxnSp>
+      <p:cxnSp>
+        <p:nvCxnSpPr>
+          <p:cNvPr id="23" name="Straight Connector 22">
+            <a:extLst>
+              <a:ext uri="{FF2B5EF4-FFF2-40B4-BE49-F238E27FC236}">
+                <a16:creationId xmlns:a16="http://schemas.microsoft.com/office/drawing/2014/main" id="{DB77718B-A283-42AA-9658-C991E2127DD6}"/>
+              </a:ext>
+            </a:extLst>
+          </p:cNvPr>
+          <p:cNvCxnSpPr>
+            <a:cxnSpLocks/>
+          </p:cNvCxnSpPr>
+          <p:nvPr/>
+        </p:nvCxnSpPr>
+        <p:spPr>
+          <a:xfrm>
+            <a:off x="4670612" y="3499595"/>
+            <a:ext cx="5325035" cy="23534"/>
+          </a:xfrm>
+          <a:prstGeom prst="line">
+            <a:avLst/>
+          </a:prstGeom>
+          <a:ln w="57150">
+            <a:prstDash val="sysDash"/>
+          </a:ln>
+        </p:spPr>
+        <p:style>
+          <a:lnRef idx="1">
+            <a:schemeClr val="dk1"/>
+          </a:lnRef>
+          <a:fillRef idx="0">
+            <a:schemeClr val="dk1"/>
+          </a:fillRef>
+          <a:effectRef idx="0">
+            <a:schemeClr val="dk1"/>
+          </a:effectRef>
+          <a:fontRef idx="minor">
+            <a:schemeClr val="tx1"/>
+          </a:fontRef>
+        </p:style>
+      </p:cxnSp>
+      <p:sp>
+        <p:nvSpPr>
+          <p:cNvPr id="27" name="Oval 26">
+            <a:extLst>
+              <a:ext uri="{FF2B5EF4-FFF2-40B4-BE49-F238E27FC236}">
+                <a16:creationId xmlns:a16="http://schemas.microsoft.com/office/drawing/2014/main" id="{8803FC6A-B199-4C12-9348-86FF170F9D08}"/>
+              </a:ext>
+            </a:extLst>
+          </p:cNvPr>
+          <p:cNvSpPr/>
+          <p:nvPr/>
+        </p:nvSpPr>
+        <p:spPr>
+          <a:xfrm>
+            <a:off x="7866528" y="3437421"/>
+            <a:ext cx="179294" cy="191609"/>
+          </a:xfrm>
+          <a:prstGeom prst="ellipse">
+            <a:avLst/>
+          </a:prstGeom>
+        </p:spPr>
+        <p:style>
+          <a:lnRef idx="2">
+            <a:schemeClr val="accent1">
+              <a:shade val="50000"/>
+            </a:schemeClr>
+          </a:lnRef>
+          <a:fillRef idx="1">
+            <a:schemeClr val="accent1"/>
+          </a:fillRef>
+          <a:effectRef idx="0">
+            <a:schemeClr val="accent1"/>
+          </a:effectRef>
+          <a:fontRef idx="minor">
+            <a:schemeClr val="lt1"/>
+          </a:fontRef>
+        </p:style>
+        <p:txBody>
+          <a:bodyPr rtlCol="0" anchor="ctr"/>
+          <a:lstStyle/>
+          <a:p>
+            <a:pPr algn="ctr"/>
+            <a:endParaRPr lang="en-IN"/>
+          </a:p>
+        </p:txBody>
+      </p:sp>
+      <p:sp>
+        <p:nvSpPr>
+          <p:cNvPr id="45" name="TextBox 44">
+            <a:extLst>
+              <a:ext uri="{FF2B5EF4-FFF2-40B4-BE49-F238E27FC236}">
+                <a16:creationId xmlns:a16="http://schemas.microsoft.com/office/drawing/2014/main" id="{A1D300A5-BC0C-4869-A152-D652BCB48ED6}"/>
+              </a:ext>
+            </a:extLst>
+          </p:cNvPr>
+          <p:cNvSpPr txBox="1"/>
+          <p:nvPr/>
+        </p:nvSpPr>
+        <p:spPr>
+          <a:xfrm>
+            <a:off x="7956175" y="3499595"/>
+            <a:ext cx="644524" cy="523220"/>
+          </a:xfrm>
+          <a:prstGeom prst="rect">
+            <a:avLst/>
+          </a:prstGeom>
+          <a:noFill/>
+        </p:spPr>
+        <p:txBody>
+          <a:bodyPr wrap="square" rtlCol="0">
+            <a:spAutoFit/>
+          </a:bodyPr>
+          <a:lstStyle/>
+          <a:p>
+            <a:pPr algn="ctr"/>
+            <a:r>
+              <a:rPr lang="en-US" sz="2800" b="1"/>
+              <a:t>CG</a:t>
+            </a:r>
+            <a:endParaRPr lang="en-IN" sz="2800" b="1"/>
+          </a:p>
+        </p:txBody>
+      </p:sp>
+      <p:sp>
+        <p:nvSpPr>
+          <p:cNvPr id="46" name="TextBox 45">
+            <a:extLst>
+              <a:ext uri="{FF2B5EF4-FFF2-40B4-BE49-F238E27FC236}">
+                <a16:creationId xmlns:a16="http://schemas.microsoft.com/office/drawing/2014/main" id="{D7C7BA3F-3B0B-458D-BE78-AF25ACDD10E7}"/>
+              </a:ext>
+            </a:extLst>
+          </p:cNvPr>
+          <p:cNvSpPr txBox="1"/>
+          <p:nvPr/>
+        </p:nvSpPr>
+        <p:spPr>
+          <a:xfrm>
+            <a:off x="6358261" y="5807498"/>
+            <a:ext cx="587101" cy="523220"/>
+          </a:xfrm>
+          <a:prstGeom prst="rect">
+            <a:avLst/>
+          </a:prstGeom>
+          <a:noFill/>
+        </p:spPr>
+        <p:txBody>
+          <a:bodyPr wrap="square" rtlCol="0">
+            <a:spAutoFit/>
+          </a:bodyPr>
+          <a:lstStyle/>
+          <a:p>
+            <a:r>
+              <a:rPr lang="en-US" sz="2800" b="1"/>
+              <a:t>Ra</a:t>
+            </a:r>
+            <a:endParaRPr lang="en-IN" sz="2800" b="1"/>
+          </a:p>
+        </p:txBody>
+      </p:sp>
+      <p:sp>
+        <p:nvSpPr>
+          <p:cNvPr id="47" name="TextBox 46">
+            <a:extLst>
+              <a:ext uri="{FF2B5EF4-FFF2-40B4-BE49-F238E27FC236}">
+                <a16:creationId xmlns:a16="http://schemas.microsoft.com/office/drawing/2014/main" id="{BB6E5769-0F5A-44A7-B193-46B7419BC581}"/>
+              </a:ext>
+            </a:extLst>
+          </p:cNvPr>
+          <p:cNvSpPr txBox="1"/>
+          <p:nvPr/>
+        </p:nvSpPr>
+        <p:spPr>
+          <a:xfrm>
+            <a:off x="8984917" y="5807498"/>
+            <a:ext cx="587101" cy="523220"/>
+          </a:xfrm>
+          <a:prstGeom prst="rect">
+            <a:avLst/>
+          </a:prstGeom>
+          <a:noFill/>
+        </p:spPr>
+        <p:txBody>
+          <a:bodyPr wrap="square" rtlCol="0">
+            <a:spAutoFit/>
+          </a:bodyPr>
+          <a:lstStyle/>
+          <a:p>
+            <a:r>
+              <a:rPr lang="en-US" sz="2800" b="1"/>
+              <a:t>Rb</a:t>
+            </a:r>
+            <a:endParaRPr lang="en-IN" sz="2800" b="1"/>
+          </a:p>
+        </p:txBody>
+      </p:sp>
+      <p:cxnSp>
+        <p:nvCxnSpPr>
+          <p:cNvPr id="33" name="Straight Arrow Connector 32">
+            <a:extLst>
+              <a:ext uri="{FF2B5EF4-FFF2-40B4-BE49-F238E27FC236}">
+                <a16:creationId xmlns:a16="http://schemas.microsoft.com/office/drawing/2014/main" id="{D6B182FE-4983-4EF3-80E4-C79C6BCCDCD6}"/>
+              </a:ext>
+            </a:extLst>
+          </p:cNvPr>
+          <p:cNvCxnSpPr/>
+          <p:nvPr/>
+        </p:nvCxnSpPr>
+        <p:spPr>
+          <a:xfrm>
+            <a:off x="7965140" y="3629030"/>
+            <a:ext cx="0" cy="1053353"/>
+          </a:xfrm>
+          <a:prstGeom prst="straightConnector1">
+            <a:avLst/>
+          </a:prstGeom>
+          <a:ln w="76200">
+            <a:tailEnd type="triangle"/>
+          </a:ln>
+        </p:spPr>
+        <p:style>
+          <a:lnRef idx="1">
+            <a:schemeClr val="accent2"/>
+          </a:lnRef>
+          <a:fillRef idx="0">
+            <a:schemeClr val="accent2"/>
+          </a:fillRef>
+          <a:effectRef idx="0">
+            <a:schemeClr val="accent2"/>
+          </a:effectRef>
+          <a:fontRef idx="minor">
+            <a:schemeClr val="tx1"/>
+          </a:fontRef>
+        </p:style>
+      </p:cxnSp>
+      <p:sp>
+        <p:nvSpPr>
+          <p:cNvPr id="50" name="TextBox 49">
+            <a:extLst>
+              <a:ext uri="{FF2B5EF4-FFF2-40B4-BE49-F238E27FC236}">
+                <a16:creationId xmlns:a16="http://schemas.microsoft.com/office/drawing/2014/main" id="{106CFC3B-ACC5-4799-B065-6226D0152279}"/>
+              </a:ext>
+            </a:extLst>
+          </p:cNvPr>
+          <p:cNvSpPr txBox="1"/>
+          <p:nvPr/>
+        </p:nvSpPr>
+        <p:spPr>
+          <a:xfrm>
+            <a:off x="7956175" y="4022815"/>
+            <a:ext cx="587101" cy="523220"/>
+          </a:xfrm>
+          <a:prstGeom prst="rect">
+            <a:avLst/>
+          </a:prstGeom>
+          <a:noFill/>
+        </p:spPr>
+        <p:txBody>
+          <a:bodyPr wrap="square" rtlCol="0">
+            <a:spAutoFit/>
+          </a:bodyPr>
+          <a:lstStyle/>
+          <a:p>
+            <a:r>
+              <a:rPr lang="en-US" sz="2800" b="1"/>
+              <a:t>W</a:t>
+            </a:r>
+            <a:endParaRPr lang="en-IN" sz="2800" b="1"/>
+          </a:p>
+        </p:txBody>
+      </p:sp>
+      <p:cxnSp>
+        <p:nvCxnSpPr>
+          <p:cNvPr id="36" name="Straight Arrow Connector 35">
+            <a:extLst>
+              <a:ext uri="{FF2B5EF4-FFF2-40B4-BE49-F238E27FC236}">
+                <a16:creationId xmlns:a16="http://schemas.microsoft.com/office/drawing/2014/main" id="{0022699A-A423-4CB5-9671-363159CA6CD3}"/>
+              </a:ext>
+            </a:extLst>
+          </p:cNvPr>
+          <p:cNvCxnSpPr/>
+          <p:nvPr/>
+        </p:nvCxnSpPr>
+        <p:spPr>
+          <a:xfrm>
+            <a:off x="8045822" y="3523129"/>
+            <a:ext cx="1021976" cy="0"/>
+          </a:xfrm>
+          <a:prstGeom prst="straightConnector1">
+            <a:avLst/>
+          </a:prstGeom>
+          <a:ln w="76200">
+            <a:tailEnd type="triangle"/>
+          </a:ln>
+        </p:spPr>
+        <p:style>
+          <a:lnRef idx="1">
+            <a:schemeClr val="accent2"/>
+          </a:lnRef>
+          <a:fillRef idx="0">
+            <a:schemeClr val="accent2"/>
+          </a:fillRef>
+          <a:effectRef idx="0">
+            <a:schemeClr val="accent2"/>
+          </a:effectRef>
+          <a:fontRef idx="minor">
+            <a:schemeClr val="tx1"/>
+          </a:fontRef>
+        </p:style>
+      </p:cxnSp>
+      <mc:AlternateContent xmlns:mc="http://schemas.openxmlformats.org/markup-compatibility/2006">
+        <mc:Choice xmlns:a14="http://schemas.microsoft.com/office/drawing/2010/main" Requires="a14">
+          <p:sp>
+            <p:nvSpPr>
+              <p:cNvPr id="56" name="TextBox 55">
+                <a:extLst>
+                  <a:ext uri="{FF2B5EF4-FFF2-40B4-BE49-F238E27FC236}">
+                    <a16:creationId xmlns:a16="http://schemas.microsoft.com/office/drawing/2014/main" id="{7AC485A0-8E98-4357-B2C7-D3A6FDACF3A7}"/>
+                  </a:ext>
+                </a:extLst>
+              </p:cNvPr>
+              <p:cNvSpPr txBox="1"/>
+              <p:nvPr/>
+            </p:nvSpPr>
+            <p:spPr>
+              <a:xfrm>
+                <a:off x="7965140" y="3010005"/>
+                <a:ext cx="1030476" cy="523220"/>
+              </a:xfrm>
+              <a:prstGeom prst="rect">
+                <a:avLst/>
+              </a:prstGeom>
+              <a:noFill/>
+            </p:spPr>
+            <p:txBody>
+              <a:bodyPr wrap="square" rtlCol="0">
+                <a:spAutoFit/>
+              </a:bodyPr>
+              <a:lstStyle/>
+              <a:p>
+                <a:pPr algn="ctr"/>
+                <a:r>
+                  <a:rPr lang="en-US" sz="2800" b="1"/>
+                  <a:t>m</a:t>
+                </a:r>
+                <a14:m>
+                  <m:oMath xmlns:m="http://schemas.openxmlformats.org/officeDocument/2006/math">
+                    <m:sSub>
+                      <m:sSubPr>
+                        <m:ctrlPr>
+                          <a:rPr lang="en-US" sz="2800" b="1" i="1" smtClean="0">
+                            <a:latin typeface="Cambria Math" panose="02040503050406030204" pitchFamily="18" charset="0"/>
+                          </a:rPr>
+                        </m:ctrlPr>
+                      </m:sSubPr>
+                      <m:e>
+                        <m:r>
+                          <a:rPr lang="en-US" sz="2800" b="1" i="1" smtClean="0">
+                            <a:latin typeface="Cambria Math" panose="02040503050406030204" pitchFamily="18" charset="0"/>
+                          </a:rPr>
+                          <m:t>𝒂</m:t>
+                        </m:r>
+                      </m:e>
+                      <m:sub>
+                        <m:r>
+                          <a:rPr lang="en-US" sz="2800" b="1" i="1" smtClean="0">
+                            <a:latin typeface="Cambria Math" panose="02040503050406030204" pitchFamily="18" charset="0"/>
+                          </a:rPr>
+                          <m:t>𝒏</m:t>
+                        </m:r>
+                      </m:sub>
+                    </m:sSub>
+                  </m:oMath>
+                </a14:m>
+                <a:endParaRPr lang="en-IN" sz="2800" b="1"/>
+              </a:p>
+            </p:txBody>
+          </p:sp>
+        </mc:Choice>
+        <mc:Fallback>
+          <p:sp>
+            <p:nvSpPr>
+              <p:cNvPr id="56" name="TextBox 55">
+                <a:extLst>
+                  <a:ext uri="{FF2B5EF4-FFF2-40B4-BE49-F238E27FC236}">
+                    <a16:creationId xmlns:a16="http://schemas.microsoft.com/office/drawing/2014/main" id="{7AC485A0-8E98-4357-B2C7-D3A6FDACF3A7}"/>
+                  </a:ext>
+                </a:extLst>
+              </p:cNvPr>
+              <p:cNvSpPr txBox="1">
+                <a:spLocks noRot="1" noChangeAspect="1" noMove="1" noResize="1" noEditPoints="1" noAdjustHandles="1" noChangeArrowheads="1" noChangeShapeType="1" noTextEdit="1"/>
+              </p:cNvSpPr>
+              <p:nvPr/>
+            </p:nvSpPr>
+            <p:spPr>
+              <a:xfrm>
+                <a:off x="7965140" y="3010005"/>
+                <a:ext cx="1030476" cy="523220"/>
+              </a:xfrm>
+              <a:prstGeom prst="rect">
+                <a:avLst/>
+              </a:prstGeom>
+              <a:blipFill>
+                <a:blip r:embed="rId2"/>
+                <a:stretch>
+                  <a:fillRect l="-4734" t="-11628" b="-32558"/>
+                </a:stretch>
+              </a:blipFill>
+            </p:spPr>
+            <p:txBody>
+              <a:bodyPr/>
+              <a:lstStyle/>
+              <a:p>
+                <a:r>
+                  <a:rPr lang="en-IN">
+                    <a:noFill/>
+                  </a:rPr>
+                  <a:t> </a:t>
+                </a:r>
+              </a:p>
+            </p:txBody>
+          </p:sp>
+        </mc:Fallback>
+      </mc:AlternateContent>
+      <p:cxnSp>
+        <p:nvCxnSpPr>
+          <p:cNvPr id="38" name="Straight Arrow Connector 37">
+            <a:extLst>
+              <a:ext uri="{FF2B5EF4-FFF2-40B4-BE49-F238E27FC236}">
+                <a16:creationId xmlns:a16="http://schemas.microsoft.com/office/drawing/2014/main" id="{612EFFB5-0D22-43CD-92E8-498C8D6EDF06}"/>
+              </a:ext>
+            </a:extLst>
+          </p:cNvPr>
+          <p:cNvCxnSpPr/>
+          <p:nvPr/>
+        </p:nvCxnSpPr>
+        <p:spPr>
+          <a:xfrm>
+            <a:off x="3899647" y="2774577"/>
+            <a:ext cx="4065493" cy="0"/>
+          </a:xfrm>
+          <a:prstGeom prst="straightConnector1">
+            <a:avLst/>
+          </a:prstGeom>
+          <a:ln w="57150">
+            <a:headEnd type="triangle"/>
+            <a:tailEnd type="triangle"/>
+          </a:ln>
+        </p:spPr>
+        <p:style>
+          <a:lnRef idx="1">
+            <a:schemeClr val="dk1"/>
+          </a:lnRef>
+          <a:fillRef idx="0">
+            <a:schemeClr val="dk1"/>
+          </a:fillRef>
+          <a:effectRef idx="0">
+            <a:schemeClr val="dk1"/>
+          </a:effectRef>
+          <a:fontRef idx="minor">
+            <a:schemeClr val="tx1"/>
+          </a:fontRef>
+        </p:style>
+      </p:cxnSp>
+      <p:cxnSp>
+        <p:nvCxnSpPr>
+          <p:cNvPr id="43" name="Straight Connector 42">
+            <a:extLst>
+              <a:ext uri="{FF2B5EF4-FFF2-40B4-BE49-F238E27FC236}">
+                <a16:creationId xmlns:a16="http://schemas.microsoft.com/office/drawing/2014/main" id="{A96F8ECF-BB3A-4DE9-9471-C57673F065E1}"/>
+              </a:ext>
+            </a:extLst>
+          </p:cNvPr>
+          <p:cNvCxnSpPr/>
+          <p:nvPr/>
+        </p:nvCxnSpPr>
+        <p:spPr>
+          <a:xfrm>
+            <a:off x="3890682" y="2458601"/>
+            <a:ext cx="0" cy="646546"/>
+          </a:xfrm>
+          <a:prstGeom prst="line">
+            <a:avLst/>
+          </a:prstGeom>
+          <a:ln w="57150"/>
+        </p:spPr>
+        <p:style>
+          <a:lnRef idx="1">
+            <a:schemeClr val="dk1"/>
+          </a:lnRef>
+          <a:fillRef idx="0">
+            <a:schemeClr val="dk1"/>
+          </a:fillRef>
+          <a:effectRef idx="0">
+            <a:schemeClr val="dk1"/>
+          </a:effectRef>
+          <a:fontRef idx="minor">
+            <a:schemeClr val="tx1"/>
+          </a:fontRef>
+        </p:style>
+      </p:cxnSp>
+      <p:sp>
+        <p:nvSpPr>
+          <p:cNvPr id="59" name="TextBox 58">
+            <a:extLst>
+              <a:ext uri="{FF2B5EF4-FFF2-40B4-BE49-F238E27FC236}">
+                <a16:creationId xmlns:a16="http://schemas.microsoft.com/office/drawing/2014/main" id="{E00FA291-6D59-419F-9D69-1FA9005D3583}"/>
+              </a:ext>
+            </a:extLst>
+          </p:cNvPr>
+          <p:cNvSpPr txBox="1"/>
+          <p:nvPr/>
+        </p:nvSpPr>
+        <p:spPr>
+          <a:xfrm>
+            <a:off x="4980071" y="2311281"/>
+            <a:ext cx="367378" cy="523220"/>
+          </a:xfrm>
+          <a:prstGeom prst="rect">
+            <a:avLst/>
+          </a:prstGeom>
+          <a:noFill/>
+        </p:spPr>
+        <p:txBody>
+          <a:bodyPr wrap="square" rtlCol="0">
+            <a:spAutoFit/>
+          </a:bodyPr>
+          <a:lstStyle/>
+          <a:p>
+            <a:r>
+              <a:rPr lang="en-US" sz="2800" b="1"/>
+              <a:t>r</a:t>
+            </a:r>
+            <a:endParaRPr lang="en-IN" sz="2800" b="1"/>
+          </a:p>
+        </p:txBody>
+      </p:sp>
+      <p:cxnSp>
+        <p:nvCxnSpPr>
+          <p:cNvPr id="48" name="Straight Arrow Connector 47">
+            <a:extLst>
+              <a:ext uri="{FF2B5EF4-FFF2-40B4-BE49-F238E27FC236}">
+                <a16:creationId xmlns:a16="http://schemas.microsoft.com/office/drawing/2014/main" id="{3492C322-983C-4C3E-A0EB-1DA57F45ED22}"/>
+              </a:ext>
+            </a:extLst>
+          </p:cNvPr>
+          <p:cNvCxnSpPr>
+            <a:cxnSpLocks/>
+          </p:cNvCxnSpPr>
+          <p:nvPr/>
+        </p:nvCxnSpPr>
+        <p:spPr>
+          <a:xfrm flipV="1">
+            <a:off x="4926768" y="3552885"/>
+            <a:ext cx="0" cy="1440458"/>
+          </a:xfrm>
+          <a:prstGeom prst="straightConnector1">
+            <a:avLst/>
+          </a:prstGeom>
+          <a:ln w="57150">
+            <a:headEnd type="triangle"/>
+            <a:tailEnd type="triangle"/>
+          </a:ln>
+        </p:spPr>
+        <p:style>
+          <a:lnRef idx="1">
+            <a:schemeClr val="dk1"/>
+          </a:lnRef>
+          <a:fillRef idx="0">
+            <a:schemeClr val="dk1"/>
+          </a:fillRef>
+          <a:effectRef idx="0">
+            <a:schemeClr val="dk1"/>
+          </a:effectRef>
+          <a:fontRef idx="minor">
+            <a:schemeClr val="tx1"/>
+          </a:fontRef>
+        </p:style>
+      </p:cxnSp>
+      <p:sp>
+        <p:nvSpPr>
+          <p:cNvPr id="64" name="TextBox 63">
+            <a:extLst>
+              <a:ext uri="{FF2B5EF4-FFF2-40B4-BE49-F238E27FC236}">
+                <a16:creationId xmlns:a16="http://schemas.microsoft.com/office/drawing/2014/main" id="{66471992-73EA-4DAA-86CE-1900A96B28E7}"/>
+              </a:ext>
+            </a:extLst>
+          </p:cNvPr>
+          <p:cNvSpPr txBox="1"/>
+          <p:nvPr/>
+        </p:nvSpPr>
+        <p:spPr>
+          <a:xfrm>
+            <a:off x="4903780" y="3938356"/>
+            <a:ext cx="367378" cy="523220"/>
+          </a:xfrm>
+          <a:prstGeom prst="rect">
+            <a:avLst/>
+          </a:prstGeom>
+          <a:noFill/>
+        </p:spPr>
+        <p:txBody>
+          <a:bodyPr wrap="square" rtlCol="0">
+            <a:spAutoFit/>
+          </a:bodyPr>
+          <a:lstStyle/>
+          <a:p>
+            <a:r>
+              <a:rPr lang="en-US" sz="2800" b="1"/>
+              <a:t>h</a:t>
+            </a:r>
+            <a:endParaRPr lang="en-IN" sz="2800" b="1"/>
+          </a:p>
+        </p:txBody>
+      </p:sp>
+      <p:cxnSp>
+        <p:nvCxnSpPr>
+          <p:cNvPr id="62" name="Straight Arrow Connector 61">
+            <a:extLst>
+              <a:ext uri="{FF2B5EF4-FFF2-40B4-BE49-F238E27FC236}">
+                <a16:creationId xmlns:a16="http://schemas.microsoft.com/office/drawing/2014/main" id="{031F30C4-115A-43EF-A963-2CBCA3BE4D59}"/>
+              </a:ext>
+            </a:extLst>
+          </p:cNvPr>
+          <p:cNvCxnSpPr/>
+          <p:nvPr/>
+        </p:nvCxnSpPr>
+        <p:spPr>
+          <a:xfrm flipH="1">
+            <a:off x="5271158" y="4993343"/>
+            <a:ext cx="1066800" cy="0"/>
+          </a:xfrm>
+          <a:prstGeom prst="straightConnector1">
+            <a:avLst/>
+          </a:prstGeom>
+          <a:ln w="76200">
+            <a:tailEnd type="triangle"/>
+          </a:ln>
+        </p:spPr>
+        <p:style>
+          <a:lnRef idx="1">
+            <a:schemeClr val="accent2"/>
+          </a:lnRef>
+          <a:fillRef idx="0">
+            <a:schemeClr val="accent2"/>
+          </a:fillRef>
+          <a:effectRef idx="0">
+            <a:schemeClr val="accent2"/>
+          </a:effectRef>
+          <a:fontRef idx="minor">
+            <a:schemeClr val="tx1"/>
+          </a:fontRef>
+        </p:style>
+      </p:cxnSp>
+      <p:cxnSp>
+        <p:nvCxnSpPr>
+          <p:cNvPr id="71" name="Straight Arrow Connector 70">
+            <a:extLst>
+              <a:ext uri="{FF2B5EF4-FFF2-40B4-BE49-F238E27FC236}">
+                <a16:creationId xmlns:a16="http://schemas.microsoft.com/office/drawing/2014/main" id="{5F45E565-2884-4F98-A17B-68D73C04BAA0}"/>
+              </a:ext>
+            </a:extLst>
+          </p:cNvPr>
+          <p:cNvCxnSpPr/>
+          <p:nvPr/>
+        </p:nvCxnSpPr>
+        <p:spPr>
+          <a:xfrm flipH="1">
+            <a:off x="7866528" y="4993343"/>
+            <a:ext cx="1066800" cy="0"/>
+          </a:xfrm>
+          <a:prstGeom prst="straightConnector1">
+            <a:avLst/>
+          </a:prstGeom>
+          <a:ln w="76200">
+            <a:tailEnd type="triangle"/>
+          </a:ln>
+        </p:spPr>
+        <p:style>
+          <a:lnRef idx="1">
+            <a:schemeClr val="accent2"/>
+          </a:lnRef>
+          <a:fillRef idx="0">
+            <a:schemeClr val="accent2"/>
+          </a:fillRef>
+          <a:effectRef idx="0">
+            <a:schemeClr val="accent2"/>
+          </a:effectRef>
+          <a:fontRef idx="minor">
+            <a:schemeClr val="tx1"/>
+          </a:fontRef>
+        </p:style>
+      </p:cxnSp>
+      <p:sp>
+        <p:nvSpPr>
+          <p:cNvPr id="72" name="TextBox 71">
+            <a:extLst>
+              <a:ext uri="{FF2B5EF4-FFF2-40B4-BE49-F238E27FC236}">
+                <a16:creationId xmlns:a16="http://schemas.microsoft.com/office/drawing/2014/main" id="{1C3B26B1-35E7-4831-A6B3-0BAF7DD78DB0}"/>
+              </a:ext>
+            </a:extLst>
+          </p:cNvPr>
+          <p:cNvSpPr txBox="1"/>
+          <p:nvPr/>
+        </p:nvSpPr>
+        <p:spPr>
+          <a:xfrm>
+            <a:off x="5650712" y="4993343"/>
+            <a:ext cx="587101" cy="523220"/>
+          </a:xfrm>
+          <a:prstGeom prst="rect">
+            <a:avLst/>
+          </a:prstGeom>
+          <a:noFill/>
+        </p:spPr>
+        <p:txBody>
+          <a:bodyPr wrap="square" rtlCol="0">
+            <a:spAutoFit/>
+          </a:bodyPr>
+          <a:lstStyle/>
+          <a:p>
+            <a:r>
+              <a:rPr lang="en-US" sz="2800" b="1"/>
+              <a:t>fa</a:t>
+            </a:r>
+            <a:endParaRPr lang="en-IN" sz="2800" b="1"/>
+          </a:p>
+        </p:txBody>
+      </p:sp>
+      <p:sp>
+        <p:nvSpPr>
+          <p:cNvPr id="74" name="TextBox 73">
+            <a:extLst>
+              <a:ext uri="{FF2B5EF4-FFF2-40B4-BE49-F238E27FC236}">
+                <a16:creationId xmlns:a16="http://schemas.microsoft.com/office/drawing/2014/main" id="{561E5058-E3D7-4BFC-8306-B6AF2BAD6731}"/>
+              </a:ext>
+            </a:extLst>
+          </p:cNvPr>
+          <p:cNvSpPr txBox="1"/>
+          <p:nvPr/>
+        </p:nvSpPr>
+        <p:spPr>
+          <a:xfrm>
+            <a:off x="8263167" y="5002379"/>
+            <a:ext cx="501933" cy="523220"/>
+          </a:xfrm>
+          <a:prstGeom prst="rect">
+            <a:avLst/>
+          </a:prstGeom>
+          <a:noFill/>
+        </p:spPr>
+        <p:txBody>
+          <a:bodyPr wrap="square" rtlCol="0">
+            <a:spAutoFit/>
+          </a:bodyPr>
+          <a:lstStyle/>
+          <a:p>
+            <a:r>
+              <a:rPr lang="en-US" sz="2800" b="1"/>
+              <a:t>fb</a:t>
+            </a:r>
+            <a:endParaRPr lang="en-IN" sz="2800" b="1"/>
+          </a:p>
+        </p:txBody>
+      </p:sp>
+      <p:sp>
+        <p:nvSpPr>
+          <p:cNvPr id="63" name="Arrow: Curved Up 62">
+            <a:extLst>
+              <a:ext uri="{FF2B5EF4-FFF2-40B4-BE49-F238E27FC236}">
+                <a16:creationId xmlns:a16="http://schemas.microsoft.com/office/drawing/2014/main" id="{4F664B7D-A63E-474B-8108-D60A88927CE8}"/>
+              </a:ext>
+            </a:extLst>
+          </p:cNvPr>
+          <p:cNvSpPr/>
+          <p:nvPr/>
+        </p:nvSpPr>
+        <p:spPr>
+          <a:xfrm rot="16200000">
+            <a:off x="10169917" y="2953337"/>
+            <a:ext cx="502019" cy="646546"/>
+          </a:xfrm>
+          <a:prstGeom prst="curvedUpArrow">
+            <a:avLst/>
+          </a:prstGeom>
+        </p:spPr>
+        <p:style>
+          <a:lnRef idx="2">
+            <a:schemeClr val="dk1">
+              <a:shade val="50000"/>
+            </a:schemeClr>
+          </a:lnRef>
+          <a:fillRef idx="1">
+            <a:schemeClr val="dk1"/>
+          </a:fillRef>
+          <a:effectRef idx="0">
+            <a:schemeClr val="dk1"/>
+          </a:effectRef>
+          <a:fontRef idx="minor">
+            <a:schemeClr val="lt1"/>
+          </a:fontRef>
+        </p:style>
+        <p:txBody>
+          <a:bodyPr rtlCol="0" anchor="ctr"/>
+          <a:lstStyle/>
+          <a:p>
+            <a:pPr algn="ctr"/>
+            <a:endParaRPr lang="en-IN">
+              <a:solidFill>
+                <a:schemeClr val="tx1"/>
+              </a:solidFill>
+            </a:endParaRPr>
+          </a:p>
+        </p:txBody>
+      </p:sp>
+      <p:cxnSp>
+        <p:nvCxnSpPr>
+          <p:cNvPr id="67" name="Straight Arrow Connector 66">
+            <a:extLst>
+              <a:ext uri="{FF2B5EF4-FFF2-40B4-BE49-F238E27FC236}">
+                <a16:creationId xmlns:a16="http://schemas.microsoft.com/office/drawing/2014/main" id="{1E3259FE-DE54-4600-A0D9-03D983C0239B}"/>
+              </a:ext>
+            </a:extLst>
+          </p:cNvPr>
+          <p:cNvCxnSpPr/>
+          <p:nvPr/>
+        </p:nvCxnSpPr>
+        <p:spPr>
+          <a:xfrm>
+            <a:off x="6723528" y="5615246"/>
+            <a:ext cx="2465293" cy="0"/>
+          </a:xfrm>
+          <a:prstGeom prst="straightConnector1">
+            <a:avLst/>
+          </a:prstGeom>
+          <a:ln w="57150">
+            <a:headEnd type="triangle"/>
+            <a:tailEnd type="triangle"/>
+          </a:ln>
+        </p:spPr>
+        <p:style>
+          <a:lnRef idx="1">
+            <a:schemeClr val="dk1"/>
+          </a:lnRef>
+          <a:fillRef idx="0">
+            <a:schemeClr val="dk1"/>
+          </a:fillRef>
+          <a:effectRef idx="0">
+            <a:schemeClr val="dk1"/>
+          </a:effectRef>
+          <a:fontRef idx="minor">
+            <a:schemeClr val="tx1"/>
+          </a:fontRef>
+        </p:style>
+      </p:cxnSp>
+      <p:sp>
+        <p:nvSpPr>
+          <p:cNvPr id="75" name="TextBox 74">
+            <a:extLst>
+              <a:ext uri="{FF2B5EF4-FFF2-40B4-BE49-F238E27FC236}">
+                <a16:creationId xmlns:a16="http://schemas.microsoft.com/office/drawing/2014/main" id="{3FCD55D7-5E2F-4E9E-BCF3-DD39EC5E3625}"/>
+              </a:ext>
+            </a:extLst>
+          </p:cNvPr>
+          <p:cNvSpPr txBox="1"/>
+          <p:nvPr/>
+        </p:nvSpPr>
+        <p:spPr>
+          <a:xfrm>
+            <a:off x="7708937" y="5578392"/>
+            <a:ext cx="605591" cy="523220"/>
+          </a:xfrm>
+          <a:prstGeom prst="rect">
+            <a:avLst/>
+          </a:prstGeom>
+          <a:noFill/>
+        </p:spPr>
+        <p:txBody>
+          <a:bodyPr wrap="square" rtlCol="0">
+            <a:spAutoFit/>
+          </a:bodyPr>
+          <a:lstStyle/>
+          <a:p>
+            <a:pPr algn="ctr"/>
+            <a:r>
+              <a:rPr lang="en-US" sz="2800" b="1"/>
+              <a:t>2b</a:t>
+            </a:r>
+            <a:endParaRPr lang="en-IN" sz="2800" b="1"/>
+          </a:p>
+        </p:txBody>
+      </p:sp>
+    </p:spTree>
+    <p:extLst>
+      <p:ext uri="{BB962C8B-B14F-4D97-AF65-F5344CB8AC3E}">
+        <p14:creationId xmlns:p14="http://schemas.microsoft.com/office/powerpoint/2010/main" val="4239316412"/>
+      </p:ext>
+    </p:extLst>
+  </p:cSld>
+  <p:clrMapOvr>
+    <a:masterClrMapping/>
+  </p:clrMapOvr>
+</p:sld>
+</file>
+
+<file path=ppt/slides/slide14.xml><?xml version="1.0" encoding="utf-8"?>
+<p:sld xmlns:a="http://schemas.openxmlformats.org/drawingml/2006/main" xmlns:r="http://schemas.openxmlformats.org/officeDocument/2006/relationships" xmlns:p="http://schemas.openxmlformats.org/presentationml/2006/main">
+  <p:cSld>
+    <p:spTree>
+      <p:nvGrpSpPr>
+        <p:cNvPr id="1" name=""/>
+        <p:cNvGrpSpPr/>
+        <p:nvPr/>
+      </p:nvGrpSpPr>
+      <p:grpSpPr>
+        <a:xfrm>
+          <a:off x="0" y="0"/>
+          <a:ext cx="0" cy="0"/>
+          <a:chOff x="0" y="0"/>
+          <a:chExt cx="0" cy="0"/>
+        </a:xfrm>
+      </p:grpSpPr>
+      <p:sp>
+        <p:nvSpPr>
+          <p:cNvPr id="93" name="Callout: Line 92">
+            <a:extLst>
+              <a:ext uri="{FF2B5EF4-FFF2-40B4-BE49-F238E27FC236}">
+                <a16:creationId xmlns:a16="http://schemas.microsoft.com/office/drawing/2014/main" id="{74E28657-E42C-4746-9CC7-4238541F5F47}"/>
+              </a:ext>
+            </a:extLst>
+          </p:cNvPr>
+          <p:cNvSpPr/>
+          <p:nvPr/>
+        </p:nvSpPr>
+        <p:spPr>
+          <a:xfrm rot="20336272">
+            <a:off x="7607212" y="1296278"/>
+            <a:ext cx="403412" cy="246510"/>
+          </a:xfrm>
+          <a:prstGeom prst="borderCallout1">
+            <a:avLst>
+              <a:gd name="adj1" fmla="val 48480"/>
+              <a:gd name="adj2" fmla="val -1495"/>
+              <a:gd name="adj3" fmla="val 112500"/>
+              <a:gd name="adj4" fmla="val -38333"/>
+            </a:avLst>
+          </a:prstGeom>
+          <a:solidFill>
+            <a:schemeClr val="bg1">
+              <a:lumMod val="85000"/>
+            </a:schemeClr>
+          </a:solidFill>
+          <a:ln w="76200"/>
+        </p:spPr>
+        <p:style>
+          <a:lnRef idx="2">
+            <a:schemeClr val="dk1">
+              <a:shade val="50000"/>
+            </a:schemeClr>
+          </a:lnRef>
+          <a:fillRef idx="1">
+            <a:schemeClr val="dk1"/>
+          </a:fillRef>
+          <a:effectRef idx="0">
+            <a:schemeClr val="dk1"/>
+          </a:effectRef>
+          <a:fontRef idx="minor">
+            <a:schemeClr val="lt1"/>
+          </a:fontRef>
+        </p:style>
+        <p:txBody>
+          <a:bodyPr rtlCol="0" anchor="ctr"/>
+          <a:lstStyle/>
+          <a:p>
+            <a:pPr algn="ctr"/>
+            <a:endParaRPr lang="en-IN"/>
+          </a:p>
+        </p:txBody>
+      </p:sp>
+      <p:sp>
+        <p:nvSpPr>
+          <p:cNvPr id="92" name="Callout: Line 91">
+            <a:extLst>
+              <a:ext uri="{FF2B5EF4-FFF2-40B4-BE49-F238E27FC236}">
+                <a16:creationId xmlns:a16="http://schemas.microsoft.com/office/drawing/2014/main" id="{AFB18B6C-202E-486C-ADA1-2E046BA23C5C}"/>
+              </a:ext>
+            </a:extLst>
+          </p:cNvPr>
+          <p:cNvSpPr/>
+          <p:nvPr/>
+        </p:nvSpPr>
+        <p:spPr>
+          <a:xfrm rot="20296946" flipH="1">
+            <a:off x="4972191" y="2339934"/>
+            <a:ext cx="403412" cy="228580"/>
+          </a:xfrm>
+          <a:prstGeom prst="borderCallout1">
+            <a:avLst>
+              <a:gd name="adj1" fmla="val 48480"/>
+              <a:gd name="adj2" fmla="val -1495"/>
+              <a:gd name="adj3" fmla="val 112500"/>
+              <a:gd name="adj4" fmla="val -38333"/>
+            </a:avLst>
+          </a:prstGeom>
+          <a:solidFill>
+            <a:schemeClr val="bg1">
+              <a:lumMod val="85000"/>
+            </a:schemeClr>
+          </a:solidFill>
+          <a:ln w="76200"/>
+        </p:spPr>
+        <p:style>
+          <a:lnRef idx="2">
+            <a:schemeClr val="dk1">
+              <a:shade val="50000"/>
+            </a:schemeClr>
+          </a:lnRef>
+          <a:fillRef idx="1">
+            <a:schemeClr val="dk1"/>
+          </a:fillRef>
+          <a:effectRef idx="0">
+            <a:schemeClr val="dk1"/>
+          </a:effectRef>
+          <a:fontRef idx="minor">
+            <a:schemeClr val="lt1"/>
+          </a:fontRef>
+        </p:style>
+        <p:txBody>
+          <a:bodyPr rtlCol="0" anchor="ctr"/>
+          <a:lstStyle/>
+          <a:p>
+            <a:pPr algn="ctr"/>
+            <a:endParaRPr lang="en-IN"/>
+          </a:p>
+        </p:txBody>
+      </p:sp>
+      <p:sp>
+        <p:nvSpPr>
+          <p:cNvPr id="65" name="Rectangle 64">
+            <a:extLst>
+              <a:ext uri="{FF2B5EF4-FFF2-40B4-BE49-F238E27FC236}">
+                <a16:creationId xmlns:a16="http://schemas.microsoft.com/office/drawing/2014/main" id="{B4879DFA-98D0-4B7D-A223-9846A8A35021}"/>
+              </a:ext>
+            </a:extLst>
+          </p:cNvPr>
+          <p:cNvSpPr/>
+          <p:nvPr/>
+        </p:nvSpPr>
+        <p:spPr>
+          <a:xfrm rot="20319972">
+            <a:off x="5371351" y="1434951"/>
+            <a:ext cx="2241177" cy="1013012"/>
+          </a:xfrm>
+          <a:prstGeom prst="rect">
+            <a:avLst/>
+          </a:prstGeom>
+        </p:spPr>
+        <p:style>
+          <a:lnRef idx="1">
+            <a:schemeClr val="accent3"/>
+          </a:lnRef>
+          <a:fillRef idx="2">
+            <a:schemeClr val="accent3"/>
+          </a:fillRef>
+          <a:effectRef idx="1">
+            <a:schemeClr val="accent3"/>
+          </a:effectRef>
+          <a:fontRef idx="minor">
+            <a:schemeClr val="dk1"/>
+          </a:fontRef>
+        </p:style>
+        <p:txBody>
+          <a:bodyPr rtlCol="0" anchor="ctr"/>
+          <a:lstStyle/>
+          <a:p>
+            <a:pPr algn="ctr"/>
+            <a:endParaRPr lang="en-IN"/>
+          </a:p>
+        </p:txBody>
+      </p:sp>
+      <p:sp>
+        <p:nvSpPr>
+          <p:cNvPr id="68" name="Rectangle: Rounded Corners 67">
+            <a:extLst>
+              <a:ext uri="{FF2B5EF4-FFF2-40B4-BE49-F238E27FC236}">
+                <a16:creationId xmlns:a16="http://schemas.microsoft.com/office/drawing/2014/main" id="{E34ACA0B-373D-4DB9-897E-0963D8C0C3AE}"/>
+              </a:ext>
+            </a:extLst>
+          </p:cNvPr>
+          <p:cNvSpPr/>
+          <p:nvPr/>
+        </p:nvSpPr>
+        <p:spPr>
+          <a:xfrm rot="20310209">
+            <a:off x="5537198" y="1660216"/>
+            <a:ext cx="1918447" cy="611811"/>
+          </a:xfrm>
+          <a:prstGeom prst="roundRect">
+            <a:avLst/>
+          </a:prstGeom>
+          <a:solidFill>
+            <a:schemeClr val="bg2"/>
+          </a:solidFill>
+        </p:spPr>
+        <p:style>
+          <a:lnRef idx="1">
+            <a:schemeClr val="accent3"/>
+          </a:lnRef>
+          <a:fillRef idx="2">
+            <a:schemeClr val="accent3"/>
+          </a:fillRef>
+          <a:effectRef idx="1">
+            <a:schemeClr val="accent3"/>
+          </a:effectRef>
+          <a:fontRef idx="minor">
+            <a:schemeClr val="dk1"/>
+          </a:fontRef>
+        </p:style>
+        <p:txBody>
+          <a:bodyPr rtlCol="0" anchor="ctr"/>
+          <a:lstStyle/>
+          <a:p>
+            <a:pPr algn="ctr"/>
+            <a:endParaRPr lang="en-IN"/>
+          </a:p>
+        </p:txBody>
+      </p:sp>
+      <p:sp>
+        <p:nvSpPr>
+          <p:cNvPr id="69" name="Rectangle 68">
+            <a:extLst>
+              <a:ext uri="{FF2B5EF4-FFF2-40B4-BE49-F238E27FC236}">
+                <a16:creationId xmlns:a16="http://schemas.microsoft.com/office/drawing/2014/main" id="{87C40645-97F7-418B-881D-FD6915297E00}"/>
+              </a:ext>
+            </a:extLst>
+          </p:cNvPr>
+          <p:cNvSpPr/>
+          <p:nvPr/>
+        </p:nvSpPr>
+        <p:spPr>
+          <a:xfrm rot="20297944">
+            <a:off x="5268258" y="2349343"/>
+            <a:ext cx="3272118" cy="1317812"/>
+          </a:xfrm>
+          <a:prstGeom prst="rect">
+            <a:avLst/>
+          </a:prstGeom>
+        </p:spPr>
+        <p:style>
+          <a:lnRef idx="1">
+            <a:schemeClr val="accent3"/>
+          </a:lnRef>
+          <a:fillRef idx="2">
+            <a:schemeClr val="accent3"/>
+          </a:fillRef>
+          <a:effectRef idx="1">
+            <a:schemeClr val="accent3"/>
+          </a:effectRef>
+          <a:fontRef idx="minor">
+            <a:schemeClr val="dk1"/>
+          </a:fontRef>
+        </p:style>
+        <p:txBody>
+          <a:bodyPr rtlCol="0" anchor="ctr"/>
+          <a:lstStyle/>
+          <a:p>
+            <a:pPr algn="ctr"/>
+            <a:endParaRPr lang="en-IN"/>
+          </a:p>
+        </p:txBody>
+      </p:sp>
+      <p:sp>
+        <p:nvSpPr>
+          <p:cNvPr id="70" name="Rectangle 69">
+            <a:extLst>
+              <a:ext uri="{FF2B5EF4-FFF2-40B4-BE49-F238E27FC236}">
+                <a16:creationId xmlns:a16="http://schemas.microsoft.com/office/drawing/2014/main" id="{BDC50C52-E32C-4A71-8323-141A43D3B734}"/>
+              </a:ext>
+            </a:extLst>
+          </p:cNvPr>
+          <p:cNvSpPr/>
+          <p:nvPr/>
+        </p:nvSpPr>
+        <p:spPr>
+          <a:xfrm rot="20286894">
+            <a:off x="5541447" y="3715236"/>
+            <a:ext cx="681318" cy="394448"/>
+          </a:xfrm>
+          <a:prstGeom prst="rect">
+            <a:avLst/>
+          </a:prstGeom>
+          <a:solidFill>
+            <a:srgbClr val="FF0000"/>
+          </a:solidFill>
+        </p:spPr>
+        <p:style>
+          <a:lnRef idx="2">
+            <a:schemeClr val="accent1">
+              <a:shade val="50000"/>
+            </a:schemeClr>
+          </a:lnRef>
+          <a:fillRef idx="1">
+            <a:schemeClr val="accent1"/>
+          </a:fillRef>
+          <a:effectRef idx="0">
+            <a:schemeClr val="accent1"/>
+          </a:effectRef>
+          <a:fontRef idx="minor">
+            <a:schemeClr val="lt1"/>
+          </a:fontRef>
+        </p:style>
+        <p:txBody>
+          <a:bodyPr rtlCol="0" anchor="ctr"/>
+          <a:lstStyle/>
+          <a:p>
+            <a:pPr algn="ctr"/>
+            <a:endParaRPr lang="en-IN"/>
+          </a:p>
+        </p:txBody>
+      </p:sp>
+      <p:sp>
+        <p:nvSpPr>
+          <p:cNvPr id="73" name="Rectangle 72">
+            <a:extLst>
+              <a:ext uri="{FF2B5EF4-FFF2-40B4-BE49-F238E27FC236}">
+                <a16:creationId xmlns:a16="http://schemas.microsoft.com/office/drawing/2014/main" id="{5038F163-82CD-472E-9F11-09922FDF4E7A}"/>
+              </a:ext>
+            </a:extLst>
+          </p:cNvPr>
+          <p:cNvSpPr/>
+          <p:nvPr/>
+        </p:nvSpPr>
+        <p:spPr>
+          <a:xfrm rot="20244640">
+            <a:off x="7916800" y="2753536"/>
+            <a:ext cx="681318" cy="394448"/>
+          </a:xfrm>
+          <a:prstGeom prst="rect">
+            <a:avLst/>
+          </a:prstGeom>
+          <a:solidFill>
+            <a:srgbClr val="FF0000"/>
+          </a:solidFill>
+        </p:spPr>
+        <p:style>
+          <a:lnRef idx="2">
+            <a:schemeClr val="accent1">
+              <a:shade val="50000"/>
+            </a:schemeClr>
+          </a:lnRef>
+          <a:fillRef idx="1">
+            <a:schemeClr val="accent1"/>
+          </a:fillRef>
+          <a:effectRef idx="0">
+            <a:schemeClr val="accent1"/>
+          </a:effectRef>
+          <a:fontRef idx="minor">
+            <a:schemeClr val="lt1"/>
+          </a:fontRef>
+        </p:style>
+        <p:txBody>
+          <a:bodyPr rtlCol="0" anchor="ctr"/>
+          <a:lstStyle/>
+          <a:p>
+            <a:pPr algn="ctr"/>
+            <a:endParaRPr lang="en-IN"/>
+          </a:p>
+        </p:txBody>
+      </p:sp>
+      <p:sp>
+        <p:nvSpPr>
+          <p:cNvPr id="76" name="Rectangle 75">
+            <a:extLst>
+              <a:ext uri="{FF2B5EF4-FFF2-40B4-BE49-F238E27FC236}">
+                <a16:creationId xmlns:a16="http://schemas.microsoft.com/office/drawing/2014/main" id="{7141227F-DA00-4BAF-B301-ABAA47C55DE4}"/>
+              </a:ext>
+            </a:extLst>
+          </p:cNvPr>
+          <p:cNvSpPr/>
+          <p:nvPr/>
+        </p:nvSpPr>
+        <p:spPr>
+          <a:xfrm rot="20314001">
+            <a:off x="5866264" y="4082003"/>
+            <a:ext cx="376518" cy="394449"/>
+          </a:xfrm>
+          <a:prstGeom prst="rect">
+            <a:avLst/>
+          </a:prstGeom>
+        </p:spPr>
+        <p:style>
+          <a:lnRef idx="2">
+            <a:schemeClr val="dk1">
+              <a:shade val="50000"/>
+            </a:schemeClr>
+          </a:lnRef>
+          <a:fillRef idx="1">
+            <a:schemeClr val="dk1"/>
+          </a:fillRef>
+          <a:effectRef idx="0">
+            <a:schemeClr val="dk1"/>
+          </a:effectRef>
+          <a:fontRef idx="minor">
+            <a:schemeClr val="lt1"/>
+          </a:fontRef>
+        </p:style>
+        <p:txBody>
+          <a:bodyPr rtlCol="0" anchor="ctr"/>
+          <a:lstStyle/>
+          <a:p>
+            <a:pPr algn="ctr"/>
+            <a:endParaRPr lang="en-IN"/>
+          </a:p>
+        </p:txBody>
+      </p:sp>
+      <p:sp>
+        <p:nvSpPr>
+          <p:cNvPr id="77" name="Rectangle 76">
+            <a:extLst>
+              <a:ext uri="{FF2B5EF4-FFF2-40B4-BE49-F238E27FC236}">
+                <a16:creationId xmlns:a16="http://schemas.microsoft.com/office/drawing/2014/main" id="{C781EA6B-326A-4BF7-90DD-BE68037D7AF1}"/>
+              </a:ext>
+            </a:extLst>
+          </p:cNvPr>
+          <p:cNvSpPr/>
+          <p:nvPr/>
+        </p:nvSpPr>
+        <p:spPr>
+          <a:xfrm rot="20288570">
+            <a:off x="8254085" y="3116170"/>
+            <a:ext cx="376518" cy="394449"/>
+          </a:xfrm>
+          <a:prstGeom prst="rect">
+            <a:avLst/>
+          </a:prstGeom>
+        </p:spPr>
+        <p:style>
+          <a:lnRef idx="2">
+            <a:schemeClr val="dk1">
+              <a:shade val="50000"/>
+            </a:schemeClr>
+          </a:lnRef>
+          <a:fillRef idx="1">
+            <a:schemeClr val="dk1"/>
+          </a:fillRef>
+          <a:effectRef idx="0">
+            <a:schemeClr val="dk1"/>
+          </a:effectRef>
+          <a:fontRef idx="minor">
+            <a:schemeClr val="lt1"/>
+          </a:fontRef>
+        </p:style>
+        <p:txBody>
+          <a:bodyPr rtlCol="0" anchor="ctr"/>
+          <a:lstStyle/>
+          <a:p>
+            <a:pPr algn="ctr"/>
+            <a:endParaRPr lang="en-IN"/>
+          </a:p>
+        </p:txBody>
+      </p:sp>
+      <p:cxnSp>
+        <p:nvCxnSpPr>
+          <p:cNvPr id="78" name="Straight Connector 77">
+            <a:extLst>
+              <a:ext uri="{FF2B5EF4-FFF2-40B4-BE49-F238E27FC236}">
+                <a16:creationId xmlns:a16="http://schemas.microsoft.com/office/drawing/2014/main" id="{54E1C66E-7FA1-4341-BB09-5ED623B7D451}"/>
+              </a:ext>
+            </a:extLst>
+          </p:cNvPr>
+          <p:cNvCxnSpPr>
+            <a:cxnSpLocks/>
+          </p:cNvCxnSpPr>
+          <p:nvPr/>
+        </p:nvCxnSpPr>
+        <p:spPr>
+          <a:xfrm flipV="1">
+            <a:off x="2621280" y="2820927"/>
+            <a:ext cx="7579359" cy="3038321"/>
+          </a:xfrm>
+          <a:prstGeom prst="line">
+            <a:avLst/>
+          </a:prstGeom>
+          <a:ln w="57150"/>
+        </p:spPr>
+        <p:style>
+          <a:lnRef idx="1">
+            <a:schemeClr val="dk1"/>
+          </a:lnRef>
+          <a:fillRef idx="0">
+            <a:schemeClr val="dk1"/>
+          </a:fillRef>
+          <a:effectRef idx="0">
+            <a:schemeClr val="dk1"/>
+          </a:effectRef>
+          <a:fontRef idx="minor">
+            <a:schemeClr val="tx1"/>
+          </a:fontRef>
+        </p:style>
+      </p:cxnSp>
+      <p:cxnSp>
+        <p:nvCxnSpPr>
+          <p:cNvPr id="79" name="Straight Connector 78">
+            <a:extLst>
+              <a:ext uri="{FF2B5EF4-FFF2-40B4-BE49-F238E27FC236}">
+                <a16:creationId xmlns:a16="http://schemas.microsoft.com/office/drawing/2014/main" id="{D2A50D5D-DB6B-4F4C-91B3-5F48C53B88E2}"/>
+              </a:ext>
+            </a:extLst>
+          </p:cNvPr>
+          <p:cNvCxnSpPr>
+            <a:cxnSpLocks/>
+          </p:cNvCxnSpPr>
+          <p:nvPr/>
+        </p:nvCxnSpPr>
+        <p:spPr>
+          <a:xfrm flipV="1">
+            <a:off x="4670612" y="1717040"/>
+            <a:ext cx="4361628" cy="1782555"/>
+          </a:xfrm>
+          <a:prstGeom prst="line">
+            <a:avLst/>
+          </a:prstGeom>
+          <a:ln w="19050">
+            <a:prstDash val="sysDash"/>
+          </a:ln>
+        </p:spPr>
+        <p:style>
+          <a:lnRef idx="1">
+            <a:schemeClr val="dk1"/>
+          </a:lnRef>
+          <a:fillRef idx="0">
+            <a:schemeClr val="dk1"/>
+          </a:fillRef>
+          <a:effectRef idx="0">
+            <a:schemeClr val="dk1"/>
+          </a:effectRef>
+          <a:fontRef idx="minor">
+            <a:schemeClr val="tx1"/>
+          </a:fontRef>
+        </p:style>
+      </p:cxnSp>
+      <p:cxnSp>
+        <p:nvCxnSpPr>
+          <p:cNvPr id="80" name="Straight Connector 79">
+            <a:extLst>
+              <a:ext uri="{FF2B5EF4-FFF2-40B4-BE49-F238E27FC236}">
+                <a16:creationId xmlns:a16="http://schemas.microsoft.com/office/drawing/2014/main" id="{F4B8E6E9-C28B-4082-8570-82DAFA47D198}"/>
+              </a:ext>
+            </a:extLst>
+          </p:cNvPr>
+          <p:cNvCxnSpPr>
+            <a:cxnSpLocks/>
+          </p:cNvCxnSpPr>
+          <p:nvPr/>
+        </p:nvCxnSpPr>
+        <p:spPr>
+          <a:xfrm>
+            <a:off x="6035015" y="852160"/>
+            <a:ext cx="1209040" cy="3007360"/>
+          </a:xfrm>
+          <a:prstGeom prst="line">
+            <a:avLst/>
+          </a:prstGeom>
+          <a:ln w="19050">
+            <a:prstDash val="sysDash"/>
+          </a:ln>
+        </p:spPr>
+        <p:style>
+          <a:lnRef idx="1">
+            <a:schemeClr val="dk1"/>
+          </a:lnRef>
+          <a:fillRef idx="0">
+            <a:schemeClr val="dk1"/>
+          </a:fillRef>
+          <a:effectRef idx="0">
+            <a:schemeClr val="dk1"/>
+          </a:effectRef>
+          <a:fontRef idx="minor">
+            <a:schemeClr val="tx1"/>
+          </a:fontRef>
+        </p:style>
+      </p:cxnSp>
+      <p:sp>
+        <p:nvSpPr>
+          <p:cNvPr id="81" name="Oval 80">
+            <a:extLst>
+              <a:ext uri="{FF2B5EF4-FFF2-40B4-BE49-F238E27FC236}">
+                <a16:creationId xmlns:a16="http://schemas.microsoft.com/office/drawing/2014/main" id="{6383D9E4-432A-4F93-92D0-15C256D2408D}"/>
+              </a:ext>
+            </a:extLst>
+          </p:cNvPr>
+          <p:cNvSpPr/>
+          <p:nvPr/>
+        </p:nvSpPr>
+        <p:spPr>
+          <a:xfrm>
+            <a:off x="6672132" y="2557793"/>
+            <a:ext cx="179294" cy="191609"/>
+          </a:xfrm>
+          <a:prstGeom prst="ellipse">
+            <a:avLst/>
+          </a:prstGeom>
+        </p:spPr>
+        <p:style>
+          <a:lnRef idx="2">
+            <a:schemeClr val="accent1">
+              <a:shade val="50000"/>
+            </a:schemeClr>
+          </a:lnRef>
+          <a:fillRef idx="1">
+            <a:schemeClr val="accent1"/>
+          </a:fillRef>
+          <a:effectRef idx="0">
+            <a:schemeClr val="accent1"/>
+          </a:effectRef>
+          <a:fontRef idx="minor">
+            <a:schemeClr val="lt1"/>
+          </a:fontRef>
+        </p:style>
+        <p:txBody>
+          <a:bodyPr rtlCol="0" anchor="ctr"/>
+          <a:lstStyle/>
+          <a:p>
+            <a:pPr algn="ctr"/>
+            <a:endParaRPr lang="en-IN"/>
+          </a:p>
+        </p:txBody>
+      </p:sp>
+      <p:sp>
+        <p:nvSpPr>
+          <p:cNvPr id="82" name="TextBox 81">
+            <a:extLst>
+              <a:ext uri="{FF2B5EF4-FFF2-40B4-BE49-F238E27FC236}">
+                <a16:creationId xmlns:a16="http://schemas.microsoft.com/office/drawing/2014/main" id="{A5202674-7749-4067-A3C0-064E93A84B1E}"/>
+              </a:ext>
+            </a:extLst>
+          </p:cNvPr>
+          <p:cNvSpPr txBox="1"/>
+          <p:nvPr/>
+        </p:nvSpPr>
+        <p:spPr>
+          <a:xfrm>
+            <a:off x="6746698" y="2585606"/>
+            <a:ext cx="644524" cy="369332"/>
+          </a:xfrm>
+          <a:prstGeom prst="rect">
+            <a:avLst/>
+          </a:prstGeom>
+          <a:noFill/>
+        </p:spPr>
+        <p:txBody>
+          <a:bodyPr wrap="square" rtlCol="0">
+            <a:spAutoFit/>
+          </a:bodyPr>
+          <a:lstStyle/>
+          <a:p>
+            <a:pPr algn="ctr"/>
+            <a:r>
+              <a:rPr lang="en-US" b="1"/>
+              <a:t>CG</a:t>
+            </a:r>
+            <a:endParaRPr lang="en-IN" b="1"/>
+          </a:p>
+        </p:txBody>
+      </p:sp>
+      <p:sp>
+        <p:nvSpPr>
+          <p:cNvPr id="86" name="TextBox 85">
+            <a:extLst>
+              <a:ext uri="{FF2B5EF4-FFF2-40B4-BE49-F238E27FC236}">
+                <a16:creationId xmlns:a16="http://schemas.microsoft.com/office/drawing/2014/main" id="{300C1573-E7B7-4BF4-A6F0-CAC7880319B7}"/>
+              </a:ext>
+            </a:extLst>
+          </p:cNvPr>
+          <p:cNvSpPr txBox="1"/>
+          <p:nvPr/>
+        </p:nvSpPr>
+        <p:spPr>
+          <a:xfrm rot="19871049">
+            <a:off x="6324539" y="5159142"/>
+            <a:ext cx="484847" cy="400110"/>
+          </a:xfrm>
+          <a:prstGeom prst="rect">
+            <a:avLst/>
+          </a:prstGeom>
+          <a:noFill/>
+        </p:spPr>
+        <p:txBody>
+          <a:bodyPr wrap="square" rtlCol="0">
+            <a:spAutoFit/>
+          </a:bodyPr>
+          <a:lstStyle/>
+          <a:p>
+            <a:r>
+              <a:rPr lang="en-US" sz="2000" b="1"/>
+              <a:t>Ra</a:t>
+            </a:r>
+            <a:endParaRPr lang="en-IN" sz="2000" b="1"/>
+          </a:p>
+        </p:txBody>
+      </p:sp>
+      <p:sp>
+        <p:nvSpPr>
+          <p:cNvPr id="87" name="TextBox 86">
+            <a:extLst>
+              <a:ext uri="{FF2B5EF4-FFF2-40B4-BE49-F238E27FC236}">
+                <a16:creationId xmlns:a16="http://schemas.microsoft.com/office/drawing/2014/main" id="{41606A8A-8F5D-444F-924B-FEAC8C3EC75D}"/>
+              </a:ext>
+            </a:extLst>
+          </p:cNvPr>
+          <p:cNvSpPr txBox="1"/>
+          <p:nvPr/>
+        </p:nvSpPr>
+        <p:spPr>
+          <a:xfrm rot="20285470">
+            <a:off x="8768125" y="4430260"/>
+            <a:ext cx="471313" cy="400110"/>
+          </a:xfrm>
+          <a:prstGeom prst="rect">
+            <a:avLst/>
+          </a:prstGeom>
+          <a:noFill/>
+        </p:spPr>
+        <p:txBody>
+          <a:bodyPr wrap="square" rtlCol="0">
+            <a:spAutoFit/>
+          </a:bodyPr>
+          <a:lstStyle/>
+          <a:p>
+            <a:r>
+              <a:rPr lang="en-US" sz="2000" b="1"/>
+              <a:t>Rb</a:t>
+            </a:r>
+            <a:endParaRPr lang="en-IN" sz="2000" b="1"/>
+          </a:p>
+        </p:txBody>
+      </p:sp>
+      <p:cxnSp>
+        <p:nvCxnSpPr>
+          <p:cNvPr id="88" name="Straight Arrow Connector 87">
+            <a:extLst>
+              <a:ext uri="{FF2B5EF4-FFF2-40B4-BE49-F238E27FC236}">
+                <a16:creationId xmlns:a16="http://schemas.microsoft.com/office/drawing/2014/main" id="{D6D77EF8-15E0-4E18-87A4-041767A72769}"/>
+              </a:ext>
+            </a:extLst>
+          </p:cNvPr>
+          <p:cNvCxnSpPr>
+            <a:cxnSpLocks/>
+          </p:cNvCxnSpPr>
+          <p:nvPr/>
+        </p:nvCxnSpPr>
+        <p:spPr>
+          <a:xfrm flipH="1" flipV="1">
+            <a:off x="9036158" y="1735686"/>
+            <a:ext cx="488856" cy="1287897"/>
+          </a:xfrm>
+          <a:prstGeom prst="straightConnector1">
+            <a:avLst/>
+          </a:prstGeom>
+          <a:ln w="57150">
+            <a:headEnd type="triangle"/>
+            <a:tailEnd type="triangle"/>
+          </a:ln>
+        </p:spPr>
+        <p:style>
+          <a:lnRef idx="1">
+            <a:schemeClr val="dk1"/>
+          </a:lnRef>
+          <a:fillRef idx="0">
+            <a:schemeClr val="dk1"/>
+          </a:fillRef>
+          <a:effectRef idx="0">
+            <a:schemeClr val="dk1"/>
+          </a:effectRef>
+          <a:fontRef idx="minor">
+            <a:schemeClr val="tx1"/>
+          </a:fontRef>
+        </p:style>
+      </p:cxnSp>
+      <p:sp>
+        <p:nvSpPr>
+          <p:cNvPr id="90" name="TextBox 89">
+            <a:extLst>
+              <a:ext uri="{FF2B5EF4-FFF2-40B4-BE49-F238E27FC236}">
+                <a16:creationId xmlns:a16="http://schemas.microsoft.com/office/drawing/2014/main" id="{BB1A1CEE-9845-4801-88FA-A22E07EA1F91}"/>
+              </a:ext>
+            </a:extLst>
+          </p:cNvPr>
+          <p:cNvSpPr txBox="1"/>
+          <p:nvPr/>
+        </p:nvSpPr>
+        <p:spPr>
+          <a:xfrm rot="20309815">
+            <a:off x="9241623" y="2042014"/>
+            <a:ext cx="367378" cy="523220"/>
+          </a:xfrm>
+          <a:prstGeom prst="rect">
+            <a:avLst/>
+          </a:prstGeom>
+          <a:noFill/>
+        </p:spPr>
+        <p:txBody>
+          <a:bodyPr wrap="square" rtlCol="0">
+            <a:spAutoFit/>
+          </a:bodyPr>
+          <a:lstStyle/>
+          <a:p>
+            <a:r>
+              <a:rPr lang="en-US" sz="2800" b="1"/>
+              <a:t>h</a:t>
+            </a:r>
+            <a:endParaRPr lang="en-IN" sz="2800" b="1"/>
+          </a:p>
+        </p:txBody>
+      </p:sp>
+      <p:sp>
+        <p:nvSpPr>
+          <p:cNvPr id="91" name="Arrow: Curved Up 90">
+            <a:extLst>
+              <a:ext uri="{FF2B5EF4-FFF2-40B4-BE49-F238E27FC236}">
+                <a16:creationId xmlns:a16="http://schemas.microsoft.com/office/drawing/2014/main" id="{F3ED14BA-6A7F-4732-803A-8190687B06F1}"/>
+              </a:ext>
+            </a:extLst>
+          </p:cNvPr>
+          <p:cNvSpPr/>
+          <p:nvPr/>
+        </p:nvSpPr>
+        <p:spPr>
+          <a:xfrm rot="14958845">
+            <a:off x="9161277" y="1191538"/>
+            <a:ext cx="502019" cy="646546"/>
+          </a:xfrm>
+          <a:prstGeom prst="curvedUpArrow">
+            <a:avLst/>
+          </a:prstGeom>
+        </p:spPr>
+        <p:style>
+          <a:lnRef idx="2">
+            <a:schemeClr val="dk1">
+              <a:shade val="50000"/>
+            </a:schemeClr>
+          </a:lnRef>
+          <a:fillRef idx="1">
+            <a:schemeClr val="dk1"/>
+          </a:fillRef>
+          <a:effectRef idx="0">
+            <a:schemeClr val="dk1"/>
+          </a:effectRef>
+          <a:fontRef idx="minor">
+            <a:schemeClr val="lt1"/>
+          </a:fontRef>
+        </p:style>
+        <p:txBody>
+          <a:bodyPr rtlCol="0" anchor="ctr"/>
+          <a:lstStyle/>
+          <a:p>
+            <a:pPr algn="ctr"/>
+            <a:endParaRPr lang="en-IN">
+              <a:solidFill>
+                <a:schemeClr val="tx1"/>
+              </a:solidFill>
+            </a:endParaRPr>
+          </a:p>
+        </p:txBody>
+      </p:sp>
+      <p:cxnSp>
+        <p:nvCxnSpPr>
+          <p:cNvPr id="94" name="Straight Arrow Connector 93">
+            <a:extLst>
+              <a:ext uri="{FF2B5EF4-FFF2-40B4-BE49-F238E27FC236}">
+                <a16:creationId xmlns:a16="http://schemas.microsoft.com/office/drawing/2014/main" id="{8FA63D1D-2272-4584-874D-3A710B9E2AC9}"/>
+              </a:ext>
+            </a:extLst>
+          </p:cNvPr>
+          <p:cNvCxnSpPr>
+            <a:cxnSpLocks/>
+          </p:cNvCxnSpPr>
+          <p:nvPr/>
+        </p:nvCxnSpPr>
+        <p:spPr>
+          <a:xfrm flipH="1">
+            <a:off x="6118744" y="4445863"/>
+            <a:ext cx="1151783" cy="61008"/>
+          </a:xfrm>
+          <a:prstGeom prst="straightConnector1">
+            <a:avLst/>
+          </a:prstGeom>
+          <a:ln w="76200">
+            <a:prstDash val="sysDash"/>
+            <a:tailEnd type="triangle"/>
+          </a:ln>
+        </p:spPr>
+        <p:style>
+          <a:lnRef idx="1">
+            <a:schemeClr val="accent1"/>
+          </a:lnRef>
+          <a:fillRef idx="0">
+            <a:schemeClr val="accent1"/>
+          </a:fillRef>
+          <a:effectRef idx="0">
+            <a:schemeClr val="accent1"/>
+          </a:effectRef>
+          <a:fontRef idx="minor">
+            <a:schemeClr val="tx1"/>
+          </a:fontRef>
+        </p:style>
+      </p:cxnSp>
+      <p:cxnSp>
+        <p:nvCxnSpPr>
+          <p:cNvPr id="96" name="Straight Arrow Connector 95">
+            <a:extLst>
+              <a:ext uri="{FF2B5EF4-FFF2-40B4-BE49-F238E27FC236}">
+                <a16:creationId xmlns:a16="http://schemas.microsoft.com/office/drawing/2014/main" id="{B5DD2340-564F-4D13-B0EA-29F2204983EA}"/>
+              </a:ext>
+            </a:extLst>
+          </p:cNvPr>
+          <p:cNvCxnSpPr>
+            <a:cxnSpLocks/>
+          </p:cNvCxnSpPr>
+          <p:nvPr/>
+        </p:nvCxnSpPr>
+        <p:spPr>
+          <a:xfrm flipH="1">
+            <a:off x="8494951" y="3482385"/>
+            <a:ext cx="944256" cy="40645"/>
+          </a:xfrm>
+          <a:prstGeom prst="straightConnector1">
+            <a:avLst/>
+          </a:prstGeom>
+          <a:ln w="76200">
+            <a:prstDash val="sysDash"/>
+            <a:tailEnd type="triangle"/>
+          </a:ln>
+        </p:spPr>
+        <p:style>
+          <a:lnRef idx="1">
+            <a:schemeClr val="accent1"/>
+          </a:lnRef>
+          <a:fillRef idx="0">
+            <a:schemeClr val="accent1"/>
+          </a:fillRef>
+          <a:effectRef idx="0">
+            <a:schemeClr val="accent1"/>
+          </a:effectRef>
+          <a:fontRef idx="minor">
+            <a:schemeClr val="tx1"/>
+          </a:fontRef>
+        </p:style>
+      </p:cxnSp>
+      <mc:AlternateContent xmlns:mc="http://schemas.openxmlformats.org/markup-compatibility/2006">
+        <mc:Choice xmlns:a14="http://schemas.microsoft.com/office/drawing/2010/main" Requires="a14">
+          <p:sp>
+            <p:nvSpPr>
+              <p:cNvPr id="100" name="TextBox 99">
+                <a:extLst>
+                  <a:ext uri="{FF2B5EF4-FFF2-40B4-BE49-F238E27FC236}">
+                    <a16:creationId xmlns:a16="http://schemas.microsoft.com/office/drawing/2014/main" id="{8B1F8D64-A31A-4EE8-98DC-D57B5D061881}"/>
+                  </a:ext>
+                </a:extLst>
+              </p:cNvPr>
+              <p:cNvSpPr txBox="1"/>
+              <p:nvPr/>
+            </p:nvSpPr>
+            <p:spPr>
+              <a:xfrm rot="21392371">
+                <a:off x="7496490" y="2314933"/>
+                <a:ext cx="1030476" cy="400110"/>
+              </a:xfrm>
+              <a:prstGeom prst="rect">
+                <a:avLst/>
+              </a:prstGeom>
+              <a:noFill/>
+            </p:spPr>
+            <p:txBody>
+              <a:bodyPr wrap="square" rtlCol="0">
+                <a:spAutoFit/>
+              </a:bodyPr>
+              <a:lstStyle/>
+              <a:p>
+                <a:pPr algn="ctr"/>
+                <a:r>
+                  <a:rPr lang="en-US" sz="2000" b="1"/>
+                  <a:t>m</a:t>
+                </a:r>
+                <a14:m>
+                  <m:oMath xmlns:m="http://schemas.openxmlformats.org/officeDocument/2006/math">
+                    <m:sSub>
+                      <m:sSubPr>
+                        <m:ctrlPr>
+                          <a:rPr lang="en-US" sz="2000" b="1" i="1" smtClean="0">
+                            <a:latin typeface="Cambria Math" panose="02040503050406030204" pitchFamily="18" charset="0"/>
+                          </a:rPr>
+                        </m:ctrlPr>
+                      </m:sSubPr>
+                      <m:e>
+                        <m:r>
+                          <a:rPr lang="en-US" sz="2000" b="1" i="1" smtClean="0">
+                            <a:latin typeface="Cambria Math" panose="02040503050406030204" pitchFamily="18" charset="0"/>
+                          </a:rPr>
+                          <m:t>𝒂</m:t>
+                        </m:r>
+                      </m:e>
+                      <m:sub>
+                        <m:r>
+                          <a:rPr lang="en-US" sz="2000" b="1" i="1" smtClean="0">
+                            <a:latin typeface="Cambria Math" panose="02040503050406030204" pitchFamily="18" charset="0"/>
+                          </a:rPr>
+                          <m:t>𝒏</m:t>
+                        </m:r>
+                      </m:sub>
+                    </m:sSub>
+                  </m:oMath>
+                </a14:m>
+                <a:endParaRPr lang="en-IN" sz="2000" b="1"/>
+              </a:p>
+            </p:txBody>
+          </p:sp>
+        </mc:Choice>
+        <mc:Fallback>
+          <p:sp>
+            <p:nvSpPr>
+              <p:cNvPr id="100" name="TextBox 99">
+                <a:extLst>
+                  <a:ext uri="{FF2B5EF4-FFF2-40B4-BE49-F238E27FC236}">
+                    <a16:creationId xmlns:a16="http://schemas.microsoft.com/office/drawing/2014/main" id="{8B1F8D64-A31A-4EE8-98DC-D57B5D061881}"/>
+                  </a:ext>
+                </a:extLst>
+              </p:cNvPr>
+              <p:cNvSpPr txBox="1">
+                <a:spLocks noRot="1" noChangeAspect="1" noMove="1" noResize="1" noEditPoints="1" noAdjustHandles="1" noChangeArrowheads="1" noChangeShapeType="1" noTextEdit="1"/>
+              </p:cNvSpPr>
+              <p:nvPr/>
+            </p:nvSpPr>
+            <p:spPr>
+              <a:xfrm rot="21392371">
+                <a:off x="7496490" y="2314933"/>
+                <a:ext cx="1030476" cy="400110"/>
+              </a:xfrm>
+              <a:prstGeom prst="rect">
+                <a:avLst/>
+              </a:prstGeom>
+              <a:blipFill>
+                <a:blip r:embed="rId2"/>
+                <a:stretch>
+                  <a:fillRect t="-1299" b="-20779"/>
+                </a:stretch>
+              </a:blipFill>
+            </p:spPr>
+            <p:txBody>
+              <a:bodyPr/>
+              <a:lstStyle/>
+              <a:p>
+                <a:r>
+                  <a:rPr lang="en-IN">
+                    <a:noFill/>
+                  </a:rPr>
+                  <a:t> </a:t>
+                </a:r>
+              </a:p>
+            </p:txBody>
+          </p:sp>
+        </mc:Fallback>
+      </mc:AlternateContent>
+      <p:cxnSp>
+        <p:nvCxnSpPr>
+          <p:cNvPr id="101" name="Straight Arrow Connector 100">
+            <a:extLst>
+              <a:ext uri="{FF2B5EF4-FFF2-40B4-BE49-F238E27FC236}">
+                <a16:creationId xmlns:a16="http://schemas.microsoft.com/office/drawing/2014/main" id="{37D0F5CF-ACAB-4DF2-8CC2-0A578F01ACB2}"/>
+              </a:ext>
+            </a:extLst>
+          </p:cNvPr>
+          <p:cNvCxnSpPr>
+            <a:cxnSpLocks/>
+          </p:cNvCxnSpPr>
+          <p:nvPr/>
+        </p:nvCxnSpPr>
+        <p:spPr>
+          <a:xfrm flipV="1">
+            <a:off x="6835977" y="2561978"/>
+            <a:ext cx="915788" cy="46614"/>
+          </a:xfrm>
+          <a:prstGeom prst="straightConnector1">
+            <a:avLst/>
+          </a:prstGeom>
+          <a:ln w="76200">
+            <a:tailEnd type="triangle"/>
+          </a:ln>
+        </p:spPr>
+        <p:style>
+          <a:lnRef idx="1">
+            <a:schemeClr val="accent2"/>
+          </a:lnRef>
+          <a:fillRef idx="0">
+            <a:schemeClr val="accent2"/>
+          </a:fillRef>
+          <a:effectRef idx="0">
+            <a:schemeClr val="accent2"/>
+          </a:effectRef>
+          <a:fontRef idx="minor">
+            <a:schemeClr val="tx1"/>
+          </a:fontRef>
+        </p:style>
+      </p:cxnSp>
+      <p:cxnSp>
+        <p:nvCxnSpPr>
+          <p:cNvPr id="103" name="Straight Connector 102">
+            <a:extLst>
+              <a:ext uri="{FF2B5EF4-FFF2-40B4-BE49-F238E27FC236}">
+                <a16:creationId xmlns:a16="http://schemas.microsoft.com/office/drawing/2014/main" id="{6C2AE1B9-FE6E-49BC-AC5A-B3729F9A1AFB}"/>
+              </a:ext>
+            </a:extLst>
+          </p:cNvPr>
+          <p:cNvCxnSpPr>
+            <a:cxnSpLocks/>
+          </p:cNvCxnSpPr>
+          <p:nvPr/>
+        </p:nvCxnSpPr>
+        <p:spPr>
+          <a:xfrm flipV="1">
+            <a:off x="2621280" y="5739485"/>
+            <a:ext cx="7780020" cy="122104"/>
+          </a:xfrm>
+          <a:prstGeom prst="line">
+            <a:avLst/>
+          </a:prstGeom>
+          <a:ln w="57150"/>
+        </p:spPr>
+        <p:style>
+          <a:lnRef idx="1">
+            <a:schemeClr val="dk1"/>
+          </a:lnRef>
+          <a:fillRef idx="0">
+            <a:schemeClr val="dk1"/>
+          </a:fillRef>
+          <a:effectRef idx="0">
+            <a:schemeClr val="dk1"/>
+          </a:effectRef>
+          <a:fontRef idx="minor">
+            <a:schemeClr val="tx1"/>
+          </a:fontRef>
+        </p:style>
+      </p:cxnSp>
+      <p:sp>
+        <p:nvSpPr>
+          <p:cNvPr id="107" name="Arc 106">
+            <a:extLst>
+              <a:ext uri="{FF2B5EF4-FFF2-40B4-BE49-F238E27FC236}">
+                <a16:creationId xmlns:a16="http://schemas.microsoft.com/office/drawing/2014/main" id="{2183B6EB-CD2E-4A66-B9F8-9C9523141FF2}"/>
+              </a:ext>
+            </a:extLst>
+          </p:cNvPr>
+          <p:cNvSpPr/>
+          <p:nvPr/>
+        </p:nvSpPr>
+        <p:spPr>
+          <a:xfrm>
+            <a:off x="3444080" y="5392248"/>
+            <a:ext cx="667199" cy="842560"/>
+          </a:xfrm>
+          <a:prstGeom prst="arc">
+            <a:avLst/>
+          </a:prstGeom>
+          <a:ln w="57150"/>
+        </p:spPr>
+        <p:style>
+          <a:lnRef idx="1">
+            <a:schemeClr val="accent1"/>
+          </a:lnRef>
+          <a:fillRef idx="0">
+            <a:schemeClr val="accent1"/>
+          </a:fillRef>
+          <a:effectRef idx="0">
+            <a:schemeClr val="accent1"/>
+          </a:effectRef>
+          <a:fontRef idx="minor">
+            <a:schemeClr val="tx1"/>
+          </a:fontRef>
+        </p:style>
+        <p:txBody>
+          <a:bodyPr rtlCol="0" anchor="ctr"/>
+          <a:lstStyle/>
+          <a:p>
+            <a:pPr algn="ctr"/>
+            <a:endParaRPr lang="en-IN"/>
+          </a:p>
+        </p:txBody>
+      </p:sp>
+      <mc:AlternateContent xmlns:mc="http://schemas.openxmlformats.org/markup-compatibility/2006">
+        <mc:Choice xmlns:a14="http://schemas.microsoft.com/office/drawing/2010/main" Requires="a14">
+          <p:sp>
+            <p:nvSpPr>
+              <p:cNvPr id="108" name="TextBox 107">
+                <a:extLst>
+                  <a:ext uri="{FF2B5EF4-FFF2-40B4-BE49-F238E27FC236}">
+                    <a16:creationId xmlns:a16="http://schemas.microsoft.com/office/drawing/2014/main" id="{19976FF4-C720-4F66-963B-F3D5521740C2}"/>
+                  </a:ext>
+                </a:extLst>
+              </p:cNvPr>
+              <p:cNvSpPr txBox="1"/>
+              <p:nvPr/>
+            </p:nvSpPr>
+            <p:spPr>
+              <a:xfrm>
+                <a:off x="4102701" y="5312113"/>
+                <a:ext cx="306174" cy="430887"/>
+              </a:xfrm>
+              <a:prstGeom prst="rect">
+                <a:avLst/>
+              </a:prstGeom>
+              <a:noFill/>
+            </p:spPr>
+            <p:txBody>
+              <a:bodyPr wrap="none" lIns="0" tIns="0" rIns="0" bIns="0" rtlCol="0">
+                <a:spAutoFit/>
+              </a:bodyPr>
+              <a:lstStyle/>
+              <a:p>
+                <a:pPr/>
+                <a14:m>
+                  <m:oMathPara xmlns:m="http://schemas.openxmlformats.org/officeDocument/2006/math">
+                    <m:oMathParaPr>
+                      <m:jc m:val="centerGroup"/>
+                    </m:oMathParaPr>
+                    <m:oMath xmlns:m="http://schemas.openxmlformats.org/officeDocument/2006/math">
+                      <m:r>
+                        <a:rPr lang="en-IN" sz="2800" b="1" i="1" smtClean="0">
+                          <a:latin typeface="Cambria Math" panose="02040503050406030204" pitchFamily="18" charset="0"/>
+                          <a:ea typeface="Cambria Math" panose="02040503050406030204" pitchFamily="18" charset="0"/>
+                        </a:rPr>
+                        <m:t>𝜽</m:t>
+                      </m:r>
+                    </m:oMath>
+                  </m:oMathPara>
+                </a14:m>
+                <a:endParaRPr lang="en-IN" sz="2800" b="1"/>
+              </a:p>
+            </p:txBody>
+          </p:sp>
+        </mc:Choice>
+        <mc:Fallback>
+          <p:sp>
+            <p:nvSpPr>
+              <p:cNvPr id="108" name="TextBox 107">
+                <a:extLst>
+                  <a:ext uri="{FF2B5EF4-FFF2-40B4-BE49-F238E27FC236}">
+                    <a16:creationId xmlns:a16="http://schemas.microsoft.com/office/drawing/2014/main" id="{19976FF4-C720-4F66-963B-F3D5521740C2}"/>
+                  </a:ext>
+                </a:extLst>
+              </p:cNvPr>
+              <p:cNvSpPr txBox="1">
+                <a:spLocks noRot="1" noChangeAspect="1" noMove="1" noResize="1" noEditPoints="1" noAdjustHandles="1" noChangeArrowheads="1" noChangeShapeType="1" noTextEdit="1"/>
+              </p:cNvSpPr>
+              <p:nvPr/>
+            </p:nvSpPr>
+            <p:spPr>
+              <a:xfrm>
+                <a:off x="4102701" y="5312113"/>
+                <a:ext cx="306174" cy="430887"/>
+              </a:xfrm>
+              <a:prstGeom prst="rect">
+                <a:avLst/>
+              </a:prstGeom>
+              <a:blipFill>
+                <a:blip r:embed="rId3"/>
+                <a:stretch>
+                  <a:fillRect/>
+                </a:stretch>
+              </a:blipFill>
+            </p:spPr>
+            <p:txBody>
+              <a:bodyPr/>
+              <a:lstStyle/>
+              <a:p>
+                <a:r>
+                  <a:rPr lang="en-IN">
+                    <a:noFill/>
+                  </a:rPr>
+                  <a:t> </a:t>
+                </a:r>
+              </a:p>
+            </p:txBody>
+          </p:sp>
+        </mc:Fallback>
+      </mc:AlternateContent>
+      <p:cxnSp>
+        <p:nvCxnSpPr>
+          <p:cNvPr id="110" name="Straight Arrow Connector 109">
+            <a:extLst>
+              <a:ext uri="{FF2B5EF4-FFF2-40B4-BE49-F238E27FC236}">
+                <a16:creationId xmlns:a16="http://schemas.microsoft.com/office/drawing/2014/main" id="{E4F67AD1-5DC0-45B4-B6B8-0F2170486073}"/>
+              </a:ext>
+            </a:extLst>
+          </p:cNvPr>
+          <p:cNvCxnSpPr>
+            <a:cxnSpLocks/>
+          </p:cNvCxnSpPr>
+          <p:nvPr/>
+        </p:nvCxnSpPr>
+        <p:spPr>
+          <a:xfrm>
+            <a:off x="6786499" y="2703604"/>
+            <a:ext cx="475569" cy="1229965"/>
+          </a:xfrm>
+          <a:prstGeom prst="straightConnector1">
+            <a:avLst/>
+          </a:prstGeom>
+          <a:ln w="76200">
+            <a:prstDash val="sysDash"/>
+            <a:tailEnd type="triangle"/>
+          </a:ln>
+        </p:spPr>
+        <p:style>
+          <a:lnRef idx="1">
+            <a:schemeClr val="accent1"/>
+          </a:lnRef>
+          <a:fillRef idx="0">
+            <a:schemeClr val="accent1"/>
+          </a:fillRef>
+          <a:effectRef idx="0">
+            <a:schemeClr val="accent1"/>
+          </a:effectRef>
+          <a:fontRef idx="minor">
+            <a:schemeClr val="tx1"/>
+          </a:fontRef>
+        </p:style>
+      </p:cxnSp>
+      <p:cxnSp>
+        <p:nvCxnSpPr>
+          <p:cNvPr id="111" name="Straight Arrow Connector 110">
+            <a:extLst>
+              <a:ext uri="{FF2B5EF4-FFF2-40B4-BE49-F238E27FC236}">
+                <a16:creationId xmlns:a16="http://schemas.microsoft.com/office/drawing/2014/main" id="{91A28928-A59A-4758-AA7B-62163C8700D8}"/>
+              </a:ext>
+            </a:extLst>
+          </p:cNvPr>
+          <p:cNvCxnSpPr>
+            <a:cxnSpLocks/>
+          </p:cNvCxnSpPr>
+          <p:nvPr/>
+        </p:nvCxnSpPr>
+        <p:spPr>
+          <a:xfrm flipH="1">
+            <a:off x="5605656" y="2663370"/>
+            <a:ext cx="1130026" cy="446881"/>
+          </a:xfrm>
+          <a:prstGeom prst="straightConnector1">
+            <a:avLst/>
+          </a:prstGeom>
+          <a:ln w="76200">
+            <a:prstDash val="sysDash"/>
+            <a:tailEnd type="triangle"/>
+          </a:ln>
+        </p:spPr>
+        <p:style>
+          <a:lnRef idx="1">
+            <a:schemeClr val="accent1"/>
+          </a:lnRef>
+          <a:fillRef idx="0">
+            <a:schemeClr val="accent1"/>
+          </a:fillRef>
+          <a:effectRef idx="0">
+            <a:schemeClr val="accent1"/>
+          </a:effectRef>
+          <a:fontRef idx="minor">
+            <a:schemeClr val="tx1"/>
+          </a:fontRef>
+        </p:style>
+      </p:cxnSp>
+      <p:sp>
+        <p:nvSpPr>
+          <p:cNvPr id="115" name="TextBox 114">
+            <a:extLst>
+              <a:ext uri="{FF2B5EF4-FFF2-40B4-BE49-F238E27FC236}">
+                <a16:creationId xmlns:a16="http://schemas.microsoft.com/office/drawing/2014/main" id="{A55D728F-D396-473C-B640-37380130779B}"/>
+              </a:ext>
+            </a:extLst>
+          </p:cNvPr>
+          <p:cNvSpPr txBox="1"/>
+          <p:nvPr/>
+        </p:nvSpPr>
+        <p:spPr>
+          <a:xfrm rot="21389788">
+            <a:off x="6383060" y="3090871"/>
+            <a:ext cx="587101" cy="400110"/>
+          </a:xfrm>
+          <a:prstGeom prst="rect">
+            <a:avLst/>
+          </a:prstGeom>
+          <a:noFill/>
+        </p:spPr>
+        <p:txBody>
+          <a:bodyPr wrap="square" rtlCol="0">
+            <a:spAutoFit/>
+          </a:bodyPr>
+          <a:lstStyle/>
+          <a:p>
+            <a:r>
+              <a:rPr lang="en-US" sz="2000" b="1"/>
+              <a:t>W</a:t>
+            </a:r>
+            <a:endParaRPr lang="en-IN" sz="2000" b="1"/>
+          </a:p>
+        </p:txBody>
+      </p:sp>
+      <mc:AlternateContent xmlns:mc="http://schemas.openxmlformats.org/markup-compatibility/2006">
+        <mc:Choice xmlns:a14="http://schemas.microsoft.com/office/drawing/2010/main" Requires="a14">
+          <p:sp>
+            <p:nvSpPr>
+              <p:cNvPr id="116" name="TextBox 115">
+                <a:extLst>
+                  <a:ext uri="{FF2B5EF4-FFF2-40B4-BE49-F238E27FC236}">
+                    <a16:creationId xmlns:a16="http://schemas.microsoft.com/office/drawing/2014/main" id="{37330450-45BE-43D7-9D03-0BB519FB9999}"/>
+                  </a:ext>
+                </a:extLst>
+              </p:cNvPr>
+              <p:cNvSpPr txBox="1"/>
+              <p:nvPr/>
+            </p:nvSpPr>
+            <p:spPr>
+              <a:xfrm rot="20215834">
+                <a:off x="7018341" y="2860766"/>
+                <a:ext cx="2186803" cy="369332"/>
+              </a:xfrm>
+              <a:prstGeom prst="rect">
+                <a:avLst/>
+              </a:prstGeom>
+              <a:noFill/>
+              <a:ln>
+                <a:solidFill>
+                  <a:schemeClr val="tx1"/>
+                </a:solidFill>
+              </a:ln>
+            </p:spPr>
+            <p:txBody>
+              <a:bodyPr wrap="square" rtlCol="0">
+                <a:spAutoFit/>
+              </a:bodyPr>
+              <a:lstStyle/>
+              <a:p>
+                <a14:m>
+                  <m:oMathPara xmlns:m="http://schemas.openxmlformats.org/officeDocument/2006/math">
+                    <m:oMathParaPr>
+                      <m:jc m:val="centerGroup"/>
+                    </m:oMathParaPr>
+                    <m:oMath xmlns:m="http://schemas.openxmlformats.org/officeDocument/2006/math">
+                      <m:func>
+                        <m:funcPr>
+                          <m:ctrlPr>
+                            <a:rPr lang="en-IN" b="1" i="1" smtClean="0">
+                              <a:latin typeface="Cambria Math" panose="02040503050406030204" pitchFamily="18" charset="0"/>
+                            </a:rPr>
+                          </m:ctrlPr>
+                        </m:funcPr>
+                        <m:fName>
+                          <m:r>
+                            <a:rPr lang="en-IN" b="1" i="1" smtClean="0">
+                              <a:latin typeface="Cambria Math" panose="02040503050406030204" pitchFamily="18" charset="0"/>
+                            </a:rPr>
+                            <m:t>𝑾</m:t>
+                          </m:r>
+                          <m:r>
+                            <a:rPr lang="en-IN" b="1" i="0" smtClean="0">
+                              <a:latin typeface="Cambria Math" panose="02040503050406030204" pitchFamily="18" charset="0"/>
+                            </a:rPr>
+                            <m:t>𝐜𝐨𝐬</m:t>
+                          </m:r>
+                        </m:fName>
+                        <m:e>
+                          <m:r>
+                            <a:rPr lang="en-IN" b="1" i="1" smtClean="0">
+                              <a:latin typeface="Cambria Math" panose="02040503050406030204" pitchFamily="18" charset="0"/>
+                              <a:ea typeface="Cambria Math" panose="02040503050406030204" pitchFamily="18" charset="0"/>
+                            </a:rPr>
+                            <m:t>𝜽</m:t>
+                          </m:r>
+                          <m:r>
+                            <a:rPr lang="en-IN" b="1" i="1" smtClean="0">
+                              <a:latin typeface="Cambria Math" panose="02040503050406030204" pitchFamily="18" charset="0"/>
+                              <a:ea typeface="Cambria Math" panose="02040503050406030204" pitchFamily="18" charset="0"/>
+                            </a:rPr>
+                            <m:t>+</m:t>
+                          </m:r>
+                          <m:r>
+                            <a:rPr lang="en-IN" b="1" i="1" smtClean="0">
+                              <a:latin typeface="Cambria Math" panose="02040503050406030204" pitchFamily="18" charset="0"/>
+                            </a:rPr>
+                            <m:t>𝒎</m:t>
+                          </m:r>
+                          <m:sSub>
+                            <m:sSubPr>
+                              <m:ctrlPr>
+                                <a:rPr lang="en-IN" b="1" i="1" smtClean="0">
+                                  <a:latin typeface="Cambria Math" panose="02040503050406030204" pitchFamily="18" charset="0"/>
+                                </a:rPr>
+                              </m:ctrlPr>
+                            </m:sSubPr>
+                            <m:e>
+                              <m:r>
+                                <a:rPr lang="en-IN" b="1" i="1" smtClean="0">
+                                  <a:latin typeface="Cambria Math" panose="02040503050406030204" pitchFamily="18" charset="0"/>
+                                </a:rPr>
+                                <m:t>𝒂</m:t>
+                              </m:r>
+                            </m:e>
+                            <m:sub>
+                              <m:r>
+                                <a:rPr lang="en-IN" b="1" i="1" smtClean="0">
+                                  <a:latin typeface="Cambria Math" panose="02040503050406030204" pitchFamily="18" charset="0"/>
+                                </a:rPr>
+                                <m:t>𝒏</m:t>
+                              </m:r>
+                            </m:sub>
+                          </m:sSub>
+                          <m:func>
+                            <m:funcPr>
+                              <m:ctrlPr>
+                                <a:rPr lang="en-IN" b="1" i="1" smtClean="0">
+                                  <a:latin typeface="Cambria Math" panose="02040503050406030204" pitchFamily="18" charset="0"/>
+                                </a:rPr>
+                              </m:ctrlPr>
+                            </m:funcPr>
+                            <m:fName>
+                              <m:r>
+                                <a:rPr lang="en-IN" b="1" i="0" smtClean="0">
+                                  <a:latin typeface="Cambria Math" panose="02040503050406030204" pitchFamily="18" charset="0"/>
+                                </a:rPr>
+                                <m:t>𝐬𝐢𝐧</m:t>
+                              </m:r>
+                            </m:fName>
+                            <m:e>
+                              <m:r>
+                                <a:rPr lang="el-GR" b="1" i="1" smtClean="0">
+                                  <a:latin typeface="Cambria Math" panose="02040503050406030204" pitchFamily="18" charset="0"/>
+                                </a:rPr>
+                                <m:t>𝜽</m:t>
+                              </m:r>
+                            </m:e>
+                          </m:func>
+                        </m:e>
+                      </m:func>
+                    </m:oMath>
+                  </m:oMathPara>
+                </a14:m>
+                <a:endParaRPr lang="en-IN" b="1"/>
+              </a:p>
+            </p:txBody>
+          </p:sp>
+        </mc:Choice>
+        <mc:Fallback>
+          <p:sp>
+            <p:nvSpPr>
+              <p:cNvPr id="116" name="TextBox 115">
+                <a:extLst>
+                  <a:ext uri="{FF2B5EF4-FFF2-40B4-BE49-F238E27FC236}">
+                    <a16:creationId xmlns:a16="http://schemas.microsoft.com/office/drawing/2014/main" id="{37330450-45BE-43D7-9D03-0BB519FB9999}"/>
+                  </a:ext>
+                </a:extLst>
+              </p:cNvPr>
+              <p:cNvSpPr txBox="1">
+                <a:spLocks noRot="1" noChangeAspect="1" noMove="1" noResize="1" noEditPoints="1" noAdjustHandles="1" noChangeArrowheads="1" noChangeShapeType="1" noTextEdit="1"/>
+              </p:cNvSpPr>
+              <p:nvPr/>
+            </p:nvSpPr>
+            <p:spPr>
+              <a:xfrm rot="20215834">
+                <a:off x="7018341" y="2860766"/>
+                <a:ext cx="2186803" cy="369332"/>
+              </a:xfrm>
+              <a:prstGeom prst="rect">
+                <a:avLst/>
+              </a:prstGeom>
+              <a:blipFill>
+                <a:blip r:embed="rId4"/>
+                <a:stretch>
+                  <a:fillRect r="-560"/>
+                </a:stretch>
+              </a:blipFill>
+              <a:ln>
+                <a:solidFill>
+                  <a:schemeClr val="tx1"/>
+                </a:solidFill>
+              </a:ln>
+            </p:spPr>
+            <p:txBody>
+              <a:bodyPr/>
+              <a:lstStyle/>
+              <a:p>
+                <a:r>
+                  <a:rPr lang="en-IN">
+                    <a:noFill/>
+                  </a:rPr>
+                  <a:t> </a:t>
+                </a:r>
+              </a:p>
+            </p:txBody>
+          </p:sp>
+        </mc:Fallback>
+      </mc:AlternateContent>
+      <mc:AlternateContent xmlns:mc="http://schemas.openxmlformats.org/markup-compatibility/2006">
+        <mc:Choice xmlns:a14="http://schemas.microsoft.com/office/drawing/2010/main" Requires="a14">
+          <p:sp>
+            <p:nvSpPr>
+              <p:cNvPr id="117" name="TextBox 116">
+                <a:extLst>
+                  <a:ext uri="{FF2B5EF4-FFF2-40B4-BE49-F238E27FC236}">
+                    <a16:creationId xmlns:a16="http://schemas.microsoft.com/office/drawing/2014/main" id="{16B4B151-ABA6-4B5C-A083-334927C3DFDA}"/>
+                  </a:ext>
+                </a:extLst>
+              </p:cNvPr>
+              <p:cNvSpPr txBox="1"/>
+              <p:nvPr/>
+            </p:nvSpPr>
+            <p:spPr>
+              <a:xfrm rot="20229615">
+                <a:off x="5716693" y="2545601"/>
+                <a:ext cx="791115" cy="369332"/>
+              </a:xfrm>
+              <a:prstGeom prst="rect">
+                <a:avLst/>
+              </a:prstGeom>
+              <a:noFill/>
+            </p:spPr>
+            <p:txBody>
+              <a:bodyPr wrap="square" rtlCol="0">
+                <a:spAutoFit/>
+              </a:bodyPr>
+              <a:lstStyle/>
+              <a:p>
+                <a14:m>
+                  <m:oMathPara xmlns:m="http://schemas.openxmlformats.org/officeDocument/2006/math">
+                    <m:oMathParaPr>
+                      <m:jc m:val="centerGroup"/>
+                    </m:oMathParaPr>
+                    <m:oMath xmlns:m="http://schemas.openxmlformats.org/officeDocument/2006/math">
+                      <m:func>
+                        <m:funcPr>
+                          <m:ctrlPr>
+                            <a:rPr lang="en-IN" b="1" i="1" smtClean="0">
+                              <a:latin typeface="Cambria Math" panose="02040503050406030204" pitchFamily="18" charset="0"/>
+                            </a:rPr>
+                          </m:ctrlPr>
+                        </m:funcPr>
+                        <m:fName>
+                          <m:r>
+                            <a:rPr lang="en-IN" b="1" i="0" smtClean="0">
+                              <a:latin typeface="Cambria Math" panose="02040503050406030204" pitchFamily="18" charset="0"/>
+                            </a:rPr>
+                            <m:t>𝐖</m:t>
+                          </m:r>
+                          <m:r>
+                            <a:rPr lang="en-IN" b="1" i="0" smtClean="0">
+                              <a:latin typeface="Cambria Math" panose="02040503050406030204" pitchFamily="18" charset="0"/>
+                            </a:rPr>
+                            <m:t>𝐬𝐢𝐧</m:t>
+                          </m:r>
+                        </m:fName>
+                        <m:e>
+                          <m:r>
+                            <a:rPr lang="el-GR" b="1" i="1" smtClean="0">
+                              <a:latin typeface="Cambria Math" panose="02040503050406030204" pitchFamily="18" charset="0"/>
+                            </a:rPr>
+                            <m:t>𝜽</m:t>
+                          </m:r>
+                        </m:e>
+                      </m:func>
+                    </m:oMath>
+                  </m:oMathPara>
+                </a14:m>
+                <a:endParaRPr lang="en-IN" b="1"/>
+              </a:p>
+            </p:txBody>
+          </p:sp>
+        </mc:Choice>
+        <mc:Fallback>
+          <p:sp>
+            <p:nvSpPr>
+              <p:cNvPr id="117" name="TextBox 116">
+                <a:extLst>
+                  <a:ext uri="{FF2B5EF4-FFF2-40B4-BE49-F238E27FC236}">
+                    <a16:creationId xmlns:a16="http://schemas.microsoft.com/office/drawing/2014/main" id="{16B4B151-ABA6-4B5C-A083-334927C3DFDA}"/>
+                  </a:ext>
+                </a:extLst>
+              </p:cNvPr>
+              <p:cNvSpPr txBox="1">
+                <a:spLocks noRot="1" noChangeAspect="1" noMove="1" noResize="1" noEditPoints="1" noAdjustHandles="1" noChangeArrowheads="1" noChangeShapeType="1" noTextEdit="1"/>
+              </p:cNvSpPr>
+              <p:nvPr/>
+            </p:nvSpPr>
+            <p:spPr>
+              <a:xfrm rot="20229615">
+                <a:off x="5716693" y="2545601"/>
+                <a:ext cx="791115" cy="369332"/>
+              </a:xfrm>
+              <a:prstGeom prst="rect">
+                <a:avLst/>
+              </a:prstGeom>
+              <a:blipFill>
+                <a:blip r:embed="rId5"/>
+                <a:stretch>
+                  <a:fillRect r="-10417"/>
+                </a:stretch>
+              </a:blipFill>
+            </p:spPr>
+            <p:txBody>
+              <a:bodyPr/>
+              <a:lstStyle/>
+              <a:p>
+                <a:r>
+                  <a:rPr lang="en-IN">
+                    <a:noFill/>
+                  </a:rPr>
+                  <a:t> </a:t>
+                </a:r>
+              </a:p>
+            </p:txBody>
+          </p:sp>
+        </mc:Fallback>
+      </mc:AlternateContent>
+      <p:sp>
+        <p:nvSpPr>
+          <p:cNvPr id="118" name="Arc 117">
+            <a:extLst>
+              <a:ext uri="{FF2B5EF4-FFF2-40B4-BE49-F238E27FC236}">
+                <a16:creationId xmlns:a16="http://schemas.microsoft.com/office/drawing/2014/main" id="{7FC90776-DD87-480C-98DC-1D7863D91CE4}"/>
+              </a:ext>
+            </a:extLst>
+          </p:cNvPr>
+          <p:cNvSpPr/>
+          <p:nvPr/>
+        </p:nvSpPr>
+        <p:spPr>
+          <a:xfrm rot="5400000">
+            <a:off x="6395147" y="2571399"/>
+            <a:ext cx="667199" cy="842560"/>
+          </a:xfrm>
+          <a:prstGeom prst="arc">
+            <a:avLst>
+              <a:gd name="adj1" fmla="val 18900363"/>
+              <a:gd name="adj2" fmla="val 21019523"/>
+            </a:avLst>
+          </a:prstGeom>
+          <a:ln w="57150"/>
+        </p:spPr>
+        <p:style>
+          <a:lnRef idx="1">
+            <a:schemeClr val="accent1"/>
+          </a:lnRef>
+          <a:fillRef idx="0">
+            <a:schemeClr val="accent1"/>
+          </a:fillRef>
+          <a:effectRef idx="0">
+            <a:schemeClr val="accent1"/>
+          </a:effectRef>
+          <a:fontRef idx="minor">
+            <a:schemeClr val="tx1"/>
+          </a:fontRef>
+        </p:style>
+        <p:txBody>
+          <a:bodyPr rtlCol="0" anchor="ctr"/>
+          <a:lstStyle/>
+          <a:p>
+            <a:pPr algn="ctr"/>
+            <a:endParaRPr lang="en-IN"/>
+          </a:p>
+        </p:txBody>
+      </p:sp>
+      <p:cxnSp>
+        <p:nvCxnSpPr>
+          <p:cNvPr id="83" name="Straight Arrow Connector 82">
+            <a:extLst>
+              <a:ext uri="{FF2B5EF4-FFF2-40B4-BE49-F238E27FC236}">
+                <a16:creationId xmlns:a16="http://schemas.microsoft.com/office/drawing/2014/main" id="{89AFC600-7D57-4365-9E25-14D553BDEA88}"/>
+              </a:ext>
+            </a:extLst>
+          </p:cNvPr>
+          <p:cNvCxnSpPr>
+            <a:cxnSpLocks/>
+          </p:cNvCxnSpPr>
+          <p:nvPr/>
+        </p:nvCxnSpPr>
+        <p:spPr>
+          <a:xfrm>
+            <a:off x="6766953" y="2748239"/>
+            <a:ext cx="76847" cy="1258931"/>
+          </a:xfrm>
+          <a:prstGeom prst="straightConnector1">
+            <a:avLst/>
+          </a:prstGeom>
+          <a:ln w="76200">
+            <a:tailEnd type="triangle"/>
+          </a:ln>
+        </p:spPr>
+        <p:style>
+          <a:lnRef idx="1">
+            <a:schemeClr val="accent2"/>
+          </a:lnRef>
+          <a:fillRef idx="0">
+            <a:schemeClr val="accent2"/>
+          </a:fillRef>
+          <a:effectRef idx="0">
+            <a:schemeClr val="accent2"/>
+          </a:effectRef>
+          <a:fontRef idx="minor">
+            <a:schemeClr val="tx1"/>
+          </a:fontRef>
+        </p:style>
+      </p:cxnSp>
+      <mc:AlternateContent xmlns:mc="http://schemas.openxmlformats.org/markup-compatibility/2006">
+        <mc:Choice xmlns:a14="http://schemas.microsoft.com/office/drawing/2010/main" Requires="a14">
+          <p:sp>
+            <p:nvSpPr>
+              <p:cNvPr id="119" name="TextBox 118">
+                <a:extLst>
+                  <a:ext uri="{FF2B5EF4-FFF2-40B4-BE49-F238E27FC236}">
+                    <a16:creationId xmlns:a16="http://schemas.microsoft.com/office/drawing/2014/main" id="{3336C734-7F96-4DC2-B7D2-38B4F5B2339E}"/>
+                  </a:ext>
+                </a:extLst>
+              </p:cNvPr>
+              <p:cNvSpPr txBox="1"/>
+              <p:nvPr/>
+            </p:nvSpPr>
+            <p:spPr>
+              <a:xfrm>
+                <a:off x="6846947" y="3377705"/>
+                <a:ext cx="218008" cy="307777"/>
+              </a:xfrm>
+              <a:prstGeom prst="rect">
+                <a:avLst/>
+              </a:prstGeom>
+              <a:noFill/>
+            </p:spPr>
+            <p:txBody>
+              <a:bodyPr wrap="none" lIns="0" tIns="0" rIns="0" bIns="0" rtlCol="0">
+                <a:spAutoFit/>
+              </a:bodyPr>
+              <a:lstStyle/>
+              <a:p>
+                <a:pPr/>
+                <a14:m>
+                  <m:oMathPara xmlns:m="http://schemas.openxmlformats.org/officeDocument/2006/math">
+                    <m:oMathParaPr>
+                      <m:jc m:val="centerGroup"/>
+                    </m:oMathParaPr>
+                    <m:oMath xmlns:m="http://schemas.openxmlformats.org/officeDocument/2006/math">
+                      <m:r>
+                        <a:rPr lang="en-IN" sz="2000" b="1" i="1" smtClean="0">
+                          <a:latin typeface="Cambria Math" panose="02040503050406030204" pitchFamily="18" charset="0"/>
+                          <a:ea typeface="Cambria Math" panose="02040503050406030204" pitchFamily="18" charset="0"/>
+                        </a:rPr>
+                        <m:t>𝜽</m:t>
+                      </m:r>
+                    </m:oMath>
+                  </m:oMathPara>
+                </a14:m>
+                <a:endParaRPr lang="en-IN" sz="2000" b="1"/>
+              </a:p>
+            </p:txBody>
+          </p:sp>
+        </mc:Choice>
+        <mc:Fallback>
+          <p:sp>
+            <p:nvSpPr>
+              <p:cNvPr id="119" name="TextBox 118">
+                <a:extLst>
+                  <a:ext uri="{FF2B5EF4-FFF2-40B4-BE49-F238E27FC236}">
+                    <a16:creationId xmlns:a16="http://schemas.microsoft.com/office/drawing/2014/main" id="{3336C734-7F96-4DC2-B7D2-38B4F5B2339E}"/>
+                  </a:ext>
+                </a:extLst>
+              </p:cNvPr>
+              <p:cNvSpPr txBox="1">
+                <a:spLocks noRot="1" noChangeAspect="1" noMove="1" noResize="1" noEditPoints="1" noAdjustHandles="1" noChangeArrowheads="1" noChangeShapeType="1" noTextEdit="1"/>
+              </p:cNvSpPr>
+              <p:nvPr/>
+            </p:nvSpPr>
+            <p:spPr>
+              <a:xfrm>
+                <a:off x="6846947" y="3377705"/>
+                <a:ext cx="218008" cy="307777"/>
+              </a:xfrm>
+              <a:prstGeom prst="rect">
+                <a:avLst/>
+              </a:prstGeom>
+              <a:blipFill>
+                <a:blip r:embed="rId6"/>
+                <a:stretch>
+                  <a:fillRect l="-27778" r="-27778" b="-5882"/>
+                </a:stretch>
+              </a:blipFill>
+            </p:spPr>
+            <p:txBody>
+              <a:bodyPr/>
+              <a:lstStyle/>
+              <a:p>
+                <a:r>
+                  <a:rPr lang="en-IN">
+                    <a:noFill/>
+                  </a:rPr>
+                  <a:t> </a:t>
+                </a:r>
+              </a:p>
+            </p:txBody>
+          </p:sp>
+        </mc:Fallback>
+      </mc:AlternateContent>
+      <p:cxnSp>
+        <p:nvCxnSpPr>
+          <p:cNvPr id="122" name="Straight Arrow Connector 121">
+            <a:extLst>
+              <a:ext uri="{FF2B5EF4-FFF2-40B4-BE49-F238E27FC236}">
+                <a16:creationId xmlns:a16="http://schemas.microsoft.com/office/drawing/2014/main" id="{A77874E8-CB56-4EC9-BD6B-2B64FCE2F31F}"/>
+              </a:ext>
+            </a:extLst>
+          </p:cNvPr>
+          <p:cNvCxnSpPr>
+            <a:cxnSpLocks/>
+          </p:cNvCxnSpPr>
+          <p:nvPr/>
+        </p:nvCxnSpPr>
+        <p:spPr>
+          <a:xfrm flipV="1">
+            <a:off x="1910080" y="2001520"/>
+            <a:ext cx="4604461" cy="1858000"/>
+          </a:xfrm>
+          <a:prstGeom prst="straightConnector1">
+            <a:avLst/>
+          </a:prstGeom>
+          <a:ln w="57150">
+            <a:headEnd type="triangle"/>
+            <a:tailEnd type="triangle"/>
+          </a:ln>
+        </p:spPr>
+        <p:style>
+          <a:lnRef idx="1">
+            <a:schemeClr val="dk1"/>
+          </a:lnRef>
+          <a:fillRef idx="0">
+            <a:schemeClr val="dk1"/>
+          </a:fillRef>
+          <a:effectRef idx="0">
+            <a:schemeClr val="dk1"/>
+          </a:effectRef>
+          <a:fontRef idx="minor">
+            <a:schemeClr val="tx1"/>
+          </a:fontRef>
+        </p:style>
+      </p:cxnSp>
+      <p:cxnSp>
+        <p:nvCxnSpPr>
+          <p:cNvPr id="125" name="Straight Connector 124">
+            <a:extLst>
+              <a:ext uri="{FF2B5EF4-FFF2-40B4-BE49-F238E27FC236}">
+                <a16:creationId xmlns:a16="http://schemas.microsoft.com/office/drawing/2014/main" id="{00CFD216-773E-4B0A-901D-80D7D4B890DD}"/>
+              </a:ext>
+            </a:extLst>
+          </p:cNvPr>
+          <p:cNvCxnSpPr>
+            <a:cxnSpLocks/>
+          </p:cNvCxnSpPr>
+          <p:nvPr/>
+        </p:nvCxnSpPr>
+        <p:spPr>
+          <a:xfrm>
+            <a:off x="1758781" y="3577883"/>
+            <a:ext cx="253402" cy="646546"/>
+          </a:xfrm>
+          <a:prstGeom prst="line">
+            <a:avLst/>
+          </a:prstGeom>
+          <a:ln w="57150"/>
+        </p:spPr>
+        <p:style>
+          <a:lnRef idx="1">
+            <a:schemeClr val="dk1"/>
+          </a:lnRef>
+          <a:fillRef idx="0">
+            <a:schemeClr val="dk1"/>
+          </a:fillRef>
+          <a:effectRef idx="0">
+            <a:schemeClr val="dk1"/>
+          </a:effectRef>
+          <a:fontRef idx="minor">
+            <a:schemeClr val="tx1"/>
+          </a:fontRef>
+        </p:style>
+      </p:cxnSp>
+      <p:sp>
+        <p:nvSpPr>
+          <p:cNvPr id="127" name="TextBox 126">
+            <a:extLst>
+              <a:ext uri="{FF2B5EF4-FFF2-40B4-BE49-F238E27FC236}">
+                <a16:creationId xmlns:a16="http://schemas.microsoft.com/office/drawing/2014/main" id="{5F1469B4-28A5-48D1-A379-3B86D35328B8}"/>
+              </a:ext>
+            </a:extLst>
+          </p:cNvPr>
+          <p:cNvSpPr txBox="1"/>
+          <p:nvPr/>
+        </p:nvSpPr>
+        <p:spPr>
+          <a:xfrm rot="20280694">
+            <a:off x="3514707" y="2668910"/>
+            <a:ext cx="367378" cy="523220"/>
+          </a:xfrm>
+          <a:prstGeom prst="rect">
+            <a:avLst/>
+          </a:prstGeom>
+          <a:noFill/>
+        </p:spPr>
+        <p:txBody>
+          <a:bodyPr wrap="square" rtlCol="0">
+            <a:spAutoFit/>
+          </a:bodyPr>
+          <a:lstStyle/>
+          <a:p>
+            <a:r>
+              <a:rPr lang="en-US" sz="2800" b="1"/>
+              <a:t>r</a:t>
+            </a:r>
+            <a:endParaRPr lang="en-IN" sz="2800" b="1"/>
+          </a:p>
+        </p:txBody>
+      </p:sp>
+      <p:cxnSp>
+        <p:nvCxnSpPr>
+          <p:cNvPr id="135" name="Straight Arrow Connector 134">
+            <a:extLst>
+              <a:ext uri="{FF2B5EF4-FFF2-40B4-BE49-F238E27FC236}">
+                <a16:creationId xmlns:a16="http://schemas.microsoft.com/office/drawing/2014/main" id="{F3397518-DEBC-44E1-A0D7-39DB2533E1E3}"/>
+              </a:ext>
+            </a:extLst>
+          </p:cNvPr>
+          <p:cNvCxnSpPr>
+            <a:cxnSpLocks/>
+            <a:endCxn id="76" idx="2"/>
+          </p:cNvCxnSpPr>
+          <p:nvPr/>
+        </p:nvCxnSpPr>
+        <p:spPr>
+          <a:xfrm flipH="1" flipV="1">
+            <a:off x="6126592" y="4462813"/>
+            <a:ext cx="25362" cy="1022570"/>
+          </a:xfrm>
+          <a:prstGeom prst="straightConnector1">
+            <a:avLst/>
+          </a:prstGeom>
+          <a:ln w="76200">
+            <a:prstDash val="sysDash"/>
+            <a:tailEnd type="triangle"/>
+          </a:ln>
+        </p:spPr>
+        <p:style>
+          <a:lnRef idx="1">
+            <a:schemeClr val="accent1"/>
+          </a:lnRef>
+          <a:fillRef idx="0">
+            <a:schemeClr val="accent1"/>
+          </a:fillRef>
+          <a:effectRef idx="0">
+            <a:schemeClr val="accent1"/>
+          </a:effectRef>
+          <a:fontRef idx="minor">
+            <a:schemeClr val="tx1"/>
+          </a:fontRef>
+        </p:style>
+      </p:cxnSp>
+      <p:cxnSp>
+        <p:nvCxnSpPr>
+          <p:cNvPr id="137" name="Straight Arrow Connector 136">
+            <a:extLst>
+              <a:ext uri="{FF2B5EF4-FFF2-40B4-BE49-F238E27FC236}">
+                <a16:creationId xmlns:a16="http://schemas.microsoft.com/office/drawing/2014/main" id="{5ECF5C6F-8136-41B4-9F51-7ADC518239B1}"/>
+              </a:ext>
+            </a:extLst>
+          </p:cNvPr>
+          <p:cNvCxnSpPr>
+            <a:cxnSpLocks/>
+          </p:cNvCxnSpPr>
+          <p:nvPr/>
+        </p:nvCxnSpPr>
+        <p:spPr>
+          <a:xfrm flipH="1" flipV="1">
+            <a:off x="8500608" y="3483573"/>
+            <a:ext cx="27008" cy="1263920"/>
+          </a:xfrm>
+          <a:prstGeom prst="straightConnector1">
+            <a:avLst/>
+          </a:prstGeom>
+          <a:ln w="76200">
+            <a:prstDash val="sysDash"/>
+            <a:tailEnd type="triangle"/>
+          </a:ln>
+        </p:spPr>
+        <p:style>
+          <a:lnRef idx="1">
+            <a:schemeClr val="accent1"/>
+          </a:lnRef>
+          <a:fillRef idx="0">
+            <a:schemeClr val="accent1"/>
+          </a:fillRef>
+          <a:effectRef idx="0">
+            <a:schemeClr val="accent1"/>
+          </a:effectRef>
+          <a:fontRef idx="minor">
+            <a:schemeClr val="tx1"/>
+          </a:fontRef>
+        </p:style>
+      </p:cxnSp>
+      <p:cxnSp>
+        <p:nvCxnSpPr>
+          <p:cNvPr id="84" name="Straight Arrow Connector 83">
+            <a:extLst>
+              <a:ext uri="{FF2B5EF4-FFF2-40B4-BE49-F238E27FC236}">
+                <a16:creationId xmlns:a16="http://schemas.microsoft.com/office/drawing/2014/main" id="{0179174D-DBB3-4649-97FD-4C5DF4F55A36}"/>
+              </a:ext>
+            </a:extLst>
+          </p:cNvPr>
+          <p:cNvCxnSpPr>
+            <a:cxnSpLocks/>
+          </p:cNvCxnSpPr>
+          <p:nvPr/>
+        </p:nvCxnSpPr>
+        <p:spPr>
+          <a:xfrm flipH="1" flipV="1">
+            <a:off x="6140667" y="4477681"/>
+            <a:ext cx="359945" cy="755330"/>
+          </a:xfrm>
+          <a:prstGeom prst="straightConnector1">
+            <a:avLst/>
+          </a:prstGeom>
+          <a:ln w="76200">
+            <a:tailEnd type="triangle"/>
+          </a:ln>
+        </p:spPr>
+        <p:style>
+          <a:lnRef idx="1">
+            <a:schemeClr val="accent2"/>
+          </a:lnRef>
+          <a:fillRef idx="0">
+            <a:schemeClr val="accent2"/>
+          </a:fillRef>
+          <a:effectRef idx="0">
+            <a:schemeClr val="accent2"/>
+          </a:effectRef>
+          <a:fontRef idx="minor">
+            <a:schemeClr val="tx1"/>
+          </a:fontRef>
+        </p:style>
+      </p:cxnSp>
+      <p:cxnSp>
+        <p:nvCxnSpPr>
+          <p:cNvPr id="85" name="Straight Arrow Connector 84">
+            <a:extLst>
+              <a:ext uri="{FF2B5EF4-FFF2-40B4-BE49-F238E27FC236}">
+                <a16:creationId xmlns:a16="http://schemas.microsoft.com/office/drawing/2014/main" id="{16E98312-951F-44C5-8109-3B3526D5F41B}"/>
+              </a:ext>
+            </a:extLst>
+          </p:cNvPr>
+          <p:cNvCxnSpPr>
+            <a:cxnSpLocks/>
+          </p:cNvCxnSpPr>
+          <p:nvPr/>
+        </p:nvCxnSpPr>
+        <p:spPr>
+          <a:xfrm flipH="1" flipV="1">
+            <a:off x="8551209" y="3510250"/>
+            <a:ext cx="360289" cy="983600"/>
+          </a:xfrm>
+          <a:prstGeom prst="straightConnector1">
+            <a:avLst/>
+          </a:prstGeom>
+          <a:ln w="76200">
+            <a:tailEnd type="triangle"/>
+          </a:ln>
+        </p:spPr>
+        <p:style>
+          <a:lnRef idx="1">
+            <a:schemeClr val="accent2"/>
+          </a:lnRef>
+          <a:fillRef idx="0">
+            <a:schemeClr val="accent2"/>
+          </a:fillRef>
+          <a:effectRef idx="0">
+            <a:schemeClr val="accent2"/>
+          </a:effectRef>
+          <a:fontRef idx="minor">
+            <a:schemeClr val="tx1"/>
+          </a:fontRef>
+        </p:style>
+      </p:cxnSp>
+      <mc:AlternateContent xmlns:mc="http://schemas.openxmlformats.org/markup-compatibility/2006">
+        <mc:Choice xmlns:a14="http://schemas.microsoft.com/office/drawing/2010/main" Requires="a14">
+          <p:sp>
+            <p:nvSpPr>
+              <p:cNvPr id="138" name="TextBox 137">
+                <a:extLst>
+                  <a:ext uri="{FF2B5EF4-FFF2-40B4-BE49-F238E27FC236}">
+                    <a16:creationId xmlns:a16="http://schemas.microsoft.com/office/drawing/2014/main" id="{E41CC00D-CC0B-42AF-B62E-D99032382520}"/>
+                  </a:ext>
+                </a:extLst>
+              </p:cNvPr>
+              <p:cNvSpPr txBox="1"/>
+              <p:nvPr/>
+            </p:nvSpPr>
+            <p:spPr>
+              <a:xfrm>
+                <a:off x="5110821" y="5140781"/>
+                <a:ext cx="1148067" cy="707886"/>
+              </a:xfrm>
+              <a:prstGeom prst="rect">
+                <a:avLst/>
+              </a:prstGeom>
+              <a:noFill/>
+            </p:spPr>
+            <p:txBody>
+              <a:bodyPr wrap="square" rtlCol="0">
+                <a:spAutoFit/>
+              </a:bodyPr>
+              <a:lstStyle/>
+              <a:p>
+                <a:r>
+                  <a:rPr lang="en-US" sz="2000" b="1"/>
+                  <a:t>Ra</a:t>
+                </a:r>
+                <a14:m>
+                  <m:oMath xmlns:m="http://schemas.openxmlformats.org/officeDocument/2006/math">
+                    <m:func>
+                      <m:funcPr>
+                        <m:ctrlPr>
+                          <a:rPr lang="en-IN" sz="2000" b="1" i="1">
+                            <a:latin typeface="Cambria Math" panose="02040503050406030204" pitchFamily="18" charset="0"/>
+                          </a:rPr>
+                        </m:ctrlPr>
+                      </m:funcPr>
+                      <m:fName>
+                        <m:r>
+                          <a:rPr lang="en-IN" sz="2000" b="1">
+                            <a:latin typeface="Cambria Math" panose="02040503050406030204" pitchFamily="18" charset="0"/>
+                          </a:rPr>
+                          <m:t>𝐜𝐨𝐬</m:t>
+                        </m:r>
+                      </m:fName>
+                      <m:e>
+                        <m:r>
+                          <a:rPr lang="en-IN" sz="2000" b="1" i="1">
+                            <a:latin typeface="Cambria Math" panose="02040503050406030204" pitchFamily="18" charset="0"/>
+                            <a:ea typeface="Cambria Math" panose="02040503050406030204" pitchFamily="18" charset="0"/>
+                          </a:rPr>
+                          <m:t>𝜽</m:t>
+                        </m:r>
+                      </m:e>
+                    </m:func>
+                  </m:oMath>
+                </a14:m>
+                <a:endParaRPr lang="en-IN" sz="2000" b="1"/>
+              </a:p>
+              <a:p>
+                <a:endParaRPr lang="en-IN" sz="2000" b="1"/>
+              </a:p>
+            </p:txBody>
+          </p:sp>
+        </mc:Choice>
+        <mc:Fallback>
+          <p:sp>
+            <p:nvSpPr>
+              <p:cNvPr id="138" name="TextBox 137">
+                <a:extLst>
+                  <a:ext uri="{FF2B5EF4-FFF2-40B4-BE49-F238E27FC236}">
+                    <a16:creationId xmlns:a16="http://schemas.microsoft.com/office/drawing/2014/main" id="{E41CC00D-CC0B-42AF-B62E-D99032382520}"/>
+                  </a:ext>
+                </a:extLst>
+              </p:cNvPr>
+              <p:cNvSpPr txBox="1">
+                <a:spLocks noRot="1" noChangeAspect="1" noMove="1" noResize="1" noEditPoints="1" noAdjustHandles="1" noChangeArrowheads="1" noChangeShapeType="1" noTextEdit="1"/>
+              </p:cNvSpPr>
+              <p:nvPr/>
+            </p:nvSpPr>
+            <p:spPr>
+              <a:xfrm>
+                <a:off x="5110821" y="5140781"/>
+                <a:ext cx="1148067" cy="707886"/>
+              </a:xfrm>
+              <a:prstGeom prst="rect">
+                <a:avLst/>
+              </a:prstGeom>
+              <a:blipFill>
+                <a:blip r:embed="rId7"/>
+                <a:stretch>
+                  <a:fillRect l="-5291" t="-4310"/>
+                </a:stretch>
+              </a:blipFill>
+            </p:spPr>
+            <p:txBody>
+              <a:bodyPr/>
+              <a:lstStyle/>
+              <a:p>
+                <a:r>
+                  <a:rPr lang="en-IN">
+                    <a:noFill/>
+                  </a:rPr>
+                  <a:t> </a:t>
+                </a:r>
+              </a:p>
+            </p:txBody>
+          </p:sp>
+        </mc:Fallback>
+      </mc:AlternateContent>
+      <mc:AlternateContent xmlns:mc="http://schemas.openxmlformats.org/markup-compatibility/2006">
+        <mc:Choice xmlns:a14="http://schemas.microsoft.com/office/drawing/2010/main" Requires="a14">
+          <p:sp>
+            <p:nvSpPr>
+              <p:cNvPr id="139" name="TextBox 138">
+                <a:extLst>
+                  <a:ext uri="{FF2B5EF4-FFF2-40B4-BE49-F238E27FC236}">
+                    <a16:creationId xmlns:a16="http://schemas.microsoft.com/office/drawing/2014/main" id="{5C4AAA81-A95F-43A6-BDFC-C85B9635B8D1}"/>
+                  </a:ext>
+                </a:extLst>
+              </p:cNvPr>
+              <p:cNvSpPr txBox="1"/>
+              <p:nvPr/>
+            </p:nvSpPr>
+            <p:spPr>
+              <a:xfrm rot="21439707">
+                <a:off x="7466913" y="4505883"/>
+                <a:ext cx="1148067" cy="707886"/>
+              </a:xfrm>
+              <a:prstGeom prst="rect">
+                <a:avLst/>
+              </a:prstGeom>
+              <a:noFill/>
+            </p:spPr>
+            <p:txBody>
+              <a:bodyPr wrap="square" rtlCol="0">
+                <a:spAutoFit/>
+              </a:bodyPr>
+              <a:lstStyle/>
+              <a:p>
+                <a:r>
+                  <a:rPr lang="en-US" sz="2000" b="1"/>
+                  <a:t>Rb</a:t>
+                </a:r>
+                <a14:m>
+                  <m:oMath xmlns:m="http://schemas.openxmlformats.org/officeDocument/2006/math">
+                    <m:func>
+                      <m:funcPr>
+                        <m:ctrlPr>
+                          <a:rPr lang="en-IN" sz="2000" b="1" i="1">
+                            <a:latin typeface="Cambria Math" panose="02040503050406030204" pitchFamily="18" charset="0"/>
+                          </a:rPr>
+                        </m:ctrlPr>
+                      </m:funcPr>
+                      <m:fName>
+                        <m:r>
+                          <a:rPr lang="en-IN" sz="2000" b="1">
+                            <a:latin typeface="Cambria Math" panose="02040503050406030204" pitchFamily="18" charset="0"/>
+                          </a:rPr>
+                          <m:t>𝐜𝐨𝐬</m:t>
+                        </m:r>
+                      </m:fName>
+                      <m:e>
+                        <m:r>
+                          <a:rPr lang="en-IN" sz="2000" b="1" i="1">
+                            <a:latin typeface="Cambria Math" panose="02040503050406030204" pitchFamily="18" charset="0"/>
+                            <a:ea typeface="Cambria Math" panose="02040503050406030204" pitchFamily="18" charset="0"/>
+                          </a:rPr>
+                          <m:t>𝜽</m:t>
+                        </m:r>
+                      </m:e>
+                    </m:func>
+                  </m:oMath>
+                </a14:m>
+                <a:endParaRPr lang="en-IN" sz="2000" b="1"/>
+              </a:p>
+              <a:p>
+                <a:endParaRPr lang="en-IN" sz="2000" b="1"/>
+              </a:p>
+            </p:txBody>
+          </p:sp>
+        </mc:Choice>
+        <mc:Fallback>
+          <p:sp>
+            <p:nvSpPr>
+              <p:cNvPr id="139" name="TextBox 138">
+                <a:extLst>
+                  <a:ext uri="{FF2B5EF4-FFF2-40B4-BE49-F238E27FC236}">
+                    <a16:creationId xmlns:a16="http://schemas.microsoft.com/office/drawing/2014/main" id="{5C4AAA81-A95F-43A6-BDFC-C85B9635B8D1}"/>
+                  </a:ext>
+                </a:extLst>
+              </p:cNvPr>
+              <p:cNvSpPr txBox="1">
+                <a:spLocks noRot="1" noChangeAspect="1" noMove="1" noResize="1" noEditPoints="1" noAdjustHandles="1" noChangeArrowheads="1" noChangeShapeType="1" noTextEdit="1"/>
+              </p:cNvSpPr>
+              <p:nvPr/>
+            </p:nvSpPr>
+            <p:spPr>
+              <a:xfrm rot="21439707">
+                <a:off x="7466913" y="4505883"/>
+                <a:ext cx="1148067" cy="707886"/>
+              </a:xfrm>
+              <a:prstGeom prst="rect">
+                <a:avLst/>
+              </a:prstGeom>
+              <a:blipFill>
+                <a:blip r:embed="rId8"/>
+                <a:stretch>
+                  <a:fillRect l="-5155"/>
+                </a:stretch>
+              </a:blipFill>
+            </p:spPr>
+            <p:txBody>
+              <a:bodyPr/>
+              <a:lstStyle/>
+              <a:p>
+                <a:r>
+                  <a:rPr lang="en-IN">
+                    <a:noFill/>
+                  </a:rPr>
+                  <a:t> </a:t>
+                </a:r>
+              </a:p>
+            </p:txBody>
+          </p:sp>
+        </mc:Fallback>
+      </mc:AlternateContent>
+      <mc:AlternateContent xmlns:mc="http://schemas.openxmlformats.org/markup-compatibility/2006">
+        <mc:Choice xmlns:a14="http://schemas.microsoft.com/office/drawing/2010/main" Requires="a14">
+          <p:sp>
+            <p:nvSpPr>
+              <p:cNvPr id="140" name="TextBox 139">
+                <a:extLst>
+                  <a:ext uri="{FF2B5EF4-FFF2-40B4-BE49-F238E27FC236}">
+                    <a16:creationId xmlns:a16="http://schemas.microsoft.com/office/drawing/2014/main" id="{646B58D6-6C4E-48E0-A7C5-F2898466FE4E}"/>
+                  </a:ext>
+                </a:extLst>
+              </p:cNvPr>
+              <p:cNvSpPr txBox="1"/>
+              <p:nvPr/>
+            </p:nvSpPr>
+            <p:spPr>
+              <a:xfrm>
+                <a:off x="6300245" y="4455072"/>
+                <a:ext cx="1148067" cy="707886"/>
+              </a:xfrm>
+              <a:prstGeom prst="rect">
+                <a:avLst/>
+              </a:prstGeom>
+              <a:noFill/>
+            </p:spPr>
+            <p:txBody>
+              <a:bodyPr wrap="square" rtlCol="0">
+                <a:spAutoFit/>
+              </a:bodyPr>
+              <a:lstStyle/>
+              <a:p>
+                <a:r>
+                  <a:rPr lang="en-US" sz="2000" b="1"/>
+                  <a:t>Ra</a:t>
+                </a:r>
+                <a14:m>
+                  <m:oMath xmlns:m="http://schemas.openxmlformats.org/officeDocument/2006/math">
+                    <m:func>
+                      <m:funcPr>
+                        <m:ctrlPr>
+                          <a:rPr lang="en-IN" sz="2000" b="1" i="1">
+                            <a:latin typeface="Cambria Math" panose="02040503050406030204" pitchFamily="18" charset="0"/>
+                          </a:rPr>
+                        </m:ctrlPr>
+                      </m:funcPr>
+                      <m:fName>
+                        <m:r>
+                          <a:rPr lang="en-IN" sz="2000" b="1" i="0" smtClean="0">
+                            <a:latin typeface="Cambria Math" panose="02040503050406030204" pitchFamily="18" charset="0"/>
+                          </a:rPr>
+                          <m:t>𝐬𝐢𝐧</m:t>
+                        </m:r>
+                      </m:fName>
+                      <m:e>
+                        <m:r>
+                          <a:rPr lang="en-IN" sz="2000" b="1" i="1">
+                            <a:latin typeface="Cambria Math" panose="02040503050406030204" pitchFamily="18" charset="0"/>
+                            <a:ea typeface="Cambria Math" panose="02040503050406030204" pitchFamily="18" charset="0"/>
+                          </a:rPr>
+                          <m:t>𝜽</m:t>
+                        </m:r>
+                      </m:e>
+                    </m:func>
+                  </m:oMath>
+                </a14:m>
+                <a:endParaRPr lang="en-IN" sz="2000" b="1"/>
+              </a:p>
+              <a:p>
+                <a:endParaRPr lang="en-IN" sz="2000" b="1"/>
+              </a:p>
+            </p:txBody>
+          </p:sp>
+        </mc:Choice>
+        <mc:Fallback>
+          <p:sp>
+            <p:nvSpPr>
+              <p:cNvPr id="140" name="TextBox 139">
+                <a:extLst>
+                  <a:ext uri="{FF2B5EF4-FFF2-40B4-BE49-F238E27FC236}">
+                    <a16:creationId xmlns:a16="http://schemas.microsoft.com/office/drawing/2014/main" id="{646B58D6-6C4E-48E0-A7C5-F2898466FE4E}"/>
+                  </a:ext>
+                </a:extLst>
+              </p:cNvPr>
+              <p:cNvSpPr txBox="1">
+                <a:spLocks noRot="1" noChangeAspect="1" noMove="1" noResize="1" noEditPoints="1" noAdjustHandles="1" noChangeArrowheads="1" noChangeShapeType="1" noTextEdit="1"/>
+              </p:cNvSpPr>
+              <p:nvPr/>
+            </p:nvSpPr>
+            <p:spPr>
+              <a:xfrm>
+                <a:off x="6300245" y="4455072"/>
+                <a:ext cx="1148067" cy="707886"/>
+              </a:xfrm>
+              <a:prstGeom prst="rect">
+                <a:avLst/>
+              </a:prstGeom>
+              <a:blipFill>
+                <a:blip r:embed="rId9"/>
+                <a:stretch>
+                  <a:fillRect l="-5851" t="-5172"/>
+                </a:stretch>
+              </a:blipFill>
+            </p:spPr>
+            <p:txBody>
+              <a:bodyPr/>
+              <a:lstStyle/>
+              <a:p>
+                <a:r>
+                  <a:rPr lang="en-IN">
+                    <a:noFill/>
+                  </a:rPr>
+                  <a:t> </a:t>
+                </a:r>
+              </a:p>
+            </p:txBody>
+          </p:sp>
+        </mc:Fallback>
+      </mc:AlternateContent>
+      <mc:AlternateContent xmlns:mc="http://schemas.openxmlformats.org/markup-compatibility/2006">
+        <mc:Choice xmlns:a14="http://schemas.microsoft.com/office/drawing/2010/main" Requires="a14">
+          <p:sp>
+            <p:nvSpPr>
+              <p:cNvPr id="141" name="TextBox 140">
+                <a:extLst>
+                  <a:ext uri="{FF2B5EF4-FFF2-40B4-BE49-F238E27FC236}">
+                    <a16:creationId xmlns:a16="http://schemas.microsoft.com/office/drawing/2014/main" id="{4D0512BF-3D2F-4ABA-939D-F97E05623410}"/>
+                  </a:ext>
+                </a:extLst>
+              </p:cNvPr>
+              <p:cNvSpPr txBox="1"/>
+              <p:nvPr/>
+            </p:nvSpPr>
+            <p:spPr>
+              <a:xfrm rot="21413426">
+                <a:off x="8772063" y="3463905"/>
+                <a:ext cx="1148067" cy="707886"/>
+              </a:xfrm>
+              <a:prstGeom prst="rect">
+                <a:avLst/>
+              </a:prstGeom>
+              <a:noFill/>
+            </p:spPr>
+            <p:txBody>
+              <a:bodyPr wrap="square" rtlCol="0">
+                <a:spAutoFit/>
+              </a:bodyPr>
+              <a:lstStyle/>
+              <a:p>
+                <a:r>
+                  <a:rPr lang="en-US" sz="2000" b="1"/>
+                  <a:t>Rb</a:t>
+                </a:r>
+                <a14:m>
+                  <m:oMath xmlns:m="http://schemas.openxmlformats.org/officeDocument/2006/math">
+                    <m:func>
+                      <m:funcPr>
+                        <m:ctrlPr>
+                          <a:rPr lang="en-IN" sz="2000" b="1" i="1">
+                            <a:latin typeface="Cambria Math" panose="02040503050406030204" pitchFamily="18" charset="0"/>
+                          </a:rPr>
+                        </m:ctrlPr>
+                      </m:funcPr>
+                      <m:fName>
+                        <m:r>
+                          <a:rPr lang="en-IN" sz="2000" b="1" i="0" smtClean="0">
+                            <a:latin typeface="Cambria Math" panose="02040503050406030204" pitchFamily="18" charset="0"/>
+                          </a:rPr>
+                          <m:t>𝐬𝐢𝐧</m:t>
+                        </m:r>
+                      </m:fName>
+                      <m:e>
+                        <m:r>
+                          <a:rPr lang="en-IN" sz="2000" b="1" i="1">
+                            <a:latin typeface="Cambria Math" panose="02040503050406030204" pitchFamily="18" charset="0"/>
+                            <a:ea typeface="Cambria Math" panose="02040503050406030204" pitchFamily="18" charset="0"/>
+                          </a:rPr>
+                          <m:t>𝜽</m:t>
+                        </m:r>
+                      </m:e>
+                    </m:func>
+                  </m:oMath>
+                </a14:m>
+                <a:endParaRPr lang="en-IN" sz="2000" b="1"/>
+              </a:p>
+              <a:p>
+                <a:endParaRPr lang="en-IN" sz="2000" b="1"/>
+              </a:p>
+            </p:txBody>
+          </p:sp>
+        </mc:Choice>
+        <mc:Fallback>
+          <p:sp>
+            <p:nvSpPr>
+              <p:cNvPr id="141" name="TextBox 140">
+                <a:extLst>
+                  <a:ext uri="{FF2B5EF4-FFF2-40B4-BE49-F238E27FC236}">
+                    <a16:creationId xmlns:a16="http://schemas.microsoft.com/office/drawing/2014/main" id="{4D0512BF-3D2F-4ABA-939D-F97E05623410}"/>
+                  </a:ext>
+                </a:extLst>
+              </p:cNvPr>
+              <p:cNvSpPr txBox="1">
+                <a:spLocks noRot="1" noChangeAspect="1" noMove="1" noResize="1" noEditPoints="1" noAdjustHandles="1" noChangeArrowheads="1" noChangeShapeType="1" noTextEdit="1"/>
+              </p:cNvSpPr>
+              <p:nvPr/>
+            </p:nvSpPr>
+            <p:spPr>
+              <a:xfrm rot="21413426">
+                <a:off x="8772063" y="3463905"/>
+                <a:ext cx="1148067" cy="707886"/>
+              </a:xfrm>
+              <a:prstGeom prst="rect">
+                <a:avLst/>
+              </a:prstGeom>
+              <a:blipFill>
+                <a:blip r:embed="rId10"/>
+                <a:stretch>
+                  <a:fillRect l="-5102"/>
+                </a:stretch>
+              </a:blipFill>
+            </p:spPr>
+            <p:txBody>
+              <a:bodyPr/>
+              <a:lstStyle/>
+              <a:p>
+                <a:r>
+                  <a:rPr lang="en-IN">
+                    <a:noFill/>
+                  </a:rPr>
+                  <a:t> </a:t>
+                </a:r>
+              </a:p>
+            </p:txBody>
+          </p:sp>
+        </mc:Fallback>
+      </mc:AlternateContent>
+      <p:sp>
+        <p:nvSpPr>
+          <p:cNvPr id="155" name="Arc 154">
+            <a:extLst>
+              <a:ext uri="{FF2B5EF4-FFF2-40B4-BE49-F238E27FC236}">
+                <a16:creationId xmlns:a16="http://schemas.microsoft.com/office/drawing/2014/main" id="{8810D9B3-7672-4353-BABF-5147A5C515C3}"/>
+              </a:ext>
+            </a:extLst>
+          </p:cNvPr>
+          <p:cNvSpPr/>
+          <p:nvPr/>
+        </p:nvSpPr>
+        <p:spPr>
+          <a:xfrm rot="5400000">
+            <a:off x="5728770" y="4232932"/>
+            <a:ext cx="667199" cy="842560"/>
+          </a:xfrm>
+          <a:prstGeom prst="arc">
+            <a:avLst>
+              <a:gd name="adj1" fmla="val 18900363"/>
+              <a:gd name="adj2" fmla="val 21019523"/>
+            </a:avLst>
+          </a:prstGeom>
+          <a:ln w="57150"/>
+        </p:spPr>
+        <p:style>
+          <a:lnRef idx="1">
+            <a:schemeClr val="accent1"/>
+          </a:lnRef>
+          <a:fillRef idx="0">
+            <a:schemeClr val="accent1"/>
+          </a:fillRef>
+          <a:effectRef idx="0">
+            <a:schemeClr val="accent1"/>
+          </a:effectRef>
+          <a:fontRef idx="minor">
+            <a:schemeClr val="tx1"/>
+          </a:fontRef>
+        </p:style>
+        <p:txBody>
+          <a:bodyPr rtlCol="0" anchor="ctr"/>
+          <a:lstStyle/>
+          <a:p>
+            <a:pPr algn="ctr"/>
+            <a:endParaRPr lang="en-IN"/>
+          </a:p>
+        </p:txBody>
+      </p:sp>
+      <mc:AlternateContent xmlns:mc="http://schemas.openxmlformats.org/markup-compatibility/2006">
+        <mc:Choice xmlns:a14="http://schemas.microsoft.com/office/drawing/2010/main" Requires="a14">
+          <p:sp>
+            <p:nvSpPr>
+              <p:cNvPr id="156" name="TextBox 155">
+                <a:extLst>
+                  <a:ext uri="{FF2B5EF4-FFF2-40B4-BE49-F238E27FC236}">
+                    <a16:creationId xmlns:a16="http://schemas.microsoft.com/office/drawing/2014/main" id="{9B6F25B0-0BC2-4CF2-94D1-51F0E34C13A9}"/>
+                  </a:ext>
+                </a:extLst>
+              </p:cNvPr>
+              <p:cNvSpPr txBox="1"/>
+              <p:nvPr/>
+            </p:nvSpPr>
+            <p:spPr>
+              <a:xfrm>
+                <a:off x="6180570" y="5039238"/>
+                <a:ext cx="218008" cy="307777"/>
+              </a:xfrm>
+              <a:prstGeom prst="rect">
+                <a:avLst/>
+              </a:prstGeom>
+              <a:noFill/>
+            </p:spPr>
+            <p:txBody>
+              <a:bodyPr wrap="none" lIns="0" tIns="0" rIns="0" bIns="0" rtlCol="0">
+                <a:spAutoFit/>
+              </a:bodyPr>
+              <a:lstStyle/>
+              <a:p>
+                <a:pPr/>
+                <a14:m>
+                  <m:oMathPara xmlns:m="http://schemas.openxmlformats.org/officeDocument/2006/math">
+                    <m:oMathParaPr>
+                      <m:jc m:val="centerGroup"/>
+                    </m:oMathParaPr>
+                    <m:oMath xmlns:m="http://schemas.openxmlformats.org/officeDocument/2006/math">
+                      <m:r>
+                        <a:rPr lang="en-IN" sz="2000" b="1" i="1" smtClean="0">
+                          <a:latin typeface="Cambria Math" panose="02040503050406030204" pitchFamily="18" charset="0"/>
+                          <a:ea typeface="Cambria Math" panose="02040503050406030204" pitchFamily="18" charset="0"/>
+                        </a:rPr>
+                        <m:t>𝜽</m:t>
+                      </m:r>
+                    </m:oMath>
+                  </m:oMathPara>
+                </a14:m>
+                <a:endParaRPr lang="en-IN" sz="2000" b="1"/>
+              </a:p>
+            </p:txBody>
+          </p:sp>
+        </mc:Choice>
+        <mc:Fallback>
+          <p:sp>
+            <p:nvSpPr>
+              <p:cNvPr id="156" name="TextBox 155">
+                <a:extLst>
+                  <a:ext uri="{FF2B5EF4-FFF2-40B4-BE49-F238E27FC236}">
+                    <a16:creationId xmlns:a16="http://schemas.microsoft.com/office/drawing/2014/main" id="{9B6F25B0-0BC2-4CF2-94D1-51F0E34C13A9}"/>
+                  </a:ext>
+                </a:extLst>
+              </p:cNvPr>
+              <p:cNvSpPr txBox="1">
+                <a:spLocks noRot="1" noChangeAspect="1" noMove="1" noResize="1" noEditPoints="1" noAdjustHandles="1" noChangeArrowheads="1" noChangeShapeType="1" noTextEdit="1"/>
+              </p:cNvSpPr>
+              <p:nvPr/>
+            </p:nvSpPr>
+            <p:spPr>
+              <a:xfrm>
+                <a:off x="6180570" y="5039238"/>
+                <a:ext cx="218008" cy="307777"/>
+              </a:xfrm>
+              <a:prstGeom prst="rect">
+                <a:avLst/>
+              </a:prstGeom>
+              <a:blipFill>
+                <a:blip r:embed="rId11"/>
+                <a:stretch>
+                  <a:fillRect l="-27778" r="-27778" b="-8000"/>
+                </a:stretch>
+              </a:blipFill>
+            </p:spPr>
+            <p:txBody>
+              <a:bodyPr/>
+              <a:lstStyle/>
+              <a:p>
+                <a:r>
+                  <a:rPr lang="en-IN">
+                    <a:noFill/>
+                  </a:rPr>
+                  <a:t> </a:t>
+                </a:r>
+              </a:p>
+            </p:txBody>
+          </p:sp>
+        </mc:Fallback>
+      </mc:AlternateContent>
+      <p:sp>
+        <p:nvSpPr>
+          <p:cNvPr id="160" name="Arc 159">
+            <a:extLst>
+              <a:ext uri="{FF2B5EF4-FFF2-40B4-BE49-F238E27FC236}">
+                <a16:creationId xmlns:a16="http://schemas.microsoft.com/office/drawing/2014/main" id="{806702D2-291A-496C-9CBA-331B99AA9405}"/>
+              </a:ext>
+            </a:extLst>
+          </p:cNvPr>
+          <p:cNvSpPr/>
+          <p:nvPr/>
+        </p:nvSpPr>
+        <p:spPr>
+          <a:xfrm rot="5400000">
+            <a:off x="8099409" y="3334898"/>
+            <a:ext cx="667199" cy="842560"/>
+          </a:xfrm>
+          <a:prstGeom prst="arc">
+            <a:avLst>
+              <a:gd name="adj1" fmla="val 18900363"/>
+              <a:gd name="adj2" fmla="val 21019523"/>
+            </a:avLst>
+          </a:prstGeom>
+          <a:ln w="57150"/>
+        </p:spPr>
+        <p:style>
+          <a:lnRef idx="1">
+            <a:schemeClr val="accent1"/>
+          </a:lnRef>
+          <a:fillRef idx="0">
+            <a:schemeClr val="accent1"/>
+          </a:fillRef>
+          <a:effectRef idx="0">
+            <a:schemeClr val="accent1"/>
+          </a:effectRef>
+          <a:fontRef idx="minor">
+            <a:schemeClr val="tx1"/>
+          </a:fontRef>
+        </p:style>
+        <p:txBody>
+          <a:bodyPr rtlCol="0" anchor="ctr"/>
+          <a:lstStyle/>
+          <a:p>
+            <a:pPr algn="ctr"/>
+            <a:endParaRPr lang="en-IN"/>
+          </a:p>
+        </p:txBody>
+      </p:sp>
+      <mc:AlternateContent xmlns:mc="http://schemas.openxmlformats.org/markup-compatibility/2006">
+        <mc:Choice xmlns:a14="http://schemas.microsoft.com/office/drawing/2010/main" Requires="a14">
+          <p:sp>
+            <p:nvSpPr>
+              <p:cNvPr id="161" name="TextBox 160">
+                <a:extLst>
+                  <a:ext uri="{FF2B5EF4-FFF2-40B4-BE49-F238E27FC236}">
+                    <a16:creationId xmlns:a16="http://schemas.microsoft.com/office/drawing/2014/main" id="{1D0F7B44-E3CB-40D3-B076-48C780A8EDEC}"/>
+                  </a:ext>
+                </a:extLst>
+              </p:cNvPr>
+              <p:cNvSpPr txBox="1"/>
+              <p:nvPr/>
+            </p:nvSpPr>
+            <p:spPr>
+              <a:xfrm>
+                <a:off x="8551209" y="4141204"/>
+                <a:ext cx="218008" cy="307777"/>
+              </a:xfrm>
+              <a:prstGeom prst="rect">
+                <a:avLst/>
+              </a:prstGeom>
+              <a:noFill/>
+            </p:spPr>
+            <p:txBody>
+              <a:bodyPr wrap="none" lIns="0" tIns="0" rIns="0" bIns="0" rtlCol="0">
+                <a:spAutoFit/>
+              </a:bodyPr>
+              <a:lstStyle/>
+              <a:p>
+                <a:pPr/>
+                <a14:m>
+                  <m:oMathPara xmlns:m="http://schemas.openxmlformats.org/officeDocument/2006/math">
+                    <m:oMathParaPr>
+                      <m:jc m:val="centerGroup"/>
+                    </m:oMathParaPr>
+                    <m:oMath xmlns:m="http://schemas.openxmlformats.org/officeDocument/2006/math">
+                      <m:r>
+                        <a:rPr lang="en-IN" sz="2000" b="1" i="1" smtClean="0">
+                          <a:latin typeface="Cambria Math" panose="02040503050406030204" pitchFamily="18" charset="0"/>
+                          <a:ea typeface="Cambria Math" panose="02040503050406030204" pitchFamily="18" charset="0"/>
+                        </a:rPr>
+                        <m:t>𝜽</m:t>
+                      </m:r>
+                    </m:oMath>
+                  </m:oMathPara>
+                </a14:m>
+                <a:endParaRPr lang="en-IN" sz="2000" b="1"/>
+              </a:p>
+            </p:txBody>
+          </p:sp>
+        </mc:Choice>
+        <mc:Fallback>
+          <p:sp>
+            <p:nvSpPr>
+              <p:cNvPr id="161" name="TextBox 160">
+                <a:extLst>
+                  <a:ext uri="{FF2B5EF4-FFF2-40B4-BE49-F238E27FC236}">
+                    <a16:creationId xmlns:a16="http://schemas.microsoft.com/office/drawing/2014/main" id="{1D0F7B44-E3CB-40D3-B076-48C780A8EDEC}"/>
+                  </a:ext>
+                </a:extLst>
+              </p:cNvPr>
+              <p:cNvSpPr txBox="1">
+                <a:spLocks noRot="1" noChangeAspect="1" noMove="1" noResize="1" noEditPoints="1" noAdjustHandles="1" noChangeArrowheads="1" noChangeShapeType="1" noTextEdit="1"/>
+              </p:cNvSpPr>
+              <p:nvPr/>
+            </p:nvSpPr>
+            <p:spPr>
+              <a:xfrm>
+                <a:off x="8551209" y="4141204"/>
+                <a:ext cx="218008" cy="307777"/>
+              </a:xfrm>
+              <a:prstGeom prst="rect">
+                <a:avLst/>
+              </a:prstGeom>
+              <a:blipFill>
+                <a:blip r:embed="rId12"/>
+                <a:stretch>
+                  <a:fillRect l="-27778" r="-27778" b="-5882"/>
+                </a:stretch>
+              </a:blipFill>
+            </p:spPr>
+            <p:txBody>
+              <a:bodyPr/>
+              <a:lstStyle/>
+              <a:p>
+                <a:r>
+                  <a:rPr lang="en-IN">
+                    <a:noFill/>
+                  </a:rPr>
+                  <a:t> </a:t>
+                </a:r>
+              </a:p>
+            </p:txBody>
+          </p:sp>
+        </mc:Fallback>
+      </mc:AlternateContent>
+      <p:cxnSp>
+        <p:nvCxnSpPr>
+          <p:cNvPr id="169" name="Straight Arrow Connector 168">
+            <a:extLst>
+              <a:ext uri="{FF2B5EF4-FFF2-40B4-BE49-F238E27FC236}">
+                <a16:creationId xmlns:a16="http://schemas.microsoft.com/office/drawing/2014/main" id="{3D1B34AC-5A94-46C5-86D1-98316B60BBA3}"/>
+              </a:ext>
+            </a:extLst>
+          </p:cNvPr>
+          <p:cNvCxnSpPr>
+            <a:cxnSpLocks/>
+          </p:cNvCxnSpPr>
+          <p:nvPr/>
+        </p:nvCxnSpPr>
+        <p:spPr>
+          <a:xfrm flipV="1">
+            <a:off x="6817669" y="2240981"/>
+            <a:ext cx="949406" cy="365601"/>
+          </a:xfrm>
+          <a:prstGeom prst="straightConnector1">
+            <a:avLst/>
+          </a:prstGeom>
+          <a:ln w="76200">
+            <a:prstDash val="sysDash"/>
+            <a:tailEnd type="triangle"/>
+          </a:ln>
+        </p:spPr>
+        <p:style>
+          <a:lnRef idx="1">
+            <a:schemeClr val="accent1"/>
+          </a:lnRef>
+          <a:fillRef idx="0">
+            <a:schemeClr val="accent1"/>
+          </a:fillRef>
+          <a:effectRef idx="0">
+            <a:schemeClr val="accent1"/>
+          </a:effectRef>
+          <a:fontRef idx="minor">
+            <a:schemeClr val="tx1"/>
+          </a:fontRef>
+        </p:style>
+      </p:cxnSp>
+      <mc:AlternateContent xmlns:mc="http://schemas.openxmlformats.org/markup-compatibility/2006">
+        <mc:Choice xmlns:a14="http://schemas.microsoft.com/office/drawing/2010/main" Requires="a14">
+          <p:sp>
+            <p:nvSpPr>
+              <p:cNvPr id="171" name="Rectangle 170">
+                <a:extLst>
+                  <a:ext uri="{FF2B5EF4-FFF2-40B4-BE49-F238E27FC236}">
+                    <a16:creationId xmlns:a16="http://schemas.microsoft.com/office/drawing/2014/main" id="{3BCBF636-DF02-4434-8DE8-2680B7615372}"/>
+                  </a:ext>
+                </a:extLst>
+              </p:cNvPr>
+              <p:cNvSpPr/>
+              <p:nvPr/>
+            </p:nvSpPr>
+            <p:spPr>
+              <a:xfrm rot="20273459">
+                <a:off x="6640753" y="2047530"/>
+                <a:ext cx="1210524" cy="369332"/>
+              </a:xfrm>
+              <a:prstGeom prst="rect">
+                <a:avLst/>
+              </a:prstGeom>
+            </p:spPr>
+            <p:txBody>
+              <a:bodyPr wrap="none">
+                <a:spAutoFit/>
+              </a:bodyPr>
+              <a:lstStyle/>
+              <a:p>
+                <a:r>
+                  <a:rPr lang="en-US" b="1"/>
+                  <a:t>m</a:t>
+                </a:r>
+                <a14:m>
+                  <m:oMath xmlns:m="http://schemas.openxmlformats.org/officeDocument/2006/math">
+                    <m:sSub>
+                      <m:sSubPr>
+                        <m:ctrlPr>
+                          <a:rPr lang="en-US" b="1" i="1">
+                            <a:latin typeface="Cambria Math" panose="02040503050406030204" pitchFamily="18" charset="0"/>
+                          </a:rPr>
+                        </m:ctrlPr>
+                      </m:sSubPr>
+                      <m:e>
+                        <m:r>
+                          <a:rPr lang="en-US" b="1" i="1">
+                            <a:latin typeface="Cambria Math" panose="02040503050406030204" pitchFamily="18" charset="0"/>
+                          </a:rPr>
+                          <m:t>𝒂</m:t>
+                        </m:r>
+                      </m:e>
+                      <m:sub>
+                        <m:r>
+                          <a:rPr lang="en-US" b="1" i="1">
+                            <a:latin typeface="Cambria Math" panose="02040503050406030204" pitchFamily="18" charset="0"/>
+                          </a:rPr>
+                          <m:t>𝒏</m:t>
+                        </m:r>
+                      </m:sub>
+                    </m:sSub>
+                    <m:func>
+                      <m:funcPr>
+                        <m:ctrlPr>
+                          <a:rPr lang="en-US" b="1" i="1" smtClean="0">
+                            <a:latin typeface="Cambria Math" panose="02040503050406030204" pitchFamily="18" charset="0"/>
+                          </a:rPr>
+                        </m:ctrlPr>
+                      </m:funcPr>
+                      <m:fName>
+                        <m:r>
+                          <a:rPr lang="en-US" b="1" i="0" smtClean="0">
+                            <a:latin typeface="Cambria Math" panose="02040503050406030204" pitchFamily="18" charset="0"/>
+                          </a:rPr>
+                          <m:t>𝐜𝐨𝐬</m:t>
+                        </m:r>
+                      </m:fName>
+                      <m:e>
+                        <m:r>
+                          <a:rPr lang="en-US" b="1" i="1" smtClean="0">
+                            <a:latin typeface="Cambria Math" panose="02040503050406030204" pitchFamily="18" charset="0"/>
+                            <a:ea typeface="Cambria Math" panose="02040503050406030204" pitchFamily="18" charset="0"/>
+                          </a:rPr>
+                          <m:t>𝜽</m:t>
+                        </m:r>
+                      </m:e>
+                    </m:func>
+                  </m:oMath>
+                </a14:m>
+                <a:endParaRPr lang="en-IN" b="1"/>
+              </a:p>
+            </p:txBody>
+          </p:sp>
+        </mc:Choice>
+        <mc:Fallback>
+          <p:sp>
+            <p:nvSpPr>
+              <p:cNvPr id="171" name="Rectangle 170">
+                <a:extLst>
+                  <a:ext uri="{FF2B5EF4-FFF2-40B4-BE49-F238E27FC236}">
+                    <a16:creationId xmlns:a16="http://schemas.microsoft.com/office/drawing/2014/main" id="{3BCBF636-DF02-4434-8DE8-2680B7615372}"/>
+                  </a:ext>
+                </a:extLst>
+              </p:cNvPr>
+              <p:cNvSpPr>
+                <a:spLocks noRot="1" noChangeAspect="1" noMove="1" noResize="1" noEditPoints="1" noAdjustHandles="1" noChangeArrowheads="1" noChangeShapeType="1" noTextEdit="1"/>
+              </p:cNvSpPr>
+              <p:nvPr/>
+            </p:nvSpPr>
+            <p:spPr>
+              <a:xfrm rot="20273459">
+                <a:off x="6640753" y="2047530"/>
+                <a:ext cx="1210524" cy="369332"/>
+              </a:xfrm>
+              <a:prstGeom prst="rect">
+                <a:avLst/>
+              </a:prstGeom>
+              <a:blipFill>
+                <a:blip r:embed="rId13"/>
+                <a:stretch>
+                  <a:fillRect l="-4808" b="-12879"/>
+                </a:stretch>
+              </a:blipFill>
+            </p:spPr>
+            <p:txBody>
+              <a:bodyPr/>
+              <a:lstStyle/>
+              <a:p>
+                <a:r>
+                  <a:rPr lang="en-IN">
+                    <a:noFill/>
+                  </a:rPr>
+                  <a:t> </a:t>
+                </a:r>
+              </a:p>
+            </p:txBody>
+          </p:sp>
+        </mc:Fallback>
+      </mc:AlternateContent>
+    </p:spTree>
+    <p:extLst>
+      <p:ext uri="{BB962C8B-B14F-4D97-AF65-F5344CB8AC3E}">
+        <p14:creationId xmlns:p14="http://schemas.microsoft.com/office/powerpoint/2010/main" val="4067738503"/>
+      </p:ext>
+    </p:extLst>
+  </p:cSld>
+  <p:clrMapOvr>
+    <a:masterClrMapping/>
+  </p:clrMapOvr>
+</p:sld>
+</file>
+
+<file path=ppt/slides/slide15.xml><?xml version="1.0" encoding="utf-8"?>
+<p:sld xmlns:a="http://schemas.openxmlformats.org/drawingml/2006/main" xmlns:r="http://schemas.openxmlformats.org/officeDocument/2006/relationships" xmlns:p="http://schemas.openxmlformats.org/presentationml/2006/main">
+  <p:cSld>
+    <p:spTree>
+      <p:nvGrpSpPr>
+        <p:cNvPr id="1" name=""/>
+        <p:cNvGrpSpPr/>
+        <p:nvPr/>
+      </p:nvGrpSpPr>
+      <p:grpSpPr>
+        <a:xfrm>
+          <a:off x="0" y="0"/>
+          <a:ext cx="0" cy="0"/>
+          <a:chOff x="0" y="0"/>
+          <a:chExt cx="0" cy="0"/>
+        </a:xfrm>
+      </p:grpSpPr>
+      <p:sp>
+        <p:nvSpPr>
+          <p:cNvPr id="2" name="Oval 1">
+            <a:extLst>
+              <a:ext uri="{FF2B5EF4-FFF2-40B4-BE49-F238E27FC236}">
+                <a16:creationId xmlns:a16="http://schemas.microsoft.com/office/drawing/2014/main" id="{25A360E2-E835-40D0-AACA-B2E7C98A3871}"/>
+              </a:ext>
+            </a:extLst>
+          </p:cNvPr>
+          <p:cNvSpPr/>
+          <p:nvPr/>
+        </p:nvSpPr>
+        <p:spPr>
+          <a:xfrm rot="161749">
+            <a:off x="4837131" y="2130572"/>
+            <a:ext cx="2689412" cy="2519083"/>
+          </a:xfrm>
+          <a:prstGeom prst="ellipse">
+            <a:avLst/>
+          </a:prstGeom>
+        </p:spPr>
+        <p:style>
+          <a:lnRef idx="2">
+            <a:schemeClr val="accent3">
+              <a:shade val="50000"/>
+            </a:schemeClr>
+          </a:lnRef>
+          <a:fillRef idx="1">
+            <a:schemeClr val="accent3"/>
+          </a:fillRef>
+          <a:effectRef idx="0">
+            <a:schemeClr val="accent3"/>
+          </a:effectRef>
+          <a:fontRef idx="minor">
+            <a:schemeClr val="lt1"/>
+          </a:fontRef>
+        </p:style>
+        <p:txBody>
+          <a:bodyPr rtlCol="0" anchor="ctr"/>
+          <a:lstStyle/>
+          <a:p>
+            <a:pPr algn="ctr"/>
+            <a:endParaRPr lang="en-IN"/>
+          </a:p>
+        </p:txBody>
+      </p:sp>
+      <p:sp>
+        <p:nvSpPr>
+          <p:cNvPr id="3" name="Oval 2">
+            <a:extLst>
+              <a:ext uri="{FF2B5EF4-FFF2-40B4-BE49-F238E27FC236}">
+                <a16:creationId xmlns:a16="http://schemas.microsoft.com/office/drawing/2014/main" id="{C52F2F1C-7376-4879-9AA1-8A239D20F91E}"/>
+              </a:ext>
+            </a:extLst>
+          </p:cNvPr>
+          <p:cNvSpPr/>
+          <p:nvPr/>
+        </p:nvSpPr>
+        <p:spPr>
+          <a:xfrm rot="161749">
+            <a:off x="5271919" y="2502607"/>
+            <a:ext cx="1819835" cy="1775012"/>
+          </a:xfrm>
+          <a:prstGeom prst="ellipse">
+            <a:avLst/>
+          </a:prstGeom>
+          <a:solidFill>
+            <a:schemeClr val="bg1"/>
+          </a:solidFill>
+        </p:spPr>
+        <p:style>
+          <a:lnRef idx="2">
+            <a:schemeClr val="accent1">
+              <a:shade val="50000"/>
+            </a:schemeClr>
+          </a:lnRef>
+          <a:fillRef idx="1">
+            <a:schemeClr val="accent1"/>
+          </a:fillRef>
+          <a:effectRef idx="0">
+            <a:schemeClr val="accent1"/>
+          </a:effectRef>
+          <a:fontRef idx="minor">
+            <a:schemeClr val="lt1"/>
+          </a:fontRef>
+        </p:style>
+        <p:txBody>
+          <a:bodyPr rtlCol="0" anchor="ctr"/>
+          <a:lstStyle/>
+          <a:p>
+            <a:pPr algn="ctr"/>
+            <a:endParaRPr lang="en-IN"/>
+          </a:p>
+        </p:txBody>
+      </p:sp>
+      <p:sp>
+        <p:nvSpPr>
+          <p:cNvPr id="4" name="Freeform: Shape 3">
+            <a:extLst>
+              <a:ext uri="{FF2B5EF4-FFF2-40B4-BE49-F238E27FC236}">
+                <a16:creationId xmlns:a16="http://schemas.microsoft.com/office/drawing/2014/main" id="{43D9BE36-DC12-43F5-9F9F-3EC2876CC083}"/>
+              </a:ext>
+            </a:extLst>
+          </p:cNvPr>
+          <p:cNvSpPr/>
+          <p:nvPr/>
+        </p:nvSpPr>
+        <p:spPr>
+          <a:xfrm rot="161749">
+            <a:off x="3621741" y="2130572"/>
+            <a:ext cx="5280212" cy="2109734"/>
+          </a:xfrm>
+          <a:custGeom>
+            <a:avLst/>
+            <a:gdLst>
+              <a:gd name="connsiteX0" fmla="*/ 0 w 5280212"/>
+              <a:gd name="connsiteY0" fmla="*/ 2114718 h 2114718"/>
+              <a:gd name="connsiteX1" fmla="*/ 1470212 w 5280212"/>
+              <a:gd name="connsiteY1" fmla="*/ 492106 h 2114718"/>
+              <a:gd name="connsiteX2" fmla="*/ 2196353 w 5280212"/>
+              <a:gd name="connsiteY2" fmla="*/ 79730 h 2114718"/>
+              <a:gd name="connsiteX3" fmla="*/ 2877671 w 5280212"/>
+              <a:gd name="connsiteY3" fmla="*/ 25941 h 2114718"/>
+              <a:gd name="connsiteX4" fmla="*/ 3550024 w 5280212"/>
+              <a:gd name="connsiteY4" fmla="*/ 384530 h 2114718"/>
+              <a:gd name="connsiteX5" fmla="*/ 5280212 w 5280212"/>
+              <a:gd name="connsiteY5" fmla="*/ 1774059 h 2114718"/>
+              <a:gd name="connsiteX0" fmla="*/ 0 w 5280212"/>
+              <a:gd name="connsiteY0" fmla="*/ 2121939 h 2121939"/>
+              <a:gd name="connsiteX1" fmla="*/ 1470212 w 5280212"/>
+              <a:gd name="connsiteY1" fmla="*/ 499327 h 2121939"/>
+              <a:gd name="connsiteX2" fmla="*/ 2190257 w 5280212"/>
+              <a:gd name="connsiteY2" fmla="*/ 68663 h 2121939"/>
+              <a:gd name="connsiteX3" fmla="*/ 2877671 w 5280212"/>
+              <a:gd name="connsiteY3" fmla="*/ 33162 h 2121939"/>
+              <a:gd name="connsiteX4" fmla="*/ 3550024 w 5280212"/>
+              <a:gd name="connsiteY4" fmla="*/ 391751 h 2121939"/>
+              <a:gd name="connsiteX5" fmla="*/ 5280212 w 5280212"/>
+              <a:gd name="connsiteY5" fmla="*/ 1781280 h 2121939"/>
+              <a:gd name="connsiteX0" fmla="*/ 0 w 5280212"/>
+              <a:gd name="connsiteY0" fmla="*/ 2103266 h 2103266"/>
+              <a:gd name="connsiteX1" fmla="*/ 1470212 w 5280212"/>
+              <a:gd name="connsiteY1" fmla="*/ 480654 h 2103266"/>
+              <a:gd name="connsiteX2" fmla="*/ 2190257 w 5280212"/>
+              <a:gd name="connsiteY2" fmla="*/ 49990 h 2103266"/>
+              <a:gd name="connsiteX3" fmla="*/ 2932535 w 5280212"/>
+              <a:gd name="connsiteY3" fmla="*/ 44969 h 2103266"/>
+              <a:gd name="connsiteX4" fmla="*/ 3550024 w 5280212"/>
+              <a:gd name="connsiteY4" fmla="*/ 373078 h 2103266"/>
+              <a:gd name="connsiteX5" fmla="*/ 5280212 w 5280212"/>
+              <a:gd name="connsiteY5" fmla="*/ 1762607 h 2103266"/>
+              <a:gd name="connsiteX0" fmla="*/ 0 w 5280212"/>
+              <a:gd name="connsiteY0" fmla="*/ 2109734 h 2109734"/>
+              <a:gd name="connsiteX1" fmla="*/ 1470212 w 5280212"/>
+              <a:gd name="connsiteY1" fmla="*/ 487122 h 2109734"/>
+              <a:gd name="connsiteX2" fmla="*/ 2190257 w 5280212"/>
+              <a:gd name="connsiteY2" fmla="*/ 56458 h 2109734"/>
+              <a:gd name="connsiteX3" fmla="*/ 2932535 w 5280212"/>
+              <a:gd name="connsiteY3" fmla="*/ 51437 h 2109734"/>
+              <a:gd name="connsiteX4" fmla="*/ 3671944 w 5280212"/>
+              <a:gd name="connsiteY4" fmla="*/ 483178 h 2109734"/>
+              <a:gd name="connsiteX5" fmla="*/ 5280212 w 5280212"/>
+              <a:gd name="connsiteY5" fmla="*/ 1769075 h 2109734"/>
+            </a:gdLst>
+            <a:ahLst/>
+            <a:cxnLst>
+              <a:cxn ang="0">
+                <a:pos x="connsiteX0" y="connsiteY0"/>
+              </a:cxn>
+              <a:cxn ang="0">
+                <a:pos x="connsiteX1" y="connsiteY1"/>
+              </a:cxn>
+              <a:cxn ang="0">
+                <a:pos x="connsiteX2" y="connsiteY2"/>
+              </a:cxn>
+              <a:cxn ang="0">
+                <a:pos x="connsiteX3" y="connsiteY3"/>
+              </a:cxn>
+              <a:cxn ang="0">
+                <a:pos x="connsiteX4" y="connsiteY4"/>
+              </a:cxn>
+              <a:cxn ang="0">
+                <a:pos x="connsiteX5" y="connsiteY5"/>
+              </a:cxn>
+            </a:cxnLst>
+            <a:rect l="l" t="t" r="r" b="b"/>
+            <a:pathLst>
+              <a:path w="5280212" h="2109734">
+                <a:moveTo>
+                  <a:pt x="0" y="2109734"/>
+                </a:moveTo>
+                <a:cubicBezTo>
+                  <a:pt x="552076" y="1468010"/>
+                  <a:pt x="1105169" y="829335"/>
+                  <a:pt x="1470212" y="487122"/>
+                </a:cubicBezTo>
+                <a:cubicBezTo>
+                  <a:pt x="1835255" y="144909"/>
+                  <a:pt x="1946536" y="129072"/>
+                  <a:pt x="2190257" y="56458"/>
+                </a:cubicBezTo>
+                <a:cubicBezTo>
+                  <a:pt x="2433978" y="-16156"/>
+                  <a:pt x="2685587" y="-19683"/>
+                  <a:pt x="2932535" y="51437"/>
+                </a:cubicBezTo>
+                <a:cubicBezTo>
+                  <a:pt x="3179483" y="122557"/>
+                  <a:pt x="3280665" y="196905"/>
+                  <a:pt x="3671944" y="483178"/>
+                </a:cubicBezTo>
+                <a:cubicBezTo>
+                  <a:pt x="4063224" y="769451"/>
+                  <a:pt x="4615329" y="1219987"/>
+                  <a:pt x="5280212" y="1769075"/>
+                </a:cubicBezTo>
+              </a:path>
+            </a:pathLst>
+          </a:custGeom>
+          <a:noFill/>
+          <a:ln w="76200"/>
+        </p:spPr>
+        <p:style>
+          <a:lnRef idx="2">
+            <a:schemeClr val="accent1">
+              <a:shade val="50000"/>
+            </a:schemeClr>
+          </a:lnRef>
+          <a:fillRef idx="1">
+            <a:schemeClr val="accent1"/>
+          </a:fillRef>
+          <a:effectRef idx="0">
+            <a:schemeClr val="accent1"/>
+          </a:effectRef>
+          <a:fontRef idx="minor">
+            <a:schemeClr val="lt1"/>
+          </a:fontRef>
+        </p:style>
+        <p:txBody>
+          <a:bodyPr rtlCol="0" anchor="ctr"/>
+          <a:lstStyle/>
+          <a:p>
+            <a:pPr algn="ctr"/>
+            <a:endParaRPr lang="en-IN"/>
+          </a:p>
+        </p:txBody>
+      </p:sp>
+      <p:sp>
+        <p:nvSpPr>
+          <p:cNvPr id="5" name="Oval 4">
+            <a:extLst>
+              <a:ext uri="{FF2B5EF4-FFF2-40B4-BE49-F238E27FC236}">
+                <a16:creationId xmlns:a16="http://schemas.microsoft.com/office/drawing/2014/main" id="{3A8583C9-4BFF-4F4E-B89F-66D6D518C267}"/>
+              </a:ext>
+            </a:extLst>
+          </p:cNvPr>
+          <p:cNvSpPr/>
+          <p:nvPr/>
+        </p:nvSpPr>
+        <p:spPr>
+          <a:xfrm>
+            <a:off x="5161821" y="2363774"/>
+            <a:ext cx="138723" cy="132882"/>
+          </a:xfrm>
+          <a:prstGeom prst="ellipse">
+            <a:avLst/>
+          </a:prstGeom>
+        </p:spPr>
+        <p:style>
+          <a:lnRef idx="2">
+            <a:schemeClr val="accent2">
+              <a:shade val="50000"/>
+            </a:schemeClr>
+          </a:lnRef>
+          <a:fillRef idx="1">
+            <a:schemeClr val="accent2"/>
+          </a:fillRef>
+          <a:effectRef idx="0">
+            <a:schemeClr val="accent2"/>
+          </a:effectRef>
+          <a:fontRef idx="minor">
+            <a:schemeClr val="lt1"/>
+          </a:fontRef>
+        </p:style>
+        <p:txBody>
+          <a:bodyPr rtlCol="0" anchor="ctr"/>
+          <a:lstStyle/>
+          <a:p>
+            <a:pPr algn="ctr"/>
+            <a:endParaRPr lang="en-IN"/>
+          </a:p>
+        </p:txBody>
+      </p:sp>
+      <p:sp>
+        <p:nvSpPr>
+          <p:cNvPr id="57" name="Oval 56">
+            <a:extLst>
+              <a:ext uri="{FF2B5EF4-FFF2-40B4-BE49-F238E27FC236}">
+                <a16:creationId xmlns:a16="http://schemas.microsoft.com/office/drawing/2014/main" id="{7E9AB976-8D68-495B-AEFF-6606094D8FB6}"/>
+              </a:ext>
+            </a:extLst>
+          </p:cNvPr>
+          <p:cNvSpPr/>
+          <p:nvPr/>
+        </p:nvSpPr>
+        <p:spPr>
+          <a:xfrm>
+            <a:off x="6993767" y="2363774"/>
+            <a:ext cx="138723" cy="132882"/>
+          </a:xfrm>
+          <a:prstGeom prst="ellipse">
+            <a:avLst/>
+          </a:prstGeom>
+        </p:spPr>
+        <p:style>
+          <a:lnRef idx="2">
+            <a:schemeClr val="accent2">
+              <a:shade val="50000"/>
+            </a:schemeClr>
+          </a:lnRef>
+          <a:fillRef idx="1">
+            <a:schemeClr val="accent2"/>
+          </a:fillRef>
+          <a:effectRef idx="0">
+            <a:schemeClr val="accent2"/>
+          </a:effectRef>
+          <a:fontRef idx="minor">
+            <a:schemeClr val="lt1"/>
+          </a:fontRef>
+        </p:style>
+        <p:txBody>
+          <a:bodyPr rtlCol="0" anchor="ctr"/>
+          <a:lstStyle/>
+          <a:p>
+            <a:pPr algn="ctr"/>
+            <a:endParaRPr lang="en-IN"/>
+          </a:p>
+        </p:txBody>
+      </p:sp>
+      <p:cxnSp>
+        <p:nvCxnSpPr>
+          <p:cNvPr id="7" name="Straight Connector 6">
+            <a:extLst>
+              <a:ext uri="{FF2B5EF4-FFF2-40B4-BE49-F238E27FC236}">
+                <a16:creationId xmlns:a16="http://schemas.microsoft.com/office/drawing/2014/main" id="{31C479B3-63BC-46E4-82A4-B374E92ACC51}"/>
+              </a:ext>
+            </a:extLst>
+          </p:cNvPr>
+          <p:cNvCxnSpPr>
+            <a:cxnSpLocks/>
+            <a:stCxn id="2" idx="1"/>
+          </p:cNvCxnSpPr>
+          <p:nvPr/>
+        </p:nvCxnSpPr>
+        <p:spPr>
+          <a:xfrm>
+            <a:off x="5273928" y="2455747"/>
+            <a:ext cx="923217" cy="958843"/>
+          </a:xfrm>
+          <a:prstGeom prst="line">
+            <a:avLst/>
+          </a:prstGeom>
+          <a:ln w="57150"/>
+        </p:spPr>
+        <p:style>
+          <a:lnRef idx="1">
+            <a:schemeClr val="accent1"/>
+          </a:lnRef>
+          <a:fillRef idx="0">
+            <a:schemeClr val="accent1"/>
+          </a:fillRef>
+          <a:effectRef idx="0">
+            <a:schemeClr val="accent1"/>
+          </a:effectRef>
+          <a:fontRef idx="minor">
+            <a:schemeClr val="tx1"/>
+          </a:fontRef>
+        </p:style>
+      </p:cxnSp>
+      <p:cxnSp>
+        <p:nvCxnSpPr>
+          <p:cNvPr id="9" name="Straight Connector 8">
+            <a:extLst>
+              <a:ext uri="{FF2B5EF4-FFF2-40B4-BE49-F238E27FC236}">
+                <a16:creationId xmlns:a16="http://schemas.microsoft.com/office/drawing/2014/main" id="{019F1363-C047-450E-BE1B-DEDBC87BEAEF}"/>
+              </a:ext>
+            </a:extLst>
+          </p:cNvPr>
+          <p:cNvCxnSpPr>
+            <a:cxnSpLocks/>
+            <a:endCxn id="57" idx="3"/>
+          </p:cNvCxnSpPr>
+          <p:nvPr/>
+        </p:nvCxnSpPr>
+        <p:spPr>
+          <a:xfrm flipV="1">
+            <a:off x="6168266" y="2477196"/>
+            <a:ext cx="845817" cy="927039"/>
+          </a:xfrm>
+          <a:prstGeom prst="line">
+            <a:avLst/>
+          </a:prstGeom>
+          <a:ln w="57150"/>
+        </p:spPr>
+        <p:style>
+          <a:lnRef idx="1">
+            <a:schemeClr val="accent1"/>
+          </a:lnRef>
+          <a:fillRef idx="0">
+            <a:schemeClr val="accent1"/>
+          </a:fillRef>
+          <a:effectRef idx="0">
+            <a:schemeClr val="accent1"/>
+          </a:effectRef>
+          <a:fontRef idx="minor">
+            <a:schemeClr val="tx1"/>
+          </a:fontRef>
+        </p:style>
+      </p:cxnSp>
+      <p:sp>
+        <p:nvSpPr>
+          <p:cNvPr id="10" name="Arc 9">
+            <a:extLst>
+              <a:ext uri="{FF2B5EF4-FFF2-40B4-BE49-F238E27FC236}">
+                <a16:creationId xmlns:a16="http://schemas.microsoft.com/office/drawing/2014/main" id="{98DC333F-066F-4CCF-8FA9-A21C0A40FB81}"/>
+              </a:ext>
+            </a:extLst>
+          </p:cNvPr>
+          <p:cNvSpPr/>
+          <p:nvPr/>
+        </p:nvSpPr>
+        <p:spPr>
+          <a:xfrm rot="18090093">
+            <a:off x="5683910" y="3012939"/>
+            <a:ext cx="1089345" cy="1192641"/>
+          </a:xfrm>
+          <a:prstGeom prst="arc">
+            <a:avLst>
+              <a:gd name="adj1" fmla="val 17718329"/>
+              <a:gd name="adj2" fmla="val 21100951"/>
+            </a:avLst>
+          </a:prstGeom>
+          <a:ln w="57150"/>
+        </p:spPr>
+        <p:style>
+          <a:lnRef idx="1">
+            <a:schemeClr val="accent1"/>
+          </a:lnRef>
+          <a:fillRef idx="0">
+            <a:schemeClr val="accent1"/>
+          </a:fillRef>
+          <a:effectRef idx="0">
+            <a:schemeClr val="accent1"/>
+          </a:effectRef>
+          <a:fontRef idx="minor">
+            <a:schemeClr val="tx1"/>
+          </a:fontRef>
+        </p:style>
+        <p:txBody>
+          <a:bodyPr rtlCol="0" anchor="ctr"/>
+          <a:lstStyle/>
+          <a:p>
+            <a:pPr algn="ctr"/>
+            <a:endParaRPr lang="en-IN"/>
+          </a:p>
+        </p:txBody>
+      </p:sp>
+      <mc:AlternateContent xmlns:mc="http://schemas.openxmlformats.org/markup-compatibility/2006">
+        <mc:Choice xmlns:a14="http://schemas.microsoft.com/office/drawing/2010/main" Requires="a14">
+          <p:sp>
+            <p:nvSpPr>
+              <p:cNvPr id="66" name="TextBox 65">
+                <a:extLst>
+                  <a:ext uri="{FF2B5EF4-FFF2-40B4-BE49-F238E27FC236}">
+                    <a16:creationId xmlns:a16="http://schemas.microsoft.com/office/drawing/2014/main" id="{FA3F4693-1B1D-4A7B-846C-C128A75352DF}"/>
+                  </a:ext>
+                </a:extLst>
+              </p:cNvPr>
+              <p:cNvSpPr txBox="1"/>
+              <p:nvPr/>
+            </p:nvSpPr>
+            <p:spPr>
+              <a:xfrm>
+                <a:off x="6061084" y="2691905"/>
+                <a:ext cx="230832" cy="307777"/>
+              </a:xfrm>
+              <a:prstGeom prst="rect">
+                <a:avLst/>
+              </a:prstGeom>
+              <a:noFill/>
+            </p:spPr>
+            <p:txBody>
+              <a:bodyPr wrap="none" lIns="0" tIns="0" rIns="0" bIns="0" rtlCol="0">
+                <a:spAutoFit/>
+              </a:bodyPr>
+              <a:lstStyle/>
+              <a:p>
+                <a:pPr/>
+                <a14:m>
+                  <m:oMathPara xmlns:m="http://schemas.openxmlformats.org/officeDocument/2006/math">
+                    <m:oMathParaPr>
+                      <m:jc m:val="centerGroup"/>
+                    </m:oMathParaPr>
+                    <m:oMath xmlns:m="http://schemas.openxmlformats.org/officeDocument/2006/math">
+                      <m:r>
+                        <a:rPr lang="en-IN" sz="2000" b="1" i="1" smtClean="0">
+                          <a:latin typeface="Cambria Math" panose="02040503050406030204" pitchFamily="18" charset="0"/>
+                          <a:ea typeface="Cambria Math" panose="02040503050406030204" pitchFamily="18" charset="0"/>
+                        </a:rPr>
+                        <m:t>𝜷</m:t>
+                      </m:r>
+                    </m:oMath>
+                  </m:oMathPara>
+                </a14:m>
+                <a:endParaRPr lang="en-IN" sz="2000" b="1"/>
+              </a:p>
+            </p:txBody>
+          </p:sp>
+        </mc:Choice>
+        <mc:Fallback>
+          <p:sp>
+            <p:nvSpPr>
+              <p:cNvPr id="66" name="TextBox 65">
+                <a:extLst>
+                  <a:ext uri="{FF2B5EF4-FFF2-40B4-BE49-F238E27FC236}">
+                    <a16:creationId xmlns:a16="http://schemas.microsoft.com/office/drawing/2014/main" id="{FA3F4693-1B1D-4A7B-846C-C128A75352DF}"/>
+                  </a:ext>
+                </a:extLst>
+              </p:cNvPr>
+              <p:cNvSpPr txBox="1">
+                <a:spLocks noRot="1" noChangeAspect="1" noMove="1" noResize="1" noEditPoints="1" noAdjustHandles="1" noChangeArrowheads="1" noChangeShapeType="1" noTextEdit="1"/>
+              </p:cNvSpPr>
+              <p:nvPr/>
+            </p:nvSpPr>
+            <p:spPr>
+              <a:xfrm>
+                <a:off x="6061084" y="2691905"/>
+                <a:ext cx="230832" cy="307777"/>
+              </a:xfrm>
+              <a:prstGeom prst="rect">
+                <a:avLst/>
+              </a:prstGeom>
+              <a:blipFill>
+                <a:blip r:embed="rId2"/>
+                <a:stretch>
+                  <a:fillRect l="-36842" r="-39474" b="-34000"/>
+                </a:stretch>
+              </a:blipFill>
+            </p:spPr>
+            <p:txBody>
+              <a:bodyPr/>
+              <a:lstStyle/>
+              <a:p>
+                <a:r>
+                  <a:rPr lang="en-IN">
+                    <a:noFill/>
+                  </a:rPr>
+                  <a:t> </a:t>
+                </a:r>
+              </a:p>
+            </p:txBody>
+          </p:sp>
+        </mc:Fallback>
+      </mc:AlternateContent>
+      <p:sp>
+        <p:nvSpPr>
+          <p:cNvPr id="20" name="Arc 19">
+            <a:extLst>
+              <a:ext uri="{FF2B5EF4-FFF2-40B4-BE49-F238E27FC236}">
+                <a16:creationId xmlns:a16="http://schemas.microsoft.com/office/drawing/2014/main" id="{3BFF154A-EE74-4985-A2A3-E72687DB0307}"/>
+              </a:ext>
+            </a:extLst>
+          </p:cNvPr>
+          <p:cNvSpPr/>
+          <p:nvPr/>
+        </p:nvSpPr>
+        <p:spPr>
+          <a:xfrm rot="18357324">
+            <a:off x="4804335" y="1842153"/>
+            <a:ext cx="2342784" cy="2009743"/>
+          </a:xfrm>
+          <a:prstGeom prst="arc">
+            <a:avLst>
+              <a:gd name="adj1" fmla="val 17388297"/>
+              <a:gd name="adj2" fmla="val 62795"/>
+            </a:avLst>
+          </a:prstGeom>
+          <a:ln w="57150"/>
+        </p:spPr>
+        <p:style>
+          <a:lnRef idx="1">
+            <a:schemeClr val="accent1"/>
+          </a:lnRef>
+          <a:fillRef idx="0">
+            <a:schemeClr val="accent1"/>
+          </a:fillRef>
+          <a:effectRef idx="0">
+            <a:schemeClr val="accent1"/>
+          </a:effectRef>
+          <a:fontRef idx="minor">
+            <a:schemeClr val="tx1"/>
+          </a:fontRef>
+        </p:style>
+        <p:txBody>
+          <a:bodyPr rtlCol="0" anchor="ctr"/>
+          <a:lstStyle/>
+          <a:p>
+            <a:pPr algn="ctr"/>
+            <a:endParaRPr lang="en-IN"/>
+          </a:p>
+        </p:txBody>
+      </p:sp>
+      <p:cxnSp>
+        <p:nvCxnSpPr>
+          <p:cNvPr id="22" name="Straight Connector 21">
+            <a:extLst>
+              <a:ext uri="{FF2B5EF4-FFF2-40B4-BE49-F238E27FC236}">
+                <a16:creationId xmlns:a16="http://schemas.microsoft.com/office/drawing/2014/main" id="{D4BDEF2F-AB0F-471F-BBF6-28C2C43E6B21}"/>
+              </a:ext>
+            </a:extLst>
+          </p:cNvPr>
+          <p:cNvCxnSpPr/>
+          <p:nvPr/>
+        </p:nvCxnSpPr>
+        <p:spPr>
+          <a:xfrm flipH="1" flipV="1">
+            <a:off x="6639560" y="1696720"/>
+            <a:ext cx="43180" cy="215900"/>
+          </a:xfrm>
+          <a:prstGeom prst="line">
+            <a:avLst/>
+          </a:prstGeom>
+          <a:ln w="38100"/>
+        </p:spPr>
+        <p:style>
+          <a:lnRef idx="1">
+            <a:schemeClr val="accent1"/>
+          </a:lnRef>
+          <a:fillRef idx="0">
+            <a:schemeClr val="accent1"/>
+          </a:fillRef>
+          <a:effectRef idx="0">
+            <a:schemeClr val="accent1"/>
+          </a:effectRef>
+          <a:fontRef idx="minor">
+            <a:schemeClr val="tx1"/>
+          </a:fontRef>
+        </p:style>
+      </p:cxnSp>
+      <p:cxnSp>
+        <p:nvCxnSpPr>
+          <p:cNvPr id="24" name="Straight Connector 23">
+            <a:extLst>
+              <a:ext uri="{FF2B5EF4-FFF2-40B4-BE49-F238E27FC236}">
+                <a16:creationId xmlns:a16="http://schemas.microsoft.com/office/drawing/2014/main" id="{E1C40513-EA95-43C8-B45E-C80E5D3F9306}"/>
+              </a:ext>
+            </a:extLst>
+          </p:cNvPr>
+          <p:cNvCxnSpPr/>
+          <p:nvPr/>
+        </p:nvCxnSpPr>
+        <p:spPr>
+          <a:xfrm flipH="1">
+            <a:off x="6504940" y="1912260"/>
+            <a:ext cx="180340" cy="40307"/>
+          </a:xfrm>
+          <a:prstGeom prst="line">
+            <a:avLst/>
+          </a:prstGeom>
+          <a:ln w="38100"/>
+        </p:spPr>
+        <p:style>
+          <a:lnRef idx="1">
+            <a:schemeClr val="accent1"/>
+          </a:lnRef>
+          <a:fillRef idx="0">
+            <a:schemeClr val="accent1"/>
+          </a:fillRef>
+          <a:effectRef idx="0">
+            <a:schemeClr val="accent1"/>
+          </a:effectRef>
+          <a:fontRef idx="minor">
+            <a:schemeClr val="tx1"/>
+          </a:fontRef>
+        </p:style>
+      </p:cxnSp>
+      <p:sp>
+        <p:nvSpPr>
+          <p:cNvPr id="89" name="TextBox 88">
+            <a:extLst>
+              <a:ext uri="{FF2B5EF4-FFF2-40B4-BE49-F238E27FC236}">
+                <a16:creationId xmlns:a16="http://schemas.microsoft.com/office/drawing/2014/main" id="{06AABD56-886E-49AD-9CBD-0CF122A7142F}"/>
+              </a:ext>
+            </a:extLst>
+          </p:cNvPr>
+          <p:cNvSpPr txBox="1"/>
+          <p:nvPr/>
+        </p:nvSpPr>
+        <p:spPr>
+          <a:xfrm>
+            <a:off x="3297514" y="3606868"/>
+            <a:ext cx="484847" cy="400110"/>
+          </a:xfrm>
+          <a:prstGeom prst="rect">
+            <a:avLst/>
+          </a:prstGeom>
+          <a:noFill/>
+        </p:spPr>
+        <p:txBody>
+          <a:bodyPr wrap="square" rtlCol="0">
+            <a:spAutoFit/>
+          </a:bodyPr>
+          <a:lstStyle/>
+          <a:p>
+            <a:r>
+              <a:rPr lang="en-US" sz="2000" b="1"/>
+              <a:t>T2</a:t>
+            </a:r>
+            <a:endParaRPr lang="en-IN" sz="2000" b="1"/>
+          </a:p>
+        </p:txBody>
+      </p:sp>
+      <p:sp>
+        <p:nvSpPr>
+          <p:cNvPr id="95" name="TextBox 94">
+            <a:extLst>
+              <a:ext uri="{FF2B5EF4-FFF2-40B4-BE49-F238E27FC236}">
+                <a16:creationId xmlns:a16="http://schemas.microsoft.com/office/drawing/2014/main" id="{D4900830-0D3A-4BAB-A874-26B39BBF63CF}"/>
+              </a:ext>
+            </a:extLst>
+          </p:cNvPr>
+          <p:cNvSpPr txBox="1"/>
+          <p:nvPr/>
+        </p:nvSpPr>
+        <p:spPr>
+          <a:xfrm>
+            <a:off x="8741333" y="3606868"/>
+            <a:ext cx="484847" cy="400110"/>
+          </a:xfrm>
+          <a:prstGeom prst="rect">
+            <a:avLst/>
+          </a:prstGeom>
+          <a:noFill/>
+        </p:spPr>
+        <p:txBody>
+          <a:bodyPr wrap="square" rtlCol="0">
+            <a:spAutoFit/>
+          </a:bodyPr>
+          <a:lstStyle/>
+          <a:p>
+            <a:r>
+              <a:rPr lang="en-US" sz="2000" b="1"/>
+              <a:t>T1</a:t>
+            </a:r>
+            <a:endParaRPr lang="en-IN" sz="2000" b="1"/>
+          </a:p>
+        </p:txBody>
+      </p:sp>
+    </p:spTree>
+    <p:extLst>
+      <p:ext uri="{BB962C8B-B14F-4D97-AF65-F5344CB8AC3E}">
+        <p14:creationId xmlns:p14="http://schemas.microsoft.com/office/powerpoint/2010/main" val="930365685"/>
       </p:ext>
     </p:extLst>
   </p:cSld>

--- a/SOLID MECHANICS/ENGINEERING MECHANICS SHORTNOTES/EM Revision.pptx
+++ b/SOLID MECHANICS/ENGINEERING MECHANICS SHORTNOTES/EM Revision.pptx
@@ -19,7 +19,9 @@
     <p:sldId id="267" r:id="rId13"/>
     <p:sldId id="268" r:id="rId14"/>
     <p:sldId id="269" r:id="rId15"/>
-    <p:sldId id="270" r:id="rId16"/>
+    <p:sldId id="271" r:id="rId16"/>
+    <p:sldId id="270" r:id="rId17"/>
+    <p:sldId id="272" r:id="rId18"/>
   </p:sldIdLst>
   <p:sldSz cx="12192000" cy="6858000"/>
   <p:notesSz cx="6858000" cy="9144000"/>
@@ -275,7 +277,7 @@
           <a:p>
             <a:fld id="{EA402788-B3D0-4CAD-96CC-4B452FA47DBC}" type="datetimeFigureOut">
               <a:rPr lang="en-IN" smtClean="0"/>
-              <a:t>10-02-2023</a:t>
+              <a:t>11-02-2023</a:t>
             </a:fld>
             <a:endParaRPr lang="en-IN"/>
           </a:p>
@@ -475,7 +477,7 @@
           <a:p>
             <a:fld id="{EA402788-B3D0-4CAD-96CC-4B452FA47DBC}" type="datetimeFigureOut">
               <a:rPr lang="en-IN" smtClean="0"/>
-              <a:t>10-02-2023</a:t>
+              <a:t>11-02-2023</a:t>
             </a:fld>
             <a:endParaRPr lang="en-IN"/>
           </a:p>
@@ -685,7 +687,7 @@
           <a:p>
             <a:fld id="{EA402788-B3D0-4CAD-96CC-4B452FA47DBC}" type="datetimeFigureOut">
               <a:rPr lang="en-IN" smtClean="0"/>
-              <a:t>10-02-2023</a:t>
+              <a:t>11-02-2023</a:t>
             </a:fld>
             <a:endParaRPr lang="en-IN"/>
           </a:p>
@@ -885,7 +887,7 @@
           <a:p>
             <a:fld id="{EA402788-B3D0-4CAD-96CC-4B452FA47DBC}" type="datetimeFigureOut">
               <a:rPr lang="en-IN" smtClean="0"/>
-              <a:t>10-02-2023</a:t>
+              <a:t>11-02-2023</a:t>
             </a:fld>
             <a:endParaRPr lang="en-IN"/>
           </a:p>
@@ -1161,7 +1163,7 @@
           <a:p>
             <a:fld id="{EA402788-B3D0-4CAD-96CC-4B452FA47DBC}" type="datetimeFigureOut">
               <a:rPr lang="en-IN" smtClean="0"/>
-              <a:t>10-02-2023</a:t>
+              <a:t>11-02-2023</a:t>
             </a:fld>
             <a:endParaRPr lang="en-IN"/>
           </a:p>
@@ -1429,7 +1431,7 @@
           <a:p>
             <a:fld id="{EA402788-B3D0-4CAD-96CC-4B452FA47DBC}" type="datetimeFigureOut">
               <a:rPr lang="en-IN" smtClean="0"/>
-              <a:t>10-02-2023</a:t>
+              <a:t>11-02-2023</a:t>
             </a:fld>
             <a:endParaRPr lang="en-IN"/>
           </a:p>
@@ -1844,7 +1846,7 @@
           <a:p>
             <a:fld id="{EA402788-B3D0-4CAD-96CC-4B452FA47DBC}" type="datetimeFigureOut">
               <a:rPr lang="en-IN" smtClean="0"/>
-              <a:t>10-02-2023</a:t>
+              <a:t>11-02-2023</a:t>
             </a:fld>
             <a:endParaRPr lang="en-IN"/>
           </a:p>
@@ -1986,7 +1988,7 @@
           <a:p>
             <a:fld id="{EA402788-B3D0-4CAD-96CC-4B452FA47DBC}" type="datetimeFigureOut">
               <a:rPr lang="en-IN" smtClean="0"/>
-              <a:t>10-02-2023</a:t>
+              <a:t>11-02-2023</a:t>
             </a:fld>
             <a:endParaRPr lang="en-IN"/>
           </a:p>
@@ -2099,7 +2101,7 @@
           <a:p>
             <a:fld id="{EA402788-B3D0-4CAD-96CC-4B452FA47DBC}" type="datetimeFigureOut">
               <a:rPr lang="en-IN" smtClean="0"/>
-              <a:t>10-02-2023</a:t>
+              <a:t>11-02-2023</a:t>
             </a:fld>
             <a:endParaRPr lang="en-IN"/>
           </a:p>
@@ -2412,7 +2414,7 @@
           <a:p>
             <a:fld id="{EA402788-B3D0-4CAD-96CC-4B452FA47DBC}" type="datetimeFigureOut">
               <a:rPr lang="en-IN" smtClean="0"/>
-              <a:t>10-02-2023</a:t>
+              <a:t>11-02-2023</a:t>
             </a:fld>
             <a:endParaRPr lang="en-IN"/>
           </a:p>
@@ -2701,7 +2703,7 @@
           <a:p>
             <a:fld id="{EA402788-B3D0-4CAD-96CC-4B452FA47DBC}" type="datetimeFigureOut">
               <a:rPr lang="en-IN" smtClean="0"/>
-              <a:t>10-02-2023</a:t>
+              <a:t>11-02-2023</a:t>
             </a:fld>
             <a:endParaRPr lang="en-IN"/>
           </a:p>
@@ -2944,7 +2946,7 @@
           <a:p>
             <a:fld id="{EA402788-B3D0-4CAD-96CC-4B452FA47DBC}" type="datetimeFigureOut">
               <a:rPr lang="en-IN" smtClean="0"/>
-              <a:t>10-02-2023</a:t>
+              <a:t>11-02-2023</a:t>
             </a:fld>
             <a:endParaRPr lang="en-IN"/>
           </a:p>
@@ -8812,8 +8814,8 @@
           </a:fontRef>
         </p:style>
       </p:cxnSp>
-      <mc:AlternateContent xmlns:mc="http://schemas.openxmlformats.org/markup-compatibility/2006">
-        <mc:Choice xmlns:a14="http://schemas.microsoft.com/office/drawing/2010/main" Requires="a14">
+      <mc:AlternateContent xmlns:mc="http://schemas.openxmlformats.org/markup-compatibility/2006" xmlns:a14="http://schemas.microsoft.com/office/drawing/2010/main">
+        <mc:Choice Requires="a14">
           <p:sp>
             <p:nvSpPr>
               <p:cNvPr id="56" name="TextBox 55">
@@ -8881,7 +8883,7 @@
             </p:txBody>
           </p:sp>
         </mc:Choice>
-        <mc:Fallback>
+        <mc:Fallback xmlns="">
           <p:sp>
             <p:nvSpPr>
               <p:cNvPr id="56" name="TextBox 55">
@@ -9675,104 +9677,6 @@
       </p:sp>
       <p:sp>
         <p:nvSpPr>
-          <p:cNvPr id="70" name="Rectangle 69">
-            <a:extLst>
-              <a:ext uri="{FF2B5EF4-FFF2-40B4-BE49-F238E27FC236}">
-                <a16:creationId xmlns:a16="http://schemas.microsoft.com/office/drawing/2014/main" id="{BDC50C52-E32C-4A71-8323-141A43D3B734}"/>
-              </a:ext>
-            </a:extLst>
-          </p:cNvPr>
-          <p:cNvSpPr/>
-          <p:nvPr/>
-        </p:nvSpPr>
-        <p:spPr>
-          <a:xfrm rot="20286894">
-            <a:off x="5541447" y="3715236"/>
-            <a:ext cx="681318" cy="394448"/>
-          </a:xfrm>
-          <a:prstGeom prst="rect">
-            <a:avLst/>
-          </a:prstGeom>
-          <a:solidFill>
-            <a:srgbClr val="FF0000"/>
-          </a:solidFill>
-        </p:spPr>
-        <p:style>
-          <a:lnRef idx="2">
-            <a:schemeClr val="accent1">
-              <a:shade val="50000"/>
-            </a:schemeClr>
-          </a:lnRef>
-          <a:fillRef idx="1">
-            <a:schemeClr val="accent1"/>
-          </a:fillRef>
-          <a:effectRef idx="0">
-            <a:schemeClr val="accent1"/>
-          </a:effectRef>
-          <a:fontRef idx="minor">
-            <a:schemeClr val="lt1"/>
-          </a:fontRef>
-        </p:style>
-        <p:txBody>
-          <a:bodyPr rtlCol="0" anchor="ctr"/>
-          <a:lstStyle/>
-          <a:p>
-            <a:pPr algn="ctr"/>
-            <a:endParaRPr lang="en-IN"/>
-          </a:p>
-        </p:txBody>
-      </p:sp>
-      <p:sp>
-        <p:nvSpPr>
-          <p:cNvPr id="73" name="Rectangle 72">
-            <a:extLst>
-              <a:ext uri="{FF2B5EF4-FFF2-40B4-BE49-F238E27FC236}">
-                <a16:creationId xmlns:a16="http://schemas.microsoft.com/office/drawing/2014/main" id="{5038F163-82CD-472E-9F11-09922FDF4E7A}"/>
-              </a:ext>
-            </a:extLst>
-          </p:cNvPr>
-          <p:cNvSpPr/>
-          <p:nvPr/>
-        </p:nvSpPr>
-        <p:spPr>
-          <a:xfrm rot="20244640">
-            <a:off x="7916800" y="2753536"/>
-            <a:ext cx="681318" cy="394448"/>
-          </a:xfrm>
-          <a:prstGeom prst="rect">
-            <a:avLst/>
-          </a:prstGeom>
-          <a:solidFill>
-            <a:srgbClr val="FF0000"/>
-          </a:solidFill>
-        </p:spPr>
-        <p:style>
-          <a:lnRef idx="2">
-            <a:schemeClr val="accent1">
-              <a:shade val="50000"/>
-            </a:schemeClr>
-          </a:lnRef>
-          <a:fillRef idx="1">
-            <a:schemeClr val="accent1"/>
-          </a:fillRef>
-          <a:effectRef idx="0">
-            <a:schemeClr val="accent1"/>
-          </a:effectRef>
-          <a:fontRef idx="minor">
-            <a:schemeClr val="lt1"/>
-          </a:fontRef>
-        </p:style>
-        <p:txBody>
-          <a:bodyPr rtlCol="0" anchor="ctr"/>
-          <a:lstStyle/>
-          <a:p>
-            <a:pPr algn="ctr"/>
-            <a:endParaRPr lang="en-IN"/>
-          </a:p>
-        </p:txBody>
-      </p:sp>
-      <p:sp>
-        <p:nvSpPr>
           <p:cNvPr id="76" name="Rectangle 75">
             <a:extLst>
               <a:ext uri="{FF2B5EF4-FFF2-40B4-BE49-F238E27FC236}">
@@ -10217,56 +10121,6 @@
           </a:p>
         </p:txBody>
       </p:sp>
-      <p:sp>
-        <p:nvSpPr>
-          <p:cNvPr id="91" name="Arrow: Curved Up 90">
-            <a:extLst>
-              <a:ext uri="{FF2B5EF4-FFF2-40B4-BE49-F238E27FC236}">
-                <a16:creationId xmlns:a16="http://schemas.microsoft.com/office/drawing/2014/main" id="{F3ED14BA-6A7F-4732-803A-8190687B06F1}"/>
-              </a:ext>
-            </a:extLst>
-          </p:cNvPr>
-          <p:cNvSpPr/>
-          <p:nvPr/>
-        </p:nvSpPr>
-        <p:spPr>
-          <a:xfrm rot="14958845">
-            <a:off x="9161277" y="1191538"/>
-            <a:ext cx="502019" cy="646546"/>
-          </a:xfrm>
-          <a:prstGeom prst="curvedUpArrow">
-            <a:avLst/>
-          </a:prstGeom>
-        </p:spPr>
-        <p:style>
-          <a:lnRef idx="2">
-            <a:schemeClr val="dk1">
-              <a:shade val="50000"/>
-            </a:schemeClr>
-          </a:lnRef>
-          <a:fillRef idx="1">
-            <a:schemeClr val="dk1"/>
-          </a:fillRef>
-          <a:effectRef idx="0">
-            <a:schemeClr val="dk1"/>
-          </a:effectRef>
-          <a:fontRef idx="minor">
-            <a:schemeClr val="lt1"/>
-          </a:fontRef>
-        </p:style>
-        <p:txBody>
-          <a:bodyPr rtlCol="0" anchor="ctr"/>
-          <a:lstStyle/>
-          <a:p>
-            <a:pPr algn="ctr"/>
-            <a:endParaRPr lang="en-IN">
-              <a:solidFill>
-                <a:schemeClr val="tx1"/>
-              </a:solidFill>
-            </a:endParaRPr>
-          </a:p>
-        </p:txBody>
-      </p:sp>
       <p:cxnSp>
         <p:nvCxnSpPr>
           <p:cNvPr id="94" name="Straight Arrow Connector 93">
@@ -10351,8 +10205,8 @@
           </a:fontRef>
         </p:style>
       </p:cxnSp>
-      <mc:AlternateContent xmlns:mc="http://schemas.openxmlformats.org/markup-compatibility/2006">
-        <mc:Choice xmlns:a14="http://schemas.microsoft.com/office/drawing/2010/main" Requires="a14">
+      <mc:AlternateContent xmlns:mc="http://schemas.openxmlformats.org/markup-compatibility/2006" xmlns:a14="http://schemas.microsoft.com/office/drawing/2010/main">
+        <mc:Choice Requires="a14">
           <p:sp>
             <p:nvSpPr>
               <p:cNvPr id="100" name="TextBox 99">
@@ -10420,7 +10274,7 @@
             </p:txBody>
           </p:sp>
         </mc:Choice>
-        <mc:Fallback>
+        <mc:Fallback xmlns="">
           <p:sp>
             <p:nvSpPr>
               <p:cNvPr id="100" name="TextBox 99">
@@ -10590,8 +10444,8 @@
           </a:p>
         </p:txBody>
       </p:sp>
-      <mc:AlternateContent xmlns:mc="http://schemas.openxmlformats.org/markup-compatibility/2006">
-        <mc:Choice xmlns:a14="http://schemas.microsoft.com/office/drawing/2010/main" Requires="a14">
+      <mc:AlternateContent xmlns:mc="http://schemas.openxmlformats.org/markup-compatibility/2006" xmlns:a14="http://schemas.microsoft.com/office/drawing/2010/main">
+        <mc:Choice Requires="a14">
           <p:sp>
             <p:nvSpPr>
               <p:cNvPr id="108" name="TextBox 107">
@@ -10642,7 +10496,7 @@
             </p:txBody>
           </p:sp>
         </mc:Choice>
-        <mc:Fallback>
+        <mc:Fallback xmlns="">
           <p:sp>
             <p:nvSpPr>
               <p:cNvPr id="108" name="TextBox 107">
@@ -10822,8 +10676,8 @@
               <p:nvPr/>
             </p:nvSpPr>
             <p:spPr>
-              <a:xfrm rot="20215834">
-                <a:off x="7018341" y="2860766"/>
+              <a:xfrm rot="20279456">
+                <a:off x="7019481" y="2808062"/>
                 <a:ext cx="2186803" cy="369332"/>
               </a:xfrm>
               <a:prstGeom prst="rect">
@@ -10842,6 +10696,7 @@
               </a:bodyPr>
               <a:lstStyle/>
               <a:p>
+                <a:pPr/>
                 <a14:m>
                   <m:oMathPara xmlns:m="http://schemas.openxmlformats.org/officeDocument/2006/math">
                     <m:oMathParaPr>
@@ -10967,8 +10822,8 @@
               <p:nvPr/>
             </p:nvSpPr>
             <p:spPr>
-              <a:xfrm rot="20215834">
-                <a:off x="7018341" y="2860766"/>
+              <a:xfrm rot="20279456">
+                <a:off x="7019481" y="2808062"/>
                 <a:ext cx="2186803" cy="369332"/>
               </a:xfrm>
               <a:prstGeom prst="rect">
@@ -10977,7 +10832,7 @@
               <a:blipFill>
                 <a:blip r:embed="rId4"/>
                 <a:stretch>
-                  <a:fillRect r="-560"/>
+                  <a:fillRect r="-559"/>
                 </a:stretch>
               </a:blipFill>
               <a:ln>
@@ -11001,8 +10856,8 @@
           </p:sp>
         </mc:Fallback>
       </mc:AlternateContent>
-      <mc:AlternateContent xmlns:mc="http://schemas.openxmlformats.org/markup-compatibility/2006">
-        <mc:Choice xmlns:a14="http://schemas.microsoft.com/office/drawing/2010/main" Requires="a14">
+      <mc:AlternateContent xmlns:mc="http://schemas.openxmlformats.org/markup-compatibility/2006" xmlns:a14="http://schemas.microsoft.com/office/drawing/2010/main">
+        <mc:Choice Requires="a14">
           <p:sp>
             <p:nvSpPr>
               <p:cNvPr id="117" name="TextBox 116">
@@ -11031,6 +10886,7 @@
               </a:bodyPr>
               <a:lstStyle/>
               <a:p>
+                <a:pPr/>
                 <a14:m>
                   <m:oMathPara xmlns:m="http://schemas.openxmlformats.org/officeDocument/2006/math">
                     <m:oMathParaPr>
@@ -11050,13 +10906,7 @@
                             <a:rPr lang="en-IN" b="1" i="0" smtClean="0">
                               <a:latin typeface="Cambria Math" panose="02040503050406030204" pitchFamily="18" charset="0"/>
                             </a:rPr>
-                            <m:t>𝐖</m:t>
-                          </m:r>
-                          <m:r>
-                            <a:rPr lang="en-IN" b="1" i="0" smtClean="0">
-                              <a:latin typeface="Cambria Math" panose="02040503050406030204" pitchFamily="18" charset="0"/>
-                            </a:rPr>
-                            <m:t>𝐬𝐢𝐧</m:t>
+                            <m:t>𝐖𝐬𝐢𝐧</m:t>
                           </m:r>
                         </m:fName>
                         <m:e>
@@ -11076,7 +10926,7 @@
             </p:txBody>
           </p:sp>
         </mc:Choice>
-        <mc:Fallback>
+        <mc:Fallback xmlns="">
           <p:sp>
             <p:nvSpPr>
               <p:cNvPr id="117" name="TextBox 116">
@@ -11210,8 +11060,8 @@
           </a:fontRef>
         </p:style>
       </p:cxnSp>
-      <mc:AlternateContent xmlns:mc="http://schemas.openxmlformats.org/markup-compatibility/2006">
-        <mc:Choice xmlns:a14="http://schemas.microsoft.com/office/drawing/2010/main" Requires="a14">
+      <mc:AlternateContent xmlns:mc="http://schemas.openxmlformats.org/markup-compatibility/2006" xmlns:a14="http://schemas.microsoft.com/office/drawing/2010/main">
+        <mc:Choice Requires="a14">
           <p:sp>
             <p:nvSpPr>
               <p:cNvPr id="119" name="TextBox 118">
@@ -11262,7 +11112,7 @@
             </p:txBody>
           </p:sp>
         </mc:Choice>
-        <mc:Fallback>
+        <mc:Fallback xmlns="">
           <p:sp>
             <p:nvSpPr>
               <p:cNvPr id="119" name="TextBox 118">
@@ -11591,8 +11441,8 @@
           </a:fontRef>
         </p:style>
       </p:cxnSp>
-      <mc:AlternateContent xmlns:mc="http://schemas.openxmlformats.org/markup-compatibility/2006">
-        <mc:Choice xmlns:a14="http://schemas.microsoft.com/office/drawing/2010/main" Requires="a14">
+      <mc:AlternateContent xmlns:mc="http://schemas.openxmlformats.org/markup-compatibility/2006" xmlns:a14="http://schemas.microsoft.com/office/drawing/2010/main">
+        <mc:Choice Requires="a14">
           <p:sp>
             <p:nvSpPr>
               <p:cNvPr id="138" name="TextBox 137">
@@ -11663,7 +11513,7 @@
             </p:txBody>
           </p:sp>
         </mc:Choice>
-        <mc:Fallback>
+        <mc:Fallback xmlns="">
           <p:sp>
             <p:nvSpPr>
               <p:cNvPr id="138" name="TextBox 137">
@@ -11708,8 +11558,8 @@
           </p:sp>
         </mc:Fallback>
       </mc:AlternateContent>
-      <mc:AlternateContent xmlns:mc="http://schemas.openxmlformats.org/markup-compatibility/2006">
-        <mc:Choice xmlns:a14="http://schemas.microsoft.com/office/drawing/2010/main" Requires="a14">
+      <mc:AlternateContent xmlns:mc="http://schemas.openxmlformats.org/markup-compatibility/2006" xmlns:a14="http://schemas.microsoft.com/office/drawing/2010/main">
+        <mc:Choice Requires="a14">
           <p:sp>
             <p:nvSpPr>
               <p:cNvPr id="139" name="TextBox 138">
@@ -11780,7 +11630,7 @@
             </p:txBody>
           </p:sp>
         </mc:Choice>
-        <mc:Fallback>
+        <mc:Fallback xmlns="">
           <p:sp>
             <p:nvSpPr>
               <p:cNvPr id="139" name="TextBox 138">
@@ -11825,8 +11675,8 @@
           </p:sp>
         </mc:Fallback>
       </mc:AlternateContent>
-      <mc:AlternateContent xmlns:mc="http://schemas.openxmlformats.org/markup-compatibility/2006">
-        <mc:Choice xmlns:a14="http://schemas.microsoft.com/office/drawing/2010/main" Requires="a14">
+      <mc:AlternateContent xmlns:mc="http://schemas.openxmlformats.org/markup-compatibility/2006" xmlns:a14="http://schemas.microsoft.com/office/drawing/2010/main">
+        <mc:Choice Requires="a14">
           <p:sp>
             <p:nvSpPr>
               <p:cNvPr id="140" name="TextBox 139">
@@ -11897,7 +11747,7 @@
             </p:txBody>
           </p:sp>
         </mc:Choice>
-        <mc:Fallback>
+        <mc:Fallback xmlns="">
           <p:sp>
             <p:nvSpPr>
               <p:cNvPr id="140" name="TextBox 139">
@@ -11942,8 +11792,8 @@
           </p:sp>
         </mc:Fallback>
       </mc:AlternateContent>
-      <mc:AlternateContent xmlns:mc="http://schemas.openxmlformats.org/markup-compatibility/2006">
-        <mc:Choice xmlns:a14="http://schemas.microsoft.com/office/drawing/2010/main" Requires="a14">
+      <mc:AlternateContent xmlns:mc="http://schemas.openxmlformats.org/markup-compatibility/2006" xmlns:a14="http://schemas.microsoft.com/office/drawing/2010/main">
+        <mc:Choice Requires="a14">
           <p:sp>
             <p:nvSpPr>
               <p:cNvPr id="141" name="TextBox 140">
@@ -12014,7 +11864,7 @@
             </p:txBody>
           </p:sp>
         </mc:Choice>
-        <mc:Fallback>
+        <mc:Fallback xmlns="">
           <p:sp>
             <p:nvSpPr>
               <p:cNvPr id="141" name="TextBox 140">
@@ -12123,7 +11973,7 @@
             </p:nvSpPr>
             <p:spPr>
               <a:xfrm>
-                <a:off x="6180570" y="5039238"/>
+                <a:off x="6205745" y="5067066"/>
                 <a:ext cx="218008" cy="307777"/>
               </a:xfrm>
               <a:prstGeom prst="rect">
@@ -12176,7 +12026,7 @@
             </p:nvSpPr>
             <p:spPr>
               <a:xfrm>
-                <a:off x="6180570" y="5039238"/>
+                <a:off x="6205745" y="5067066"/>
                 <a:ext cx="218008" cy="307777"/>
               </a:xfrm>
               <a:prstGeom prst="rect">
@@ -12185,7 +12035,7 @@
               <a:blipFill>
                 <a:blip r:embed="rId11"/>
                 <a:stretch>
-                  <a:fillRect l="-27778" r="-27778" b="-8000"/>
+                  <a:fillRect l="-27778" r="-27778" b="-5882"/>
                 </a:stretch>
               </a:blipFill>
             </p:spPr>
@@ -12252,8 +12102,8 @@
           </a:p>
         </p:txBody>
       </p:sp>
-      <mc:AlternateContent xmlns:mc="http://schemas.openxmlformats.org/markup-compatibility/2006">
-        <mc:Choice xmlns:a14="http://schemas.microsoft.com/office/drawing/2010/main" Requires="a14">
+      <mc:AlternateContent xmlns:mc="http://schemas.openxmlformats.org/markup-compatibility/2006" xmlns:a14="http://schemas.microsoft.com/office/drawing/2010/main">
+        <mc:Choice Requires="a14">
           <p:sp>
             <p:nvSpPr>
               <p:cNvPr id="161" name="TextBox 160">
@@ -12304,7 +12154,7 @@
             </p:txBody>
           </p:sp>
         </mc:Choice>
-        <mc:Fallback>
+        <mc:Fallback xmlns="">
           <p:sp>
             <p:nvSpPr>
               <p:cNvPr id="161" name="TextBox 160">
@@ -12391,6 +12241,1184 @@
           </a:fontRef>
         </p:style>
       </p:cxnSp>
+      <mc:AlternateContent xmlns:mc="http://schemas.openxmlformats.org/markup-compatibility/2006" xmlns:a14="http://schemas.microsoft.com/office/drawing/2010/main">
+        <mc:Choice Requires="a14">
+          <p:sp>
+            <p:nvSpPr>
+              <p:cNvPr id="171" name="Rectangle 170">
+                <a:extLst>
+                  <a:ext uri="{FF2B5EF4-FFF2-40B4-BE49-F238E27FC236}">
+                    <a16:creationId xmlns:a16="http://schemas.microsoft.com/office/drawing/2014/main" id="{3BCBF636-DF02-4434-8DE8-2680B7615372}"/>
+                  </a:ext>
+                </a:extLst>
+              </p:cNvPr>
+              <p:cNvSpPr/>
+              <p:nvPr/>
+            </p:nvSpPr>
+            <p:spPr>
+              <a:xfrm rot="20273459">
+                <a:off x="6640753" y="2047530"/>
+                <a:ext cx="1210524" cy="369332"/>
+              </a:xfrm>
+              <a:prstGeom prst="rect">
+                <a:avLst/>
+              </a:prstGeom>
+            </p:spPr>
+            <p:txBody>
+              <a:bodyPr wrap="none">
+                <a:spAutoFit/>
+              </a:bodyPr>
+              <a:lstStyle/>
+              <a:p>
+                <a:r>
+                  <a:rPr lang="en-US" b="1"/>
+                  <a:t>m</a:t>
+                </a:r>
+                <a14:m>
+                  <m:oMath xmlns:m="http://schemas.openxmlformats.org/officeDocument/2006/math">
+                    <m:sSub>
+                      <m:sSubPr>
+                        <m:ctrlPr>
+                          <a:rPr lang="en-US" b="1" i="1">
+                            <a:latin typeface="Cambria Math" panose="02040503050406030204" pitchFamily="18" charset="0"/>
+                          </a:rPr>
+                        </m:ctrlPr>
+                      </m:sSubPr>
+                      <m:e>
+                        <m:r>
+                          <a:rPr lang="en-US" b="1" i="1">
+                            <a:latin typeface="Cambria Math" panose="02040503050406030204" pitchFamily="18" charset="0"/>
+                          </a:rPr>
+                          <m:t>𝒂</m:t>
+                        </m:r>
+                      </m:e>
+                      <m:sub>
+                        <m:r>
+                          <a:rPr lang="en-US" b="1" i="1">
+                            <a:latin typeface="Cambria Math" panose="02040503050406030204" pitchFamily="18" charset="0"/>
+                          </a:rPr>
+                          <m:t>𝒏</m:t>
+                        </m:r>
+                      </m:sub>
+                    </m:sSub>
+                    <m:func>
+                      <m:funcPr>
+                        <m:ctrlPr>
+                          <a:rPr lang="en-US" b="1" i="1" smtClean="0">
+                            <a:latin typeface="Cambria Math" panose="02040503050406030204" pitchFamily="18" charset="0"/>
+                          </a:rPr>
+                        </m:ctrlPr>
+                      </m:funcPr>
+                      <m:fName>
+                        <m:r>
+                          <a:rPr lang="en-US" b="1" i="0" smtClean="0">
+                            <a:latin typeface="Cambria Math" panose="02040503050406030204" pitchFamily="18" charset="0"/>
+                          </a:rPr>
+                          <m:t>𝐜𝐨𝐬</m:t>
+                        </m:r>
+                      </m:fName>
+                      <m:e>
+                        <m:r>
+                          <a:rPr lang="en-US" b="1" i="1" smtClean="0">
+                            <a:latin typeface="Cambria Math" panose="02040503050406030204" pitchFamily="18" charset="0"/>
+                            <a:ea typeface="Cambria Math" panose="02040503050406030204" pitchFamily="18" charset="0"/>
+                          </a:rPr>
+                          <m:t>𝜽</m:t>
+                        </m:r>
+                      </m:e>
+                    </m:func>
+                  </m:oMath>
+                </a14:m>
+                <a:endParaRPr lang="en-IN" b="1"/>
+              </a:p>
+            </p:txBody>
+          </p:sp>
+        </mc:Choice>
+        <mc:Fallback xmlns="">
+          <p:sp>
+            <p:nvSpPr>
+              <p:cNvPr id="171" name="Rectangle 170">
+                <a:extLst>
+                  <a:ext uri="{FF2B5EF4-FFF2-40B4-BE49-F238E27FC236}">
+                    <a16:creationId xmlns:a16="http://schemas.microsoft.com/office/drawing/2014/main" id="{3BCBF636-DF02-4434-8DE8-2680B7615372}"/>
+                  </a:ext>
+                </a:extLst>
+              </p:cNvPr>
+              <p:cNvSpPr>
+                <a:spLocks noRot="1" noChangeAspect="1" noMove="1" noResize="1" noEditPoints="1" noAdjustHandles="1" noChangeArrowheads="1" noChangeShapeType="1" noTextEdit="1"/>
+              </p:cNvSpPr>
+              <p:nvPr/>
+            </p:nvSpPr>
+            <p:spPr>
+              <a:xfrm rot="20273459">
+                <a:off x="6640753" y="2047530"/>
+                <a:ext cx="1210524" cy="369332"/>
+              </a:xfrm>
+              <a:prstGeom prst="rect">
+                <a:avLst/>
+              </a:prstGeom>
+              <a:blipFill>
+                <a:blip r:embed="rId13"/>
+                <a:stretch>
+                  <a:fillRect l="-4808" b="-12879"/>
+                </a:stretch>
+              </a:blipFill>
+            </p:spPr>
+            <p:txBody>
+              <a:bodyPr/>
+              <a:lstStyle/>
+              <a:p>
+                <a:r>
+                  <a:rPr lang="en-IN">
+                    <a:noFill/>
+                  </a:rPr>
+                  <a:t> </a:t>
+                </a:r>
+              </a:p>
+            </p:txBody>
+          </p:sp>
+        </mc:Fallback>
+      </mc:AlternateContent>
+      <p:sp>
+        <p:nvSpPr>
+          <p:cNvPr id="53" name="Arrow: Curved Up 52">
+            <a:extLst>
+              <a:ext uri="{FF2B5EF4-FFF2-40B4-BE49-F238E27FC236}">
+                <a16:creationId xmlns:a16="http://schemas.microsoft.com/office/drawing/2014/main" id="{97C17C03-D508-4782-98FB-CD726B2160E0}"/>
+              </a:ext>
+            </a:extLst>
+          </p:cNvPr>
+          <p:cNvSpPr/>
+          <p:nvPr/>
+        </p:nvSpPr>
+        <p:spPr>
+          <a:xfrm rot="14887624">
+            <a:off x="10326772" y="2333726"/>
+            <a:ext cx="502019" cy="646546"/>
+          </a:xfrm>
+          <a:prstGeom prst="curvedUpArrow">
+            <a:avLst/>
+          </a:prstGeom>
+        </p:spPr>
+        <p:style>
+          <a:lnRef idx="2">
+            <a:schemeClr val="dk1">
+              <a:shade val="50000"/>
+            </a:schemeClr>
+          </a:lnRef>
+          <a:fillRef idx="1">
+            <a:schemeClr val="dk1"/>
+          </a:fillRef>
+          <a:effectRef idx="0">
+            <a:schemeClr val="dk1"/>
+          </a:effectRef>
+          <a:fontRef idx="minor">
+            <a:schemeClr val="lt1"/>
+          </a:fontRef>
+        </p:style>
+        <p:txBody>
+          <a:bodyPr rtlCol="0" anchor="ctr"/>
+          <a:lstStyle/>
+          <a:p>
+            <a:pPr algn="ctr"/>
+            <a:endParaRPr lang="en-IN">
+              <a:solidFill>
+                <a:schemeClr val="tx1"/>
+              </a:solidFill>
+            </a:endParaRPr>
+          </a:p>
+        </p:txBody>
+      </p:sp>
+    </p:spTree>
+    <p:extLst>
+      <p:ext uri="{BB962C8B-B14F-4D97-AF65-F5344CB8AC3E}">
+        <p14:creationId xmlns:p14="http://schemas.microsoft.com/office/powerpoint/2010/main" val="4067738503"/>
+      </p:ext>
+    </p:extLst>
+  </p:cSld>
+  <p:clrMapOvr>
+    <a:masterClrMapping/>
+  </p:clrMapOvr>
+</p:sld>
+</file>
+
+<file path=ppt/slides/slide15.xml><?xml version="1.0" encoding="utf-8"?>
+<p:sld xmlns:a="http://schemas.openxmlformats.org/drawingml/2006/main" xmlns:r="http://schemas.openxmlformats.org/officeDocument/2006/relationships" xmlns:p="http://schemas.openxmlformats.org/presentationml/2006/main">
+  <p:cSld>
+    <p:spTree>
+      <p:nvGrpSpPr>
+        <p:cNvPr id="1" name=""/>
+        <p:cNvGrpSpPr/>
+        <p:nvPr/>
+      </p:nvGrpSpPr>
+      <p:grpSpPr>
+        <a:xfrm>
+          <a:off x="0" y="0"/>
+          <a:ext cx="0" cy="0"/>
+          <a:chOff x="0" y="0"/>
+          <a:chExt cx="0" cy="0"/>
+        </a:xfrm>
+      </p:grpSpPr>
+      <p:sp>
+        <p:nvSpPr>
+          <p:cNvPr id="69" name="Rectangle 68">
+            <a:extLst>
+              <a:ext uri="{FF2B5EF4-FFF2-40B4-BE49-F238E27FC236}">
+                <a16:creationId xmlns:a16="http://schemas.microsoft.com/office/drawing/2014/main" id="{87C40645-97F7-418B-881D-FD6915297E00}"/>
+              </a:ext>
+            </a:extLst>
+          </p:cNvPr>
+          <p:cNvSpPr/>
+          <p:nvPr/>
+        </p:nvSpPr>
+        <p:spPr>
+          <a:xfrm rot="20297944">
+            <a:off x="4708003" y="793606"/>
+            <a:ext cx="3272118" cy="3232909"/>
+          </a:xfrm>
+          <a:prstGeom prst="rect">
+            <a:avLst/>
+          </a:prstGeom>
+        </p:spPr>
+        <p:style>
+          <a:lnRef idx="1">
+            <a:schemeClr val="accent3"/>
+          </a:lnRef>
+          <a:fillRef idx="2">
+            <a:schemeClr val="accent3"/>
+          </a:fillRef>
+          <a:effectRef idx="1">
+            <a:schemeClr val="accent3"/>
+          </a:effectRef>
+          <a:fontRef idx="minor">
+            <a:schemeClr val="dk1"/>
+          </a:fontRef>
+        </p:style>
+        <p:txBody>
+          <a:bodyPr rtlCol="0" anchor="ctr"/>
+          <a:lstStyle/>
+          <a:p>
+            <a:pPr algn="ctr"/>
+            <a:endParaRPr lang="en-IN"/>
+          </a:p>
+        </p:txBody>
+      </p:sp>
+      <p:cxnSp>
+        <p:nvCxnSpPr>
+          <p:cNvPr id="78" name="Straight Connector 77">
+            <a:extLst>
+              <a:ext uri="{FF2B5EF4-FFF2-40B4-BE49-F238E27FC236}">
+                <a16:creationId xmlns:a16="http://schemas.microsoft.com/office/drawing/2014/main" id="{54E1C66E-7FA1-4341-BB09-5ED623B7D451}"/>
+              </a:ext>
+            </a:extLst>
+          </p:cNvPr>
+          <p:cNvCxnSpPr>
+            <a:cxnSpLocks/>
+          </p:cNvCxnSpPr>
+          <p:nvPr/>
+        </p:nvCxnSpPr>
+        <p:spPr>
+          <a:xfrm flipV="1">
+            <a:off x="2576456" y="3444119"/>
+            <a:ext cx="7579359" cy="3038321"/>
+          </a:xfrm>
+          <a:prstGeom prst="line">
+            <a:avLst/>
+          </a:prstGeom>
+          <a:ln w="57150"/>
+        </p:spPr>
+        <p:style>
+          <a:lnRef idx="1">
+            <a:schemeClr val="dk1"/>
+          </a:lnRef>
+          <a:fillRef idx="0">
+            <a:schemeClr val="dk1"/>
+          </a:fillRef>
+          <a:effectRef idx="0">
+            <a:schemeClr val="dk1"/>
+          </a:effectRef>
+          <a:fontRef idx="minor">
+            <a:schemeClr val="tx1"/>
+          </a:fontRef>
+        </p:style>
+      </p:cxnSp>
+      <p:cxnSp>
+        <p:nvCxnSpPr>
+          <p:cNvPr id="79" name="Straight Connector 78">
+            <a:extLst>
+              <a:ext uri="{FF2B5EF4-FFF2-40B4-BE49-F238E27FC236}">
+                <a16:creationId xmlns:a16="http://schemas.microsoft.com/office/drawing/2014/main" id="{D2A50D5D-DB6B-4F4C-91B3-5F48C53B88E2}"/>
+              </a:ext>
+            </a:extLst>
+          </p:cNvPr>
+          <p:cNvCxnSpPr>
+            <a:cxnSpLocks/>
+          </p:cNvCxnSpPr>
+          <p:nvPr/>
+        </p:nvCxnSpPr>
+        <p:spPr>
+          <a:xfrm flipV="1">
+            <a:off x="4267202" y="1470651"/>
+            <a:ext cx="4361628" cy="1782555"/>
+          </a:xfrm>
+          <a:prstGeom prst="line">
+            <a:avLst/>
+          </a:prstGeom>
+          <a:ln w="19050">
+            <a:prstDash val="sysDash"/>
+          </a:ln>
+        </p:spPr>
+        <p:style>
+          <a:lnRef idx="1">
+            <a:schemeClr val="dk1"/>
+          </a:lnRef>
+          <a:fillRef idx="0">
+            <a:schemeClr val="dk1"/>
+          </a:fillRef>
+          <a:effectRef idx="0">
+            <a:schemeClr val="dk1"/>
+          </a:effectRef>
+          <a:fontRef idx="minor">
+            <a:schemeClr val="tx1"/>
+          </a:fontRef>
+        </p:style>
+      </p:cxnSp>
+      <p:cxnSp>
+        <p:nvCxnSpPr>
+          <p:cNvPr id="80" name="Straight Connector 79">
+            <a:extLst>
+              <a:ext uri="{FF2B5EF4-FFF2-40B4-BE49-F238E27FC236}">
+                <a16:creationId xmlns:a16="http://schemas.microsoft.com/office/drawing/2014/main" id="{F4B8E6E9-C28B-4082-8570-82DAFA47D198}"/>
+              </a:ext>
+            </a:extLst>
+          </p:cNvPr>
+          <p:cNvCxnSpPr>
+            <a:cxnSpLocks/>
+          </p:cNvCxnSpPr>
+          <p:nvPr/>
+        </p:nvCxnSpPr>
+        <p:spPr>
+          <a:xfrm>
+            <a:off x="5630035" y="601214"/>
+            <a:ext cx="1390371" cy="3460134"/>
+          </a:xfrm>
+          <a:prstGeom prst="line">
+            <a:avLst/>
+          </a:prstGeom>
+          <a:ln w="19050">
+            <a:prstDash val="sysDash"/>
+          </a:ln>
+        </p:spPr>
+        <p:style>
+          <a:lnRef idx="1">
+            <a:schemeClr val="dk1"/>
+          </a:lnRef>
+          <a:fillRef idx="0">
+            <a:schemeClr val="dk1"/>
+          </a:fillRef>
+          <a:effectRef idx="0">
+            <a:schemeClr val="dk1"/>
+          </a:effectRef>
+          <a:fontRef idx="minor">
+            <a:schemeClr val="tx1"/>
+          </a:fontRef>
+        </p:style>
+      </p:cxnSp>
+      <p:sp>
+        <p:nvSpPr>
+          <p:cNvPr id="82" name="TextBox 81">
+            <a:extLst>
+              <a:ext uri="{FF2B5EF4-FFF2-40B4-BE49-F238E27FC236}">
+                <a16:creationId xmlns:a16="http://schemas.microsoft.com/office/drawing/2014/main" id="{A5202674-7749-4067-A3C0-064E93A84B1E}"/>
+              </a:ext>
+            </a:extLst>
+          </p:cNvPr>
+          <p:cNvSpPr txBox="1"/>
+          <p:nvPr/>
+        </p:nvSpPr>
+        <p:spPr>
+          <a:xfrm>
+            <a:off x="6343288" y="2339217"/>
+            <a:ext cx="644524" cy="369332"/>
+          </a:xfrm>
+          <a:prstGeom prst="rect">
+            <a:avLst/>
+          </a:prstGeom>
+          <a:noFill/>
+        </p:spPr>
+        <p:txBody>
+          <a:bodyPr wrap="square" rtlCol="0">
+            <a:spAutoFit/>
+          </a:bodyPr>
+          <a:lstStyle/>
+          <a:p>
+            <a:pPr algn="ctr"/>
+            <a:r>
+              <a:rPr lang="en-US" b="1"/>
+              <a:t>CG</a:t>
+            </a:r>
+            <a:endParaRPr lang="en-IN" b="1"/>
+          </a:p>
+        </p:txBody>
+      </p:sp>
+      <mc:AlternateContent xmlns:mc="http://schemas.openxmlformats.org/markup-compatibility/2006">
+        <mc:Choice xmlns:a14="http://schemas.microsoft.com/office/drawing/2010/main" Requires="a14">
+          <p:sp>
+            <p:nvSpPr>
+              <p:cNvPr id="100" name="TextBox 99">
+                <a:extLst>
+                  <a:ext uri="{FF2B5EF4-FFF2-40B4-BE49-F238E27FC236}">
+                    <a16:creationId xmlns:a16="http://schemas.microsoft.com/office/drawing/2014/main" id="{8B1F8D64-A31A-4EE8-98DC-D57B5D061881}"/>
+                  </a:ext>
+                </a:extLst>
+              </p:cNvPr>
+              <p:cNvSpPr txBox="1"/>
+              <p:nvPr/>
+            </p:nvSpPr>
+            <p:spPr>
+              <a:xfrm rot="21392371">
+                <a:off x="7093080" y="2068544"/>
+                <a:ext cx="1030476" cy="400110"/>
+              </a:xfrm>
+              <a:prstGeom prst="rect">
+                <a:avLst/>
+              </a:prstGeom>
+              <a:noFill/>
+            </p:spPr>
+            <p:txBody>
+              <a:bodyPr wrap="square" rtlCol="0">
+                <a:spAutoFit/>
+              </a:bodyPr>
+              <a:lstStyle/>
+              <a:p>
+                <a:pPr algn="ctr"/>
+                <a:r>
+                  <a:rPr lang="en-US" sz="2000" b="1"/>
+                  <a:t>m</a:t>
+                </a:r>
+                <a14:m>
+                  <m:oMath xmlns:m="http://schemas.openxmlformats.org/officeDocument/2006/math">
+                    <m:sSub>
+                      <m:sSubPr>
+                        <m:ctrlPr>
+                          <a:rPr lang="en-US" sz="2000" b="1" i="1" smtClean="0">
+                            <a:latin typeface="Cambria Math" panose="02040503050406030204" pitchFamily="18" charset="0"/>
+                          </a:rPr>
+                        </m:ctrlPr>
+                      </m:sSubPr>
+                      <m:e>
+                        <m:r>
+                          <a:rPr lang="en-US" sz="2000" b="1" i="1" smtClean="0">
+                            <a:latin typeface="Cambria Math" panose="02040503050406030204" pitchFamily="18" charset="0"/>
+                          </a:rPr>
+                          <m:t>𝒂</m:t>
+                        </m:r>
+                      </m:e>
+                      <m:sub>
+                        <m:r>
+                          <a:rPr lang="en-US" sz="2000" b="1" i="1" smtClean="0">
+                            <a:latin typeface="Cambria Math" panose="02040503050406030204" pitchFamily="18" charset="0"/>
+                          </a:rPr>
+                          <m:t>𝒏</m:t>
+                        </m:r>
+                      </m:sub>
+                    </m:sSub>
+                  </m:oMath>
+                </a14:m>
+                <a:endParaRPr lang="en-IN" sz="2000" b="1"/>
+              </a:p>
+            </p:txBody>
+          </p:sp>
+        </mc:Choice>
+        <mc:Fallback>
+          <p:sp>
+            <p:nvSpPr>
+              <p:cNvPr id="100" name="TextBox 99">
+                <a:extLst>
+                  <a:ext uri="{FF2B5EF4-FFF2-40B4-BE49-F238E27FC236}">
+                    <a16:creationId xmlns:a16="http://schemas.microsoft.com/office/drawing/2014/main" id="{8B1F8D64-A31A-4EE8-98DC-D57B5D061881}"/>
+                  </a:ext>
+                </a:extLst>
+              </p:cNvPr>
+              <p:cNvSpPr txBox="1">
+                <a:spLocks noRot="1" noChangeAspect="1" noMove="1" noResize="1" noEditPoints="1" noAdjustHandles="1" noChangeArrowheads="1" noChangeShapeType="1" noTextEdit="1"/>
+              </p:cNvSpPr>
+              <p:nvPr/>
+            </p:nvSpPr>
+            <p:spPr>
+              <a:xfrm rot="21392371">
+                <a:off x="7093080" y="2068544"/>
+                <a:ext cx="1030476" cy="400110"/>
+              </a:xfrm>
+              <a:prstGeom prst="rect">
+                <a:avLst/>
+              </a:prstGeom>
+              <a:blipFill>
+                <a:blip r:embed="rId2"/>
+                <a:stretch>
+                  <a:fillRect t="-1299" b="-19481"/>
+                </a:stretch>
+              </a:blipFill>
+            </p:spPr>
+            <p:txBody>
+              <a:bodyPr/>
+              <a:lstStyle/>
+              <a:p>
+                <a:r>
+                  <a:rPr lang="en-IN">
+                    <a:noFill/>
+                  </a:rPr>
+                  <a:t> </a:t>
+                </a:r>
+              </a:p>
+            </p:txBody>
+          </p:sp>
+        </mc:Fallback>
+      </mc:AlternateContent>
+      <p:cxnSp>
+        <p:nvCxnSpPr>
+          <p:cNvPr id="101" name="Straight Arrow Connector 100">
+            <a:extLst>
+              <a:ext uri="{FF2B5EF4-FFF2-40B4-BE49-F238E27FC236}">
+                <a16:creationId xmlns:a16="http://schemas.microsoft.com/office/drawing/2014/main" id="{37D0F5CF-ACAB-4DF2-8CC2-0A578F01ACB2}"/>
+              </a:ext>
+            </a:extLst>
+          </p:cNvPr>
+          <p:cNvCxnSpPr>
+            <a:cxnSpLocks/>
+          </p:cNvCxnSpPr>
+          <p:nvPr/>
+        </p:nvCxnSpPr>
+        <p:spPr>
+          <a:xfrm flipV="1">
+            <a:off x="6432567" y="2315589"/>
+            <a:ext cx="915788" cy="46614"/>
+          </a:xfrm>
+          <a:prstGeom prst="straightConnector1">
+            <a:avLst/>
+          </a:prstGeom>
+          <a:ln w="76200">
+            <a:tailEnd type="triangle"/>
+          </a:ln>
+        </p:spPr>
+        <p:style>
+          <a:lnRef idx="1">
+            <a:schemeClr val="accent2"/>
+          </a:lnRef>
+          <a:fillRef idx="0">
+            <a:schemeClr val="accent2"/>
+          </a:fillRef>
+          <a:effectRef idx="0">
+            <a:schemeClr val="accent2"/>
+          </a:effectRef>
+          <a:fontRef idx="minor">
+            <a:schemeClr val="tx1"/>
+          </a:fontRef>
+        </p:style>
+      </p:cxnSp>
+      <p:cxnSp>
+        <p:nvCxnSpPr>
+          <p:cNvPr id="103" name="Straight Connector 102">
+            <a:extLst>
+              <a:ext uri="{FF2B5EF4-FFF2-40B4-BE49-F238E27FC236}">
+                <a16:creationId xmlns:a16="http://schemas.microsoft.com/office/drawing/2014/main" id="{6C2AE1B9-FE6E-49BC-AC5A-B3729F9A1AFB}"/>
+              </a:ext>
+            </a:extLst>
+          </p:cNvPr>
+          <p:cNvCxnSpPr>
+            <a:cxnSpLocks/>
+          </p:cNvCxnSpPr>
+          <p:nvPr/>
+        </p:nvCxnSpPr>
+        <p:spPr>
+          <a:xfrm flipV="1">
+            <a:off x="2576456" y="6362677"/>
+            <a:ext cx="7780020" cy="122104"/>
+          </a:xfrm>
+          <a:prstGeom prst="line">
+            <a:avLst/>
+          </a:prstGeom>
+          <a:ln w="57150"/>
+        </p:spPr>
+        <p:style>
+          <a:lnRef idx="1">
+            <a:schemeClr val="dk1"/>
+          </a:lnRef>
+          <a:fillRef idx="0">
+            <a:schemeClr val="dk1"/>
+          </a:fillRef>
+          <a:effectRef idx="0">
+            <a:schemeClr val="dk1"/>
+          </a:effectRef>
+          <a:fontRef idx="minor">
+            <a:schemeClr val="tx1"/>
+          </a:fontRef>
+        </p:style>
+      </p:cxnSp>
+      <p:sp>
+        <p:nvSpPr>
+          <p:cNvPr id="107" name="Arc 106">
+            <a:extLst>
+              <a:ext uri="{FF2B5EF4-FFF2-40B4-BE49-F238E27FC236}">
+                <a16:creationId xmlns:a16="http://schemas.microsoft.com/office/drawing/2014/main" id="{2183B6EB-CD2E-4A66-B9F8-9C9523141FF2}"/>
+              </a:ext>
+            </a:extLst>
+          </p:cNvPr>
+          <p:cNvSpPr/>
+          <p:nvPr/>
+        </p:nvSpPr>
+        <p:spPr>
+          <a:xfrm>
+            <a:off x="3399256" y="6015440"/>
+            <a:ext cx="667199" cy="842560"/>
+          </a:xfrm>
+          <a:prstGeom prst="arc">
+            <a:avLst/>
+          </a:prstGeom>
+          <a:ln w="57150"/>
+        </p:spPr>
+        <p:style>
+          <a:lnRef idx="1">
+            <a:schemeClr val="accent1"/>
+          </a:lnRef>
+          <a:fillRef idx="0">
+            <a:schemeClr val="accent1"/>
+          </a:fillRef>
+          <a:effectRef idx="0">
+            <a:schemeClr val="accent1"/>
+          </a:effectRef>
+          <a:fontRef idx="minor">
+            <a:schemeClr val="tx1"/>
+          </a:fontRef>
+        </p:style>
+        <p:txBody>
+          <a:bodyPr rtlCol="0" anchor="ctr"/>
+          <a:lstStyle/>
+          <a:p>
+            <a:pPr algn="ctr"/>
+            <a:endParaRPr lang="en-IN"/>
+          </a:p>
+        </p:txBody>
+      </p:sp>
+      <mc:AlternateContent xmlns:mc="http://schemas.openxmlformats.org/markup-compatibility/2006">
+        <mc:Choice xmlns:a14="http://schemas.microsoft.com/office/drawing/2010/main" Requires="a14">
+          <p:sp>
+            <p:nvSpPr>
+              <p:cNvPr id="108" name="TextBox 107">
+                <a:extLst>
+                  <a:ext uri="{FF2B5EF4-FFF2-40B4-BE49-F238E27FC236}">
+                    <a16:creationId xmlns:a16="http://schemas.microsoft.com/office/drawing/2014/main" id="{19976FF4-C720-4F66-963B-F3D5521740C2}"/>
+                  </a:ext>
+                </a:extLst>
+              </p:cNvPr>
+              <p:cNvSpPr txBox="1"/>
+              <p:nvPr/>
+            </p:nvSpPr>
+            <p:spPr>
+              <a:xfrm>
+                <a:off x="4057877" y="5935305"/>
+                <a:ext cx="306174" cy="430887"/>
+              </a:xfrm>
+              <a:prstGeom prst="rect">
+                <a:avLst/>
+              </a:prstGeom>
+              <a:noFill/>
+            </p:spPr>
+            <p:txBody>
+              <a:bodyPr wrap="none" lIns="0" tIns="0" rIns="0" bIns="0" rtlCol="0">
+                <a:spAutoFit/>
+              </a:bodyPr>
+              <a:lstStyle/>
+              <a:p>
+                <a:pPr/>
+                <a14:m>
+                  <m:oMathPara xmlns:m="http://schemas.openxmlformats.org/officeDocument/2006/math">
+                    <m:oMathParaPr>
+                      <m:jc m:val="centerGroup"/>
+                    </m:oMathParaPr>
+                    <m:oMath xmlns:m="http://schemas.openxmlformats.org/officeDocument/2006/math">
+                      <m:r>
+                        <a:rPr lang="en-IN" sz="2800" b="1" i="1" smtClean="0">
+                          <a:latin typeface="Cambria Math" panose="02040503050406030204" pitchFamily="18" charset="0"/>
+                          <a:ea typeface="Cambria Math" panose="02040503050406030204" pitchFamily="18" charset="0"/>
+                        </a:rPr>
+                        <m:t>𝜽</m:t>
+                      </m:r>
+                    </m:oMath>
+                  </m:oMathPara>
+                </a14:m>
+                <a:endParaRPr lang="en-IN" sz="2800" b="1"/>
+              </a:p>
+            </p:txBody>
+          </p:sp>
+        </mc:Choice>
+        <mc:Fallback>
+          <p:sp>
+            <p:nvSpPr>
+              <p:cNvPr id="108" name="TextBox 107">
+                <a:extLst>
+                  <a:ext uri="{FF2B5EF4-FFF2-40B4-BE49-F238E27FC236}">
+                    <a16:creationId xmlns:a16="http://schemas.microsoft.com/office/drawing/2014/main" id="{19976FF4-C720-4F66-963B-F3D5521740C2}"/>
+                  </a:ext>
+                </a:extLst>
+              </p:cNvPr>
+              <p:cNvSpPr txBox="1">
+                <a:spLocks noRot="1" noChangeAspect="1" noMove="1" noResize="1" noEditPoints="1" noAdjustHandles="1" noChangeArrowheads="1" noChangeShapeType="1" noTextEdit="1"/>
+              </p:cNvSpPr>
+              <p:nvPr/>
+            </p:nvSpPr>
+            <p:spPr>
+              <a:xfrm>
+                <a:off x="4057877" y="5935305"/>
+                <a:ext cx="306174" cy="430887"/>
+              </a:xfrm>
+              <a:prstGeom prst="rect">
+                <a:avLst/>
+              </a:prstGeom>
+              <a:blipFill>
+                <a:blip r:embed="rId3"/>
+                <a:stretch>
+                  <a:fillRect/>
+                </a:stretch>
+              </a:blipFill>
+            </p:spPr>
+            <p:txBody>
+              <a:bodyPr/>
+              <a:lstStyle/>
+              <a:p>
+                <a:r>
+                  <a:rPr lang="en-IN">
+                    <a:noFill/>
+                  </a:rPr>
+                  <a:t> </a:t>
+                </a:r>
+              </a:p>
+            </p:txBody>
+          </p:sp>
+        </mc:Fallback>
+      </mc:AlternateContent>
+      <p:cxnSp>
+        <p:nvCxnSpPr>
+          <p:cNvPr id="110" name="Straight Arrow Connector 109">
+            <a:extLst>
+              <a:ext uri="{FF2B5EF4-FFF2-40B4-BE49-F238E27FC236}">
+                <a16:creationId xmlns:a16="http://schemas.microsoft.com/office/drawing/2014/main" id="{E4F67AD1-5DC0-45B4-B6B8-0F2170486073}"/>
+              </a:ext>
+            </a:extLst>
+          </p:cNvPr>
+          <p:cNvCxnSpPr>
+            <a:cxnSpLocks/>
+          </p:cNvCxnSpPr>
+          <p:nvPr/>
+        </p:nvCxnSpPr>
+        <p:spPr>
+          <a:xfrm>
+            <a:off x="6383089" y="2457215"/>
+            <a:ext cx="475569" cy="1229965"/>
+          </a:xfrm>
+          <a:prstGeom prst="straightConnector1">
+            <a:avLst/>
+          </a:prstGeom>
+          <a:ln w="76200">
+            <a:prstDash val="sysDash"/>
+            <a:tailEnd type="triangle"/>
+          </a:ln>
+        </p:spPr>
+        <p:style>
+          <a:lnRef idx="1">
+            <a:schemeClr val="accent1"/>
+          </a:lnRef>
+          <a:fillRef idx="0">
+            <a:schemeClr val="accent1"/>
+          </a:fillRef>
+          <a:effectRef idx="0">
+            <a:schemeClr val="accent1"/>
+          </a:effectRef>
+          <a:fontRef idx="minor">
+            <a:schemeClr val="tx1"/>
+          </a:fontRef>
+        </p:style>
+      </p:cxnSp>
+      <p:cxnSp>
+        <p:nvCxnSpPr>
+          <p:cNvPr id="111" name="Straight Arrow Connector 110">
+            <a:extLst>
+              <a:ext uri="{FF2B5EF4-FFF2-40B4-BE49-F238E27FC236}">
+                <a16:creationId xmlns:a16="http://schemas.microsoft.com/office/drawing/2014/main" id="{91A28928-A59A-4758-AA7B-62163C8700D8}"/>
+              </a:ext>
+            </a:extLst>
+          </p:cNvPr>
+          <p:cNvCxnSpPr>
+            <a:cxnSpLocks/>
+          </p:cNvCxnSpPr>
+          <p:nvPr/>
+        </p:nvCxnSpPr>
+        <p:spPr>
+          <a:xfrm flipH="1">
+            <a:off x="5202246" y="2416981"/>
+            <a:ext cx="1130026" cy="446881"/>
+          </a:xfrm>
+          <a:prstGeom prst="straightConnector1">
+            <a:avLst/>
+          </a:prstGeom>
+          <a:ln w="76200">
+            <a:prstDash val="sysDash"/>
+            <a:tailEnd type="triangle"/>
+          </a:ln>
+        </p:spPr>
+        <p:style>
+          <a:lnRef idx="1">
+            <a:schemeClr val="accent1"/>
+          </a:lnRef>
+          <a:fillRef idx="0">
+            <a:schemeClr val="accent1"/>
+          </a:fillRef>
+          <a:effectRef idx="0">
+            <a:schemeClr val="accent1"/>
+          </a:effectRef>
+          <a:fontRef idx="minor">
+            <a:schemeClr val="tx1"/>
+          </a:fontRef>
+        </p:style>
+      </p:cxnSp>
+      <p:sp>
+        <p:nvSpPr>
+          <p:cNvPr id="115" name="TextBox 114">
+            <a:extLst>
+              <a:ext uri="{FF2B5EF4-FFF2-40B4-BE49-F238E27FC236}">
+                <a16:creationId xmlns:a16="http://schemas.microsoft.com/office/drawing/2014/main" id="{A55D728F-D396-473C-B640-37380130779B}"/>
+              </a:ext>
+            </a:extLst>
+          </p:cNvPr>
+          <p:cNvSpPr txBox="1"/>
+          <p:nvPr/>
+        </p:nvSpPr>
+        <p:spPr>
+          <a:xfrm rot="21389788">
+            <a:off x="5979650" y="2844482"/>
+            <a:ext cx="587101" cy="400110"/>
+          </a:xfrm>
+          <a:prstGeom prst="rect">
+            <a:avLst/>
+          </a:prstGeom>
+          <a:noFill/>
+        </p:spPr>
+        <p:txBody>
+          <a:bodyPr wrap="square" rtlCol="0">
+            <a:spAutoFit/>
+          </a:bodyPr>
+          <a:lstStyle/>
+          <a:p>
+            <a:r>
+              <a:rPr lang="en-US" sz="2000" b="1"/>
+              <a:t>W</a:t>
+            </a:r>
+            <a:endParaRPr lang="en-IN" sz="2000" b="1"/>
+          </a:p>
+        </p:txBody>
+      </p:sp>
+      <mc:AlternateContent xmlns:mc="http://schemas.openxmlformats.org/markup-compatibility/2006">
+        <mc:Choice xmlns:a14="http://schemas.microsoft.com/office/drawing/2010/main" Requires="a14">
+          <p:sp>
+            <p:nvSpPr>
+              <p:cNvPr id="117" name="TextBox 116">
+                <a:extLst>
+                  <a:ext uri="{FF2B5EF4-FFF2-40B4-BE49-F238E27FC236}">
+                    <a16:creationId xmlns:a16="http://schemas.microsoft.com/office/drawing/2014/main" id="{16B4B151-ABA6-4B5C-A083-334927C3DFDA}"/>
+                  </a:ext>
+                </a:extLst>
+              </p:cNvPr>
+              <p:cNvSpPr txBox="1"/>
+              <p:nvPr/>
+            </p:nvSpPr>
+            <p:spPr>
+              <a:xfrm rot="20229615">
+                <a:off x="5071423" y="2299040"/>
+                <a:ext cx="791115" cy="369332"/>
+              </a:xfrm>
+              <a:prstGeom prst="rect">
+                <a:avLst/>
+              </a:prstGeom>
+              <a:noFill/>
+            </p:spPr>
+            <p:txBody>
+              <a:bodyPr wrap="square" rtlCol="0">
+                <a:spAutoFit/>
+              </a:bodyPr>
+              <a:lstStyle/>
+              <a:p>
+                <a:pPr/>
+                <a14:m>
+                  <m:oMathPara xmlns:m="http://schemas.openxmlformats.org/officeDocument/2006/math">
+                    <m:oMathParaPr>
+                      <m:jc m:val="centerGroup"/>
+                    </m:oMathParaPr>
+                    <m:oMath xmlns:m="http://schemas.openxmlformats.org/officeDocument/2006/math">
+                      <m:func>
+                        <m:funcPr>
+                          <m:ctrlPr>
+                            <a:rPr lang="en-IN" b="1" i="1" smtClean="0">
+                              <a:latin typeface="Cambria Math" panose="02040503050406030204" pitchFamily="18" charset="0"/>
+                            </a:rPr>
+                          </m:ctrlPr>
+                        </m:funcPr>
+                        <m:fName>
+                          <m:r>
+                            <a:rPr lang="en-IN" b="1" i="0" smtClean="0">
+                              <a:latin typeface="Cambria Math" panose="02040503050406030204" pitchFamily="18" charset="0"/>
+                            </a:rPr>
+                            <m:t>𝐖𝐬𝐢𝐧</m:t>
+                          </m:r>
+                        </m:fName>
+                        <m:e>
+                          <m:r>
+                            <a:rPr lang="el-GR" b="1" i="1" smtClean="0">
+                              <a:latin typeface="Cambria Math" panose="02040503050406030204" pitchFamily="18" charset="0"/>
+                            </a:rPr>
+                            <m:t>𝜽</m:t>
+                          </m:r>
+                        </m:e>
+                      </m:func>
+                    </m:oMath>
+                  </m:oMathPara>
+                </a14:m>
+                <a:endParaRPr lang="en-IN" b="1"/>
+              </a:p>
+            </p:txBody>
+          </p:sp>
+        </mc:Choice>
+        <mc:Fallback>
+          <p:sp>
+            <p:nvSpPr>
+              <p:cNvPr id="117" name="TextBox 116">
+                <a:extLst>
+                  <a:ext uri="{FF2B5EF4-FFF2-40B4-BE49-F238E27FC236}">
+                    <a16:creationId xmlns:a16="http://schemas.microsoft.com/office/drawing/2014/main" id="{16B4B151-ABA6-4B5C-A083-334927C3DFDA}"/>
+                  </a:ext>
+                </a:extLst>
+              </p:cNvPr>
+              <p:cNvSpPr txBox="1">
+                <a:spLocks noRot="1" noChangeAspect="1" noMove="1" noResize="1" noEditPoints="1" noAdjustHandles="1" noChangeArrowheads="1" noChangeShapeType="1" noTextEdit="1"/>
+              </p:cNvSpPr>
+              <p:nvPr/>
+            </p:nvSpPr>
+            <p:spPr>
+              <a:xfrm rot="20229615">
+                <a:off x="5071423" y="2299040"/>
+                <a:ext cx="791115" cy="369332"/>
+              </a:xfrm>
+              <a:prstGeom prst="rect">
+                <a:avLst/>
+              </a:prstGeom>
+              <a:blipFill>
+                <a:blip r:embed="rId4"/>
+                <a:stretch>
+                  <a:fillRect r="-10417"/>
+                </a:stretch>
+              </a:blipFill>
+            </p:spPr>
+            <p:txBody>
+              <a:bodyPr/>
+              <a:lstStyle/>
+              <a:p>
+                <a:r>
+                  <a:rPr lang="en-IN">
+                    <a:noFill/>
+                  </a:rPr>
+                  <a:t> </a:t>
+                </a:r>
+              </a:p>
+            </p:txBody>
+          </p:sp>
+        </mc:Fallback>
+      </mc:AlternateContent>
+      <p:sp>
+        <p:nvSpPr>
+          <p:cNvPr id="118" name="Arc 117">
+            <a:extLst>
+              <a:ext uri="{FF2B5EF4-FFF2-40B4-BE49-F238E27FC236}">
+                <a16:creationId xmlns:a16="http://schemas.microsoft.com/office/drawing/2014/main" id="{7FC90776-DD87-480C-98DC-1D7863D91CE4}"/>
+              </a:ext>
+            </a:extLst>
+          </p:cNvPr>
+          <p:cNvSpPr/>
+          <p:nvPr/>
+        </p:nvSpPr>
+        <p:spPr>
+          <a:xfrm rot="5400000">
+            <a:off x="5965397" y="2253524"/>
+            <a:ext cx="667199" cy="842560"/>
+          </a:xfrm>
+          <a:prstGeom prst="arc">
+            <a:avLst>
+              <a:gd name="adj1" fmla="val 18900363"/>
+              <a:gd name="adj2" fmla="val 21019523"/>
+            </a:avLst>
+          </a:prstGeom>
+          <a:ln w="57150"/>
+        </p:spPr>
+        <p:style>
+          <a:lnRef idx="1">
+            <a:schemeClr val="accent1"/>
+          </a:lnRef>
+          <a:fillRef idx="0">
+            <a:schemeClr val="accent1"/>
+          </a:fillRef>
+          <a:effectRef idx="0">
+            <a:schemeClr val="accent1"/>
+          </a:effectRef>
+          <a:fontRef idx="minor">
+            <a:schemeClr val="tx1"/>
+          </a:fontRef>
+        </p:style>
+        <p:txBody>
+          <a:bodyPr rtlCol="0" anchor="ctr"/>
+          <a:lstStyle/>
+          <a:p>
+            <a:pPr algn="ctr"/>
+            <a:endParaRPr lang="en-IN"/>
+          </a:p>
+        </p:txBody>
+      </p:sp>
+      <mc:AlternateContent xmlns:mc="http://schemas.openxmlformats.org/markup-compatibility/2006">
+        <mc:Choice xmlns:a14="http://schemas.microsoft.com/office/drawing/2010/main" Requires="a14">
+          <p:sp>
+            <p:nvSpPr>
+              <p:cNvPr id="119" name="TextBox 118">
+                <a:extLst>
+                  <a:ext uri="{FF2B5EF4-FFF2-40B4-BE49-F238E27FC236}">
+                    <a16:creationId xmlns:a16="http://schemas.microsoft.com/office/drawing/2014/main" id="{3336C734-7F96-4DC2-B7D2-38B4F5B2339E}"/>
+                  </a:ext>
+                </a:extLst>
+              </p:cNvPr>
+              <p:cNvSpPr txBox="1"/>
+              <p:nvPr/>
+            </p:nvSpPr>
+            <p:spPr>
+              <a:xfrm>
+                <a:off x="6417197" y="3059830"/>
+                <a:ext cx="218008" cy="307777"/>
+              </a:xfrm>
+              <a:prstGeom prst="rect">
+                <a:avLst/>
+              </a:prstGeom>
+              <a:noFill/>
+            </p:spPr>
+            <p:txBody>
+              <a:bodyPr wrap="none" lIns="0" tIns="0" rIns="0" bIns="0" rtlCol="0">
+                <a:spAutoFit/>
+              </a:bodyPr>
+              <a:lstStyle/>
+              <a:p>
+                <a:pPr/>
+                <a14:m>
+                  <m:oMathPara xmlns:m="http://schemas.openxmlformats.org/officeDocument/2006/math">
+                    <m:oMathParaPr>
+                      <m:jc m:val="centerGroup"/>
+                    </m:oMathParaPr>
+                    <m:oMath xmlns:m="http://schemas.openxmlformats.org/officeDocument/2006/math">
+                      <m:r>
+                        <a:rPr lang="en-IN" sz="2000" b="1" i="1" smtClean="0">
+                          <a:latin typeface="Cambria Math" panose="02040503050406030204" pitchFamily="18" charset="0"/>
+                          <a:ea typeface="Cambria Math" panose="02040503050406030204" pitchFamily="18" charset="0"/>
+                        </a:rPr>
+                        <m:t>𝜽</m:t>
+                      </m:r>
+                    </m:oMath>
+                  </m:oMathPara>
+                </a14:m>
+                <a:endParaRPr lang="en-IN" sz="2000" b="1"/>
+              </a:p>
+            </p:txBody>
+          </p:sp>
+        </mc:Choice>
+        <mc:Fallback>
+          <p:sp>
+            <p:nvSpPr>
+              <p:cNvPr id="119" name="TextBox 118">
+                <a:extLst>
+                  <a:ext uri="{FF2B5EF4-FFF2-40B4-BE49-F238E27FC236}">
+                    <a16:creationId xmlns:a16="http://schemas.microsoft.com/office/drawing/2014/main" id="{3336C734-7F96-4DC2-B7D2-38B4F5B2339E}"/>
+                  </a:ext>
+                </a:extLst>
+              </p:cNvPr>
+              <p:cNvSpPr txBox="1">
+                <a:spLocks noRot="1" noChangeAspect="1" noMove="1" noResize="1" noEditPoints="1" noAdjustHandles="1" noChangeArrowheads="1" noChangeShapeType="1" noTextEdit="1"/>
+              </p:cNvSpPr>
+              <p:nvPr/>
+            </p:nvSpPr>
+            <p:spPr>
+              <a:xfrm>
+                <a:off x="6417197" y="3059830"/>
+                <a:ext cx="218008" cy="307777"/>
+              </a:xfrm>
+              <a:prstGeom prst="rect">
+                <a:avLst/>
+              </a:prstGeom>
+              <a:blipFill>
+                <a:blip r:embed="rId5"/>
+                <a:stretch>
+                  <a:fillRect l="-28571" r="-31429" b="-8000"/>
+                </a:stretch>
+              </a:blipFill>
+            </p:spPr>
+            <p:txBody>
+              <a:bodyPr/>
+              <a:lstStyle/>
+              <a:p>
+                <a:r>
+                  <a:rPr lang="en-IN">
+                    <a:noFill/>
+                  </a:rPr>
+                  <a:t> </a:t>
+                </a:r>
+              </a:p>
+            </p:txBody>
+          </p:sp>
+        </mc:Fallback>
+      </mc:AlternateContent>
+      <p:cxnSp>
+        <p:nvCxnSpPr>
+          <p:cNvPr id="169" name="Straight Arrow Connector 168">
+            <a:extLst>
+              <a:ext uri="{FF2B5EF4-FFF2-40B4-BE49-F238E27FC236}">
+                <a16:creationId xmlns:a16="http://schemas.microsoft.com/office/drawing/2014/main" id="{3D1B34AC-5A94-46C5-86D1-98316B60BBA3}"/>
+              </a:ext>
+            </a:extLst>
+          </p:cNvPr>
+          <p:cNvCxnSpPr>
+            <a:cxnSpLocks/>
+          </p:cNvCxnSpPr>
+          <p:nvPr/>
+        </p:nvCxnSpPr>
+        <p:spPr>
+          <a:xfrm flipV="1">
+            <a:off x="6414259" y="1994592"/>
+            <a:ext cx="949406" cy="365601"/>
+          </a:xfrm>
+          <a:prstGeom prst="straightConnector1">
+            <a:avLst/>
+          </a:prstGeom>
+          <a:ln w="76200">
+            <a:prstDash val="sysDash"/>
+            <a:tailEnd type="triangle"/>
+          </a:ln>
+        </p:spPr>
+        <p:style>
+          <a:lnRef idx="1">
+            <a:schemeClr val="accent1"/>
+          </a:lnRef>
+          <a:fillRef idx="0">
+            <a:schemeClr val="accent1"/>
+          </a:fillRef>
+          <a:effectRef idx="0">
+            <a:schemeClr val="accent1"/>
+          </a:effectRef>
+          <a:fontRef idx="minor">
+            <a:schemeClr val="tx1"/>
+          </a:fontRef>
+        </p:style>
+      </p:cxnSp>
       <mc:AlternateContent xmlns:mc="http://schemas.openxmlformats.org/markup-compatibility/2006">
         <mc:Choice xmlns:a14="http://schemas.microsoft.com/office/drawing/2010/main" Requires="a14">
           <p:sp>
@@ -12407,7 +13435,7 @@
             </p:nvSpPr>
             <p:spPr>
               <a:xfrm rot="20273459">
-                <a:off x="6640753" y="2047530"/>
+                <a:off x="6401409" y="1630424"/>
                 <a:ext cx="1210524" cy="369332"/>
               </a:xfrm>
               <a:prstGeom prst="rect">
@@ -12501,16 +13529,16 @@
             </p:nvSpPr>
             <p:spPr>
               <a:xfrm rot="20273459">
-                <a:off x="6640753" y="2047530"/>
+                <a:off x="6401409" y="1630424"/>
                 <a:ext cx="1210524" cy="369332"/>
               </a:xfrm>
               <a:prstGeom prst="rect">
                 <a:avLst/>
               </a:prstGeom>
               <a:blipFill>
-                <a:blip r:embed="rId13"/>
+                <a:blip r:embed="rId6"/>
                 <a:stretch>
-                  <a:fillRect l="-4808" b="-12879"/>
+                  <a:fillRect l="-4831" b="-12879"/>
                 </a:stretch>
               </a:blipFill>
             </p:spPr>
@@ -12529,10 +13557,1325 @@
           </p:sp>
         </mc:Fallback>
       </mc:AlternateContent>
+      <p:cxnSp>
+        <p:nvCxnSpPr>
+          <p:cNvPr id="6" name="Straight Connector 5">
+            <a:extLst>
+              <a:ext uri="{FF2B5EF4-FFF2-40B4-BE49-F238E27FC236}">
+                <a16:creationId xmlns:a16="http://schemas.microsoft.com/office/drawing/2014/main" id="{5C8F2B67-B6EE-456B-8A23-3585CBF98CEE}"/>
+              </a:ext>
+            </a:extLst>
+          </p:cNvPr>
+          <p:cNvCxnSpPr/>
+          <p:nvPr/>
+        </p:nvCxnSpPr>
+        <p:spPr>
+          <a:xfrm flipH="1" flipV="1">
+            <a:off x="6282771" y="4174076"/>
+            <a:ext cx="127379" cy="322725"/>
+          </a:xfrm>
+          <a:prstGeom prst="line">
+            <a:avLst/>
+          </a:prstGeom>
+          <a:ln w="76200"/>
+        </p:spPr>
+        <p:style>
+          <a:lnRef idx="1">
+            <a:schemeClr val="dk1"/>
+          </a:lnRef>
+          <a:fillRef idx="0">
+            <a:schemeClr val="dk1"/>
+          </a:fillRef>
+          <a:effectRef idx="0">
+            <a:schemeClr val="dk1"/>
+          </a:effectRef>
+          <a:fontRef idx="minor">
+            <a:schemeClr val="tx1"/>
+          </a:fontRef>
+        </p:style>
+      </p:cxnSp>
+      <p:cxnSp>
+        <p:nvCxnSpPr>
+          <p:cNvPr id="58" name="Straight Connector 57">
+            <a:extLst>
+              <a:ext uri="{FF2B5EF4-FFF2-40B4-BE49-F238E27FC236}">
+                <a16:creationId xmlns:a16="http://schemas.microsoft.com/office/drawing/2014/main" id="{EC73EC85-8A66-4B23-861A-8389A167DDC1}"/>
+              </a:ext>
+            </a:extLst>
+          </p:cNvPr>
+          <p:cNvCxnSpPr/>
+          <p:nvPr/>
+        </p:nvCxnSpPr>
+        <p:spPr>
+          <a:xfrm flipH="1" flipV="1">
+            <a:off x="7573242" y="3657241"/>
+            <a:ext cx="127379" cy="322725"/>
+          </a:xfrm>
+          <a:prstGeom prst="line">
+            <a:avLst/>
+          </a:prstGeom>
+          <a:ln w="76200"/>
+        </p:spPr>
+        <p:style>
+          <a:lnRef idx="1">
+            <a:schemeClr val="dk1"/>
+          </a:lnRef>
+          <a:fillRef idx="0">
+            <a:schemeClr val="dk1"/>
+          </a:fillRef>
+          <a:effectRef idx="0">
+            <a:schemeClr val="dk1"/>
+          </a:effectRef>
+          <a:fontRef idx="minor">
+            <a:schemeClr val="tx1"/>
+          </a:fontRef>
+        </p:style>
+      </p:cxnSp>
+      <p:sp>
+        <p:nvSpPr>
+          <p:cNvPr id="7" name="Trapezoid 6">
+            <a:extLst>
+              <a:ext uri="{FF2B5EF4-FFF2-40B4-BE49-F238E27FC236}">
+                <a16:creationId xmlns:a16="http://schemas.microsoft.com/office/drawing/2014/main" id="{10C0E80E-BA40-4B24-B3F7-0911914A8F57}"/>
+              </a:ext>
+            </a:extLst>
+          </p:cNvPr>
+          <p:cNvSpPr/>
+          <p:nvPr/>
+        </p:nvSpPr>
+        <p:spPr>
+          <a:xfrm rot="14946846">
+            <a:off x="5322936" y="4700088"/>
+            <a:ext cx="677312" cy="288415"/>
+          </a:xfrm>
+          <a:prstGeom prst="trapezoid">
+            <a:avLst/>
+          </a:prstGeom>
+        </p:spPr>
+        <p:style>
+          <a:lnRef idx="2">
+            <a:schemeClr val="dk1">
+              <a:shade val="50000"/>
+            </a:schemeClr>
+          </a:lnRef>
+          <a:fillRef idx="1">
+            <a:schemeClr val="dk1"/>
+          </a:fillRef>
+          <a:effectRef idx="0">
+            <a:schemeClr val="dk1"/>
+          </a:effectRef>
+          <a:fontRef idx="minor">
+            <a:schemeClr val="lt1"/>
+          </a:fontRef>
+        </p:style>
+        <p:txBody>
+          <a:bodyPr rtlCol="0" anchor="ctr"/>
+          <a:lstStyle/>
+          <a:p>
+            <a:pPr algn="ctr"/>
+            <a:endParaRPr lang="en-IN"/>
+          </a:p>
+        </p:txBody>
+      </p:sp>
+      <p:sp>
+        <p:nvSpPr>
+          <p:cNvPr id="60" name="Trapezoid 59">
+            <a:extLst>
+              <a:ext uri="{FF2B5EF4-FFF2-40B4-BE49-F238E27FC236}">
+                <a16:creationId xmlns:a16="http://schemas.microsoft.com/office/drawing/2014/main" id="{7BD16F2F-8C7A-4B5A-B447-044B1E582ECD}"/>
+              </a:ext>
+            </a:extLst>
+          </p:cNvPr>
+          <p:cNvSpPr/>
+          <p:nvPr/>
+        </p:nvSpPr>
+        <p:spPr>
+          <a:xfrm rot="14946846" flipV="1">
+            <a:off x="8133393" y="3584571"/>
+            <a:ext cx="656370" cy="264091"/>
+          </a:xfrm>
+          <a:prstGeom prst="trapezoid">
+            <a:avLst/>
+          </a:prstGeom>
+        </p:spPr>
+        <p:style>
+          <a:lnRef idx="2">
+            <a:schemeClr val="dk1">
+              <a:shade val="50000"/>
+            </a:schemeClr>
+          </a:lnRef>
+          <a:fillRef idx="1">
+            <a:schemeClr val="dk1"/>
+          </a:fillRef>
+          <a:effectRef idx="0">
+            <a:schemeClr val="dk1"/>
+          </a:effectRef>
+          <a:fontRef idx="minor">
+            <a:schemeClr val="lt1"/>
+          </a:fontRef>
+        </p:style>
+        <p:txBody>
+          <a:bodyPr rtlCol="0" anchor="ctr"/>
+          <a:lstStyle/>
+          <a:p>
+            <a:pPr algn="ctr"/>
+            <a:endParaRPr lang="en-IN"/>
+          </a:p>
+        </p:txBody>
+      </p:sp>
+      <p:cxnSp>
+        <p:nvCxnSpPr>
+          <p:cNvPr id="83" name="Straight Arrow Connector 82">
+            <a:extLst>
+              <a:ext uri="{FF2B5EF4-FFF2-40B4-BE49-F238E27FC236}">
+                <a16:creationId xmlns:a16="http://schemas.microsoft.com/office/drawing/2014/main" id="{89AFC600-7D57-4365-9E25-14D553BDEA88}"/>
+              </a:ext>
+            </a:extLst>
+          </p:cNvPr>
+          <p:cNvCxnSpPr>
+            <a:cxnSpLocks/>
+          </p:cNvCxnSpPr>
+          <p:nvPr/>
+        </p:nvCxnSpPr>
+        <p:spPr>
+          <a:xfrm>
+            <a:off x="6363543" y="2501850"/>
+            <a:ext cx="53734" cy="1570956"/>
+          </a:xfrm>
+          <a:prstGeom prst="straightConnector1">
+            <a:avLst/>
+          </a:prstGeom>
+          <a:ln w="76200">
+            <a:tailEnd type="triangle"/>
+          </a:ln>
+        </p:spPr>
+        <p:style>
+          <a:lnRef idx="1">
+            <a:schemeClr val="accent2"/>
+          </a:lnRef>
+          <a:fillRef idx="0">
+            <a:schemeClr val="accent2"/>
+          </a:fillRef>
+          <a:effectRef idx="0">
+            <a:schemeClr val="accent2"/>
+          </a:effectRef>
+          <a:fontRef idx="minor">
+            <a:schemeClr val="tx1"/>
+          </a:fontRef>
+        </p:style>
+      </p:cxnSp>
+      <p:cxnSp>
+        <p:nvCxnSpPr>
+          <p:cNvPr id="4" name="Straight Connector 3">
+            <a:extLst>
+              <a:ext uri="{FF2B5EF4-FFF2-40B4-BE49-F238E27FC236}">
+                <a16:creationId xmlns:a16="http://schemas.microsoft.com/office/drawing/2014/main" id="{F3E4CD47-6BC6-4A9B-9CFF-8BD744044F43}"/>
+              </a:ext>
+            </a:extLst>
+          </p:cNvPr>
+          <p:cNvCxnSpPr>
+            <a:cxnSpLocks/>
+          </p:cNvCxnSpPr>
+          <p:nvPr/>
+        </p:nvCxnSpPr>
+        <p:spPr>
+          <a:xfrm flipV="1">
+            <a:off x="5787359" y="3736797"/>
+            <a:ext cx="2541885" cy="1029192"/>
+          </a:xfrm>
+          <a:prstGeom prst="line">
+            <a:avLst/>
+          </a:prstGeom>
+          <a:ln w="76200"/>
+        </p:spPr>
+        <p:style>
+          <a:lnRef idx="1">
+            <a:schemeClr val="dk1"/>
+          </a:lnRef>
+          <a:fillRef idx="0">
+            <a:schemeClr val="dk1"/>
+          </a:fillRef>
+          <a:effectRef idx="0">
+            <a:schemeClr val="dk1"/>
+          </a:effectRef>
+          <a:fontRef idx="minor">
+            <a:schemeClr val="tx1"/>
+          </a:fontRef>
+        </p:style>
+      </p:cxnSp>
+      <p:cxnSp>
+        <p:nvCxnSpPr>
+          <p:cNvPr id="12" name="Straight Connector 11">
+            <a:extLst>
+              <a:ext uri="{FF2B5EF4-FFF2-40B4-BE49-F238E27FC236}">
+                <a16:creationId xmlns:a16="http://schemas.microsoft.com/office/drawing/2014/main" id="{D82C5CEA-8018-4A5F-9242-87A804667316}"/>
+              </a:ext>
+            </a:extLst>
+          </p:cNvPr>
+          <p:cNvCxnSpPr>
+            <a:cxnSpLocks/>
+          </p:cNvCxnSpPr>
+          <p:nvPr/>
+        </p:nvCxnSpPr>
+        <p:spPr>
+          <a:xfrm flipV="1">
+            <a:off x="8461578" y="4070313"/>
+            <a:ext cx="2043862" cy="52474"/>
+          </a:xfrm>
+          <a:prstGeom prst="line">
+            <a:avLst/>
+          </a:prstGeom>
+          <a:ln w="57150">
+            <a:prstDash val="sysDot"/>
+          </a:ln>
+        </p:spPr>
+        <p:style>
+          <a:lnRef idx="1">
+            <a:schemeClr val="dk1"/>
+          </a:lnRef>
+          <a:fillRef idx="0">
+            <a:schemeClr val="dk1"/>
+          </a:fillRef>
+          <a:effectRef idx="0">
+            <a:schemeClr val="dk1"/>
+          </a:effectRef>
+          <a:fontRef idx="minor">
+            <a:schemeClr val="tx1"/>
+          </a:fontRef>
+        </p:style>
+      </p:cxnSp>
+      <p:cxnSp>
+        <p:nvCxnSpPr>
+          <p:cNvPr id="66" name="Straight Connector 65">
+            <a:extLst>
+              <a:ext uri="{FF2B5EF4-FFF2-40B4-BE49-F238E27FC236}">
+                <a16:creationId xmlns:a16="http://schemas.microsoft.com/office/drawing/2014/main" id="{7F1CD0B3-2425-41E8-A8DA-A29E1D3F8F50}"/>
+              </a:ext>
+            </a:extLst>
+          </p:cNvPr>
+          <p:cNvCxnSpPr>
+            <a:cxnSpLocks/>
+          </p:cNvCxnSpPr>
+          <p:nvPr/>
+        </p:nvCxnSpPr>
+        <p:spPr>
+          <a:xfrm flipV="1">
+            <a:off x="5889196" y="5083853"/>
+            <a:ext cx="4575604" cy="43807"/>
+          </a:xfrm>
+          <a:prstGeom prst="line">
+            <a:avLst/>
+          </a:prstGeom>
+          <a:ln w="57150">
+            <a:prstDash val="sysDot"/>
+          </a:ln>
+        </p:spPr>
+        <p:style>
+          <a:lnRef idx="1">
+            <a:schemeClr val="dk1"/>
+          </a:lnRef>
+          <a:fillRef idx="0">
+            <a:schemeClr val="dk1"/>
+          </a:fillRef>
+          <a:effectRef idx="0">
+            <a:schemeClr val="dk1"/>
+          </a:effectRef>
+          <a:fontRef idx="minor">
+            <a:schemeClr val="tx1"/>
+          </a:fontRef>
+        </p:style>
+      </p:cxnSp>
+      <p:cxnSp>
+        <p:nvCxnSpPr>
+          <p:cNvPr id="71" name="Straight Arrow Connector 70">
+            <a:extLst>
+              <a:ext uri="{FF2B5EF4-FFF2-40B4-BE49-F238E27FC236}">
+                <a16:creationId xmlns:a16="http://schemas.microsoft.com/office/drawing/2014/main" id="{10515940-2D55-4BE1-B0DF-89AD192C4B3F}"/>
+              </a:ext>
+            </a:extLst>
+          </p:cNvPr>
+          <p:cNvCxnSpPr>
+            <a:cxnSpLocks/>
+          </p:cNvCxnSpPr>
+          <p:nvPr/>
+        </p:nvCxnSpPr>
+        <p:spPr>
+          <a:xfrm flipV="1">
+            <a:off x="9973584" y="4129431"/>
+            <a:ext cx="1" cy="952284"/>
+          </a:xfrm>
+          <a:prstGeom prst="straightConnector1">
+            <a:avLst/>
+          </a:prstGeom>
+          <a:ln w="57150">
+            <a:headEnd type="triangle"/>
+            <a:tailEnd type="triangle"/>
+          </a:ln>
+        </p:spPr>
+        <p:style>
+          <a:lnRef idx="1">
+            <a:schemeClr val="dk1"/>
+          </a:lnRef>
+          <a:fillRef idx="0">
+            <a:schemeClr val="dk1"/>
+          </a:fillRef>
+          <a:effectRef idx="0">
+            <a:schemeClr val="dk1"/>
+          </a:effectRef>
+          <a:fontRef idx="minor">
+            <a:schemeClr val="tx1"/>
+          </a:fontRef>
+        </p:style>
+      </p:cxnSp>
+      <p:sp>
+        <p:nvSpPr>
+          <p:cNvPr id="18" name="TextBox 17">
+            <a:extLst>
+              <a:ext uri="{FF2B5EF4-FFF2-40B4-BE49-F238E27FC236}">
+                <a16:creationId xmlns:a16="http://schemas.microsoft.com/office/drawing/2014/main" id="{CAEEA315-A3D5-4A7F-9EE1-8C43C6370D5C}"/>
+              </a:ext>
+            </a:extLst>
+          </p:cNvPr>
+          <p:cNvSpPr txBox="1"/>
+          <p:nvPr/>
+        </p:nvSpPr>
+        <p:spPr>
+          <a:xfrm>
+            <a:off x="9902843" y="4223836"/>
+            <a:ext cx="558463" cy="646331"/>
+          </a:xfrm>
+          <a:prstGeom prst="rect">
+            <a:avLst/>
+          </a:prstGeom>
+          <a:noFill/>
+        </p:spPr>
+        <p:txBody>
+          <a:bodyPr wrap="square" rtlCol="0">
+            <a:spAutoFit/>
+          </a:bodyPr>
+          <a:lstStyle/>
+          <a:p>
+            <a:pPr algn="ctr"/>
+            <a:r>
+              <a:rPr lang="en-US" sz="3600" b="1"/>
+              <a:t>e</a:t>
+            </a:r>
+            <a:endParaRPr lang="en-IN" sz="3600" b="1"/>
+          </a:p>
+        </p:txBody>
+      </p:sp>
+      <p:cxnSp>
+        <p:nvCxnSpPr>
+          <p:cNvPr id="74" name="Straight Arrow Connector 73">
+            <a:extLst>
+              <a:ext uri="{FF2B5EF4-FFF2-40B4-BE49-F238E27FC236}">
+                <a16:creationId xmlns:a16="http://schemas.microsoft.com/office/drawing/2014/main" id="{F3F71E27-614D-4E8D-9F7F-822F8B75D4BC}"/>
+              </a:ext>
+            </a:extLst>
+          </p:cNvPr>
+          <p:cNvCxnSpPr>
+            <a:cxnSpLocks/>
+          </p:cNvCxnSpPr>
+          <p:nvPr/>
+        </p:nvCxnSpPr>
+        <p:spPr>
+          <a:xfrm flipH="1" flipV="1">
+            <a:off x="7276987" y="4633170"/>
+            <a:ext cx="359944" cy="947197"/>
+          </a:xfrm>
+          <a:prstGeom prst="straightConnector1">
+            <a:avLst/>
+          </a:prstGeom>
+          <a:ln w="76200">
+            <a:tailEnd type="triangle"/>
+          </a:ln>
+        </p:spPr>
+        <p:style>
+          <a:lnRef idx="1">
+            <a:schemeClr val="accent2"/>
+          </a:lnRef>
+          <a:fillRef idx="0">
+            <a:schemeClr val="accent2"/>
+          </a:fillRef>
+          <a:effectRef idx="0">
+            <a:schemeClr val="accent2"/>
+          </a:effectRef>
+          <a:fontRef idx="minor">
+            <a:schemeClr val="tx1"/>
+          </a:fontRef>
+        </p:style>
+      </p:cxnSp>
+      <mc:AlternateContent xmlns:mc="http://schemas.openxmlformats.org/markup-compatibility/2006">
+        <mc:Choice xmlns:a14="http://schemas.microsoft.com/office/drawing/2010/main" Requires="a14">
+          <p:sp>
+            <p:nvSpPr>
+              <p:cNvPr id="75" name="TextBox 74">
+                <a:extLst>
+                  <a:ext uri="{FF2B5EF4-FFF2-40B4-BE49-F238E27FC236}">
+                    <a16:creationId xmlns:a16="http://schemas.microsoft.com/office/drawing/2014/main" id="{22CDB483-2540-47C1-86BA-04CB9D8484E1}"/>
+                  </a:ext>
+                </a:extLst>
+              </p:cNvPr>
+              <p:cNvSpPr txBox="1"/>
+              <p:nvPr/>
+            </p:nvSpPr>
+            <p:spPr>
+              <a:xfrm rot="20248945">
+                <a:off x="6681088" y="2529553"/>
+                <a:ext cx="2186803" cy="369332"/>
+              </a:xfrm>
+              <a:prstGeom prst="rect">
+                <a:avLst/>
+              </a:prstGeom>
+              <a:noFill/>
+              <a:ln>
+                <a:solidFill>
+                  <a:schemeClr val="tx1"/>
+                </a:solidFill>
+              </a:ln>
+            </p:spPr>
+            <p:txBody>
+              <a:bodyPr wrap="square" rtlCol="0">
+                <a:spAutoFit/>
+              </a:bodyPr>
+              <a:lstStyle/>
+              <a:p>
+                <a:pPr/>
+                <a14:m>
+                  <m:oMathPara xmlns:m="http://schemas.openxmlformats.org/officeDocument/2006/math">
+                    <m:oMathParaPr>
+                      <m:jc m:val="centerGroup"/>
+                    </m:oMathParaPr>
+                    <m:oMath xmlns:m="http://schemas.openxmlformats.org/officeDocument/2006/math">
+                      <m:func>
+                        <m:funcPr>
+                          <m:ctrlPr>
+                            <a:rPr lang="en-IN" b="1" i="1" smtClean="0">
+                              <a:latin typeface="Cambria Math" panose="02040503050406030204" pitchFamily="18" charset="0"/>
+                            </a:rPr>
+                          </m:ctrlPr>
+                        </m:funcPr>
+                        <m:fName>
+                          <m:r>
+                            <a:rPr lang="en-IN" b="1" i="1" smtClean="0">
+                              <a:latin typeface="Cambria Math" panose="02040503050406030204" pitchFamily="18" charset="0"/>
+                            </a:rPr>
+                            <m:t>𝑾</m:t>
+                          </m:r>
+                          <m:r>
+                            <a:rPr lang="en-IN" b="1" i="0" smtClean="0">
+                              <a:latin typeface="Cambria Math" panose="02040503050406030204" pitchFamily="18" charset="0"/>
+                            </a:rPr>
+                            <m:t>𝐜𝐨𝐬</m:t>
+                          </m:r>
+                        </m:fName>
+                        <m:e>
+                          <m:r>
+                            <a:rPr lang="en-IN" b="1" i="1" smtClean="0">
+                              <a:latin typeface="Cambria Math" panose="02040503050406030204" pitchFamily="18" charset="0"/>
+                              <a:ea typeface="Cambria Math" panose="02040503050406030204" pitchFamily="18" charset="0"/>
+                            </a:rPr>
+                            <m:t>𝜽</m:t>
+                          </m:r>
+                          <m:r>
+                            <a:rPr lang="en-IN" b="1" i="1" smtClean="0">
+                              <a:latin typeface="Cambria Math" panose="02040503050406030204" pitchFamily="18" charset="0"/>
+                              <a:ea typeface="Cambria Math" panose="02040503050406030204" pitchFamily="18" charset="0"/>
+                            </a:rPr>
+                            <m:t>+</m:t>
+                          </m:r>
+                          <m:r>
+                            <a:rPr lang="en-IN" b="1" i="1" smtClean="0">
+                              <a:latin typeface="Cambria Math" panose="02040503050406030204" pitchFamily="18" charset="0"/>
+                            </a:rPr>
+                            <m:t>𝒎</m:t>
+                          </m:r>
+                          <m:sSub>
+                            <m:sSubPr>
+                              <m:ctrlPr>
+                                <a:rPr lang="en-IN" b="1" i="1" smtClean="0">
+                                  <a:latin typeface="Cambria Math" panose="02040503050406030204" pitchFamily="18" charset="0"/>
+                                </a:rPr>
+                              </m:ctrlPr>
+                            </m:sSubPr>
+                            <m:e>
+                              <m:r>
+                                <a:rPr lang="en-IN" b="1" i="1" smtClean="0">
+                                  <a:latin typeface="Cambria Math" panose="02040503050406030204" pitchFamily="18" charset="0"/>
+                                </a:rPr>
+                                <m:t>𝒂</m:t>
+                              </m:r>
+                            </m:e>
+                            <m:sub>
+                              <m:r>
+                                <a:rPr lang="en-IN" b="1" i="1" smtClean="0">
+                                  <a:latin typeface="Cambria Math" panose="02040503050406030204" pitchFamily="18" charset="0"/>
+                                </a:rPr>
+                                <m:t>𝒏</m:t>
+                              </m:r>
+                            </m:sub>
+                          </m:sSub>
+                          <m:func>
+                            <m:funcPr>
+                              <m:ctrlPr>
+                                <a:rPr lang="en-IN" b="1" i="1" smtClean="0">
+                                  <a:latin typeface="Cambria Math" panose="02040503050406030204" pitchFamily="18" charset="0"/>
+                                </a:rPr>
+                              </m:ctrlPr>
+                            </m:funcPr>
+                            <m:fName>
+                              <m:r>
+                                <a:rPr lang="en-IN" b="1" i="0" smtClean="0">
+                                  <a:latin typeface="Cambria Math" panose="02040503050406030204" pitchFamily="18" charset="0"/>
+                                </a:rPr>
+                                <m:t>𝐬𝐢𝐧</m:t>
+                              </m:r>
+                            </m:fName>
+                            <m:e>
+                              <m:r>
+                                <a:rPr lang="el-GR" b="1" i="1" smtClean="0">
+                                  <a:latin typeface="Cambria Math" panose="02040503050406030204" pitchFamily="18" charset="0"/>
+                                </a:rPr>
+                                <m:t>𝜽</m:t>
+                              </m:r>
+                            </m:e>
+                          </m:func>
+                        </m:e>
+                      </m:func>
+                    </m:oMath>
+                  </m:oMathPara>
+                </a14:m>
+                <a:endParaRPr lang="en-IN" b="1"/>
+              </a:p>
+            </p:txBody>
+          </p:sp>
+        </mc:Choice>
+        <mc:Fallback>
+          <p:sp>
+            <p:nvSpPr>
+              <p:cNvPr id="75" name="TextBox 74">
+                <a:extLst>
+                  <a:ext uri="{FF2B5EF4-FFF2-40B4-BE49-F238E27FC236}">
+                    <a16:creationId xmlns:a16="http://schemas.microsoft.com/office/drawing/2014/main" id="{22CDB483-2540-47C1-86BA-04CB9D8484E1}"/>
+                  </a:ext>
+                </a:extLst>
+              </p:cNvPr>
+              <p:cNvSpPr txBox="1">
+                <a:spLocks noRot="1" noChangeAspect="1" noMove="1" noResize="1" noEditPoints="1" noAdjustHandles="1" noChangeArrowheads="1" noChangeShapeType="1" noTextEdit="1"/>
+              </p:cNvSpPr>
+              <p:nvPr/>
+            </p:nvSpPr>
+            <p:spPr>
+              <a:xfrm rot="20248945">
+                <a:off x="6681088" y="2529553"/>
+                <a:ext cx="2186803" cy="369332"/>
+              </a:xfrm>
+              <a:prstGeom prst="rect">
+                <a:avLst/>
+              </a:prstGeom>
+              <a:blipFill>
+                <a:blip r:embed="rId7"/>
+                <a:stretch>
+                  <a:fillRect r="-560"/>
+                </a:stretch>
+              </a:blipFill>
+              <a:ln>
+                <a:solidFill>
+                  <a:schemeClr val="tx1"/>
+                </a:solidFill>
+              </a:ln>
+            </p:spPr>
+            <p:txBody>
+              <a:bodyPr/>
+              <a:lstStyle/>
+              <a:p>
+                <a:r>
+                  <a:rPr lang="en-IN">
+                    <a:noFill/>
+                  </a:rPr>
+                  <a:t> </a:t>
+                </a:r>
+              </a:p>
+            </p:txBody>
+          </p:sp>
+        </mc:Fallback>
+      </mc:AlternateContent>
+      <p:sp>
+        <p:nvSpPr>
+          <p:cNvPr id="89" name="TextBox 88">
+            <a:extLst>
+              <a:ext uri="{FF2B5EF4-FFF2-40B4-BE49-F238E27FC236}">
+                <a16:creationId xmlns:a16="http://schemas.microsoft.com/office/drawing/2014/main" id="{E04AD9EB-B440-4A2A-A1F1-AC8AE4539862}"/>
+              </a:ext>
+            </a:extLst>
+          </p:cNvPr>
+          <p:cNvSpPr txBox="1"/>
+          <p:nvPr/>
+        </p:nvSpPr>
+        <p:spPr>
+          <a:xfrm rot="20178505">
+            <a:off x="7501860" y="5430924"/>
+            <a:ext cx="484847" cy="584775"/>
+          </a:xfrm>
+          <a:prstGeom prst="rect">
+            <a:avLst/>
+          </a:prstGeom>
+          <a:noFill/>
+        </p:spPr>
+        <p:txBody>
+          <a:bodyPr wrap="square" rtlCol="0">
+            <a:spAutoFit/>
+          </a:bodyPr>
+          <a:lstStyle/>
+          <a:p>
+            <a:r>
+              <a:rPr lang="en-US" sz="3200" b="1"/>
+              <a:t>R</a:t>
+            </a:r>
+            <a:endParaRPr lang="en-IN" sz="3200" b="1"/>
+          </a:p>
+        </p:txBody>
+      </p:sp>
+      <p:cxnSp>
+        <p:nvCxnSpPr>
+          <p:cNvPr id="95" name="Straight Arrow Connector 94">
+            <a:extLst>
+              <a:ext uri="{FF2B5EF4-FFF2-40B4-BE49-F238E27FC236}">
+                <a16:creationId xmlns:a16="http://schemas.microsoft.com/office/drawing/2014/main" id="{C5520BEB-D778-42B5-BF78-64AF1AE06004}"/>
+              </a:ext>
+            </a:extLst>
+          </p:cNvPr>
+          <p:cNvCxnSpPr>
+            <a:cxnSpLocks/>
+          </p:cNvCxnSpPr>
+          <p:nvPr/>
+        </p:nvCxnSpPr>
+        <p:spPr>
+          <a:xfrm flipH="1" flipV="1">
+            <a:off x="7257546" y="4633170"/>
+            <a:ext cx="19441" cy="1402941"/>
+          </a:xfrm>
+          <a:prstGeom prst="straightConnector1">
+            <a:avLst/>
+          </a:prstGeom>
+          <a:ln w="76200">
+            <a:prstDash val="sysDash"/>
+            <a:tailEnd type="triangle"/>
+          </a:ln>
+        </p:spPr>
+        <p:style>
+          <a:lnRef idx="1">
+            <a:schemeClr val="accent1"/>
+          </a:lnRef>
+          <a:fillRef idx="0">
+            <a:schemeClr val="accent1"/>
+          </a:fillRef>
+          <a:effectRef idx="0">
+            <a:schemeClr val="accent1"/>
+          </a:effectRef>
+          <a:fontRef idx="minor">
+            <a:schemeClr val="tx1"/>
+          </a:fontRef>
+        </p:style>
+      </p:cxnSp>
+      <p:cxnSp>
+        <p:nvCxnSpPr>
+          <p:cNvPr id="97" name="Straight Arrow Connector 96">
+            <a:extLst>
+              <a:ext uri="{FF2B5EF4-FFF2-40B4-BE49-F238E27FC236}">
+                <a16:creationId xmlns:a16="http://schemas.microsoft.com/office/drawing/2014/main" id="{F1116EB9-05E6-4B51-8AFF-3CAF6CBBE6BA}"/>
+              </a:ext>
+            </a:extLst>
+          </p:cNvPr>
+          <p:cNvCxnSpPr>
+            <a:cxnSpLocks/>
+          </p:cNvCxnSpPr>
+          <p:nvPr/>
+        </p:nvCxnSpPr>
+        <p:spPr>
+          <a:xfrm flipH="1">
+            <a:off x="7247548" y="4618541"/>
+            <a:ext cx="1169103" cy="34881"/>
+          </a:xfrm>
+          <a:prstGeom prst="straightConnector1">
+            <a:avLst/>
+          </a:prstGeom>
+          <a:ln w="76200">
+            <a:prstDash val="sysDash"/>
+            <a:tailEnd type="triangle"/>
+          </a:ln>
+        </p:spPr>
+        <p:style>
+          <a:lnRef idx="1">
+            <a:schemeClr val="accent1"/>
+          </a:lnRef>
+          <a:fillRef idx="0">
+            <a:schemeClr val="accent1"/>
+          </a:fillRef>
+          <a:effectRef idx="0">
+            <a:schemeClr val="accent1"/>
+          </a:effectRef>
+          <a:fontRef idx="minor">
+            <a:schemeClr val="tx1"/>
+          </a:fontRef>
+        </p:style>
+      </p:cxnSp>
+      <p:sp>
+        <p:nvSpPr>
+          <p:cNvPr id="98" name="Arc 97">
+            <a:extLst>
+              <a:ext uri="{FF2B5EF4-FFF2-40B4-BE49-F238E27FC236}">
+                <a16:creationId xmlns:a16="http://schemas.microsoft.com/office/drawing/2014/main" id="{5E7C8B7C-BC6D-41D9-88BE-AA48E671C347}"/>
+              </a:ext>
+            </a:extLst>
+          </p:cNvPr>
+          <p:cNvSpPr/>
+          <p:nvPr/>
+        </p:nvSpPr>
+        <p:spPr>
+          <a:xfrm rot="5400000">
+            <a:off x="6903434" y="4622188"/>
+            <a:ext cx="667199" cy="842560"/>
+          </a:xfrm>
+          <a:prstGeom prst="arc">
+            <a:avLst>
+              <a:gd name="adj1" fmla="val 18900363"/>
+              <a:gd name="adj2" fmla="val 21019523"/>
+            </a:avLst>
+          </a:prstGeom>
+          <a:ln w="57150"/>
+        </p:spPr>
+        <p:style>
+          <a:lnRef idx="1">
+            <a:schemeClr val="accent1"/>
+          </a:lnRef>
+          <a:fillRef idx="0">
+            <a:schemeClr val="accent1"/>
+          </a:fillRef>
+          <a:effectRef idx="0">
+            <a:schemeClr val="accent1"/>
+          </a:effectRef>
+          <a:fontRef idx="minor">
+            <a:schemeClr val="tx1"/>
+          </a:fontRef>
+        </p:style>
+        <p:txBody>
+          <a:bodyPr rtlCol="0" anchor="ctr"/>
+          <a:lstStyle/>
+          <a:p>
+            <a:pPr algn="ctr"/>
+            <a:endParaRPr lang="en-IN"/>
+          </a:p>
+        </p:txBody>
+      </p:sp>
+      <mc:AlternateContent xmlns:mc="http://schemas.openxmlformats.org/markup-compatibility/2006">
+        <mc:Choice xmlns:a14="http://schemas.microsoft.com/office/drawing/2010/main" Requires="a14">
+          <p:sp>
+            <p:nvSpPr>
+              <p:cNvPr id="99" name="TextBox 98">
+                <a:extLst>
+                  <a:ext uri="{FF2B5EF4-FFF2-40B4-BE49-F238E27FC236}">
+                    <a16:creationId xmlns:a16="http://schemas.microsoft.com/office/drawing/2014/main" id="{4B79DA4E-07A1-49AC-B146-94DFA9EFAC6C}"/>
+                  </a:ext>
+                </a:extLst>
+              </p:cNvPr>
+              <p:cNvSpPr txBox="1"/>
+              <p:nvPr/>
+            </p:nvSpPr>
+            <p:spPr>
+              <a:xfrm>
+                <a:off x="7306372" y="5360260"/>
+                <a:ext cx="218008" cy="307777"/>
+              </a:xfrm>
+              <a:prstGeom prst="rect">
+                <a:avLst/>
+              </a:prstGeom>
+              <a:noFill/>
+            </p:spPr>
+            <p:txBody>
+              <a:bodyPr wrap="none" lIns="0" tIns="0" rIns="0" bIns="0" rtlCol="0">
+                <a:spAutoFit/>
+              </a:bodyPr>
+              <a:lstStyle/>
+              <a:p>
+                <a:pPr/>
+                <a14:m>
+                  <m:oMathPara xmlns:m="http://schemas.openxmlformats.org/officeDocument/2006/math">
+                    <m:oMathParaPr>
+                      <m:jc m:val="centerGroup"/>
+                    </m:oMathParaPr>
+                    <m:oMath xmlns:m="http://schemas.openxmlformats.org/officeDocument/2006/math">
+                      <m:r>
+                        <a:rPr lang="en-IN" sz="2000" b="1" i="1" smtClean="0">
+                          <a:latin typeface="Cambria Math" panose="02040503050406030204" pitchFamily="18" charset="0"/>
+                          <a:ea typeface="Cambria Math" panose="02040503050406030204" pitchFamily="18" charset="0"/>
+                        </a:rPr>
+                        <m:t>𝜽</m:t>
+                      </m:r>
+                    </m:oMath>
+                  </m:oMathPara>
+                </a14:m>
+                <a:endParaRPr lang="en-IN" sz="2000" b="1"/>
+              </a:p>
+            </p:txBody>
+          </p:sp>
+        </mc:Choice>
+        <mc:Fallback>
+          <p:sp>
+            <p:nvSpPr>
+              <p:cNvPr id="99" name="TextBox 98">
+                <a:extLst>
+                  <a:ext uri="{FF2B5EF4-FFF2-40B4-BE49-F238E27FC236}">
+                    <a16:creationId xmlns:a16="http://schemas.microsoft.com/office/drawing/2014/main" id="{4B79DA4E-07A1-49AC-B146-94DFA9EFAC6C}"/>
+                  </a:ext>
+                </a:extLst>
+              </p:cNvPr>
+              <p:cNvSpPr txBox="1">
+                <a:spLocks noRot="1" noChangeAspect="1" noMove="1" noResize="1" noEditPoints="1" noAdjustHandles="1" noChangeArrowheads="1" noChangeShapeType="1" noTextEdit="1"/>
+              </p:cNvSpPr>
+              <p:nvPr/>
+            </p:nvSpPr>
+            <p:spPr>
+              <a:xfrm>
+                <a:off x="7306372" y="5360260"/>
+                <a:ext cx="218008" cy="307777"/>
+              </a:xfrm>
+              <a:prstGeom prst="rect">
+                <a:avLst/>
+              </a:prstGeom>
+              <a:blipFill>
+                <a:blip r:embed="rId8"/>
+                <a:stretch>
+                  <a:fillRect l="-28571" r="-31429" b="-5882"/>
+                </a:stretch>
+              </a:blipFill>
+            </p:spPr>
+            <p:txBody>
+              <a:bodyPr/>
+              <a:lstStyle/>
+              <a:p>
+                <a:r>
+                  <a:rPr lang="en-IN">
+                    <a:noFill/>
+                  </a:rPr>
+                  <a:t> </a:t>
+                </a:r>
+              </a:p>
+            </p:txBody>
+          </p:sp>
+        </mc:Fallback>
+      </mc:AlternateContent>
+      <p:sp>
+        <p:nvSpPr>
+          <p:cNvPr id="81" name="Oval 80">
+            <a:extLst>
+              <a:ext uri="{FF2B5EF4-FFF2-40B4-BE49-F238E27FC236}">
+                <a16:creationId xmlns:a16="http://schemas.microsoft.com/office/drawing/2014/main" id="{6383D9E4-432A-4F93-92D0-15C256D2408D}"/>
+              </a:ext>
+            </a:extLst>
+          </p:cNvPr>
+          <p:cNvSpPr/>
+          <p:nvPr/>
+        </p:nvSpPr>
+        <p:spPr>
+          <a:xfrm>
+            <a:off x="6265515" y="2311618"/>
+            <a:ext cx="179294" cy="191609"/>
+          </a:xfrm>
+          <a:prstGeom prst="ellipse">
+            <a:avLst/>
+          </a:prstGeom>
+        </p:spPr>
+        <p:style>
+          <a:lnRef idx="2">
+            <a:schemeClr val="accent2">
+              <a:shade val="50000"/>
+            </a:schemeClr>
+          </a:lnRef>
+          <a:fillRef idx="1">
+            <a:schemeClr val="accent2"/>
+          </a:fillRef>
+          <a:effectRef idx="0">
+            <a:schemeClr val="accent2"/>
+          </a:effectRef>
+          <a:fontRef idx="minor">
+            <a:schemeClr val="lt1"/>
+          </a:fontRef>
+        </p:style>
+        <p:txBody>
+          <a:bodyPr rtlCol="0" anchor="ctr"/>
+          <a:lstStyle/>
+          <a:p>
+            <a:pPr algn="ctr"/>
+            <a:endParaRPr lang="en-IN"/>
+          </a:p>
+        </p:txBody>
+      </p:sp>
+      <mc:AlternateContent xmlns:mc="http://schemas.openxmlformats.org/markup-compatibility/2006">
+        <mc:Choice xmlns:a14="http://schemas.microsoft.com/office/drawing/2010/main" Requires="a14">
+          <p:sp>
+            <p:nvSpPr>
+              <p:cNvPr id="102" name="TextBox 101">
+                <a:extLst>
+                  <a:ext uri="{FF2B5EF4-FFF2-40B4-BE49-F238E27FC236}">
+                    <a16:creationId xmlns:a16="http://schemas.microsoft.com/office/drawing/2014/main" id="{04D4C6CA-2F17-4403-8096-3EC607A892EA}"/>
+                  </a:ext>
+                </a:extLst>
+              </p:cNvPr>
+              <p:cNvSpPr txBox="1"/>
+              <p:nvPr/>
+            </p:nvSpPr>
+            <p:spPr>
+              <a:xfrm>
+                <a:off x="6591088" y="5851433"/>
+                <a:ext cx="1306909" cy="584775"/>
+              </a:xfrm>
+              <a:prstGeom prst="rect">
+                <a:avLst/>
+              </a:prstGeom>
+              <a:noFill/>
+            </p:spPr>
+            <p:txBody>
+              <a:bodyPr wrap="square" rtlCol="0">
+                <a:spAutoFit/>
+              </a:bodyPr>
+              <a:lstStyle/>
+              <a:p>
+                <a:r>
+                  <a:rPr lang="en-US" sz="3200" b="1"/>
+                  <a:t>R</a:t>
+                </a:r>
+                <a14:m>
+                  <m:oMath xmlns:m="http://schemas.openxmlformats.org/officeDocument/2006/math">
+                    <m:func>
+                      <m:funcPr>
+                        <m:ctrlPr>
+                          <a:rPr lang="en-US" sz="3200" b="1" i="1" smtClean="0">
+                            <a:latin typeface="Cambria Math" panose="02040503050406030204" pitchFamily="18" charset="0"/>
+                          </a:rPr>
+                        </m:ctrlPr>
+                      </m:funcPr>
+                      <m:fName>
+                        <m:r>
+                          <m:rPr>
+                            <m:sty m:val="p"/>
+                          </m:rPr>
+                          <a:rPr lang="en-US" sz="3200" b="0" i="0" smtClean="0">
+                            <a:latin typeface="Cambria Math" panose="02040503050406030204" pitchFamily="18" charset="0"/>
+                          </a:rPr>
+                          <m:t>cos</m:t>
+                        </m:r>
+                      </m:fName>
+                      <m:e>
+                        <m:r>
+                          <a:rPr lang="en-US" sz="3200" b="0" i="1" smtClean="0">
+                            <a:latin typeface="Cambria Math" panose="02040503050406030204" pitchFamily="18" charset="0"/>
+                            <a:ea typeface="Cambria Math" panose="02040503050406030204" pitchFamily="18" charset="0"/>
+                          </a:rPr>
+                          <m:t>𝜽</m:t>
+                        </m:r>
+                      </m:e>
+                    </m:func>
+                  </m:oMath>
+                </a14:m>
+                <a:endParaRPr lang="en-IN" sz="3200" b="1"/>
+              </a:p>
+            </p:txBody>
+          </p:sp>
+        </mc:Choice>
+        <mc:Fallback>
+          <p:sp>
+            <p:nvSpPr>
+              <p:cNvPr id="102" name="TextBox 101">
+                <a:extLst>
+                  <a:ext uri="{FF2B5EF4-FFF2-40B4-BE49-F238E27FC236}">
+                    <a16:creationId xmlns:a16="http://schemas.microsoft.com/office/drawing/2014/main" id="{04D4C6CA-2F17-4403-8096-3EC607A892EA}"/>
+                  </a:ext>
+                </a:extLst>
+              </p:cNvPr>
+              <p:cNvSpPr txBox="1">
+                <a:spLocks noRot="1" noChangeAspect="1" noMove="1" noResize="1" noEditPoints="1" noAdjustHandles="1" noChangeArrowheads="1" noChangeShapeType="1" noTextEdit="1"/>
+              </p:cNvSpPr>
+              <p:nvPr/>
+            </p:nvSpPr>
+            <p:spPr>
+              <a:xfrm>
+                <a:off x="6591088" y="5851433"/>
+                <a:ext cx="1306909" cy="584775"/>
+              </a:xfrm>
+              <a:prstGeom prst="rect">
+                <a:avLst/>
+              </a:prstGeom>
+              <a:blipFill>
+                <a:blip r:embed="rId9"/>
+                <a:stretch>
+                  <a:fillRect l="-11628" t="-12500" b="-34375"/>
+                </a:stretch>
+              </a:blipFill>
+            </p:spPr>
+            <p:txBody>
+              <a:bodyPr/>
+              <a:lstStyle/>
+              <a:p>
+                <a:r>
+                  <a:rPr lang="en-IN">
+                    <a:noFill/>
+                  </a:rPr>
+                  <a:t> </a:t>
+                </a:r>
+              </a:p>
+            </p:txBody>
+          </p:sp>
+        </mc:Fallback>
+      </mc:AlternateContent>
+      <p:cxnSp>
+        <p:nvCxnSpPr>
+          <p:cNvPr id="29" name="Straight Arrow Connector 28">
+            <a:extLst>
+              <a:ext uri="{FF2B5EF4-FFF2-40B4-BE49-F238E27FC236}">
+                <a16:creationId xmlns:a16="http://schemas.microsoft.com/office/drawing/2014/main" id="{04F6BC07-0783-4D79-9478-DB827200BCD7}"/>
+              </a:ext>
+            </a:extLst>
+          </p:cNvPr>
+          <p:cNvCxnSpPr>
+            <a:cxnSpLocks/>
+          </p:cNvCxnSpPr>
+          <p:nvPr/>
+        </p:nvCxnSpPr>
+        <p:spPr>
+          <a:xfrm flipV="1">
+            <a:off x="5834801" y="3886910"/>
+            <a:ext cx="2519302" cy="1036697"/>
+          </a:xfrm>
+          <a:prstGeom prst="straightConnector1">
+            <a:avLst/>
+          </a:prstGeom>
+          <a:ln w="57150">
+            <a:headEnd type="triangle"/>
+            <a:tailEnd type="triangle"/>
+          </a:ln>
+        </p:spPr>
+        <p:style>
+          <a:lnRef idx="1">
+            <a:schemeClr val="accent1"/>
+          </a:lnRef>
+          <a:fillRef idx="0">
+            <a:schemeClr val="accent1"/>
+          </a:fillRef>
+          <a:effectRef idx="0">
+            <a:schemeClr val="accent1"/>
+          </a:effectRef>
+          <a:fontRef idx="minor">
+            <a:schemeClr val="tx1"/>
+          </a:fontRef>
+        </p:style>
+      </p:cxnSp>
+      <p:sp>
+        <p:nvSpPr>
+          <p:cNvPr id="104" name="TextBox 103">
+            <a:extLst>
+              <a:ext uri="{FF2B5EF4-FFF2-40B4-BE49-F238E27FC236}">
+                <a16:creationId xmlns:a16="http://schemas.microsoft.com/office/drawing/2014/main" id="{BEEFB9BB-B893-4F81-81DB-D0D42D382D03}"/>
+              </a:ext>
+            </a:extLst>
+          </p:cNvPr>
+          <p:cNvSpPr txBox="1"/>
+          <p:nvPr/>
+        </p:nvSpPr>
+        <p:spPr>
+          <a:xfrm rot="20226730">
+            <a:off x="6946922" y="4132614"/>
+            <a:ext cx="484847" cy="584775"/>
+          </a:xfrm>
+          <a:prstGeom prst="rect">
+            <a:avLst/>
+          </a:prstGeom>
+          <a:noFill/>
+        </p:spPr>
+        <p:txBody>
+          <a:bodyPr wrap="square" rtlCol="0">
+            <a:spAutoFit/>
+          </a:bodyPr>
+          <a:lstStyle/>
+          <a:p>
+            <a:r>
+              <a:rPr lang="en-US" sz="3200" b="1"/>
+              <a:t>b</a:t>
+            </a:r>
+            <a:endParaRPr lang="en-IN" sz="3200" b="1"/>
+          </a:p>
+        </p:txBody>
+      </p:sp>
+      <mc:AlternateContent xmlns:mc="http://schemas.openxmlformats.org/markup-compatibility/2006">
+        <mc:Choice xmlns:a14="http://schemas.microsoft.com/office/drawing/2010/main" Requires="a14">
+          <p:sp>
+            <p:nvSpPr>
+              <p:cNvPr id="105" name="TextBox 104">
+                <a:extLst>
+                  <a:ext uri="{FF2B5EF4-FFF2-40B4-BE49-F238E27FC236}">
+                    <a16:creationId xmlns:a16="http://schemas.microsoft.com/office/drawing/2014/main" id="{C48E501A-5632-4CA5-860D-217157B4ECDF}"/>
+                  </a:ext>
+                </a:extLst>
+              </p:cNvPr>
+              <p:cNvSpPr txBox="1"/>
+              <p:nvPr/>
+            </p:nvSpPr>
+            <p:spPr>
+              <a:xfrm rot="21448290">
+                <a:off x="8341986" y="4305864"/>
+                <a:ext cx="1369793" cy="584775"/>
+              </a:xfrm>
+              <a:prstGeom prst="rect">
+                <a:avLst/>
+              </a:prstGeom>
+              <a:noFill/>
+            </p:spPr>
+            <p:txBody>
+              <a:bodyPr wrap="square" rtlCol="0">
+                <a:spAutoFit/>
+              </a:bodyPr>
+              <a:lstStyle/>
+              <a:p>
+                <a:r>
+                  <a:rPr lang="en-US" sz="3200" b="1"/>
+                  <a:t>R</a:t>
+                </a:r>
+                <a14:m>
+                  <m:oMath xmlns:m="http://schemas.openxmlformats.org/officeDocument/2006/math">
+                    <m:func>
+                      <m:funcPr>
+                        <m:ctrlPr>
+                          <a:rPr lang="en-US" sz="3200" b="1" i="1" smtClean="0">
+                            <a:latin typeface="Cambria Math" panose="02040503050406030204" pitchFamily="18" charset="0"/>
+                          </a:rPr>
+                        </m:ctrlPr>
+                      </m:funcPr>
+                      <m:fName>
+                        <m:r>
+                          <m:rPr>
+                            <m:sty m:val="p"/>
+                          </m:rPr>
+                          <a:rPr lang="en-US" sz="3200" b="0" i="0" smtClean="0">
+                            <a:latin typeface="Cambria Math" panose="02040503050406030204" pitchFamily="18" charset="0"/>
+                          </a:rPr>
+                          <m:t>sin</m:t>
+                        </m:r>
+                      </m:fName>
+                      <m:e>
+                        <m:r>
+                          <a:rPr lang="el-GR" sz="3200" b="1" i="1" smtClean="0">
+                            <a:latin typeface="Cambria Math" panose="02040503050406030204" pitchFamily="18" charset="0"/>
+                          </a:rPr>
+                          <m:t>𝜽</m:t>
+                        </m:r>
+                      </m:e>
+                    </m:func>
+                  </m:oMath>
+                </a14:m>
+                <a:endParaRPr lang="en-IN" sz="3200" b="1"/>
+              </a:p>
+            </p:txBody>
+          </p:sp>
+        </mc:Choice>
+        <mc:Fallback>
+          <p:sp>
+            <p:nvSpPr>
+              <p:cNvPr id="105" name="TextBox 104">
+                <a:extLst>
+                  <a:ext uri="{FF2B5EF4-FFF2-40B4-BE49-F238E27FC236}">
+                    <a16:creationId xmlns:a16="http://schemas.microsoft.com/office/drawing/2014/main" id="{C48E501A-5632-4CA5-860D-217157B4ECDF}"/>
+                  </a:ext>
+                </a:extLst>
+              </p:cNvPr>
+              <p:cNvSpPr txBox="1">
+                <a:spLocks noRot="1" noChangeAspect="1" noMove="1" noResize="1" noEditPoints="1" noAdjustHandles="1" noChangeArrowheads="1" noChangeShapeType="1" noTextEdit="1"/>
+              </p:cNvSpPr>
+              <p:nvPr/>
+            </p:nvSpPr>
+            <p:spPr>
+              <a:xfrm rot="21448290">
+                <a:off x="8341986" y="4305864"/>
+                <a:ext cx="1369793" cy="584775"/>
+              </a:xfrm>
+              <a:prstGeom prst="rect">
+                <a:avLst/>
+              </a:prstGeom>
+              <a:blipFill>
+                <a:blip r:embed="rId10"/>
+                <a:stretch>
+                  <a:fillRect l="-11304" t="-5607" b="-30841"/>
+                </a:stretch>
+              </a:blipFill>
+            </p:spPr>
+            <p:txBody>
+              <a:bodyPr/>
+              <a:lstStyle/>
+              <a:p>
+                <a:r>
+                  <a:rPr lang="en-IN">
+                    <a:noFill/>
+                  </a:rPr>
+                  <a:t> </a:t>
+                </a:r>
+              </a:p>
+            </p:txBody>
+          </p:sp>
+        </mc:Fallback>
+      </mc:AlternateContent>
+      <p:sp>
+        <p:nvSpPr>
+          <p:cNvPr id="106" name="Arrow: Curved Up 105">
+            <a:extLst>
+              <a:ext uri="{FF2B5EF4-FFF2-40B4-BE49-F238E27FC236}">
+                <a16:creationId xmlns:a16="http://schemas.microsoft.com/office/drawing/2014/main" id="{AF0182F8-4FF8-4B0D-AB5C-1DCAA0D4D8E8}"/>
+              </a:ext>
+            </a:extLst>
+          </p:cNvPr>
+          <p:cNvSpPr/>
+          <p:nvPr/>
+        </p:nvSpPr>
+        <p:spPr>
+          <a:xfrm rot="14887624">
+            <a:off x="10300375" y="2890446"/>
+            <a:ext cx="502019" cy="646546"/>
+          </a:xfrm>
+          <a:prstGeom prst="curvedUpArrow">
+            <a:avLst/>
+          </a:prstGeom>
+        </p:spPr>
+        <p:style>
+          <a:lnRef idx="2">
+            <a:schemeClr val="dk1">
+              <a:shade val="50000"/>
+            </a:schemeClr>
+          </a:lnRef>
+          <a:fillRef idx="1">
+            <a:schemeClr val="dk1"/>
+          </a:fillRef>
+          <a:effectRef idx="0">
+            <a:schemeClr val="dk1"/>
+          </a:effectRef>
+          <a:fontRef idx="minor">
+            <a:schemeClr val="lt1"/>
+          </a:fontRef>
+        </p:style>
+        <p:txBody>
+          <a:bodyPr rtlCol="0" anchor="ctr"/>
+          <a:lstStyle/>
+          <a:p>
+            <a:pPr algn="ctr"/>
+            <a:endParaRPr lang="en-IN">
+              <a:solidFill>
+                <a:schemeClr val="tx1"/>
+              </a:solidFill>
+            </a:endParaRPr>
+          </a:p>
+        </p:txBody>
+      </p:sp>
     </p:spTree>
     <p:extLst>
       <p:ext uri="{BB962C8B-B14F-4D97-AF65-F5344CB8AC3E}">
-        <p14:creationId xmlns:p14="http://schemas.microsoft.com/office/powerpoint/2010/main" val="4067738503"/>
+        <p14:creationId xmlns:p14="http://schemas.microsoft.com/office/powerpoint/2010/main" val="1238550846"/>
       </p:ext>
     </p:extLst>
   </p:cSld>
@@ -12542,7 +14885,7 @@
 </p:sld>
 </file>
 
-<file path=ppt/slides/slide15.xml><?xml version="1.0" encoding="utf-8"?>
+<file path=ppt/slides/slide16.xml><?xml version="1.0" encoding="utf-8"?>
 <p:sld xmlns:a="http://schemas.openxmlformats.org/drawingml/2006/main" xmlns:r="http://schemas.openxmlformats.org/officeDocument/2006/relationships" xmlns:p="http://schemas.openxmlformats.org/presentationml/2006/main">
   <p:cSld>
     <p:spTree>
@@ -13026,8 +15369,8 @@
           </a:p>
         </p:txBody>
       </p:sp>
-      <mc:AlternateContent xmlns:mc="http://schemas.openxmlformats.org/markup-compatibility/2006">
-        <mc:Choice xmlns:a14="http://schemas.microsoft.com/office/drawing/2010/main" Requires="a14">
+      <mc:AlternateContent xmlns:mc="http://schemas.openxmlformats.org/markup-compatibility/2006" xmlns:a14="http://schemas.microsoft.com/office/drawing/2010/main">
+        <mc:Choice Requires="a14">
           <p:sp>
             <p:nvSpPr>
               <p:cNvPr id="66" name="TextBox 65">
@@ -13078,7 +15421,7 @@
             </p:txBody>
           </p:sp>
         </mc:Choice>
-        <mc:Fallback>
+        <mc:Fallback xmlns="">
           <p:sp>
             <p:nvSpPr>
               <p:cNvPr id="66" name="TextBox 65">
@@ -13321,6 +15664,2015 @@
     <p:extLst>
       <p:ext uri="{BB962C8B-B14F-4D97-AF65-F5344CB8AC3E}">
         <p14:creationId xmlns:p14="http://schemas.microsoft.com/office/powerpoint/2010/main" val="930365685"/>
+      </p:ext>
+    </p:extLst>
+  </p:cSld>
+  <p:clrMapOvr>
+    <a:masterClrMapping/>
+  </p:clrMapOvr>
+</p:sld>
+</file>
+
+<file path=ppt/slides/slide17.xml><?xml version="1.0" encoding="utf-8"?>
+<p:sld xmlns:a="http://schemas.openxmlformats.org/drawingml/2006/main" xmlns:r="http://schemas.openxmlformats.org/officeDocument/2006/relationships" xmlns:p="http://schemas.openxmlformats.org/presentationml/2006/main">
+  <p:cSld>
+    <p:spTree>
+      <p:nvGrpSpPr>
+        <p:cNvPr id="1" name=""/>
+        <p:cNvGrpSpPr/>
+        <p:nvPr/>
+      </p:nvGrpSpPr>
+      <p:grpSpPr>
+        <a:xfrm>
+          <a:off x="0" y="0"/>
+          <a:ext cx="0" cy="0"/>
+          <a:chOff x="0" y="0"/>
+          <a:chExt cx="0" cy="0"/>
+        </a:xfrm>
+      </p:grpSpPr>
+      <p:sp>
+        <p:nvSpPr>
+          <p:cNvPr id="43" name="Arc 42">
+            <a:extLst>
+              <a:ext uri="{FF2B5EF4-FFF2-40B4-BE49-F238E27FC236}">
+                <a16:creationId xmlns:a16="http://schemas.microsoft.com/office/drawing/2014/main" id="{A74DAD09-5ADB-41EE-91D7-A1C9A76BF624}"/>
+              </a:ext>
+            </a:extLst>
+          </p:cNvPr>
+          <p:cNvSpPr/>
+          <p:nvPr/>
+        </p:nvSpPr>
+        <p:spPr>
+          <a:xfrm rot="4093449">
+            <a:off x="5849266" y="2291321"/>
+            <a:ext cx="1089345" cy="1192641"/>
+          </a:xfrm>
+          <a:prstGeom prst="arc">
+            <a:avLst>
+              <a:gd name="adj1" fmla="val 17718329"/>
+              <a:gd name="adj2" fmla="val 19017596"/>
+            </a:avLst>
+          </a:prstGeom>
+          <a:ln w="57150"/>
+        </p:spPr>
+        <p:style>
+          <a:lnRef idx="1">
+            <a:schemeClr val="accent1"/>
+          </a:lnRef>
+          <a:fillRef idx="0">
+            <a:schemeClr val="accent1"/>
+          </a:fillRef>
+          <a:effectRef idx="0">
+            <a:schemeClr val="accent1"/>
+          </a:effectRef>
+          <a:fontRef idx="minor">
+            <a:schemeClr val="tx1"/>
+          </a:fontRef>
+        </p:style>
+        <p:txBody>
+          <a:bodyPr rtlCol="0" anchor="ctr"/>
+          <a:lstStyle/>
+          <a:p>
+            <a:pPr algn="ctr"/>
+            <a:endParaRPr lang="en-IN"/>
+          </a:p>
+        </p:txBody>
+      </p:sp>
+      <p:sp>
+        <p:nvSpPr>
+          <p:cNvPr id="44" name="Arc 43">
+            <a:extLst>
+              <a:ext uri="{FF2B5EF4-FFF2-40B4-BE49-F238E27FC236}">
+                <a16:creationId xmlns:a16="http://schemas.microsoft.com/office/drawing/2014/main" id="{FF195E5C-99F6-4ACB-B783-AE1D69A36B21}"/>
+              </a:ext>
+            </a:extLst>
+          </p:cNvPr>
+          <p:cNvSpPr/>
+          <p:nvPr/>
+        </p:nvSpPr>
+        <p:spPr>
+          <a:xfrm rot="13755444">
+            <a:off x="5061777" y="2366158"/>
+            <a:ext cx="1089345" cy="1192641"/>
+          </a:xfrm>
+          <a:prstGeom prst="arc">
+            <a:avLst>
+              <a:gd name="adj1" fmla="val 17585930"/>
+              <a:gd name="adj2" fmla="val 19017596"/>
+            </a:avLst>
+          </a:prstGeom>
+          <a:ln w="57150"/>
+        </p:spPr>
+        <p:style>
+          <a:lnRef idx="1">
+            <a:schemeClr val="accent1"/>
+          </a:lnRef>
+          <a:fillRef idx="0">
+            <a:schemeClr val="accent1"/>
+          </a:fillRef>
+          <a:effectRef idx="0">
+            <a:schemeClr val="accent1"/>
+          </a:effectRef>
+          <a:fontRef idx="minor">
+            <a:schemeClr val="tx1"/>
+          </a:fontRef>
+        </p:style>
+        <p:txBody>
+          <a:bodyPr rtlCol="0" anchor="ctr"/>
+          <a:lstStyle/>
+          <a:p>
+            <a:pPr algn="ctr"/>
+            <a:endParaRPr lang="en-IN"/>
+          </a:p>
+        </p:txBody>
+      </p:sp>
+      <p:cxnSp>
+        <p:nvCxnSpPr>
+          <p:cNvPr id="47" name="Straight Connector 46">
+            <a:extLst>
+              <a:ext uri="{FF2B5EF4-FFF2-40B4-BE49-F238E27FC236}">
+                <a16:creationId xmlns:a16="http://schemas.microsoft.com/office/drawing/2014/main" id="{ED976411-3E38-40FA-9701-6672B3F6433B}"/>
+              </a:ext>
+            </a:extLst>
+          </p:cNvPr>
+          <p:cNvCxnSpPr>
+            <a:cxnSpLocks/>
+          </p:cNvCxnSpPr>
+          <p:nvPr/>
+        </p:nvCxnSpPr>
+        <p:spPr>
+          <a:xfrm flipV="1">
+            <a:off x="5991897" y="2671916"/>
+            <a:ext cx="3319" cy="1127264"/>
+          </a:xfrm>
+          <a:prstGeom prst="line">
+            <a:avLst/>
+          </a:prstGeom>
+          <a:ln w="19050">
+            <a:prstDash val="sysDot"/>
+          </a:ln>
+        </p:spPr>
+        <p:style>
+          <a:lnRef idx="1">
+            <a:schemeClr val="dk1"/>
+          </a:lnRef>
+          <a:fillRef idx="0">
+            <a:schemeClr val="dk1"/>
+          </a:fillRef>
+          <a:effectRef idx="0">
+            <a:schemeClr val="dk1"/>
+          </a:effectRef>
+          <a:fontRef idx="minor">
+            <a:schemeClr val="tx1"/>
+          </a:fontRef>
+        </p:style>
+      </p:cxnSp>
+      <p:sp>
+        <p:nvSpPr>
+          <p:cNvPr id="20" name="Arc 19">
+            <a:extLst>
+              <a:ext uri="{FF2B5EF4-FFF2-40B4-BE49-F238E27FC236}">
+                <a16:creationId xmlns:a16="http://schemas.microsoft.com/office/drawing/2014/main" id="{3BFF154A-EE74-4985-A2A3-E72687DB0307}"/>
+              </a:ext>
+            </a:extLst>
+          </p:cNvPr>
+          <p:cNvSpPr/>
+          <p:nvPr/>
+        </p:nvSpPr>
+        <p:spPr>
+          <a:xfrm rot="18357324">
+            <a:off x="4727176" y="2746941"/>
+            <a:ext cx="2342784" cy="2089635"/>
+          </a:xfrm>
+          <a:prstGeom prst="arc">
+            <a:avLst>
+              <a:gd name="adj1" fmla="val 17388297"/>
+              <a:gd name="adj2" fmla="val 399472"/>
+            </a:avLst>
+          </a:prstGeom>
+          <a:ln w="76200"/>
+        </p:spPr>
+        <p:style>
+          <a:lnRef idx="1">
+            <a:schemeClr val="accent1"/>
+          </a:lnRef>
+          <a:fillRef idx="0">
+            <a:schemeClr val="accent1"/>
+          </a:fillRef>
+          <a:effectRef idx="0">
+            <a:schemeClr val="accent1"/>
+          </a:effectRef>
+          <a:fontRef idx="minor">
+            <a:schemeClr val="tx1"/>
+          </a:fontRef>
+        </p:style>
+        <p:txBody>
+          <a:bodyPr rtlCol="0" anchor="ctr"/>
+          <a:lstStyle/>
+          <a:p>
+            <a:pPr algn="ctr"/>
+            <a:endParaRPr lang="en-IN"/>
+          </a:p>
+        </p:txBody>
+      </p:sp>
+      <p:cxnSp>
+        <p:nvCxnSpPr>
+          <p:cNvPr id="8" name="Straight Connector 7">
+            <a:extLst>
+              <a:ext uri="{FF2B5EF4-FFF2-40B4-BE49-F238E27FC236}">
+                <a16:creationId xmlns:a16="http://schemas.microsoft.com/office/drawing/2014/main" id="{CF877FF1-DB31-4058-97B9-5F45EFC4B17D}"/>
+              </a:ext>
+            </a:extLst>
+          </p:cNvPr>
+          <p:cNvCxnSpPr>
+            <a:cxnSpLocks/>
+            <a:stCxn id="20" idx="0"/>
+          </p:cNvCxnSpPr>
+          <p:nvPr/>
+        </p:nvCxnSpPr>
+        <p:spPr>
+          <a:xfrm>
+            <a:off x="5303673" y="2917699"/>
+            <a:ext cx="693715" cy="897513"/>
+          </a:xfrm>
+          <a:prstGeom prst="line">
+            <a:avLst/>
+          </a:prstGeom>
+          <a:ln w="19050">
+            <a:prstDash val="sysDot"/>
+          </a:ln>
+        </p:spPr>
+        <p:style>
+          <a:lnRef idx="1">
+            <a:schemeClr val="dk1"/>
+          </a:lnRef>
+          <a:fillRef idx="0">
+            <a:schemeClr val="dk1"/>
+          </a:fillRef>
+          <a:effectRef idx="0">
+            <a:schemeClr val="dk1"/>
+          </a:effectRef>
+          <a:fontRef idx="minor">
+            <a:schemeClr val="tx1"/>
+          </a:fontRef>
+        </p:style>
+      </p:cxnSp>
+      <p:cxnSp>
+        <p:nvCxnSpPr>
+          <p:cNvPr id="12" name="Straight Connector 11">
+            <a:extLst>
+              <a:ext uri="{FF2B5EF4-FFF2-40B4-BE49-F238E27FC236}">
+                <a16:creationId xmlns:a16="http://schemas.microsoft.com/office/drawing/2014/main" id="{3D4EC752-B116-4328-8AB2-F365BE6E5B49}"/>
+              </a:ext>
+            </a:extLst>
+          </p:cNvPr>
+          <p:cNvCxnSpPr>
+            <a:cxnSpLocks/>
+            <a:endCxn id="20" idx="2"/>
+          </p:cNvCxnSpPr>
+          <p:nvPr/>
+        </p:nvCxnSpPr>
+        <p:spPr>
+          <a:xfrm flipV="1">
+            <a:off x="5997388" y="2931169"/>
+            <a:ext cx="692900" cy="884044"/>
+          </a:xfrm>
+          <a:prstGeom prst="line">
+            <a:avLst/>
+          </a:prstGeom>
+          <a:ln w="19050">
+            <a:prstDash val="sysDot"/>
+          </a:ln>
+        </p:spPr>
+        <p:style>
+          <a:lnRef idx="1">
+            <a:schemeClr val="dk1"/>
+          </a:lnRef>
+          <a:fillRef idx="0">
+            <a:schemeClr val="dk1"/>
+          </a:fillRef>
+          <a:effectRef idx="0">
+            <a:schemeClr val="dk1"/>
+          </a:effectRef>
+          <a:fontRef idx="minor">
+            <a:schemeClr val="tx1"/>
+          </a:fontRef>
+        </p:style>
+      </p:cxnSp>
+      <p:sp>
+        <p:nvSpPr>
+          <p:cNvPr id="25" name="Arc 24">
+            <a:extLst>
+              <a:ext uri="{FF2B5EF4-FFF2-40B4-BE49-F238E27FC236}">
+                <a16:creationId xmlns:a16="http://schemas.microsoft.com/office/drawing/2014/main" id="{22418FCC-1015-47E2-B239-A0F08D976FBF}"/>
+              </a:ext>
+            </a:extLst>
+          </p:cNvPr>
+          <p:cNvSpPr/>
+          <p:nvPr/>
+        </p:nvSpPr>
+        <p:spPr>
+          <a:xfrm rot="18090093">
+            <a:off x="5507126" y="3366507"/>
+            <a:ext cx="1089345" cy="1192641"/>
+          </a:xfrm>
+          <a:prstGeom prst="arc">
+            <a:avLst>
+              <a:gd name="adj1" fmla="val 17718329"/>
+              <a:gd name="adj2" fmla="val 21100951"/>
+            </a:avLst>
+          </a:prstGeom>
+          <a:ln w="57150"/>
+        </p:spPr>
+        <p:style>
+          <a:lnRef idx="1">
+            <a:schemeClr val="accent1"/>
+          </a:lnRef>
+          <a:fillRef idx="0">
+            <a:schemeClr val="accent1"/>
+          </a:fillRef>
+          <a:effectRef idx="0">
+            <a:schemeClr val="accent1"/>
+          </a:effectRef>
+          <a:fontRef idx="minor">
+            <a:schemeClr val="tx1"/>
+          </a:fontRef>
+        </p:style>
+        <p:txBody>
+          <a:bodyPr rtlCol="0" anchor="ctr"/>
+          <a:lstStyle/>
+          <a:p>
+            <a:pPr algn="ctr"/>
+            <a:endParaRPr lang="en-IN"/>
+          </a:p>
+        </p:txBody>
+      </p:sp>
+      <mc:AlternateContent xmlns:mc="http://schemas.openxmlformats.org/markup-compatibility/2006">
+        <mc:Choice xmlns:a14="http://schemas.microsoft.com/office/drawing/2010/main" Requires="a14">
+          <p:sp>
+            <p:nvSpPr>
+              <p:cNvPr id="18" name="TextBox 17">
+                <a:extLst>
+                  <a:ext uri="{FF2B5EF4-FFF2-40B4-BE49-F238E27FC236}">
+                    <a16:creationId xmlns:a16="http://schemas.microsoft.com/office/drawing/2014/main" id="{AAA485AE-25AE-4F19-A2C5-DBDAD35CEC18}"/>
+                  </a:ext>
+                </a:extLst>
+              </p:cNvPr>
+              <p:cNvSpPr txBox="1"/>
+              <p:nvPr/>
+            </p:nvSpPr>
+            <p:spPr>
+              <a:xfrm>
+                <a:off x="5835040" y="3152000"/>
+                <a:ext cx="322524" cy="276999"/>
+              </a:xfrm>
+              <a:prstGeom prst="rect">
+                <a:avLst/>
+              </a:prstGeom>
+              <a:noFill/>
+            </p:spPr>
+            <p:txBody>
+              <a:bodyPr wrap="none" lIns="0" tIns="0" rIns="0" bIns="0" rtlCol="0">
+                <a:spAutoFit/>
+              </a:bodyPr>
+              <a:lstStyle/>
+              <a:p>
+                <a14:m>
+                  <m:oMathPara xmlns:m="http://schemas.openxmlformats.org/officeDocument/2006/math">
+                    <m:oMathParaPr>
+                      <m:jc m:val="centerGroup"/>
+                    </m:oMathParaPr>
+                    <m:oMath xmlns:m="http://schemas.openxmlformats.org/officeDocument/2006/math">
+                      <m:r>
+                        <a:rPr lang="en-US" b="0" i="1" smtClean="0">
+                          <a:latin typeface="Cambria Math" panose="02040503050406030204" pitchFamily="18" charset="0"/>
+                        </a:rPr>
+                        <m:t>𝑑</m:t>
+                      </m:r>
+                      <m:r>
+                        <a:rPr lang="en-US" b="0" i="1" smtClean="0">
+                          <a:latin typeface="Cambria Math" panose="02040503050406030204" pitchFamily="18" charset="0"/>
+                          <a:ea typeface="Cambria Math" panose="02040503050406030204" pitchFamily="18" charset="0"/>
+                        </a:rPr>
+                        <m:t>𝜃</m:t>
+                      </m:r>
+                    </m:oMath>
+                  </m:oMathPara>
+                </a14:m>
+                <a:endParaRPr lang="en-IN"/>
+              </a:p>
+            </p:txBody>
+          </p:sp>
+        </mc:Choice>
+        <mc:Fallback>
+          <p:sp>
+            <p:nvSpPr>
+              <p:cNvPr id="18" name="TextBox 17">
+                <a:extLst>
+                  <a:ext uri="{FF2B5EF4-FFF2-40B4-BE49-F238E27FC236}">
+                    <a16:creationId xmlns:a16="http://schemas.microsoft.com/office/drawing/2014/main" id="{AAA485AE-25AE-4F19-A2C5-DBDAD35CEC18}"/>
+                  </a:ext>
+                </a:extLst>
+              </p:cNvPr>
+              <p:cNvSpPr txBox="1">
+                <a:spLocks noRot="1" noChangeAspect="1" noMove="1" noResize="1" noEditPoints="1" noAdjustHandles="1" noChangeArrowheads="1" noChangeShapeType="1" noTextEdit="1"/>
+              </p:cNvSpPr>
+              <p:nvPr/>
+            </p:nvSpPr>
+            <p:spPr>
+              <a:xfrm>
+                <a:off x="5835040" y="3152000"/>
+                <a:ext cx="322524" cy="276999"/>
+              </a:xfrm>
+              <a:prstGeom prst="rect">
+                <a:avLst/>
+              </a:prstGeom>
+              <a:blipFill>
+                <a:blip r:embed="rId2"/>
+                <a:stretch>
+                  <a:fillRect l="-16981" r="-16981" b="-8889"/>
+                </a:stretch>
+              </a:blipFill>
+            </p:spPr>
+            <p:txBody>
+              <a:bodyPr/>
+              <a:lstStyle/>
+              <a:p>
+                <a:r>
+                  <a:rPr lang="en-IN">
+                    <a:noFill/>
+                  </a:rPr>
+                  <a:t> </a:t>
+                </a:r>
+              </a:p>
+            </p:txBody>
+          </p:sp>
+        </mc:Fallback>
+      </mc:AlternateContent>
+      <p:cxnSp>
+        <p:nvCxnSpPr>
+          <p:cNvPr id="27" name="Straight Arrow Connector 26">
+            <a:extLst>
+              <a:ext uri="{FF2B5EF4-FFF2-40B4-BE49-F238E27FC236}">
+                <a16:creationId xmlns:a16="http://schemas.microsoft.com/office/drawing/2014/main" id="{C56E8273-9C88-4411-A261-BCE39D889469}"/>
+              </a:ext>
+            </a:extLst>
+          </p:cNvPr>
+          <p:cNvCxnSpPr>
+            <a:cxnSpLocks/>
+            <a:stCxn id="18" idx="0"/>
+          </p:cNvCxnSpPr>
+          <p:nvPr/>
+        </p:nvCxnSpPr>
+        <p:spPr>
+          <a:xfrm flipV="1">
+            <a:off x="5996302" y="2708730"/>
+            <a:ext cx="0" cy="443270"/>
+          </a:xfrm>
+          <a:prstGeom prst="straightConnector1">
+            <a:avLst/>
+          </a:prstGeom>
+          <a:ln w="57150">
+            <a:tailEnd type="triangle"/>
+          </a:ln>
+        </p:spPr>
+        <p:style>
+          <a:lnRef idx="1">
+            <a:schemeClr val="accent2"/>
+          </a:lnRef>
+          <a:fillRef idx="0">
+            <a:schemeClr val="accent2"/>
+          </a:fillRef>
+          <a:effectRef idx="0">
+            <a:schemeClr val="accent2"/>
+          </a:effectRef>
+          <a:fontRef idx="minor">
+            <a:schemeClr val="tx1"/>
+          </a:fontRef>
+        </p:style>
+      </p:cxnSp>
+      <p:cxnSp>
+        <p:nvCxnSpPr>
+          <p:cNvPr id="26" name="Straight Arrow Connector 25">
+            <a:extLst>
+              <a:ext uri="{FF2B5EF4-FFF2-40B4-BE49-F238E27FC236}">
+                <a16:creationId xmlns:a16="http://schemas.microsoft.com/office/drawing/2014/main" id="{DFEC9381-37B0-43CD-9E7C-AD2E1552998E}"/>
+              </a:ext>
+            </a:extLst>
+          </p:cNvPr>
+          <p:cNvCxnSpPr/>
+          <p:nvPr/>
+        </p:nvCxnSpPr>
+        <p:spPr>
+          <a:xfrm flipH="1">
+            <a:off x="4849906" y="2930366"/>
+            <a:ext cx="453767" cy="360134"/>
+          </a:xfrm>
+          <a:prstGeom prst="straightConnector1">
+            <a:avLst/>
+          </a:prstGeom>
+          <a:ln w="38100">
+            <a:tailEnd type="triangle"/>
+          </a:ln>
+        </p:spPr>
+        <p:style>
+          <a:lnRef idx="1">
+            <a:schemeClr val="accent2"/>
+          </a:lnRef>
+          <a:fillRef idx="0">
+            <a:schemeClr val="accent2"/>
+          </a:fillRef>
+          <a:effectRef idx="0">
+            <a:schemeClr val="accent2"/>
+          </a:effectRef>
+          <a:fontRef idx="minor">
+            <a:schemeClr val="tx1"/>
+          </a:fontRef>
+        </p:style>
+      </p:cxnSp>
+      <p:cxnSp>
+        <p:nvCxnSpPr>
+          <p:cNvPr id="32" name="Straight Arrow Connector 31">
+            <a:extLst>
+              <a:ext uri="{FF2B5EF4-FFF2-40B4-BE49-F238E27FC236}">
+                <a16:creationId xmlns:a16="http://schemas.microsoft.com/office/drawing/2014/main" id="{170F83CA-DDDB-4363-811A-68B8D090D8E5}"/>
+              </a:ext>
+            </a:extLst>
+          </p:cNvPr>
+          <p:cNvCxnSpPr>
+            <a:cxnSpLocks/>
+          </p:cNvCxnSpPr>
+          <p:nvPr/>
+        </p:nvCxnSpPr>
+        <p:spPr>
+          <a:xfrm>
+            <a:off x="6678039" y="2917699"/>
+            <a:ext cx="374341" cy="372801"/>
+          </a:xfrm>
+          <a:prstGeom prst="straightConnector1">
+            <a:avLst/>
+          </a:prstGeom>
+          <a:ln w="38100">
+            <a:tailEnd type="triangle"/>
+          </a:ln>
+        </p:spPr>
+        <p:style>
+          <a:lnRef idx="1">
+            <a:schemeClr val="accent2"/>
+          </a:lnRef>
+          <a:fillRef idx="0">
+            <a:schemeClr val="accent2"/>
+          </a:fillRef>
+          <a:effectRef idx="0">
+            <a:schemeClr val="accent2"/>
+          </a:effectRef>
+          <a:fontRef idx="minor">
+            <a:schemeClr val="tx1"/>
+          </a:fontRef>
+        </p:style>
+      </p:cxnSp>
+      <p:sp>
+        <p:nvSpPr>
+          <p:cNvPr id="29" name="TextBox 28">
+            <a:extLst>
+              <a:ext uri="{FF2B5EF4-FFF2-40B4-BE49-F238E27FC236}">
+                <a16:creationId xmlns:a16="http://schemas.microsoft.com/office/drawing/2014/main" id="{0C5D5EEA-BCC0-46EA-8F15-11CCD305AFD8}"/>
+              </a:ext>
+            </a:extLst>
+          </p:cNvPr>
+          <p:cNvSpPr txBox="1"/>
+          <p:nvPr/>
+        </p:nvSpPr>
+        <p:spPr>
+          <a:xfrm>
+            <a:off x="4442000" y="3303167"/>
+            <a:ext cx="634789" cy="307777"/>
+          </a:xfrm>
+          <a:prstGeom prst="rect">
+            <a:avLst/>
+          </a:prstGeom>
+          <a:noFill/>
+          <a:ln>
+            <a:solidFill>
+              <a:schemeClr val="tx1"/>
+            </a:solidFill>
+          </a:ln>
+        </p:spPr>
+        <p:txBody>
+          <a:bodyPr wrap="none" lIns="0" tIns="0" rIns="0" bIns="0" rtlCol="0">
+            <a:spAutoFit/>
+          </a:bodyPr>
+          <a:lstStyle/>
+          <a:p>
+            <a:r>
+              <a:rPr lang="en-US" sz="2000" b="1"/>
+              <a:t>T + dT</a:t>
+            </a:r>
+            <a:endParaRPr lang="en-IN" sz="2000" b="1"/>
+          </a:p>
+        </p:txBody>
+      </p:sp>
+      <p:sp>
+        <p:nvSpPr>
+          <p:cNvPr id="35" name="TextBox 34">
+            <a:extLst>
+              <a:ext uri="{FF2B5EF4-FFF2-40B4-BE49-F238E27FC236}">
+                <a16:creationId xmlns:a16="http://schemas.microsoft.com/office/drawing/2014/main" id="{658AD2FD-0CB6-4F11-9749-51CFC6723063}"/>
+              </a:ext>
+            </a:extLst>
+          </p:cNvPr>
+          <p:cNvSpPr txBox="1"/>
+          <p:nvPr/>
+        </p:nvSpPr>
+        <p:spPr>
+          <a:xfrm>
+            <a:off x="7025302" y="3275111"/>
+            <a:ext cx="126638" cy="307777"/>
+          </a:xfrm>
+          <a:prstGeom prst="rect">
+            <a:avLst/>
+          </a:prstGeom>
+          <a:noFill/>
+        </p:spPr>
+        <p:txBody>
+          <a:bodyPr wrap="none" lIns="0" tIns="0" rIns="0" bIns="0" rtlCol="0">
+            <a:spAutoFit/>
+          </a:bodyPr>
+          <a:lstStyle/>
+          <a:p>
+            <a:r>
+              <a:rPr lang="en-US" sz="2000" b="1"/>
+              <a:t>T</a:t>
+            </a:r>
+            <a:endParaRPr lang="en-IN" sz="2000" b="1"/>
+          </a:p>
+        </p:txBody>
+      </p:sp>
+      <p:cxnSp>
+        <p:nvCxnSpPr>
+          <p:cNvPr id="36" name="Straight Arrow Connector 35">
+            <a:extLst>
+              <a:ext uri="{FF2B5EF4-FFF2-40B4-BE49-F238E27FC236}">
+                <a16:creationId xmlns:a16="http://schemas.microsoft.com/office/drawing/2014/main" id="{5DF1552A-20B6-4489-962A-C7AFBB57483C}"/>
+              </a:ext>
+            </a:extLst>
+          </p:cNvPr>
+          <p:cNvCxnSpPr>
+            <a:cxnSpLocks/>
+          </p:cNvCxnSpPr>
+          <p:nvPr/>
+        </p:nvCxnSpPr>
+        <p:spPr>
+          <a:xfrm>
+            <a:off x="5574789" y="2708731"/>
+            <a:ext cx="845198" cy="0"/>
+          </a:xfrm>
+          <a:prstGeom prst="straightConnector1">
+            <a:avLst/>
+          </a:prstGeom>
+          <a:ln w="57150">
+            <a:tailEnd type="triangle"/>
+          </a:ln>
+        </p:spPr>
+        <p:style>
+          <a:lnRef idx="1">
+            <a:schemeClr val="accent2"/>
+          </a:lnRef>
+          <a:fillRef idx="0">
+            <a:schemeClr val="accent2"/>
+          </a:fillRef>
+          <a:effectRef idx="0">
+            <a:schemeClr val="accent2"/>
+          </a:effectRef>
+          <a:fontRef idx="minor">
+            <a:schemeClr val="tx1"/>
+          </a:fontRef>
+        </p:style>
+      </p:cxnSp>
+      <mc:AlternateContent xmlns:mc="http://schemas.openxmlformats.org/markup-compatibility/2006">
+        <mc:Choice xmlns:a14="http://schemas.microsoft.com/office/drawing/2010/main" Requires="a14">
+          <p:sp>
+            <p:nvSpPr>
+              <p:cNvPr id="38" name="TextBox 37">
+                <a:extLst>
+                  <a:ext uri="{FF2B5EF4-FFF2-40B4-BE49-F238E27FC236}">
+                    <a16:creationId xmlns:a16="http://schemas.microsoft.com/office/drawing/2014/main" id="{F52FA8BE-2B27-4947-8B67-4B0BB6176B16}"/>
+                  </a:ext>
+                </a:extLst>
+              </p:cNvPr>
+              <p:cNvSpPr txBox="1"/>
+              <p:nvPr/>
+            </p:nvSpPr>
+            <p:spPr>
+              <a:xfrm>
+                <a:off x="6296501" y="2341671"/>
+                <a:ext cx="692899" cy="307777"/>
+              </a:xfrm>
+              <a:prstGeom prst="rect">
+                <a:avLst/>
+              </a:prstGeom>
+              <a:noFill/>
+              <a:ln>
+                <a:solidFill>
+                  <a:schemeClr val="tx1"/>
+                </a:solidFill>
+              </a:ln>
+            </p:spPr>
+            <p:txBody>
+              <a:bodyPr wrap="square" lIns="0" tIns="0" rIns="0" bIns="0" rtlCol="0">
+                <a:spAutoFit/>
+              </a:bodyPr>
+              <a:lstStyle/>
+              <a:p>
+                <a:pPr algn="ctr"/>
+                <a14:m>
+                  <m:oMathPara xmlns:m="http://schemas.openxmlformats.org/officeDocument/2006/math">
+                    <m:oMathParaPr>
+                      <m:jc m:val="centerGroup"/>
+                    </m:oMathParaPr>
+                    <m:oMath xmlns:m="http://schemas.openxmlformats.org/officeDocument/2006/math">
+                      <m:r>
+                        <a:rPr lang="en-IN" sz="2000" b="1" i="1" smtClean="0">
+                          <a:latin typeface="Cambria Math" panose="02040503050406030204" pitchFamily="18" charset="0"/>
+                          <a:ea typeface="Cambria Math" panose="02040503050406030204" pitchFamily="18" charset="0"/>
+                        </a:rPr>
+                        <m:t>𝝁</m:t>
+                      </m:r>
+                      <m:r>
+                        <a:rPr lang="en-US" sz="2000" b="1" i="1" smtClean="0">
+                          <a:latin typeface="Cambria Math" panose="02040503050406030204" pitchFamily="18" charset="0"/>
+                          <a:ea typeface="Cambria Math" panose="02040503050406030204" pitchFamily="18" charset="0"/>
+                        </a:rPr>
+                        <m:t>𝒅𝑵</m:t>
+                      </m:r>
+                    </m:oMath>
+                  </m:oMathPara>
+                </a14:m>
+                <a:endParaRPr lang="en-IN" sz="2000" b="1"/>
+              </a:p>
+            </p:txBody>
+          </p:sp>
+        </mc:Choice>
+        <mc:Fallback>
+          <p:sp>
+            <p:nvSpPr>
+              <p:cNvPr id="38" name="TextBox 37">
+                <a:extLst>
+                  <a:ext uri="{FF2B5EF4-FFF2-40B4-BE49-F238E27FC236}">
+                    <a16:creationId xmlns:a16="http://schemas.microsoft.com/office/drawing/2014/main" id="{F52FA8BE-2B27-4947-8B67-4B0BB6176B16}"/>
+                  </a:ext>
+                </a:extLst>
+              </p:cNvPr>
+              <p:cNvSpPr txBox="1">
+                <a:spLocks noRot="1" noChangeAspect="1" noMove="1" noResize="1" noEditPoints="1" noAdjustHandles="1" noChangeArrowheads="1" noChangeShapeType="1" noTextEdit="1"/>
+              </p:cNvSpPr>
+              <p:nvPr/>
+            </p:nvSpPr>
+            <p:spPr>
+              <a:xfrm>
+                <a:off x="6296501" y="2341671"/>
+                <a:ext cx="692899" cy="307777"/>
+              </a:xfrm>
+              <a:prstGeom prst="rect">
+                <a:avLst/>
+              </a:prstGeom>
+              <a:blipFill>
+                <a:blip r:embed="rId3"/>
+                <a:stretch>
+                  <a:fillRect l="-4310" b="-18868"/>
+                </a:stretch>
+              </a:blipFill>
+              <a:ln>
+                <a:solidFill>
+                  <a:schemeClr val="tx1"/>
+                </a:solidFill>
+              </a:ln>
+            </p:spPr>
+            <p:txBody>
+              <a:bodyPr/>
+              <a:lstStyle/>
+              <a:p>
+                <a:r>
+                  <a:rPr lang="en-IN">
+                    <a:noFill/>
+                  </a:rPr>
+                  <a:t> </a:t>
+                </a:r>
+              </a:p>
+            </p:txBody>
+          </p:sp>
+        </mc:Fallback>
+      </mc:AlternateContent>
+      <mc:AlternateContent xmlns:mc="http://schemas.openxmlformats.org/markup-compatibility/2006">
+        <mc:Choice xmlns:a14="http://schemas.microsoft.com/office/drawing/2010/main" Requires="a14">
+          <p:sp>
+            <p:nvSpPr>
+              <p:cNvPr id="39" name="TextBox 38">
+                <a:extLst>
+                  <a:ext uri="{FF2B5EF4-FFF2-40B4-BE49-F238E27FC236}">
+                    <a16:creationId xmlns:a16="http://schemas.microsoft.com/office/drawing/2014/main" id="{727319A6-0625-4378-B9D6-A032988A1D6C}"/>
+                  </a:ext>
+                </a:extLst>
+              </p:cNvPr>
+              <p:cNvSpPr txBox="1"/>
+              <p:nvPr/>
+            </p:nvSpPr>
+            <p:spPr>
+              <a:xfrm>
+                <a:off x="5608599" y="2857585"/>
+                <a:ext cx="359907" cy="276999"/>
+              </a:xfrm>
+              <a:prstGeom prst="rect">
+                <a:avLst/>
+              </a:prstGeom>
+              <a:noFill/>
+            </p:spPr>
+            <p:txBody>
+              <a:bodyPr wrap="none" lIns="0" tIns="0" rIns="0" bIns="0" rtlCol="0">
+                <a:spAutoFit/>
+              </a:bodyPr>
+              <a:lstStyle/>
+              <a:p>
+                <a14:m>
+                  <m:oMathPara xmlns:m="http://schemas.openxmlformats.org/officeDocument/2006/math">
+                    <m:oMathParaPr>
+                      <m:jc m:val="centerGroup"/>
+                    </m:oMathParaPr>
+                    <m:oMath xmlns:m="http://schemas.openxmlformats.org/officeDocument/2006/math">
+                      <m:r>
+                        <a:rPr lang="en-US" b="0" i="1" smtClean="0">
+                          <a:latin typeface="Cambria Math" panose="02040503050406030204" pitchFamily="18" charset="0"/>
+                        </a:rPr>
+                        <m:t>𝑑𝑁</m:t>
+                      </m:r>
+                    </m:oMath>
+                  </m:oMathPara>
+                </a14:m>
+                <a:endParaRPr lang="en-IN"/>
+              </a:p>
+            </p:txBody>
+          </p:sp>
+        </mc:Choice>
+        <mc:Fallback>
+          <p:sp>
+            <p:nvSpPr>
+              <p:cNvPr id="39" name="TextBox 38">
+                <a:extLst>
+                  <a:ext uri="{FF2B5EF4-FFF2-40B4-BE49-F238E27FC236}">
+                    <a16:creationId xmlns:a16="http://schemas.microsoft.com/office/drawing/2014/main" id="{727319A6-0625-4378-B9D6-A032988A1D6C}"/>
+                  </a:ext>
+                </a:extLst>
+              </p:cNvPr>
+              <p:cNvSpPr txBox="1">
+                <a:spLocks noRot="1" noChangeAspect="1" noMove="1" noResize="1" noEditPoints="1" noAdjustHandles="1" noChangeArrowheads="1" noChangeShapeType="1" noTextEdit="1"/>
+              </p:cNvSpPr>
+              <p:nvPr/>
+            </p:nvSpPr>
+            <p:spPr>
+              <a:xfrm>
+                <a:off x="5608599" y="2857585"/>
+                <a:ext cx="359907" cy="276999"/>
+              </a:xfrm>
+              <a:prstGeom prst="rect">
+                <a:avLst/>
+              </a:prstGeom>
+              <a:blipFill>
+                <a:blip r:embed="rId4"/>
+                <a:stretch>
+                  <a:fillRect l="-16949" r="-15254" b="-8889"/>
+                </a:stretch>
+              </a:blipFill>
+            </p:spPr>
+            <p:txBody>
+              <a:bodyPr/>
+              <a:lstStyle/>
+              <a:p>
+                <a:r>
+                  <a:rPr lang="en-IN">
+                    <a:noFill/>
+                  </a:rPr>
+                  <a:t> </a:t>
+                </a:r>
+              </a:p>
+            </p:txBody>
+          </p:sp>
+        </mc:Fallback>
+      </mc:AlternateContent>
+      <p:cxnSp>
+        <p:nvCxnSpPr>
+          <p:cNvPr id="40" name="Straight Connector 39">
+            <a:extLst>
+              <a:ext uri="{FF2B5EF4-FFF2-40B4-BE49-F238E27FC236}">
+                <a16:creationId xmlns:a16="http://schemas.microsoft.com/office/drawing/2014/main" id="{D220191B-B018-4AEE-90D6-2D4F08F4CED4}"/>
+              </a:ext>
+            </a:extLst>
+          </p:cNvPr>
+          <p:cNvCxnSpPr>
+            <a:cxnSpLocks/>
+          </p:cNvCxnSpPr>
+          <p:nvPr/>
+        </p:nvCxnSpPr>
+        <p:spPr>
+          <a:xfrm>
+            <a:off x="4278263" y="2903939"/>
+            <a:ext cx="1025410" cy="0"/>
+          </a:xfrm>
+          <a:prstGeom prst="line">
+            <a:avLst/>
+          </a:prstGeom>
+          <a:ln w="19050">
+            <a:prstDash val="sysDot"/>
+          </a:ln>
+        </p:spPr>
+        <p:style>
+          <a:lnRef idx="1">
+            <a:schemeClr val="dk1"/>
+          </a:lnRef>
+          <a:fillRef idx="0">
+            <a:schemeClr val="dk1"/>
+          </a:fillRef>
+          <a:effectRef idx="0">
+            <a:schemeClr val="dk1"/>
+          </a:effectRef>
+          <a:fontRef idx="minor">
+            <a:schemeClr val="tx1"/>
+          </a:fontRef>
+        </p:style>
+      </p:cxnSp>
+      <p:cxnSp>
+        <p:nvCxnSpPr>
+          <p:cNvPr id="42" name="Straight Connector 41">
+            <a:extLst>
+              <a:ext uri="{FF2B5EF4-FFF2-40B4-BE49-F238E27FC236}">
+                <a16:creationId xmlns:a16="http://schemas.microsoft.com/office/drawing/2014/main" id="{B23BFA10-B509-46FC-A6FF-BB11CD5C2FE4}"/>
+              </a:ext>
+            </a:extLst>
+          </p:cNvPr>
+          <p:cNvCxnSpPr>
+            <a:cxnSpLocks/>
+          </p:cNvCxnSpPr>
+          <p:nvPr/>
+        </p:nvCxnSpPr>
+        <p:spPr>
+          <a:xfrm>
+            <a:off x="6690288" y="2917699"/>
+            <a:ext cx="1025410" cy="0"/>
+          </a:xfrm>
+          <a:prstGeom prst="line">
+            <a:avLst/>
+          </a:prstGeom>
+          <a:ln w="19050">
+            <a:prstDash val="sysDot"/>
+          </a:ln>
+        </p:spPr>
+        <p:style>
+          <a:lnRef idx="1">
+            <a:schemeClr val="dk1"/>
+          </a:lnRef>
+          <a:fillRef idx="0">
+            <a:schemeClr val="dk1"/>
+          </a:fillRef>
+          <a:effectRef idx="0">
+            <a:schemeClr val="dk1"/>
+          </a:effectRef>
+          <a:fontRef idx="minor">
+            <a:schemeClr val="tx1"/>
+          </a:fontRef>
+        </p:style>
+      </p:cxnSp>
+      <mc:AlternateContent xmlns:mc="http://schemas.openxmlformats.org/markup-compatibility/2006">
+        <mc:Choice xmlns:a14="http://schemas.microsoft.com/office/drawing/2010/main" Requires="a14">
+          <p:sp>
+            <p:nvSpPr>
+              <p:cNvPr id="45" name="TextBox 44">
+                <a:extLst>
+                  <a:ext uri="{FF2B5EF4-FFF2-40B4-BE49-F238E27FC236}">
+                    <a16:creationId xmlns:a16="http://schemas.microsoft.com/office/drawing/2014/main" id="{4C6726FA-6B16-4414-9BEA-D542487B4AB5}"/>
+                  </a:ext>
+                </a:extLst>
+              </p:cNvPr>
+              <p:cNvSpPr txBox="1"/>
+              <p:nvPr/>
+            </p:nvSpPr>
+            <p:spPr>
+              <a:xfrm>
+                <a:off x="4415154" y="2909836"/>
+                <a:ext cx="564578" cy="276999"/>
+              </a:xfrm>
+              <a:prstGeom prst="rect">
+                <a:avLst/>
+              </a:prstGeom>
+              <a:noFill/>
+            </p:spPr>
+            <p:txBody>
+              <a:bodyPr wrap="none" lIns="0" tIns="0" rIns="0" bIns="0" rtlCol="0">
+                <a:spAutoFit/>
+              </a:bodyPr>
+              <a:lstStyle/>
+              <a:p>
+                <a14:m>
+                  <m:oMathPara xmlns:m="http://schemas.openxmlformats.org/officeDocument/2006/math">
+                    <m:oMathParaPr>
+                      <m:jc m:val="centerGroup"/>
+                    </m:oMathParaPr>
+                    <m:oMath xmlns:m="http://schemas.openxmlformats.org/officeDocument/2006/math">
+                      <m:r>
+                        <a:rPr lang="en-US" b="0" i="1" smtClean="0">
+                          <a:latin typeface="Cambria Math" panose="02040503050406030204" pitchFamily="18" charset="0"/>
+                        </a:rPr>
+                        <m:t>𝑑</m:t>
+                      </m:r>
+                      <m:r>
+                        <a:rPr lang="en-US" b="0" i="1" smtClean="0">
+                          <a:latin typeface="Cambria Math" panose="02040503050406030204" pitchFamily="18" charset="0"/>
+                          <a:ea typeface="Cambria Math" panose="02040503050406030204" pitchFamily="18" charset="0"/>
+                        </a:rPr>
+                        <m:t>𝜃</m:t>
+                      </m:r>
+                      <m:r>
+                        <a:rPr lang="en-US" b="0" i="1" smtClean="0">
+                          <a:latin typeface="Cambria Math" panose="02040503050406030204" pitchFamily="18" charset="0"/>
+                          <a:ea typeface="Cambria Math" panose="02040503050406030204" pitchFamily="18" charset="0"/>
+                        </a:rPr>
+                        <m:t>/2</m:t>
+                      </m:r>
+                    </m:oMath>
+                  </m:oMathPara>
+                </a14:m>
+                <a:endParaRPr lang="en-IN"/>
+              </a:p>
+            </p:txBody>
+          </p:sp>
+        </mc:Choice>
+        <mc:Fallback>
+          <p:sp>
+            <p:nvSpPr>
+              <p:cNvPr id="45" name="TextBox 44">
+                <a:extLst>
+                  <a:ext uri="{FF2B5EF4-FFF2-40B4-BE49-F238E27FC236}">
+                    <a16:creationId xmlns:a16="http://schemas.microsoft.com/office/drawing/2014/main" id="{4C6726FA-6B16-4414-9BEA-D542487B4AB5}"/>
+                  </a:ext>
+                </a:extLst>
+              </p:cNvPr>
+              <p:cNvSpPr txBox="1">
+                <a:spLocks noRot="1" noChangeAspect="1" noMove="1" noResize="1" noEditPoints="1" noAdjustHandles="1" noChangeArrowheads="1" noChangeShapeType="1" noTextEdit="1"/>
+              </p:cNvSpPr>
+              <p:nvPr/>
+            </p:nvSpPr>
+            <p:spPr>
+              <a:xfrm>
+                <a:off x="4415154" y="2909836"/>
+                <a:ext cx="564578" cy="276999"/>
+              </a:xfrm>
+              <a:prstGeom prst="rect">
+                <a:avLst/>
+              </a:prstGeom>
+              <a:blipFill>
+                <a:blip r:embed="rId5"/>
+                <a:stretch>
+                  <a:fillRect l="-9677" t="-2174" r="-9677" b="-32609"/>
+                </a:stretch>
+              </a:blipFill>
+            </p:spPr>
+            <p:txBody>
+              <a:bodyPr/>
+              <a:lstStyle/>
+              <a:p>
+                <a:r>
+                  <a:rPr lang="en-IN">
+                    <a:noFill/>
+                  </a:rPr>
+                  <a:t> </a:t>
+                </a:r>
+              </a:p>
+            </p:txBody>
+          </p:sp>
+        </mc:Fallback>
+      </mc:AlternateContent>
+      <mc:AlternateContent xmlns:mc="http://schemas.openxmlformats.org/markup-compatibility/2006">
+        <mc:Choice xmlns:a14="http://schemas.microsoft.com/office/drawing/2010/main" Requires="a14">
+          <p:sp>
+            <p:nvSpPr>
+              <p:cNvPr id="46" name="TextBox 45">
+                <a:extLst>
+                  <a:ext uri="{FF2B5EF4-FFF2-40B4-BE49-F238E27FC236}">
+                    <a16:creationId xmlns:a16="http://schemas.microsoft.com/office/drawing/2014/main" id="{CAF7A166-F862-4F67-B84B-E96349AAF4F0}"/>
+                  </a:ext>
+                </a:extLst>
+              </p:cNvPr>
+              <p:cNvSpPr txBox="1"/>
+              <p:nvPr/>
+            </p:nvSpPr>
+            <p:spPr>
+              <a:xfrm>
+                <a:off x="6970399" y="2909836"/>
+                <a:ext cx="564578" cy="276999"/>
+              </a:xfrm>
+              <a:prstGeom prst="rect">
+                <a:avLst/>
+              </a:prstGeom>
+              <a:noFill/>
+            </p:spPr>
+            <p:txBody>
+              <a:bodyPr wrap="none" lIns="0" tIns="0" rIns="0" bIns="0" rtlCol="0">
+                <a:spAutoFit/>
+              </a:bodyPr>
+              <a:lstStyle/>
+              <a:p>
+                <a14:m>
+                  <m:oMathPara xmlns:m="http://schemas.openxmlformats.org/officeDocument/2006/math">
+                    <m:oMathParaPr>
+                      <m:jc m:val="centerGroup"/>
+                    </m:oMathParaPr>
+                    <m:oMath xmlns:m="http://schemas.openxmlformats.org/officeDocument/2006/math">
+                      <m:r>
+                        <a:rPr lang="en-US" b="0" i="1" smtClean="0">
+                          <a:latin typeface="Cambria Math" panose="02040503050406030204" pitchFamily="18" charset="0"/>
+                        </a:rPr>
+                        <m:t>𝑑</m:t>
+                      </m:r>
+                      <m:r>
+                        <a:rPr lang="en-US" b="0" i="1" smtClean="0">
+                          <a:latin typeface="Cambria Math" panose="02040503050406030204" pitchFamily="18" charset="0"/>
+                          <a:ea typeface="Cambria Math" panose="02040503050406030204" pitchFamily="18" charset="0"/>
+                        </a:rPr>
+                        <m:t>𝜃</m:t>
+                      </m:r>
+                      <m:r>
+                        <a:rPr lang="en-US" b="0" i="1" smtClean="0">
+                          <a:latin typeface="Cambria Math" panose="02040503050406030204" pitchFamily="18" charset="0"/>
+                          <a:ea typeface="Cambria Math" panose="02040503050406030204" pitchFamily="18" charset="0"/>
+                        </a:rPr>
+                        <m:t>/2</m:t>
+                      </m:r>
+                    </m:oMath>
+                  </m:oMathPara>
+                </a14:m>
+                <a:endParaRPr lang="en-IN"/>
+              </a:p>
+            </p:txBody>
+          </p:sp>
+        </mc:Choice>
+        <mc:Fallback>
+          <p:sp>
+            <p:nvSpPr>
+              <p:cNvPr id="46" name="TextBox 45">
+                <a:extLst>
+                  <a:ext uri="{FF2B5EF4-FFF2-40B4-BE49-F238E27FC236}">
+                    <a16:creationId xmlns:a16="http://schemas.microsoft.com/office/drawing/2014/main" id="{CAF7A166-F862-4F67-B84B-E96349AAF4F0}"/>
+                  </a:ext>
+                </a:extLst>
+              </p:cNvPr>
+              <p:cNvSpPr txBox="1">
+                <a:spLocks noRot="1" noChangeAspect="1" noMove="1" noResize="1" noEditPoints="1" noAdjustHandles="1" noChangeArrowheads="1" noChangeShapeType="1" noTextEdit="1"/>
+              </p:cNvSpPr>
+              <p:nvPr/>
+            </p:nvSpPr>
+            <p:spPr>
+              <a:xfrm>
+                <a:off x="6970399" y="2909836"/>
+                <a:ext cx="564578" cy="276999"/>
+              </a:xfrm>
+              <a:prstGeom prst="rect">
+                <a:avLst/>
+              </a:prstGeom>
+              <a:blipFill>
+                <a:blip r:embed="rId6"/>
+                <a:stretch>
+                  <a:fillRect l="-9677" t="-2174" r="-9677" b="-32609"/>
+                </a:stretch>
+              </a:blipFill>
+            </p:spPr>
+            <p:txBody>
+              <a:bodyPr/>
+              <a:lstStyle/>
+              <a:p>
+                <a:r>
+                  <a:rPr lang="en-IN">
+                    <a:noFill/>
+                  </a:rPr>
+                  <a:t> </a:t>
+                </a:r>
+              </a:p>
+            </p:txBody>
+          </p:sp>
+        </mc:Fallback>
+      </mc:AlternateContent>
+      <p:cxnSp>
+        <p:nvCxnSpPr>
+          <p:cNvPr id="52" name="Straight Arrow Connector 51">
+            <a:extLst>
+              <a:ext uri="{FF2B5EF4-FFF2-40B4-BE49-F238E27FC236}">
+                <a16:creationId xmlns:a16="http://schemas.microsoft.com/office/drawing/2014/main" id="{D53C049D-0927-4B56-9191-ADFB2DAF3914}"/>
+              </a:ext>
+            </a:extLst>
+          </p:cNvPr>
+          <p:cNvCxnSpPr>
+            <a:cxnSpLocks/>
+          </p:cNvCxnSpPr>
+          <p:nvPr/>
+        </p:nvCxnSpPr>
+        <p:spPr>
+          <a:xfrm>
+            <a:off x="6690288" y="2917699"/>
+            <a:ext cx="1276422" cy="0"/>
+          </a:xfrm>
+          <a:prstGeom prst="straightConnector1">
+            <a:avLst/>
+          </a:prstGeom>
+          <a:ln w="38100">
+            <a:prstDash val="sysDot"/>
+            <a:tailEnd type="triangle"/>
+          </a:ln>
+        </p:spPr>
+        <p:style>
+          <a:lnRef idx="1">
+            <a:schemeClr val="accent2"/>
+          </a:lnRef>
+          <a:fillRef idx="0">
+            <a:schemeClr val="accent2"/>
+          </a:fillRef>
+          <a:effectRef idx="0">
+            <a:schemeClr val="accent2"/>
+          </a:effectRef>
+          <a:fontRef idx="minor">
+            <a:schemeClr val="tx1"/>
+          </a:fontRef>
+        </p:style>
+      </p:cxnSp>
+      <p:cxnSp>
+        <p:nvCxnSpPr>
+          <p:cNvPr id="55" name="Straight Arrow Connector 54">
+            <a:extLst>
+              <a:ext uri="{FF2B5EF4-FFF2-40B4-BE49-F238E27FC236}">
+                <a16:creationId xmlns:a16="http://schemas.microsoft.com/office/drawing/2014/main" id="{16CF7CD1-E688-4613-B5E8-8B407D486C03}"/>
+              </a:ext>
+            </a:extLst>
+          </p:cNvPr>
+          <p:cNvCxnSpPr>
+            <a:cxnSpLocks/>
+          </p:cNvCxnSpPr>
+          <p:nvPr/>
+        </p:nvCxnSpPr>
+        <p:spPr>
+          <a:xfrm>
+            <a:off x="6690288" y="2903939"/>
+            <a:ext cx="0" cy="911273"/>
+          </a:xfrm>
+          <a:prstGeom prst="straightConnector1">
+            <a:avLst/>
+          </a:prstGeom>
+          <a:ln w="38100">
+            <a:prstDash val="sysDot"/>
+            <a:tailEnd type="triangle"/>
+          </a:ln>
+        </p:spPr>
+        <p:style>
+          <a:lnRef idx="1">
+            <a:schemeClr val="accent2"/>
+          </a:lnRef>
+          <a:fillRef idx="0">
+            <a:schemeClr val="accent2"/>
+          </a:fillRef>
+          <a:effectRef idx="0">
+            <a:schemeClr val="accent2"/>
+          </a:effectRef>
+          <a:fontRef idx="minor">
+            <a:schemeClr val="tx1"/>
+          </a:fontRef>
+        </p:style>
+      </p:cxnSp>
+      <p:cxnSp>
+        <p:nvCxnSpPr>
+          <p:cNvPr id="58" name="Straight Arrow Connector 57">
+            <a:extLst>
+              <a:ext uri="{FF2B5EF4-FFF2-40B4-BE49-F238E27FC236}">
+                <a16:creationId xmlns:a16="http://schemas.microsoft.com/office/drawing/2014/main" id="{8D5CC12D-AB5F-4933-894E-8746F0AFA519}"/>
+              </a:ext>
+            </a:extLst>
+          </p:cNvPr>
+          <p:cNvCxnSpPr>
+            <a:cxnSpLocks/>
+          </p:cNvCxnSpPr>
+          <p:nvPr/>
+        </p:nvCxnSpPr>
+        <p:spPr>
+          <a:xfrm>
+            <a:off x="5311221" y="2903939"/>
+            <a:ext cx="11239" cy="950351"/>
+          </a:xfrm>
+          <a:prstGeom prst="straightConnector1">
+            <a:avLst/>
+          </a:prstGeom>
+          <a:ln w="38100">
+            <a:prstDash val="sysDot"/>
+            <a:tailEnd type="triangle"/>
+          </a:ln>
+        </p:spPr>
+        <p:style>
+          <a:lnRef idx="1">
+            <a:schemeClr val="accent2"/>
+          </a:lnRef>
+          <a:fillRef idx="0">
+            <a:schemeClr val="accent2"/>
+          </a:fillRef>
+          <a:effectRef idx="0">
+            <a:schemeClr val="accent2"/>
+          </a:effectRef>
+          <a:fontRef idx="minor">
+            <a:schemeClr val="tx1"/>
+          </a:fontRef>
+        </p:style>
+      </p:cxnSp>
+      <p:cxnSp>
+        <p:nvCxnSpPr>
+          <p:cNvPr id="59" name="Straight Arrow Connector 58">
+            <a:extLst>
+              <a:ext uri="{FF2B5EF4-FFF2-40B4-BE49-F238E27FC236}">
+                <a16:creationId xmlns:a16="http://schemas.microsoft.com/office/drawing/2014/main" id="{AE5A4825-3AE5-4CD4-807F-8A2F6B991792}"/>
+              </a:ext>
+            </a:extLst>
+          </p:cNvPr>
+          <p:cNvCxnSpPr>
+            <a:cxnSpLocks/>
+          </p:cNvCxnSpPr>
+          <p:nvPr/>
+        </p:nvCxnSpPr>
+        <p:spPr>
+          <a:xfrm flipH="1">
+            <a:off x="4088130" y="2909319"/>
+            <a:ext cx="1234330" cy="0"/>
+          </a:xfrm>
+          <a:prstGeom prst="straightConnector1">
+            <a:avLst/>
+          </a:prstGeom>
+          <a:ln w="38100">
+            <a:prstDash val="sysDot"/>
+            <a:tailEnd type="triangle"/>
+          </a:ln>
+        </p:spPr>
+        <p:style>
+          <a:lnRef idx="1">
+            <a:schemeClr val="accent2"/>
+          </a:lnRef>
+          <a:fillRef idx="0">
+            <a:schemeClr val="accent2"/>
+          </a:fillRef>
+          <a:effectRef idx="0">
+            <a:schemeClr val="accent2"/>
+          </a:effectRef>
+          <a:fontRef idx="minor">
+            <a:schemeClr val="tx1"/>
+          </a:fontRef>
+        </p:style>
+      </p:cxnSp>
+      <mc:AlternateContent xmlns:mc="http://schemas.openxmlformats.org/markup-compatibility/2006">
+        <mc:Choice xmlns:a14="http://schemas.microsoft.com/office/drawing/2010/main" Requires="a14">
+          <p:sp>
+            <p:nvSpPr>
+              <p:cNvPr id="61" name="TextBox 60">
+                <a:extLst>
+                  <a:ext uri="{FF2B5EF4-FFF2-40B4-BE49-F238E27FC236}">
+                    <a16:creationId xmlns:a16="http://schemas.microsoft.com/office/drawing/2014/main" id="{269A048A-FB98-4E60-9765-9ECA49E1F756}"/>
+                  </a:ext>
+                </a:extLst>
+              </p:cNvPr>
+              <p:cNvSpPr txBox="1"/>
+              <p:nvPr/>
+            </p:nvSpPr>
+            <p:spPr>
+              <a:xfrm>
+                <a:off x="6575575" y="3833790"/>
+                <a:ext cx="982641" cy="460639"/>
+              </a:xfrm>
+              <a:prstGeom prst="rect">
+                <a:avLst/>
+              </a:prstGeom>
+              <a:noFill/>
+              <a:ln>
+                <a:solidFill>
+                  <a:schemeClr val="tx1"/>
+                </a:solidFill>
+              </a:ln>
+            </p:spPr>
+            <p:txBody>
+              <a:bodyPr wrap="none" lIns="0" tIns="0" rIns="0" bIns="0" rtlCol="0">
+                <a:spAutoFit/>
+              </a:bodyPr>
+              <a:lstStyle/>
+              <a:p>
+                <a:r>
+                  <a:rPr lang="en-US" sz="2000"/>
+                  <a:t>T</a:t>
+                </a:r>
+                <a14:m>
+                  <m:oMath xmlns:m="http://schemas.openxmlformats.org/officeDocument/2006/math">
+                    <m:func>
+                      <m:funcPr>
+                        <m:ctrlPr>
+                          <a:rPr lang="en-IN" sz="2000" smtClean="0">
+                            <a:latin typeface="Cambria Math" panose="02040503050406030204" pitchFamily="18" charset="0"/>
+                          </a:rPr>
+                        </m:ctrlPr>
+                      </m:funcPr>
+                      <m:fName>
+                        <m:r>
+                          <m:rPr>
+                            <m:sty m:val="p"/>
+                          </m:rPr>
+                          <a:rPr lang="en-IN" sz="2000" b="0">
+                            <a:latin typeface="Cambria Math" panose="02040503050406030204" pitchFamily="18" charset="0"/>
+                          </a:rPr>
+                          <m:t>sin</m:t>
+                        </m:r>
+                      </m:fName>
+                      <m:e>
+                        <m:d>
+                          <m:dPr>
+                            <m:ctrlPr>
+                              <a:rPr lang="en-IN" sz="2000" i="1">
+                                <a:latin typeface="Cambria Math" panose="02040503050406030204" pitchFamily="18" charset="0"/>
+                              </a:rPr>
+                            </m:ctrlPr>
+                          </m:dPr>
+                          <m:e>
+                            <m:f>
+                              <m:fPr>
+                                <m:ctrlPr>
+                                  <a:rPr lang="en-IN" sz="2000" i="1">
+                                    <a:latin typeface="Cambria Math" panose="02040503050406030204" pitchFamily="18" charset="0"/>
+                                  </a:rPr>
+                                </m:ctrlPr>
+                              </m:fPr>
+                              <m:num>
+                                <m:r>
+                                  <a:rPr lang="en-IN" sz="2000" b="0" i="0">
+                                    <a:latin typeface="Cambria Math" panose="02040503050406030204" pitchFamily="18" charset="0"/>
+                                  </a:rPr>
+                                  <m:t>ⅆ</m:t>
+                                </m:r>
+                                <m:r>
+                                  <a:rPr lang="en-IN" sz="2000" b="0" i="1">
+                                    <a:latin typeface="Cambria Math" panose="02040503050406030204" pitchFamily="18" charset="0"/>
+                                  </a:rPr>
+                                  <m:t>𝜃</m:t>
+                                </m:r>
+                              </m:num>
+                              <m:den>
+                                <m:r>
+                                  <a:rPr lang="en-IN" sz="2000" b="0" i="0">
+                                    <a:latin typeface="Cambria Math" panose="02040503050406030204" pitchFamily="18" charset="0"/>
+                                  </a:rPr>
+                                  <m:t>2</m:t>
+                                </m:r>
+                              </m:den>
+                            </m:f>
+                          </m:e>
+                        </m:d>
+                      </m:e>
+                    </m:func>
+                  </m:oMath>
+                </a14:m>
+                <a:endParaRPr lang="en-IN" sz="2000"/>
+              </a:p>
+            </p:txBody>
+          </p:sp>
+        </mc:Choice>
+        <mc:Fallback>
+          <p:sp>
+            <p:nvSpPr>
+              <p:cNvPr id="61" name="TextBox 60">
+                <a:extLst>
+                  <a:ext uri="{FF2B5EF4-FFF2-40B4-BE49-F238E27FC236}">
+                    <a16:creationId xmlns:a16="http://schemas.microsoft.com/office/drawing/2014/main" id="{269A048A-FB98-4E60-9765-9ECA49E1F756}"/>
+                  </a:ext>
+                </a:extLst>
+              </p:cNvPr>
+              <p:cNvSpPr txBox="1">
+                <a:spLocks noRot="1" noChangeAspect="1" noMove="1" noResize="1" noEditPoints="1" noAdjustHandles="1" noChangeArrowheads="1" noChangeShapeType="1" noTextEdit="1"/>
+              </p:cNvSpPr>
+              <p:nvPr/>
+            </p:nvSpPr>
+            <p:spPr>
+              <a:xfrm>
+                <a:off x="6575575" y="3833790"/>
+                <a:ext cx="982641" cy="460639"/>
+              </a:xfrm>
+              <a:prstGeom prst="rect">
+                <a:avLst/>
+              </a:prstGeom>
+              <a:blipFill>
+                <a:blip r:embed="rId7"/>
+                <a:stretch>
+                  <a:fillRect l="-15337" b="-15584"/>
+                </a:stretch>
+              </a:blipFill>
+              <a:ln>
+                <a:solidFill>
+                  <a:schemeClr val="tx1"/>
+                </a:solidFill>
+              </a:ln>
+            </p:spPr>
+            <p:txBody>
+              <a:bodyPr/>
+              <a:lstStyle/>
+              <a:p>
+                <a:r>
+                  <a:rPr lang="en-IN">
+                    <a:noFill/>
+                  </a:rPr>
+                  <a:t> </a:t>
+                </a:r>
+              </a:p>
+            </p:txBody>
+          </p:sp>
+        </mc:Fallback>
+      </mc:AlternateContent>
+      <mc:AlternateContent xmlns:mc="http://schemas.openxmlformats.org/markup-compatibility/2006">
+        <mc:Choice xmlns:a14="http://schemas.microsoft.com/office/drawing/2010/main" Requires="a14">
+          <p:sp>
+            <p:nvSpPr>
+              <p:cNvPr id="62" name="TextBox 61">
+                <a:extLst>
+                  <a:ext uri="{FF2B5EF4-FFF2-40B4-BE49-F238E27FC236}">
+                    <a16:creationId xmlns:a16="http://schemas.microsoft.com/office/drawing/2014/main" id="{C1DE4BFE-ADA9-4C58-938A-B17CB7C2EEE7}"/>
+                  </a:ext>
+                </a:extLst>
+              </p:cNvPr>
+              <p:cNvSpPr txBox="1"/>
+              <p:nvPr/>
+            </p:nvSpPr>
+            <p:spPr>
+              <a:xfrm>
+                <a:off x="7512950" y="2464400"/>
+                <a:ext cx="1064394" cy="460639"/>
+              </a:xfrm>
+              <a:prstGeom prst="rect">
+                <a:avLst/>
+              </a:prstGeom>
+              <a:noFill/>
+            </p:spPr>
+            <p:txBody>
+              <a:bodyPr wrap="none" lIns="0" tIns="0" rIns="0" bIns="0" rtlCol="0">
+                <a:spAutoFit/>
+              </a:bodyPr>
+              <a:lstStyle/>
+              <a:p>
+                <a:r>
+                  <a:rPr lang="en-US" sz="2000"/>
+                  <a:t>T</a:t>
+                </a:r>
+                <a14:m>
+                  <m:oMath xmlns:m="http://schemas.openxmlformats.org/officeDocument/2006/math">
+                    <m:func>
+                      <m:funcPr>
+                        <m:ctrlPr>
+                          <a:rPr lang="en-IN" sz="2000" smtClean="0">
+                            <a:latin typeface="Cambria Math" panose="02040503050406030204" pitchFamily="18" charset="0"/>
+                          </a:rPr>
+                        </m:ctrlPr>
+                      </m:funcPr>
+                      <m:fName>
+                        <m:r>
+                          <a:rPr lang="en-US" sz="2000" b="0" i="1" smtClean="0">
+                            <a:latin typeface="Cambria Math" panose="02040503050406030204" pitchFamily="18" charset="0"/>
+                          </a:rPr>
+                          <m:t>𝑐𝑜𝑠</m:t>
+                        </m:r>
+                      </m:fName>
+                      <m:e>
+                        <m:d>
+                          <m:dPr>
+                            <m:ctrlPr>
+                              <a:rPr lang="en-IN" sz="2000" i="1">
+                                <a:latin typeface="Cambria Math" panose="02040503050406030204" pitchFamily="18" charset="0"/>
+                              </a:rPr>
+                            </m:ctrlPr>
+                          </m:dPr>
+                          <m:e>
+                            <m:f>
+                              <m:fPr>
+                                <m:ctrlPr>
+                                  <a:rPr lang="en-IN" sz="2000" i="1">
+                                    <a:latin typeface="Cambria Math" panose="02040503050406030204" pitchFamily="18" charset="0"/>
+                                  </a:rPr>
+                                </m:ctrlPr>
+                              </m:fPr>
+                              <m:num>
+                                <m:r>
+                                  <a:rPr lang="en-IN" sz="2000" b="0" i="0">
+                                    <a:latin typeface="Cambria Math" panose="02040503050406030204" pitchFamily="18" charset="0"/>
+                                  </a:rPr>
+                                  <m:t>ⅆ</m:t>
+                                </m:r>
+                                <m:r>
+                                  <a:rPr lang="en-IN" sz="2000" b="0" i="1">
+                                    <a:latin typeface="Cambria Math" panose="02040503050406030204" pitchFamily="18" charset="0"/>
+                                  </a:rPr>
+                                  <m:t>𝜃</m:t>
+                                </m:r>
+                              </m:num>
+                              <m:den>
+                                <m:r>
+                                  <a:rPr lang="en-IN" sz="2000" b="0" i="0">
+                                    <a:latin typeface="Cambria Math" panose="02040503050406030204" pitchFamily="18" charset="0"/>
+                                  </a:rPr>
+                                  <m:t>2</m:t>
+                                </m:r>
+                              </m:den>
+                            </m:f>
+                          </m:e>
+                        </m:d>
+                      </m:e>
+                    </m:func>
+                  </m:oMath>
+                </a14:m>
+                <a:endParaRPr lang="en-IN" sz="2000"/>
+              </a:p>
+            </p:txBody>
+          </p:sp>
+        </mc:Choice>
+        <mc:Fallback>
+          <p:sp>
+            <p:nvSpPr>
+              <p:cNvPr id="62" name="TextBox 61">
+                <a:extLst>
+                  <a:ext uri="{FF2B5EF4-FFF2-40B4-BE49-F238E27FC236}">
+                    <a16:creationId xmlns:a16="http://schemas.microsoft.com/office/drawing/2014/main" id="{C1DE4BFE-ADA9-4C58-938A-B17CB7C2EEE7}"/>
+                  </a:ext>
+                </a:extLst>
+              </p:cNvPr>
+              <p:cNvSpPr txBox="1">
+                <a:spLocks noRot="1" noChangeAspect="1" noMove="1" noResize="1" noEditPoints="1" noAdjustHandles="1" noChangeArrowheads="1" noChangeShapeType="1" noTextEdit="1"/>
+              </p:cNvSpPr>
+              <p:nvPr/>
+            </p:nvSpPr>
+            <p:spPr>
+              <a:xfrm>
+                <a:off x="7512950" y="2464400"/>
+                <a:ext cx="1064394" cy="460639"/>
+              </a:xfrm>
+              <a:prstGeom prst="rect">
+                <a:avLst/>
+              </a:prstGeom>
+              <a:blipFill>
+                <a:blip r:embed="rId8"/>
+                <a:stretch>
+                  <a:fillRect l="-14286" b="-17105"/>
+                </a:stretch>
+              </a:blipFill>
+            </p:spPr>
+            <p:txBody>
+              <a:bodyPr/>
+              <a:lstStyle/>
+              <a:p>
+                <a:r>
+                  <a:rPr lang="en-IN">
+                    <a:noFill/>
+                  </a:rPr>
+                  <a:t> </a:t>
+                </a:r>
+              </a:p>
+            </p:txBody>
+          </p:sp>
+        </mc:Fallback>
+      </mc:AlternateContent>
+      <mc:AlternateContent xmlns:mc="http://schemas.openxmlformats.org/markup-compatibility/2006">
+        <mc:Choice xmlns:a14="http://schemas.microsoft.com/office/drawing/2010/main" Requires="a14">
+          <p:sp>
+            <p:nvSpPr>
+              <p:cNvPr id="63" name="TextBox 62">
+                <a:extLst>
+                  <a:ext uri="{FF2B5EF4-FFF2-40B4-BE49-F238E27FC236}">
+                    <a16:creationId xmlns:a16="http://schemas.microsoft.com/office/drawing/2014/main" id="{CCEEB155-97ED-4189-8C99-0C0A1EAFC303}"/>
+                  </a:ext>
+                </a:extLst>
+              </p:cNvPr>
+              <p:cNvSpPr txBox="1"/>
+              <p:nvPr/>
+            </p:nvSpPr>
+            <p:spPr>
+              <a:xfrm>
+                <a:off x="3995486" y="3854290"/>
+                <a:ext cx="1686359" cy="460639"/>
+              </a:xfrm>
+              <a:prstGeom prst="rect">
+                <a:avLst/>
+              </a:prstGeom>
+              <a:noFill/>
+              <a:ln>
+                <a:solidFill>
+                  <a:schemeClr val="tx1"/>
+                </a:solidFill>
+              </a:ln>
+            </p:spPr>
+            <p:txBody>
+              <a:bodyPr wrap="none" lIns="0" tIns="0" rIns="0" bIns="0" rtlCol="0">
+                <a:spAutoFit/>
+              </a:bodyPr>
+              <a:lstStyle/>
+              <a:p>
+                <a:r>
+                  <a:rPr lang="en-US" sz="2000"/>
+                  <a:t>(T</a:t>
+                </a:r>
+                <a14:m>
+                  <m:oMath xmlns:m="http://schemas.openxmlformats.org/officeDocument/2006/math">
+                    <m:func>
+                      <m:funcPr>
+                        <m:ctrlPr>
+                          <a:rPr lang="en-IN" sz="2000" smtClean="0">
+                            <a:latin typeface="Cambria Math" panose="02040503050406030204" pitchFamily="18" charset="0"/>
+                          </a:rPr>
+                        </m:ctrlPr>
+                      </m:funcPr>
+                      <m:fName>
+                        <m:r>
+                          <a:rPr lang="en-US" sz="2000" b="0" i="0" smtClean="0">
+                            <a:latin typeface="Cambria Math" panose="02040503050406030204" pitchFamily="18" charset="0"/>
+                          </a:rPr>
+                          <m:t>+</m:t>
+                        </m:r>
+                        <m:r>
+                          <m:rPr>
+                            <m:sty m:val="p"/>
+                          </m:rPr>
+                          <a:rPr lang="en-US" sz="2000" b="0" i="0" smtClean="0">
+                            <a:latin typeface="Cambria Math" panose="02040503050406030204" pitchFamily="18" charset="0"/>
+                          </a:rPr>
+                          <m:t>dT</m:t>
+                        </m:r>
+                        <m:r>
+                          <a:rPr lang="en-US" sz="2000" b="0" i="0" smtClean="0">
+                            <a:latin typeface="Cambria Math" panose="02040503050406030204" pitchFamily="18" charset="0"/>
+                          </a:rPr>
+                          <m:t>)</m:t>
+                        </m:r>
+                        <m:r>
+                          <m:rPr>
+                            <m:sty m:val="p"/>
+                          </m:rPr>
+                          <a:rPr lang="en-IN" sz="2000" b="0">
+                            <a:latin typeface="Cambria Math" panose="02040503050406030204" pitchFamily="18" charset="0"/>
+                          </a:rPr>
+                          <m:t>sin</m:t>
+                        </m:r>
+                      </m:fName>
+                      <m:e>
+                        <m:d>
+                          <m:dPr>
+                            <m:ctrlPr>
+                              <a:rPr lang="en-IN" sz="2000" i="1">
+                                <a:latin typeface="Cambria Math" panose="02040503050406030204" pitchFamily="18" charset="0"/>
+                              </a:rPr>
+                            </m:ctrlPr>
+                          </m:dPr>
+                          <m:e>
+                            <m:f>
+                              <m:fPr>
+                                <m:ctrlPr>
+                                  <a:rPr lang="en-IN" sz="2000" i="1">
+                                    <a:latin typeface="Cambria Math" panose="02040503050406030204" pitchFamily="18" charset="0"/>
+                                  </a:rPr>
+                                </m:ctrlPr>
+                              </m:fPr>
+                              <m:num>
+                                <m:r>
+                                  <a:rPr lang="en-IN" sz="2000" b="0" i="0">
+                                    <a:latin typeface="Cambria Math" panose="02040503050406030204" pitchFamily="18" charset="0"/>
+                                  </a:rPr>
+                                  <m:t>ⅆ</m:t>
+                                </m:r>
+                                <m:r>
+                                  <a:rPr lang="en-IN" sz="2000" b="0" i="1">
+                                    <a:latin typeface="Cambria Math" panose="02040503050406030204" pitchFamily="18" charset="0"/>
+                                  </a:rPr>
+                                  <m:t>𝜃</m:t>
+                                </m:r>
+                              </m:num>
+                              <m:den>
+                                <m:r>
+                                  <a:rPr lang="en-IN" sz="2000" b="0" i="0">
+                                    <a:latin typeface="Cambria Math" panose="02040503050406030204" pitchFamily="18" charset="0"/>
+                                  </a:rPr>
+                                  <m:t>2</m:t>
+                                </m:r>
+                              </m:den>
+                            </m:f>
+                          </m:e>
+                        </m:d>
+                      </m:e>
+                    </m:func>
+                  </m:oMath>
+                </a14:m>
+                <a:endParaRPr lang="en-IN" sz="2000"/>
+              </a:p>
+            </p:txBody>
+          </p:sp>
+        </mc:Choice>
+        <mc:Fallback>
+          <p:sp>
+            <p:nvSpPr>
+              <p:cNvPr id="63" name="TextBox 62">
+                <a:extLst>
+                  <a:ext uri="{FF2B5EF4-FFF2-40B4-BE49-F238E27FC236}">
+                    <a16:creationId xmlns:a16="http://schemas.microsoft.com/office/drawing/2014/main" id="{CCEEB155-97ED-4189-8C99-0C0A1EAFC303}"/>
+                  </a:ext>
+                </a:extLst>
+              </p:cNvPr>
+              <p:cNvSpPr txBox="1">
+                <a:spLocks noRot="1" noChangeAspect="1" noMove="1" noResize="1" noEditPoints="1" noAdjustHandles="1" noChangeArrowheads="1" noChangeShapeType="1" noTextEdit="1"/>
+              </p:cNvSpPr>
+              <p:nvPr/>
+            </p:nvSpPr>
+            <p:spPr>
+              <a:xfrm>
+                <a:off x="3995486" y="3854290"/>
+                <a:ext cx="1686359" cy="460639"/>
+              </a:xfrm>
+              <a:prstGeom prst="rect">
+                <a:avLst/>
+              </a:prstGeom>
+              <a:blipFill>
+                <a:blip r:embed="rId9"/>
+                <a:stretch>
+                  <a:fillRect l="-8602" b="-15385"/>
+                </a:stretch>
+              </a:blipFill>
+              <a:ln>
+                <a:solidFill>
+                  <a:schemeClr val="tx1"/>
+                </a:solidFill>
+              </a:ln>
+            </p:spPr>
+            <p:txBody>
+              <a:bodyPr/>
+              <a:lstStyle/>
+              <a:p>
+                <a:r>
+                  <a:rPr lang="en-IN">
+                    <a:noFill/>
+                  </a:rPr>
+                  <a:t> </a:t>
+                </a:r>
+              </a:p>
+            </p:txBody>
+          </p:sp>
+        </mc:Fallback>
+      </mc:AlternateContent>
+      <mc:AlternateContent xmlns:mc="http://schemas.openxmlformats.org/markup-compatibility/2006">
+        <mc:Choice xmlns:a14="http://schemas.microsoft.com/office/drawing/2010/main" Requires="a14">
+          <p:sp>
+            <p:nvSpPr>
+              <p:cNvPr id="67" name="TextBox 66">
+                <a:extLst>
+                  <a:ext uri="{FF2B5EF4-FFF2-40B4-BE49-F238E27FC236}">
+                    <a16:creationId xmlns:a16="http://schemas.microsoft.com/office/drawing/2014/main" id="{B1E0C440-218F-45BC-B1A0-54D1B1A26F86}"/>
+                  </a:ext>
+                </a:extLst>
+              </p:cNvPr>
+              <p:cNvSpPr txBox="1"/>
+              <p:nvPr/>
+            </p:nvSpPr>
+            <p:spPr>
+              <a:xfrm>
+                <a:off x="3374587" y="2355139"/>
+                <a:ext cx="1617430" cy="460639"/>
+              </a:xfrm>
+              <a:prstGeom prst="rect">
+                <a:avLst/>
+              </a:prstGeom>
+              <a:noFill/>
+            </p:spPr>
+            <p:txBody>
+              <a:bodyPr wrap="none" lIns="0" tIns="0" rIns="0" bIns="0" rtlCol="0">
+                <a:spAutoFit/>
+              </a:bodyPr>
+              <a:lstStyle/>
+              <a:p>
+                <a:r>
+                  <a:rPr lang="en-US" sz="2000"/>
+                  <a:t>(T+dT)</a:t>
+                </a:r>
+                <a14:m>
+                  <m:oMath xmlns:m="http://schemas.openxmlformats.org/officeDocument/2006/math">
+                    <m:func>
+                      <m:funcPr>
+                        <m:ctrlPr>
+                          <a:rPr lang="en-IN" sz="2000" smtClean="0">
+                            <a:latin typeface="Cambria Math" panose="02040503050406030204" pitchFamily="18" charset="0"/>
+                          </a:rPr>
+                        </m:ctrlPr>
+                      </m:funcPr>
+                      <m:fName>
+                        <m:r>
+                          <a:rPr lang="en-US" sz="2000" b="0" i="1" smtClean="0">
+                            <a:latin typeface="Cambria Math" panose="02040503050406030204" pitchFamily="18" charset="0"/>
+                          </a:rPr>
+                          <m:t>𝑐𝑜𝑠</m:t>
+                        </m:r>
+                      </m:fName>
+                      <m:e>
+                        <m:d>
+                          <m:dPr>
+                            <m:ctrlPr>
+                              <a:rPr lang="en-IN" sz="2000" i="1">
+                                <a:latin typeface="Cambria Math" panose="02040503050406030204" pitchFamily="18" charset="0"/>
+                              </a:rPr>
+                            </m:ctrlPr>
+                          </m:dPr>
+                          <m:e>
+                            <m:f>
+                              <m:fPr>
+                                <m:ctrlPr>
+                                  <a:rPr lang="en-IN" sz="2000" i="1">
+                                    <a:latin typeface="Cambria Math" panose="02040503050406030204" pitchFamily="18" charset="0"/>
+                                  </a:rPr>
+                                </m:ctrlPr>
+                              </m:fPr>
+                              <m:num>
+                                <m:r>
+                                  <a:rPr lang="en-IN" sz="2000" b="0" i="0">
+                                    <a:latin typeface="Cambria Math" panose="02040503050406030204" pitchFamily="18" charset="0"/>
+                                  </a:rPr>
+                                  <m:t>ⅆ</m:t>
+                                </m:r>
+                                <m:r>
+                                  <a:rPr lang="en-IN" sz="2000" b="0" i="1">
+                                    <a:latin typeface="Cambria Math" panose="02040503050406030204" pitchFamily="18" charset="0"/>
+                                  </a:rPr>
+                                  <m:t>𝜃</m:t>
+                                </m:r>
+                              </m:num>
+                              <m:den>
+                                <m:r>
+                                  <a:rPr lang="en-IN" sz="2000" b="0" i="0">
+                                    <a:latin typeface="Cambria Math" panose="02040503050406030204" pitchFamily="18" charset="0"/>
+                                  </a:rPr>
+                                  <m:t>2</m:t>
+                                </m:r>
+                              </m:den>
+                            </m:f>
+                          </m:e>
+                        </m:d>
+                      </m:e>
+                    </m:func>
+                  </m:oMath>
+                </a14:m>
+                <a:endParaRPr lang="en-IN" sz="2000"/>
+              </a:p>
+            </p:txBody>
+          </p:sp>
+        </mc:Choice>
+        <mc:Fallback>
+          <p:sp>
+            <p:nvSpPr>
+              <p:cNvPr id="67" name="TextBox 66">
+                <a:extLst>
+                  <a:ext uri="{FF2B5EF4-FFF2-40B4-BE49-F238E27FC236}">
+                    <a16:creationId xmlns:a16="http://schemas.microsoft.com/office/drawing/2014/main" id="{B1E0C440-218F-45BC-B1A0-54D1B1A26F86}"/>
+                  </a:ext>
+                </a:extLst>
+              </p:cNvPr>
+              <p:cNvSpPr txBox="1">
+                <a:spLocks noRot="1" noChangeAspect="1" noMove="1" noResize="1" noEditPoints="1" noAdjustHandles="1" noChangeArrowheads="1" noChangeShapeType="1" noTextEdit="1"/>
+              </p:cNvSpPr>
+              <p:nvPr/>
+            </p:nvSpPr>
+            <p:spPr>
+              <a:xfrm>
+                <a:off x="3374587" y="2355139"/>
+                <a:ext cx="1617430" cy="460639"/>
+              </a:xfrm>
+              <a:prstGeom prst="rect">
+                <a:avLst/>
+              </a:prstGeom>
+              <a:blipFill>
+                <a:blip r:embed="rId10"/>
+                <a:stretch>
+                  <a:fillRect l="-9811" b="-17105"/>
+                </a:stretch>
+              </a:blipFill>
+            </p:spPr>
+            <p:txBody>
+              <a:bodyPr/>
+              <a:lstStyle/>
+              <a:p>
+                <a:r>
+                  <a:rPr lang="en-IN">
+                    <a:noFill/>
+                  </a:rPr>
+                  <a:t> </a:t>
+                </a:r>
+              </a:p>
+            </p:txBody>
+          </p:sp>
+        </mc:Fallback>
+      </mc:AlternateContent>
+    </p:spTree>
+    <p:extLst>
+      <p:ext uri="{BB962C8B-B14F-4D97-AF65-F5344CB8AC3E}">
+        <p14:creationId xmlns:p14="http://schemas.microsoft.com/office/powerpoint/2010/main" val="2365426546"/>
       </p:ext>
     </p:extLst>
   </p:cSld>
